--- a/Sprint 10 - Pràctica final/Presentación - Enfermedades raras.pptx
+++ b/Sprint 10 - Pràctica final/Presentación - Enfermedades raras.pptx
@@ -335,7 +335,7 @@
             <a:fld id="{1D8BD707-D9CF-40AE-B4C6-C98DA3205C09}" type="datetimeFigureOut">
               <a:rPr lang="en-US" smtClean="0"/>
               <a:pPr/>
-              <a:t>4/11/2025</a:t>
+              <a:t>4/17/2025</a:t>
             </a:fld>
             <a:endParaRPr lang="en-US"/>
           </a:p>
@@ -378,7 +378,7 @@
             <a:fld id="{B6F15528-21DE-4FAA-801E-634DDDAF4B2B}" type="slidenum">
               <a:rPr lang="en-US" smtClean="0"/>
               <a:pPr/>
-              <a:t>‹#›</a:t>
+              <a:t>‹Nº›</a:t>
             </a:fld>
             <a:endParaRPr lang="en-US"/>
           </a:p>
@@ -500,7 +500,7 @@
             <a:fld id="{1D8BD707-D9CF-40AE-B4C6-C98DA3205C09}" type="datetimeFigureOut">
               <a:rPr lang="en-US" smtClean="0"/>
               <a:pPr/>
-              <a:t>4/11/2025</a:t>
+              <a:t>4/17/2025</a:t>
             </a:fld>
             <a:endParaRPr lang="en-US"/>
           </a:p>
@@ -543,7 +543,7 @@
             <a:fld id="{B6F15528-21DE-4FAA-801E-634DDDAF4B2B}" type="slidenum">
               <a:rPr lang="en-US" smtClean="0"/>
               <a:pPr/>
-              <a:t>‹#›</a:t>
+              <a:t>‹Nº›</a:t>
             </a:fld>
             <a:endParaRPr lang="en-US"/>
           </a:p>
@@ -675,7 +675,7 @@
             <a:fld id="{1D8BD707-D9CF-40AE-B4C6-C98DA3205C09}" type="datetimeFigureOut">
               <a:rPr lang="en-US" smtClean="0"/>
               <a:pPr/>
-              <a:t>4/11/2025</a:t>
+              <a:t>4/17/2025</a:t>
             </a:fld>
             <a:endParaRPr lang="en-US"/>
           </a:p>
@@ -718,7 +718,7 @@
             <a:fld id="{B6F15528-21DE-4FAA-801E-634DDDAF4B2B}" type="slidenum">
               <a:rPr lang="en-US" smtClean="0"/>
               <a:pPr/>
-              <a:t>‹#›</a:t>
+              <a:t>‹Nº›</a:t>
             </a:fld>
             <a:endParaRPr lang="en-US"/>
           </a:p>
@@ -840,7 +840,7 @@
             <a:fld id="{1D8BD707-D9CF-40AE-B4C6-C98DA3205C09}" type="datetimeFigureOut">
               <a:rPr lang="en-US" smtClean="0"/>
               <a:pPr/>
-              <a:t>4/11/2025</a:t>
+              <a:t>4/17/2025</a:t>
             </a:fld>
             <a:endParaRPr lang="en-US"/>
           </a:p>
@@ -883,7 +883,7 @@
             <a:fld id="{B6F15528-21DE-4FAA-801E-634DDDAF4B2B}" type="slidenum">
               <a:rPr lang="en-US" smtClean="0"/>
               <a:pPr/>
-              <a:t>‹#›</a:t>
+              <a:t>‹Nº›</a:t>
             </a:fld>
             <a:endParaRPr lang="en-US"/>
           </a:p>
@@ -1082,7 +1082,7 @@
             <a:fld id="{1D8BD707-D9CF-40AE-B4C6-C98DA3205C09}" type="datetimeFigureOut">
               <a:rPr lang="en-US" smtClean="0"/>
               <a:pPr/>
-              <a:t>4/11/2025</a:t>
+              <a:t>4/17/2025</a:t>
             </a:fld>
             <a:endParaRPr lang="en-US"/>
           </a:p>
@@ -1125,7 +1125,7 @@
             <a:fld id="{B6F15528-21DE-4FAA-801E-634DDDAF4B2B}" type="slidenum">
               <a:rPr lang="en-US" smtClean="0"/>
               <a:pPr/>
-              <a:t>‹#›</a:t>
+              <a:t>‹Nº›</a:t>
             </a:fld>
             <a:endParaRPr lang="en-US"/>
           </a:p>
@@ -1364,7 +1364,7 @@
             <a:fld id="{1D8BD707-D9CF-40AE-B4C6-C98DA3205C09}" type="datetimeFigureOut">
               <a:rPr lang="en-US" smtClean="0"/>
               <a:pPr/>
-              <a:t>4/11/2025</a:t>
+              <a:t>4/17/2025</a:t>
             </a:fld>
             <a:endParaRPr lang="en-US"/>
           </a:p>
@@ -1407,7 +1407,7 @@
             <a:fld id="{B6F15528-21DE-4FAA-801E-634DDDAF4B2B}" type="slidenum">
               <a:rPr lang="en-US" smtClean="0"/>
               <a:pPr/>
-              <a:t>‹#›</a:t>
+              <a:t>‹Nº›</a:t>
             </a:fld>
             <a:endParaRPr lang="en-US"/>
           </a:p>
@@ -1780,7 +1780,7 @@
             <a:fld id="{1D8BD707-D9CF-40AE-B4C6-C98DA3205C09}" type="datetimeFigureOut">
               <a:rPr lang="en-US" smtClean="0"/>
               <a:pPr/>
-              <a:t>4/11/2025</a:t>
+              <a:t>4/17/2025</a:t>
             </a:fld>
             <a:endParaRPr lang="en-US"/>
           </a:p>
@@ -1823,7 +1823,7 @@
             <a:fld id="{B6F15528-21DE-4FAA-801E-634DDDAF4B2B}" type="slidenum">
               <a:rPr lang="en-US" smtClean="0"/>
               <a:pPr/>
-              <a:t>‹#›</a:t>
+              <a:t>‹Nº›</a:t>
             </a:fld>
             <a:endParaRPr lang="en-US"/>
           </a:p>
@@ -1894,7 +1894,7 @@
             <a:fld id="{1D8BD707-D9CF-40AE-B4C6-C98DA3205C09}" type="datetimeFigureOut">
               <a:rPr lang="en-US" smtClean="0"/>
               <a:pPr/>
-              <a:t>4/11/2025</a:t>
+              <a:t>4/17/2025</a:t>
             </a:fld>
             <a:endParaRPr lang="en-US"/>
           </a:p>
@@ -1937,7 +1937,7 @@
             <a:fld id="{B6F15528-21DE-4FAA-801E-634DDDAF4B2B}" type="slidenum">
               <a:rPr lang="en-US" smtClean="0"/>
               <a:pPr/>
-              <a:t>‹#›</a:t>
+              <a:t>‹Nº›</a:t>
             </a:fld>
             <a:endParaRPr lang="en-US"/>
           </a:p>
@@ -1986,7 +1986,7 @@
             <a:fld id="{1D8BD707-D9CF-40AE-B4C6-C98DA3205C09}" type="datetimeFigureOut">
               <a:rPr lang="en-US" smtClean="0"/>
               <a:pPr/>
-              <a:t>4/11/2025</a:t>
+              <a:t>4/17/2025</a:t>
             </a:fld>
             <a:endParaRPr lang="en-US"/>
           </a:p>
@@ -2029,7 +2029,7 @@
             <a:fld id="{B6F15528-21DE-4FAA-801E-634DDDAF4B2B}" type="slidenum">
               <a:rPr lang="en-US" smtClean="0"/>
               <a:pPr/>
-              <a:t>‹#›</a:t>
+              <a:t>‹Nº›</a:t>
             </a:fld>
             <a:endParaRPr lang="en-US"/>
           </a:p>
@@ -2258,7 +2258,7 @@
             <a:fld id="{1D8BD707-D9CF-40AE-B4C6-C98DA3205C09}" type="datetimeFigureOut">
               <a:rPr lang="en-US" smtClean="0"/>
               <a:pPr/>
-              <a:t>4/11/2025</a:t>
+              <a:t>4/17/2025</a:t>
             </a:fld>
             <a:endParaRPr lang="en-US"/>
           </a:p>
@@ -2301,7 +2301,7 @@
             <a:fld id="{B6F15528-21DE-4FAA-801E-634DDDAF4B2B}" type="slidenum">
               <a:rPr lang="en-US" smtClean="0"/>
               <a:pPr/>
-              <a:t>‹#›</a:t>
+              <a:t>‹Nº›</a:t>
             </a:fld>
             <a:endParaRPr lang="en-US"/>
           </a:p>
@@ -2507,7 +2507,7 @@
             <a:fld id="{1D8BD707-D9CF-40AE-B4C6-C98DA3205C09}" type="datetimeFigureOut">
               <a:rPr lang="en-US" smtClean="0"/>
               <a:pPr/>
-              <a:t>4/11/2025</a:t>
+              <a:t>4/17/2025</a:t>
             </a:fld>
             <a:endParaRPr lang="en-US"/>
           </a:p>
@@ -2550,7 +2550,7 @@
             <a:fld id="{B6F15528-21DE-4FAA-801E-634DDDAF4B2B}" type="slidenum">
               <a:rPr lang="en-US" smtClean="0"/>
               <a:pPr/>
-              <a:t>‹#›</a:t>
+              <a:t>‹Nº›</a:t>
             </a:fld>
             <a:endParaRPr lang="en-US"/>
           </a:p>
@@ -2715,7 +2715,7 @@
             <a:fld id="{1D8BD707-D9CF-40AE-B4C6-C98DA3205C09}" type="datetimeFigureOut">
               <a:rPr lang="en-US" smtClean="0"/>
               <a:pPr/>
-              <a:t>4/11/2025</a:t>
+              <a:t>4/17/2025</a:t>
             </a:fld>
             <a:endParaRPr lang="en-US"/>
           </a:p>
@@ -2794,7 +2794,7 @@
             <a:fld id="{B6F15528-21DE-4FAA-801E-634DDDAF4B2B}" type="slidenum">
               <a:rPr lang="en-US" smtClean="0"/>
               <a:pPr/>
-              <a:t>‹#›</a:t>
+              <a:t>‹Nº›</a:t>
             </a:fld>
             <a:endParaRPr lang="en-US"/>
           </a:p>
@@ -4309,7 +4309,7 @@
         </p:nvSpPr>
         <p:spPr>
           <a:xfrm>
-            <a:off x="1483683" y="1333500"/>
+            <a:off x="-754813" y="0"/>
             <a:ext cx="6191758" cy="4154984"/>
           </a:xfrm>
           <a:prstGeom prst="rect">
@@ -4334,6 +4334,51 @@
           </a:p>
         </p:txBody>
       </p:sp>
+      <p:pic>
+        <p:nvPicPr>
+          <p:cNvPr id="24" name="Imagen 23" descr="Forma, nombre de la empresa, Flecha&#10;&#10;El contenido generado por IA puede ser incorrecto.">
+            <a:extLst>
+              <a:ext uri="{FF2B5EF4-FFF2-40B4-BE49-F238E27FC236}">
+                <a16:creationId xmlns:a16="http://schemas.microsoft.com/office/drawing/2014/main" id="{334D8049-2D0C-7719-BD23-934000224693}"/>
+              </a:ext>
+            </a:extLst>
+          </p:cNvPr>
+          <p:cNvPicPr>
+            <a:picLocks noChangeAspect="1"/>
+          </p:cNvPicPr>
+          <p:nvPr/>
+        </p:nvPicPr>
+        <p:blipFill>
+          <a:blip r:embed="rId23" cstate="print">
+            <a:extLst>
+              <a:ext uri="{BEBA8EAE-BF5A-486C-A8C5-ECC9F3942E4B}">
+                <a14:imgProps xmlns:a14="http://schemas.microsoft.com/office/drawing/2010/main">
+                  <a14:imgLayer r:embed="rId24">
+                    <a14:imgEffect>
+                      <a14:backgroundRemoval t="10000" b="90000" l="10000" r="90000"/>
+                    </a14:imgEffect>
+                  </a14:imgLayer>
+                </a14:imgProps>
+              </a:ext>
+              <a:ext uri="{28A0092B-C50C-407E-A947-70E740481C1C}">
+                <a14:useLocalDpi xmlns:a14="http://schemas.microsoft.com/office/drawing/2010/main" val="0"/>
+              </a:ext>
+            </a:extLst>
+          </a:blip>
+          <a:stretch>
+            <a:fillRect/>
+          </a:stretch>
+        </p:blipFill>
+        <p:spPr>
+          <a:xfrm>
+            <a:off x="16611600" y="-20141"/>
+            <a:ext cx="1887041" cy="1887041"/>
+          </a:xfrm>
+          <a:prstGeom prst="rect">
+            <a:avLst/>
+          </a:prstGeom>
+        </p:spPr>
+      </p:pic>
     </p:spTree>
   </p:cSld>
   <p:clrMapOvr>
@@ -12872,183 +12917,6 @@
       </p:grpSp>
       <p:sp>
         <p:nvSpPr>
-          <p:cNvPr id="9" name="Freeform 9"/>
-          <p:cNvSpPr/>
-          <p:nvPr/>
-        </p:nvSpPr>
-        <p:spPr>
-          <a:xfrm>
-            <a:off x="9432945" y="5542054"/>
-            <a:ext cx="5018594" cy="5403600"/>
-          </a:xfrm>
-          <a:custGeom>
-            <a:avLst/>
-            <a:gdLst/>
-            <a:ahLst/>
-            <a:cxnLst/>
-            <a:rect l="l" t="t" r="r" b="b"/>
-            <a:pathLst>
-              <a:path w="5018594" h="5403600">
-                <a:moveTo>
-                  <a:pt x="0" y="0"/>
-                </a:moveTo>
-                <a:lnTo>
-                  <a:pt x="5018594" y="0"/>
-                </a:lnTo>
-                <a:lnTo>
-                  <a:pt x="5018594" y="5403600"/>
-                </a:lnTo>
-                <a:lnTo>
-                  <a:pt x="0" y="5403600"/>
-                </a:lnTo>
-                <a:lnTo>
-                  <a:pt x="0" y="0"/>
-                </a:lnTo>
-                <a:close/>
-              </a:path>
-            </a:pathLst>
-          </a:custGeom>
-          <a:blipFill>
-            <a:blip r:embed="rId8">
-              <a:extLst>
-                <a:ext uri="{96DAC541-7B7A-43D3-8B79-37D633B846F1}">
-                  <asvg:svgBlip xmlns:asvg="http://schemas.microsoft.com/office/drawing/2016/SVG/main" r:embed="rId9"/>
-                </a:ext>
-              </a:extLst>
-            </a:blip>
-            <a:stretch>
-              <a:fillRect/>
-            </a:stretch>
-          </a:blipFill>
-        </p:spPr>
-        <p:txBody>
-          <a:bodyPr/>
-          <a:lstStyle/>
-          <a:p>
-            <a:endParaRPr lang="es-ES" noProof="0" dirty="0"/>
-          </a:p>
-        </p:txBody>
-      </p:sp>
-      <p:sp>
-        <p:nvSpPr>
-          <p:cNvPr id="10" name="Freeform 10"/>
-          <p:cNvSpPr/>
-          <p:nvPr/>
-        </p:nvSpPr>
-        <p:spPr>
-          <a:xfrm>
-            <a:off x="2639554" y="5542054"/>
-            <a:ext cx="3814457" cy="5060639"/>
-          </a:xfrm>
-          <a:custGeom>
-            <a:avLst/>
-            <a:gdLst/>
-            <a:ahLst/>
-            <a:cxnLst/>
-            <a:rect l="l" t="t" r="r" b="b"/>
-            <a:pathLst>
-              <a:path w="3814457" h="5060639">
-                <a:moveTo>
-                  <a:pt x="0" y="0"/>
-                </a:moveTo>
-                <a:lnTo>
-                  <a:pt x="3814457" y="0"/>
-                </a:lnTo>
-                <a:lnTo>
-                  <a:pt x="3814457" y="5060640"/>
-                </a:lnTo>
-                <a:lnTo>
-                  <a:pt x="0" y="5060640"/>
-                </a:lnTo>
-                <a:lnTo>
-                  <a:pt x="0" y="0"/>
-                </a:lnTo>
-                <a:close/>
-              </a:path>
-            </a:pathLst>
-          </a:custGeom>
-          <a:blipFill>
-            <a:blip r:embed="rId10">
-              <a:extLst>
-                <a:ext uri="{96DAC541-7B7A-43D3-8B79-37D633B846F1}">
-                  <asvg:svgBlip xmlns:asvg="http://schemas.microsoft.com/office/drawing/2016/SVG/main" r:embed="rId11"/>
-                </a:ext>
-              </a:extLst>
-            </a:blip>
-            <a:stretch>
-              <a:fillRect/>
-            </a:stretch>
-          </a:blipFill>
-        </p:spPr>
-        <p:txBody>
-          <a:bodyPr/>
-          <a:lstStyle/>
-          <a:p>
-            <a:endParaRPr lang="es-ES" noProof="0" dirty="0"/>
-          </a:p>
-        </p:txBody>
-      </p:sp>
-      <p:sp>
-        <p:nvSpPr>
-          <p:cNvPr id="11" name="Freeform 11"/>
-          <p:cNvSpPr/>
-          <p:nvPr/>
-        </p:nvSpPr>
-        <p:spPr>
-          <a:xfrm>
-            <a:off x="5644433" y="5542054"/>
-            <a:ext cx="4031635" cy="5229715"/>
-          </a:xfrm>
-          <a:custGeom>
-            <a:avLst/>
-            <a:gdLst/>
-            <a:ahLst/>
-            <a:cxnLst/>
-            <a:rect l="l" t="t" r="r" b="b"/>
-            <a:pathLst>
-              <a:path w="4031635" h="5229715">
-                <a:moveTo>
-                  <a:pt x="0" y="0"/>
-                </a:moveTo>
-                <a:lnTo>
-                  <a:pt x="4031635" y="0"/>
-                </a:lnTo>
-                <a:lnTo>
-                  <a:pt x="4031635" y="5229715"/>
-                </a:lnTo>
-                <a:lnTo>
-                  <a:pt x="0" y="5229715"/>
-                </a:lnTo>
-                <a:lnTo>
-                  <a:pt x="0" y="0"/>
-                </a:lnTo>
-                <a:close/>
-              </a:path>
-            </a:pathLst>
-          </a:custGeom>
-          <a:blipFill>
-            <a:blip r:embed="rId12">
-              <a:extLst>
-                <a:ext uri="{96DAC541-7B7A-43D3-8B79-37D633B846F1}">
-                  <asvg:svgBlip xmlns:asvg="http://schemas.microsoft.com/office/drawing/2016/SVG/main" r:embed="rId13"/>
-                </a:ext>
-              </a:extLst>
-            </a:blip>
-            <a:stretch>
-              <a:fillRect/>
-            </a:stretch>
-          </a:blipFill>
-        </p:spPr>
-        <p:txBody>
-          <a:bodyPr/>
-          <a:lstStyle/>
-          <a:p>
-            <a:endParaRPr lang="es-ES" noProof="0" dirty="0"/>
-          </a:p>
-        </p:txBody>
-      </p:sp>
-      <p:sp>
-        <p:nvSpPr>
           <p:cNvPr id="12" name="Freeform 12"/>
           <p:cNvSpPr/>
           <p:nvPr/>
@@ -13086,10 +12954,10 @@
             </a:pathLst>
           </a:custGeom>
           <a:blipFill>
-            <a:blip r:embed="rId14">
+            <a:blip r:embed="rId8">
               <a:extLst>
                 <a:ext uri="{96DAC541-7B7A-43D3-8B79-37D633B846F1}">
-                  <asvg:svgBlip xmlns:asvg="http://schemas.microsoft.com/office/drawing/2016/SVG/main" r:embed="rId15"/>
+                  <asvg:svgBlip xmlns:asvg="http://schemas.microsoft.com/office/drawing/2016/SVG/main" r:embed="rId9"/>
                 </a:ext>
               </a:extLst>
             </a:blip>
@@ -13145,10 +13013,10 @@
             </a:pathLst>
           </a:custGeom>
           <a:blipFill>
-            <a:blip r:embed="rId16">
+            <a:blip r:embed="rId10">
               <a:extLst>
                 <a:ext uri="{96DAC541-7B7A-43D3-8B79-37D633B846F1}">
-                  <asvg:svgBlip xmlns:asvg="http://schemas.microsoft.com/office/drawing/2016/SVG/main" r:embed="rId17"/>
+                  <asvg:svgBlip xmlns:asvg="http://schemas.microsoft.com/office/drawing/2016/SVG/main" r:embed="rId11"/>
                 </a:ext>
               </a:extLst>
             </a:blip>
@@ -13165,65 +13033,263 @@
           </a:p>
         </p:txBody>
       </p:sp>
-      <p:sp>
-        <p:nvSpPr>
-          <p:cNvPr id="14" name="Freeform 14"/>
-          <p:cNvSpPr/>
+      <p:grpSp>
+        <p:nvGrpSpPr>
+          <p:cNvPr id="18" name="Group 17">
+            <a:extLst>
+              <a:ext uri="{FF2B5EF4-FFF2-40B4-BE49-F238E27FC236}">
+                <a16:creationId xmlns:a16="http://schemas.microsoft.com/office/drawing/2014/main" id="{74A503DC-C855-7A02-8225-7C37095A98DB}"/>
+              </a:ext>
+            </a:extLst>
+          </p:cNvPr>
+          <p:cNvGrpSpPr/>
           <p:nvPr/>
-        </p:nvSpPr>
-        <p:spPr>
+        </p:nvGrpSpPr>
+        <p:grpSpPr>
           <a:xfrm>
-            <a:off x="12635147" y="5372979"/>
-            <a:ext cx="3123355" cy="5205592"/>
+            <a:off x="3352489" y="5813981"/>
+            <a:ext cx="11161188" cy="5160734"/>
+            <a:chOff x="2639554" y="5850457"/>
+            <a:chExt cx="11161188" cy="5160734"/>
           </a:xfrm>
-          <a:custGeom>
-            <a:avLst/>
-            <a:gdLst/>
-            <a:ahLst/>
-            <a:cxnLst/>
-            <a:rect l="l" t="t" r="r" b="b"/>
-            <a:pathLst>
-              <a:path w="3123355" h="5205592">
-                <a:moveTo>
-                  <a:pt x="0" y="0"/>
-                </a:moveTo>
-                <a:lnTo>
-                  <a:pt x="3123356" y="0"/>
-                </a:lnTo>
-                <a:lnTo>
-                  <a:pt x="3123356" y="5205592"/>
-                </a:lnTo>
-                <a:lnTo>
-                  <a:pt x="0" y="5205592"/>
-                </a:lnTo>
-                <a:lnTo>
-                  <a:pt x="0" y="0"/>
-                </a:lnTo>
-                <a:close/>
-              </a:path>
-            </a:pathLst>
-          </a:custGeom>
-          <a:blipFill>
-            <a:blip r:embed="rId18">
-              <a:extLst>
-                <a:ext uri="{96DAC541-7B7A-43D3-8B79-37D633B846F1}">
-                  <asvg:svgBlip xmlns:asvg="http://schemas.microsoft.com/office/drawing/2016/SVG/main" r:embed="rId19"/>
-                </a:ext>
-              </a:extLst>
-            </a:blip>
-            <a:stretch>
-              <a:fillRect/>
-            </a:stretch>
-          </a:blipFill>
-        </p:spPr>
-        <p:txBody>
-          <a:bodyPr/>
-          <a:lstStyle/>
-          <a:p>
-            <a:endParaRPr lang="es-ES" noProof="0" dirty="0"/>
-          </a:p>
-        </p:txBody>
-      </p:sp>
+        </p:grpSpPr>
+        <p:sp>
+          <p:nvSpPr>
+            <p:cNvPr id="9" name="Freeform 9"/>
+            <p:cNvSpPr/>
+            <p:nvPr/>
+          </p:nvSpPr>
+          <p:spPr>
+            <a:xfrm>
+              <a:off x="8656891" y="6017302"/>
+              <a:ext cx="4156736" cy="4993889"/>
+            </a:xfrm>
+            <a:custGeom>
+              <a:avLst/>
+              <a:gdLst/>
+              <a:ahLst/>
+              <a:cxnLst/>
+              <a:rect l="l" t="t" r="r" b="b"/>
+              <a:pathLst>
+                <a:path w="5018594" h="5403600">
+                  <a:moveTo>
+                    <a:pt x="0" y="0"/>
+                  </a:moveTo>
+                  <a:lnTo>
+                    <a:pt x="5018594" y="0"/>
+                  </a:lnTo>
+                  <a:lnTo>
+                    <a:pt x="5018594" y="5403600"/>
+                  </a:lnTo>
+                  <a:lnTo>
+                    <a:pt x="0" y="5403600"/>
+                  </a:lnTo>
+                  <a:lnTo>
+                    <a:pt x="0" y="0"/>
+                  </a:lnTo>
+                  <a:close/>
+                </a:path>
+              </a:pathLst>
+            </a:custGeom>
+            <a:blipFill>
+              <a:blip r:embed="rId12">
+                <a:extLst>
+                  <a:ext uri="{96DAC541-7B7A-43D3-8B79-37D633B846F1}">
+                    <asvg:svgBlip xmlns:asvg="http://schemas.microsoft.com/office/drawing/2016/SVG/main" r:embed="rId13"/>
+                  </a:ext>
+                </a:extLst>
+              </a:blip>
+              <a:stretch>
+                <a:fillRect/>
+              </a:stretch>
+            </a:blipFill>
+          </p:spPr>
+          <p:txBody>
+            <a:bodyPr/>
+            <a:lstStyle/>
+            <a:p>
+              <a:endParaRPr lang="es-ES" noProof="0" dirty="0"/>
+            </a:p>
+          </p:txBody>
+        </p:sp>
+        <p:sp>
+          <p:nvSpPr>
+            <p:cNvPr id="10" name="Freeform 10"/>
+            <p:cNvSpPr/>
+            <p:nvPr/>
+          </p:nvSpPr>
+          <p:spPr>
+            <a:xfrm>
+              <a:off x="2639554" y="5925761"/>
+              <a:ext cx="3159389" cy="4676932"/>
+            </a:xfrm>
+            <a:custGeom>
+              <a:avLst/>
+              <a:gdLst/>
+              <a:ahLst/>
+              <a:cxnLst/>
+              <a:rect l="l" t="t" r="r" b="b"/>
+              <a:pathLst>
+                <a:path w="3814457" h="5060639">
+                  <a:moveTo>
+                    <a:pt x="0" y="0"/>
+                  </a:moveTo>
+                  <a:lnTo>
+                    <a:pt x="3814457" y="0"/>
+                  </a:lnTo>
+                  <a:lnTo>
+                    <a:pt x="3814457" y="5060640"/>
+                  </a:lnTo>
+                  <a:lnTo>
+                    <a:pt x="0" y="5060640"/>
+                  </a:lnTo>
+                  <a:lnTo>
+                    <a:pt x="0" y="0"/>
+                  </a:lnTo>
+                  <a:close/>
+                </a:path>
+              </a:pathLst>
+            </a:custGeom>
+            <a:blipFill>
+              <a:blip r:embed="rId14">
+                <a:extLst>
+                  <a:ext uri="{96DAC541-7B7A-43D3-8B79-37D633B846F1}">
+                    <asvg:svgBlip xmlns:asvg="http://schemas.microsoft.com/office/drawing/2016/SVG/main" r:embed="rId15"/>
+                  </a:ext>
+                </a:extLst>
+              </a:blip>
+              <a:stretch>
+                <a:fillRect/>
+              </a:stretch>
+            </a:blipFill>
+          </p:spPr>
+          <p:txBody>
+            <a:bodyPr/>
+            <a:lstStyle/>
+            <a:p>
+              <a:endParaRPr lang="es-ES" noProof="0" dirty="0"/>
+            </a:p>
+          </p:txBody>
+        </p:sp>
+        <p:sp>
+          <p:nvSpPr>
+            <p:cNvPr id="11" name="Freeform 11"/>
+            <p:cNvSpPr/>
+            <p:nvPr/>
+          </p:nvSpPr>
+          <p:spPr>
+            <a:xfrm>
+              <a:off x="5257027" y="5951764"/>
+              <a:ext cx="3339270" cy="4833188"/>
+            </a:xfrm>
+            <a:custGeom>
+              <a:avLst/>
+              <a:gdLst/>
+              <a:ahLst/>
+              <a:cxnLst/>
+              <a:rect l="l" t="t" r="r" b="b"/>
+              <a:pathLst>
+                <a:path w="4031635" h="5229715">
+                  <a:moveTo>
+                    <a:pt x="0" y="0"/>
+                  </a:moveTo>
+                  <a:lnTo>
+                    <a:pt x="4031635" y="0"/>
+                  </a:lnTo>
+                  <a:lnTo>
+                    <a:pt x="4031635" y="5229715"/>
+                  </a:lnTo>
+                  <a:lnTo>
+                    <a:pt x="0" y="5229715"/>
+                  </a:lnTo>
+                  <a:lnTo>
+                    <a:pt x="0" y="0"/>
+                  </a:lnTo>
+                  <a:close/>
+                </a:path>
+              </a:pathLst>
+            </a:custGeom>
+            <a:blipFill>
+              <a:blip r:embed="rId16">
+                <a:extLst>
+                  <a:ext uri="{96DAC541-7B7A-43D3-8B79-37D633B846F1}">
+                    <asvg:svgBlip xmlns:asvg="http://schemas.microsoft.com/office/drawing/2016/SVG/main" r:embed="rId17"/>
+                  </a:ext>
+                </a:extLst>
+              </a:blip>
+              <a:stretch>
+                <a:fillRect/>
+              </a:stretch>
+            </a:blipFill>
+          </p:spPr>
+          <p:txBody>
+            <a:bodyPr/>
+            <a:lstStyle/>
+            <a:p>
+              <a:endParaRPr lang="es-ES" noProof="0" dirty="0"/>
+            </a:p>
+          </p:txBody>
+        </p:sp>
+        <p:sp>
+          <p:nvSpPr>
+            <p:cNvPr id="14" name="Freeform 14"/>
+            <p:cNvSpPr/>
+            <p:nvPr/>
+          </p:nvSpPr>
+          <p:spPr>
+            <a:xfrm>
+              <a:off x="11213770" y="5850457"/>
+              <a:ext cx="2586972" cy="4810894"/>
+            </a:xfrm>
+            <a:custGeom>
+              <a:avLst/>
+              <a:gdLst/>
+              <a:ahLst/>
+              <a:cxnLst/>
+              <a:rect l="l" t="t" r="r" b="b"/>
+              <a:pathLst>
+                <a:path w="3123355" h="5205592">
+                  <a:moveTo>
+                    <a:pt x="0" y="0"/>
+                  </a:moveTo>
+                  <a:lnTo>
+                    <a:pt x="3123356" y="0"/>
+                  </a:lnTo>
+                  <a:lnTo>
+                    <a:pt x="3123356" y="5205592"/>
+                  </a:lnTo>
+                  <a:lnTo>
+                    <a:pt x="0" y="5205592"/>
+                  </a:lnTo>
+                  <a:lnTo>
+                    <a:pt x="0" y="0"/>
+                  </a:lnTo>
+                  <a:close/>
+                </a:path>
+              </a:pathLst>
+            </a:custGeom>
+            <a:blipFill>
+              <a:blip r:embed="rId18">
+                <a:extLst>
+                  <a:ext uri="{96DAC541-7B7A-43D3-8B79-37D633B846F1}">
+                    <asvg:svgBlip xmlns:asvg="http://schemas.microsoft.com/office/drawing/2016/SVG/main" r:embed="rId19"/>
+                  </a:ext>
+                </a:extLst>
+              </a:blip>
+              <a:stretch>
+                <a:fillRect/>
+              </a:stretch>
+            </a:blipFill>
+          </p:spPr>
+          <p:txBody>
+            <a:bodyPr/>
+            <a:lstStyle/>
+            <a:p>
+              <a:endParaRPr lang="es-ES" noProof="0" dirty="0"/>
+            </a:p>
+          </p:txBody>
+        </p:sp>
+      </p:grpSp>
       <p:sp>
         <p:nvSpPr>
           <p:cNvPr id="15" name="Freeform 15"/>
@@ -13350,8 +13416,8 @@
         </p:nvSpPr>
         <p:spPr>
           <a:xfrm>
-            <a:off x="3988051" y="1270197"/>
-            <a:ext cx="10311897" cy="2489200"/>
+            <a:off x="3777135" y="2022887"/>
+            <a:ext cx="10311897" cy="1114216"/>
           </a:xfrm>
           <a:prstGeom prst="rect">
             <a:avLst/>
@@ -13369,7 +13435,7 @@
               </a:lnSpc>
             </a:pPr>
             <a:r>
-              <a:rPr lang="es-ES" sz="6999" noProof="0" dirty="0" err="1">
+              <a:rPr lang="es-ES" sz="6999" noProof="0" dirty="0">
                 <a:solidFill>
                   <a:srgbClr val="222366"/>
                 </a:solidFill>
@@ -13378,65 +13444,73 @@
                 <a:cs typeface="Brick Sans"/>
                 <a:sym typeface="Brick Sans"/>
               </a:rPr>
-              <a:t>Thank</a:t>
-            </a:r>
-            <a:r>
-              <a:rPr lang="es-ES" sz="6999" noProof="0" dirty="0">
-                <a:solidFill>
-                  <a:srgbClr val="222366"/>
-                </a:solidFill>
-                <a:latin typeface="Brick Sans"/>
-                <a:ea typeface="Brick Sans"/>
-                <a:cs typeface="Brick Sans"/>
-                <a:sym typeface="Brick Sans"/>
-              </a:rPr>
-              <a:t> you </a:t>
-            </a:r>
-            <a:r>
-              <a:rPr lang="es-ES" sz="6999" noProof="0" dirty="0" err="1">
-                <a:solidFill>
-                  <a:srgbClr val="222366"/>
-                </a:solidFill>
-                <a:latin typeface="Brick Sans"/>
-                <a:ea typeface="Brick Sans"/>
-                <a:cs typeface="Brick Sans"/>
-                <a:sym typeface="Brick Sans"/>
-              </a:rPr>
-              <a:t>for</a:t>
-            </a:r>
-            <a:r>
-              <a:rPr lang="es-ES" sz="6999" noProof="0" dirty="0">
-                <a:solidFill>
-                  <a:srgbClr val="222366"/>
-                </a:solidFill>
-                <a:latin typeface="Brick Sans"/>
-                <a:ea typeface="Brick Sans"/>
-                <a:cs typeface="Brick Sans"/>
-                <a:sym typeface="Brick Sans"/>
-              </a:rPr>
-              <a:t> your </a:t>
-            </a:r>
-            <a:r>
-              <a:rPr lang="es-ES" sz="6999" noProof="0" dirty="0" err="1">
-                <a:solidFill>
-                  <a:srgbClr val="222366"/>
-                </a:solidFill>
-                <a:latin typeface="Brick Sans"/>
-                <a:ea typeface="Brick Sans"/>
-                <a:cs typeface="Brick Sans"/>
-                <a:sym typeface="Brick Sans"/>
-              </a:rPr>
-              <a:t>attention</a:t>
-            </a:r>
-            <a:endParaRPr lang="es-ES" sz="6999" noProof="0" dirty="0">
-              <a:solidFill>
-                <a:srgbClr val="222366"/>
-              </a:solidFill>
-              <a:latin typeface="Brick Sans"/>
-              <a:ea typeface="Brick Sans"/>
-              <a:cs typeface="Brick Sans"/>
-              <a:sym typeface="Brick Sans"/>
-            </a:endParaRPr>
+              <a:t>¡Muchas gracias!</a:t>
+            </a:r>
+          </a:p>
+        </p:txBody>
+      </p:sp>
+      <p:sp>
+        <p:nvSpPr>
+          <p:cNvPr id="19" name="Freeform 8">
+            <a:extLst>
+              <a:ext uri="{FF2B5EF4-FFF2-40B4-BE49-F238E27FC236}">
+                <a16:creationId xmlns:a16="http://schemas.microsoft.com/office/drawing/2014/main" id="{C2CFCF7D-0465-CB4F-B38B-9C301934E60C}"/>
+              </a:ext>
+            </a:extLst>
+          </p:cNvPr>
+          <p:cNvSpPr/>
+          <p:nvPr/>
+        </p:nvSpPr>
+        <p:spPr>
+          <a:xfrm>
+            <a:off x="14812685" y="6199482"/>
+            <a:ext cx="3354000" cy="3902588"/>
+          </a:xfrm>
+          <a:custGeom>
+            <a:avLst/>
+            <a:gdLst/>
+            <a:ahLst/>
+            <a:cxnLst/>
+            <a:rect l="l" t="t" r="r" b="b"/>
+            <a:pathLst>
+              <a:path w="7399403" h="11629710">
+                <a:moveTo>
+                  <a:pt x="0" y="0"/>
+                </a:moveTo>
+                <a:lnTo>
+                  <a:pt x="7399403" y="0"/>
+                </a:lnTo>
+                <a:lnTo>
+                  <a:pt x="7399403" y="11629709"/>
+                </a:lnTo>
+                <a:lnTo>
+                  <a:pt x="0" y="11629709"/>
+                </a:lnTo>
+                <a:lnTo>
+                  <a:pt x="0" y="0"/>
+                </a:lnTo>
+                <a:close/>
+              </a:path>
+            </a:pathLst>
+          </a:custGeom>
+          <a:blipFill>
+            <a:blip r:embed="rId22">
+              <a:extLst>
+                <a:ext uri="{96DAC541-7B7A-43D3-8B79-37D633B846F1}">
+                  <asvg:svgBlip xmlns:asvg="http://schemas.microsoft.com/office/drawing/2016/SVG/main" r:embed="rId23"/>
+                </a:ext>
+              </a:extLst>
+            </a:blip>
+            <a:stretch>
+              <a:fillRect/>
+            </a:stretch>
+          </a:blipFill>
+        </p:spPr>
+        <p:txBody>
+          <a:bodyPr/>
+          <a:lstStyle/>
+          <a:p>
+            <a:endParaRPr lang="es-ES" noProof="0" dirty="0"/>
           </a:p>
         </p:txBody>
       </p:sp>

--- a/Sprint 10 - Pràctica final/Presentación - Enfermedades raras.pptx
+++ b/Sprint 10 - Pràctica final/Presentación - Enfermedades raras.pptx
@@ -4118,6 +4118,129 @@
 </p:notesMaster>
 </file>
 
+<file path=ppt/notesSlides/notesSlide1.xml><?xml version="1.0" encoding="utf-8"?>
+<p:notes xmlns:a="http://schemas.openxmlformats.org/drawingml/2006/main" xmlns:r="http://schemas.openxmlformats.org/officeDocument/2006/relationships" xmlns:p="http://schemas.openxmlformats.org/presentationml/2006/main">
+  <p:cSld>
+    <p:spTree>
+      <p:nvGrpSpPr>
+        <p:cNvPr id="1" name=""/>
+        <p:cNvGrpSpPr/>
+        <p:nvPr/>
+      </p:nvGrpSpPr>
+      <p:grpSpPr>
+        <a:xfrm>
+          <a:off x="0" y="0"/>
+          <a:ext cx="0" cy="0"/>
+          <a:chOff x="0" y="0"/>
+          <a:chExt cx="0" cy="0"/>
+        </a:xfrm>
+      </p:grpSpPr>
+      <p:sp>
+        <p:nvSpPr>
+          <p:cNvPr id="2" name="Marcador de imagen de diapositiva 1"/>
+          <p:cNvSpPr>
+            <a:spLocks noGrp="1" noRot="1" noChangeAspect="1"/>
+          </p:cNvSpPr>
+          <p:nvPr>
+            <p:ph type="sldImg"/>
+          </p:nvPr>
+        </p:nvSpPr>
+        <p:spPr/>
+      </p:sp>
+      <p:sp>
+        <p:nvSpPr>
+          <p:cNvPr id="3" name="Marcador de notas 2"/>
+          <p:cNvSpPr>
+            <a:spLocks noGrp="1"/>
+          </p:cNvSpPr>
+          <p:nvPr>
+            <p:ph type="body" idx="1"/>
+          </p:nvPr>
+        </p:nvSpPr>
+        <p:spPr/>
+        <p:txBody>
+          <a:bodyPr/>
+          <a:lstStyle/>
+          <a:p>
+            <a:pPr algn="just">
+              <a:lnSpc>
+                <a:spcPct val="107000"/>
+              </a:lnSpc>
+              <a:spcAft>
+                <a:spcPts val="800"/>
+              </a:spcAft>
+              <a:buNone/>
+            </a:pPr>
+            <a:r>
+              <a:rPr lang="es-ES" sz="1800" kern="100" dirty="0">
+                <a:effectLst/>
+                <a:latin typeface="Aptos" panose="020B0004020202020204" pitchFamily="34" charset="0"/>
+                <a:ea typeface="Aptos" panose="020B0004020202020204" pitchFamily="34" charset="0"/>
+                <a:cs typeface="Times New Roman" panose="02020603050405020304" pitchFamily="18" charset="0"/>
+              </a:rPr>
+              <a:t>El objetivo de este estudio es explorar la situación de las enfermedades raras en Europa y España a partir de datos públicos con el fin de identificar patrones epidemiológicos, genéticos y clínicos relevantes para su investigación y gestión sanitaria.</a:t>
+            </a:r>
+          </a:p>
+          <a:p>
+            <a:pPr algn="just">
+              <a:lnSpc>
+                <a:spcPct val="107000"/>
+              </a:lnSpc>
+              <a:spcAft>
+                <a:spcPts val="800"/>
+              </a:spcAft>
+            </a:pPr>
+            <a:r>
+              <a:rPr lang="es-ES" sz="1800" kern="100" dirty="0">
+                <a:effectLst/>
+                <a:latin typeface="Aptos" panose="020B0004020202020204" pitchFamily="34" charset="0"/>
+                <a:ea typeface="Aptos" panose="020B0004020202020204" pitchFamily="34" charset="0"/>
+                <a:cs typeface="Times New Roman" panose="02020603050405020304" pitchFamily="18" charset="0"/>
+              </a:rPr>
+              <a:t>Se plantean varias hipótesis y preguntas de investigación en torno a las enfermedades raras. Por un lado, se parte de la idea de que las enfermedades con mayor número de fenotipos suelen estar mejor caracterizadas clínicamente, aunque esto no implica necesariamente una mayor prevalencia. También se busca identificar qué clases de enfermedades presentan una mayor diversidad genética. Finalmente, se analiza qué regiones de España muestran una mayor carga de enfermedades raras según los informes del ReeR, y si existe una concentración más alta de diagnósticos en las comunidades autónomas con mayor población.</a:t>
+            </a:r>
+          </a:p>
+          <a:p>
+            <a:endParaRPr lang="es-ES" dirty="0"/>
+          </a:p>
+        </p:txBody>
+      </p:sp>
+      <p:sp>
+        <p:nvSpPr>
+          <p:cNvPr id="4" name="Marcador de número de diapositiva 3"/>
+          <p:cNvSpPr>
+            <a:spLocks noGrp="1"/>
+          </p:cNvSpPr>
+          <p:nvPr>
+            <p:ph type="sldNum" sz="quarter" idx="5"/>
+          </p:nvPr>
+        </p:nvSpPr>
+        <p:spPr/>
+        <p:txBody>
+          <a:bodyPr/>
+          <a:lstStyle/>
+          <a:p>
+            <a:fld id="{C5AD6287-8F06-4BF2-AC90-69C9A69868BD}" type="slidenum">
+              <a:rPr lang="es-ES" smtClean="0"/>
+              <a:t>4</a:t>
+            </a:fld>
+            <a:endParaRPr lang="es-ES"/>
+          </a:p>
+        </p:txBody>
+      </p:sp>
+    </p:spTree>
+    <p:extLst>
+      <p:ext uri="{BB962C8B-B14F-4D97-AF65-F5344CB8AC3E}">
+        <p14:creationId xmlns:p14="http://schemas.microsoft.com/office/powerpoint/2010/main" val="260631999"/>
+      </p:ext>
+    </p:extLst>
+  </p:cSld>
+  <p:clrMapOvr>
+    <a:masterClrMapping/>
+  </p:clrMapOvr>
+</p:notes>
+</file>
+
 <file path=ppt/slideLayouts/slideLayout1.xml><?xml version="1.0" encoding="utf-8"?>
 <p:sldLayout xmlns:a="http://schemas.openxmlformats.org/drawingml/2006/main" xmlns:r="http://schemas.openxmlformats.org/officeDocument/2006/relationships" xmlns:p="http://schemas.openxmlformats.org/presentationml/2006/main" type="title" preserve="1">
   <p:cSld name="Title Slide">
@@ -23944,10 +24067,10 @@
             </a:pathLst>
           </a:custGeom>
           <a:blipFill>
-            <a:blip r:embed="rId2">
+            <a:blip r:embed="rId3">
               <a:extLst>
                 <a:ext uri="{96DAC541-7B7A-43D3-8B79-37D633B846F1}">
-                  <asvg:svgBlip xmlns:asvg="http://schemas.microsoft.com/office/drawing/2016/SVG/main" r:embed="rId3"/>
+                  <asvg:svgBlip xmlns:asvg="http://schemas.microsoft.com/office/drawing/2016/SVG/main" r:embed="rId4"/>
                 </a:ext>
               </a:extLst>
             </a:blip>
@@ -24003,10 +24126,10 @@
             </a:pathLst>
           </a:custGeom>
           <a:blipFill>
-            <a:blip r:embed="rId2">
+            <a:blip r:embed="rId3">
               <a:extLst>
                 <a:ext uri="{96DAC541-7B7A-43D3-8B79-37D633B846F1}">
-                  <asvg:svgBlip xmlns:asvg="http://schemas.microsoft.com/office/drawing/2016/SVG/main" r:embed="rId3"/>
+                  <asvg:svgBlip xmlns:asvg="http://schemas.microsoft.com/office/drawing/2016/SVG/main" r:embed="rId4"/>
                 </a:ext>
               </a:extLst>
             </a:blip>
@@ -24395,10 +24518,10 @@
             </a:pathLst>
           </a:custGeom>
           <a:blipFill>
-            <a:blip r:embed="rId4">
+            <a:blip r:embed="rId5">
               <a:extLst>
                 <a:ext uri="{96DAC541-7B7A-43D3-8B79-37D633B846F1}">
-                  <asvg:svgBlip xmlns:asvg="http://schemas.microsoft.com/office/drawing/2016/SVG/main" r:embed="rId5"/>
+                  <asvg:svgBlip xmlns:asvg="http://schemas.microsoft.com/office/drawing/2016/SVG/main" r:embed="rId6"/>
                 </a:ext>
               </a:extLst>
             </a:blip>
@@ -24454,10 +24577,10 @@
             </a:pathLst>
           </a:custGeom>
           <a:blipFill>
-            <a:blip r:embed="rId6">
+            <a:blip r:embed="rId7">
               <a:extLst>
                 <a:ext uri="{96DAC541-7B7A-43D3-8B79-37D633B846F1}">
-                  <asvg:svgBlip xmlns:asvg="http://schemas.microsoft.com/office/drawing/2016/SVG/main" r:embed="rId7"/>
+                  <asvg:svgBlip xmlns:asvg="http://schemas.microsoft.com/office/drawing/2016/SVG/main" r:embed="rId8"/>
                 </a:ext>
               </a:extLst>
             </a:blip>
@@ -24513,10 +24636,10 @@
             </a:pathLst>
           </a:custGeom>
           <a:blipFill>
-            <a:blip r:embed="rId8">
+            <a:blip r:embed="rId9">
               <a:extLst>
                 <a:ext uri="{96DAC541-7B7A-43D3-8B79-37D633B846F1}">
-                  <asvg:svgBlip xmlns:asvg="http://schemas.microsoft.com/office/drawing/2016/SVG/main" r:embed="rId9"/>
+                  <asvg:svgBlip xmlns:asvg="http://schemas.microsoft.com/office/drawing/2016/SVG/main" r:embed="rId10"/>
                 </a:ext>
               </a:extLst>
             </a:blip>
@@ -24572,10 +24695,10 @@
             </a:pathLst>
           </a:custGeom>
           <a:blipFill>
-            <a:blip r:embed="rId10">
+            <a:blip r:embed="rId11">
               <a:extLst>
                 <a:ext uri="{96DAC541-7B7A-43D3-8B79-37D633B846F1}">
-                  <asvg:svgBlip xmlns:asvg="http://schemas.microsoft.com/office/drawing/2016/SVG/main" r:embed="rId11"/>
+                  <asvg:svgBlip xmlns:asvg="http://schemas.microsoft.com/office/drawing/2016/SVG/main" r:embed="rId12"/>
                 </a:ext>
               </a:extLst>
             </a:blip>

--- a/Sprint 10 - Pràctica final/Presentación - Enfermedades raras.pptx
+++ b/Sprint 10 - Pràctica final/Presentación - Enfermedades raras.pptx
@@ -5,10 +5,10 @@
     <p:sldMasterId id="2147483648" r:id="rId1"/>
   </p:sldMasterIdLst>
   <p:notesMasterIdLst>
-    <p:notesMasterId r:id="rId19"/>
+    <p:notesMasterId r:id="rId20"/>
   </p:notesMasterIdLst>
   <p:handoutMasterIdLst>
-    <p:handoutMasterId r:id="rId20"/>
+    <p:handoutMasterId r:id="rId21"/>
   </p:handoutMasterIdLst>
   <p:sldIdLst>
     <p:sldId id="256" r:id="rId2"/>
@@ -18,39 +18,40 @@
     <p:sldId id="259" r:id="rId6"/>
     <p:sldId id="277" r:id="rId7"/>
     <p:sldId id="278" r:id="rId8"/>
-    <p:sldId id="279" r:id="rId9"/>
-    <p:sldId id="263" r:id="rId10"/>
-    <p:sldId id="271" r:id="rId11"/>
-    <p:sldId id="274" r:id="rId12"/>
-    <p:sldId id="276" r:id="rId13"/>
-    <p:sldId id="272" r:id="rId14"/>
-    <p:sldId id="275" r:id="rId15"/>
-    <p:sldId id="264" r:id="rId16"/>
-    <p:sldId id="267" r:id="rId17"/>
-    <p:sldId id="270" r:id="rId18"/>
+    <p:sldId id="280" r:id="rId9"/>
+    <p:sldId id="279" r:id="rId10"/>
+    <p:sldId id="263" r:id="rId11"/>
+    <p:sldId id="271" r:id="rId12"/>
+    <p:sldId id="274" r:id="rId13"/>
+    <p:sldId id="276" r:id="rId14"/>
+    <p:sldId id="272" r:id="rId15"/>
+    <p:sldId id="275" r:id="rId16"/>
+    <p:sldId id="264" r:id="rId17"/>
+    <p:sldId id="267" r:id="rId18"/>
+    <p:sldId id="270" r:id="rId19"/>
   </p:sldIdLst>
   <p:sldSz cx="18288000" cy="10287000"/>
   <p:notesSz cx="6858000" cy="9144000"/>
   <p:embeddedFontLst>
     <p:embeddedFont>
       <p:font typeface="Brick Sans" panose="020B0604020202020204" charset="0"/>
-      <p:regular r:id="rId21"/>
+      <p:regular r:id="rId22"/>
     </p:embeddedFont>
     <p:embeddedFont>
       <p:font typeface="Cambria Math" panose="02040503050406030204" pitchFamily="18" charset="0"/>
-      <p:regular r:id="rId22"/>
+      <p:regular r:id="rId23"/>
     </p:embeddedFont>
     <p:embeddedFont>
       <p:font typeface="Public Sans" panose="020B0604020202020204" charset="0"/>
-      <p:regular r:id="rId23"/>
+      <p:regular r:id="rId24"/>
     </p:embeddedFont>
     <p:embeddedFont>
       <p:font typeface="Public Sans Bold" panose="020B0604020202020204" charset="0"/>
-      <p:regular r:id="rId24"/>
+      <p:regular r:id="rId25"/>
     </p:embeddedFont>
     <p:embeddedFont>
       <p:font typeface="Public Sans Heavy" panose="020B0604020202020204" charset="0"/>
-      <p:regular r:id="rId25"/>
+      <p:regular r:id="rId26"/>
     </p:embeddedFont>
   </p:embeddedFontLst>
   <p:defaultTextStyle>
@@ -3926,7 +3927,7 @@
           <a:p>
             <a:fld id="{D7E3D0FC-A1EA-4E8B-881E-03C99949F151}" type="datetimeFigureOut">
               <a:rPr lang="es-ES" smtClean="0"/>
-              <a:t>20/04/2025</a:t>
+              <a:t>21/04/2025</a:t>
             </a:fld>
             <a:endParaRPr lang="es-ES"/>
           </a:p>
@@ -4104,7 +4105,7 @@
           <a:p>
             <a:fld id="{A9B080C7-4108-48F9-AA5B-C798612F0FBC}" type="datetimeFigureOut">
               <a:rPr lang="es-ES" smtClean="0"/>
-              <a:t>20/04/2025</a:t>
+              <a:t>21/04/2025</a:t>
             </a:fld>
             <a:endParaRPr lang="es-ES"/>
           </a:p>
@@ -4854,6 +4855,114 @@
         <p:cNvPr id="1" name="">
           <a:extLst>
             <a:ext uri="{FF2B5EF4-FFF2-40B4-BE49-F238E27FC236}">
+              <a16:creationId xmlns:a16="http://schemas.microsoft.com/office/drawing/2014/main" id="{CC1711D8-70E4-D00F-B266-CFEA5D8A3B2B}"/>
+            </a:ext>
+          </a:extLst>
+        </p:cNvPr>
+        <p:cNvGrpSpPr/>
+        <p:nvPr/>
+      </p:nvGrpSpPr>
+      <p:grpSpPr>
+        <a:xfrm>
+          <a:off x="0" y="0"/>
+          <a:ext cx="0" cy="0"/>
+          <a:chOff x="0" y="0"/>
+          <a:chExt cx="0" cy="0"/>
+        </a:xfrm>
+      </p:grpSpPr>
+      <p:sp>
+        <p:nvSpPr>
+          <p:cNvPr id="2" name="Marcador de imagen de diapositiva 1">
+            <a:extLst>
+              <a:ext uri="{FF2B5EF4-FFF2-40B4-BE49-F238E27FC236}">
+                <a16:creationId xmlns:a16="http://schemas.microsoft.com/office/drawing/2014/main" id="{1F0E09CB-3125-D2C4-6587-594BDDF83BB5}"/>
+              </a:ext>
+            </a:extLst>
+          </p:cNvPr>
+          <p:cNvSpPr>
+            <a:spLocks noGrp="1" noRot="1" noChangeAspect="1"/>
+          </p:cNvSpPr>
+          <p:nvPr>
+            <p:ph type="sldImg"/>
+          </p:nvPr>
+        </p:nvSpPr>
+        <p:spPr/>
+      </p:sp>
+      <p:sp>
+        <p:nvSpPr>
+          <p:cNvPr id="3" name="Marcador de notas 2">
+            <a:extLst>
+              <a:ext uri="{FF2B5EF4-FFF2-40B4-BE49-F238E27FC236}">
+                <a16:creationId xmlns:a16="http://schemas.microsoft.com/office/drawing/2014/main" id="{760D244E-2C51-166A-A745-C26FF0A18196}"/>
+              </a:ext>
+            </a:extLst>
+          </p:cNvPr>
+          <p:cNvSpPr>
+            <a:spLocks noGrp="1"/>
+          </p:cNvSpPr>
+          <p:nvPr>
+            <p:ph type="body" idx="1"/>
+          </p:nvPr>
+        </p:nvSpPr>
+        <p:spPr/>
+        <p:txBody>
+          <a:bodyPr/>
+          <a:lstStyle/>
+          <a:p>
+            <a:endParaRPr lang="es-ES" dirty="0"/>
+          </a:p>
+        </p:txBody>
+      </p:sp>
+      <p:sp>
+        <p:nvSpPr>
+          <p:cNvPr id="4" name="Marcador de número de diapositiva 3">
+            <a:extLst>
+              <a:ext uri="{FF2B5EF4-FFF2-40B4-BE49-F238E27FC236}">
+                <a16:creationId xmlns:a16="http://schemas.microsoft.com/office/drawing/2014/main" id="{5C5164E4-F37E-009D-752A-79A52EAA4D73}"/>
+              </a:ext>
+            </a:extLst>
+          </p:cNvPr>
+          <p:cNvSpPr>
+            <a:spLocks noGrp="1"/>
+          </p:cNvSpPr>
+          <p:nvPr>
+            <p:ph type="sldNum" sz="quarter" idx="5"/>
+          </p:nvPr>
+        </p:nvSpPr>
+        <p:spPr/>
+        <p:txBody>
+          <a:bodyPr/>
+          <a:lstStyle/>
+          <a:p>
+            <a:fld id="{C5AD6287-8F06-4BF2-AC90-69C9A69868BD}" type="slidenum">
+              <a:rPr lang="es-ES" smtClean="0"/>
+              <a:t>8</a:t>
+            </a:fld>
+            <a:endParaRPr lang="es-ES"/>
+          </a:p>
+        </p:txBody>
+      </p:sp>
+    </p:spTree>
+    <p:extLst>
+      <p:ext uri="{BB962C8B-B14F-4D97-AF65-F5344CB8AC3E}">
+        <p14:creationId xmlns:p14="http://schemas.microsoft.com/office/powerpoint/2010/main" val="346146841"/>
+      </p:ext>
+    </p:extLst>
+  </p:cSld>
+  <p:clrMapOvr>
+    <a:masterClrMapping/>
+  </p:clrMapOvr>
+</p:notes>
+</file>
+
+<file path=ppt/notesSlides/notesSlide7.xml><?xml version="1.0" encoding="utf-8"?>
+<p:notes xmlns:a="http://schemas.openxmlformats.org/drawingml/2006/main" xmlns:r="http://schemas.openxmlformats.org/officeDocument/2006/relationships" xmlns:p="http://schemas.openxmlformats.org/presentationml/2006/main">
+  <p:cSld>
+    <p:spTree>
+      <p:nvGrpSpPr>
+        <p:cNvPr id="1" name="">
+          <a:extLst>
+            <a:ext uri="{FF2B5EF4-FFF2-40B4-BE49-F238E27FC236}">
               <a16:creationId xmlns:a16="http://schemas.microsoft.com/office/drawing/2014/main" id="{97EF54F7-1F17-32B2-ED92-3F0A5541AF00}"/>
             </a:ext>
           </a:extLst>
@@ -4935,7 +5044,7 @@
           <a:p>
             <a:fld id="{C5AD6287-8F06-4BF2-AC90-69C9A69868BD}" type="slidenum">
               <a:rPr lang="es-ES" smtClean="0"/>
-              <a:t>8</a:t>
+              <a:t>9</a:t>
             </a:fld>
             <a:endParaRPr lang="es-ES"/>
           </a:p>
@@ -4954,7 +5063,7 @@
 </p:notes>
 </file>
 
-<file path=ppt/notesSlides/notesSlide7.xml><?xml version="1.0" encoding="utf-8"?>
+<file path=ppt/notesSlides/notesSlide8.xml><?xml version="1.0" encoding="utf-8"?>
 <p:notes xmlns:a="http://schemas.openxmlformats.org/drawingml/2006/main" xmlns:r="http://schemas.openxmlformats.org/officeDocument/2006/relationships" xmlns:p="http://schemas.openxmlformats.org/presentationml/2006/main">
   <p:cSld>
     <p:spTree>
@@ -5019,7 +5128,7 @@
           <a:p>
             <a:fld id="{C5AD6287-8F06-4BF2-AC90-69C9A69868BD}" type="slidenum">
               <a:rPr lang="es-ES" smtClean="0"/>
-              <a:t>12</a:t>
+              <a:t>13</a:t>
             </a:fld>
             <a:endParaRPr lang="es-ES"/>
           </a:p>
@@ -5217,7 +5326,7 @@
           <a:p>
             <a:fld id="{78D9E834-90B3-465D-9A57-E4F755C1F187}" type="datetime1">
               <a:rPr lang="en-US" smtClean="0"/>
-              <a:t>4/20/2025</a:t>
+              <a:t>4/21/2025</a:t>
             </a:fld>
             <a:endParaRPr lang="en-US"/>
           </a:p>
@@ -5381,7 +5490,7 @@
           <a:p>
             <a:fld id="{62F3DF7E-58A9-4984-9D98-FADE0FE08C72}" type="datetime1">
               <a:rPr lang="en-US" smtClean="0"/>
-              <a:t>4/20/2025</a:t>
+              <a:t>4/21/2025</a:t>
             </a:fld>
             <a:endParaRPr lang="en-US"/>
           </a:p>
@@ -5555,7 +5664,7 @@
           <a:p>
             <a:fld id="{A4FD115F-DA87-4518-A4AB-EFDC622DD49D}" type="datetime1">
               <a:rPr lang="en-US" smtClean="0"/>
-              <a:t>4/20/2025</a:t>
+              <a:t>4/21/2025</a:t>
             </a:fld>
             <a:endParaRPr lang="en-US"/>
           </a:p>
@@ -5719,7 +5828,7 @@
           <a:p>
             <a:fld id="{F69A18D8-BF7D-42FB-A6FA-5B2A8AB9D1E7}" type="datetime1">
               <a:rPr lang="en-US" smtClean="0"/>
-              <a:t>4/20/2025</a:t>
+              <a:t>4/21/2025</a:t>
             </a:fld>
             <a:endParaRPr lang="en-US"/>
           </a:p>
@@ -5960,7 +6069,7 @@
           <a:p>
             <a:fld id="{88CFE619-74AB-4CA8-B923-DE58B7584603}" type="datetime1">
               <a:rPr lang="en-US" smtClean="0"/>
-              <a:t>4/20/2025</a:t>
+              <a:t>4/21/2025</a:t>
             </a:fld>
             <a:endParaRPr lang="en-US"/>
           </a:p>
@@ -6241,7 +6350,7 @@
           <a:p>
             <a:fld id="{6676C639-0627-498D-A158-697E8B3FA267}" type="datetime1">
               <a:rPr lang="en-US" smtClean="0"/>
-              <a:t>4/20/2025</a:t>
+              <a:t>4/21/2025</a:t>
             </a:fld>
             <a:endParaRPr lang="en-US"/>
           </a:p>
@@ -6656,7 +6765,7 @@
           <a:p>
             <a:fld id="{6846D1C3-6013-4608-86D8-9E065608DDE9}" type="datetime1">
               <a:rPr lang="en-US" smtClean="0"/>
-              <a:t>4/20/2025</a:t>
+              <a:t>4/21/2025</a:t>
             </a:fld>
             <a:endParaRPr lang="en-US"/>
           </a:p>
@@ -6769,7 +6878,7 @@
           <a:p>
             <a:fld id="{D22635B6-B05B-4AB3-BBBA-DDD212115A77}" type="datetime1">
               <a:rPr lang="en-US" smtClean="0"/>
-              <a:t>4/20/2025</a:t>
+              <a:t>4/21/2025</a:t>
             </a:fld>
             <a:endParaRPr lang="en-US"/>
           </a:p>
@@ -6860,7 +6969,7 @@
           <a:p>
             <a:fld id="{05AB507C-68DE-49B3-8C7B-2263A858AF37}" type="datetime1">
               <a:rPr lang="en-US" smtClean="0"/>
-              <a:t>4/20/2025</a:t>
+              <a:t>4/21/2025</a:t>
             </a:fld>
             <a:endParaRPr lang="en-US"/>
           </a:p>
@@ -7131,7 +7240,7 @@
           <a:p>
             <a:fld id="{302DD4EE-81D8-48F9-9F2B-4DF4A1C92FBD}" type="datetime1">
               <a:rPr lang="en-US" smtClean="0"/>
-              <a:t>4/20/2025</a:t>
+              <a:t>4/21/2025</a:t>
             </a:fld>
             <a:endParaRPr lang="en-US"/>
           </a:p>
@@ -7379,7 +7488,7 @@
           <a:p>
             <a:fld id="{501CDBEB-4B83-4CEE-A74A-03B2D2942235}" type="datetime1">
               <a:rPr lang="en-US" smtClean="0"/>
-              <a:t>4/20/2025</a:t>
+              <a:t>4/21/2025</a:t>
             </a:fld>
             <a:endParaRPr lang="en-US"/>
           </a:p>
@@ -7586,7 +7695,7 @@
           <a:p>
             <a:fld id="{4EF2BAAD-4700-4613-8149-14CDA4CAD92D}" type="datetime1">
               <a:rPr lang="en-US" smtClean="0"/>
-              <a:t>4/20/2025</a:t>
+              <a:t>4/21/2025</a:t>
             </a:fld>
             <a:endParaRPr lang="en-US"/>
           </a:p>
@@ -9070,7 +9179,7 @@
         <p:spPr>
           <a:xfrm>
             <a:off x="4170870" y="2698719"/>
-            <a:ext cx="10230923" cy="2462213"/>
+            <a:ext cx="10230923" cy="2523768"/>
           </a:xfrm>
           <a:prstGeom prst="rect">
             <a:avLst/>
@@ -9100,7 +9209,26 @@
                 <a:cs typeface="Brick Sans"/>
                 <a:sym typeface="Brick Sans"/>
               </a:rPr>
-              <a:t>Exploración de las </a:t>
+              <a:t>Análisis de las </a:t>
+            </a:r>
+            <a:r>
+              <a:rPr lang="es-ES" sz="4400" b="1" dirty="0">
+                <a:solidFill>
+                  <a:srgbClr val="5D7FC3"/>
+                </a:solidFill>
+                <a:effectLst>
+                  <a:outerShdw blurRad="38100" dist="38100" dir="2700000" algn="tl">
+                    <a:srgbClr val="000000">
+                      <a:alpha val="43137"/>
+                    </a:srgbClr>
+                  </a:outerShdw>
+                </a:effectLst>
+                <a:latin typeface="Brick Sans"/>
+                <a:ea typeface="Brick Sans"/>
+                <a:cs typeface="Brick Sans"/>
+                <a:sym typeface="Brick Sans"/>
+              </a:rPr>
+              <a:t>Enfermedades</a:t>
             </a:r>
             <a:r>
               <a:rPr lang="es-ES" sz="4000" b="1" dirty="0">
@@ -9119,7 +9247,45 @@
                 <a:cs typeface="Brick Sans"/>
                 <a:sym typeface="Brick Sans"/>
               </a:rPr>
-              <a:t>Enfermedades Raras </a:t>
+              <a:t> </a:t>
+            </a:r>
+            <a:r>
+              <a:rPr lang="es-ES" sz="4400" b="1" dirty="0">
+                <a:solidFill>
+                  <a:srgbClr val="5D7FC3"/>
+                </a:solidFill>
+                <a:effectLst>
+                  <a:outerShdw blurRad="38100" dist="38100" dir="2700000" algn="tl">
+                    <a:srgbClr val="000000">
+                      <a:alpha val="43137"/>
+                    </a:srgbClr>
+                  </a:outerShdw>
+                </a:effectLst>
+                <a:latin typeface="Brick Sans"/>
+                <a:ea typeface="Brick Sans"/>
+                <a:cs typeface="Brick Sans"/>
+                <a:sym typeface="Brick Sans"/>
+              </a:rPr>
+              <a:t>Raras</a:t>
+            </a:r>
+            <a:r>
+              <a:rPr lang="es-ES" sz="4000" b="1" dirty="0">
+                <a:solidFill>
+                  <a:srgbClr val="5D7FC3"/>
+                </a:solidFill>
+                <a:effectLst>
+                  <a:outerShdw blurRad="38100" dist="38100" dir="2700000" algn="tl">
+                    <a:srgbClr val="000000">
+                      <a:alpha val="43137"/>
+                    </a:srgbClr>
+                  </a:outerShdw>
+                </a:effectLst>
+                <a:latin typeface="Brick Sans"/>
+                <a:ea typeface="Brick Sans"/>
+                <a:cs typeface="Brick Sans"/>
+                <a:sym typeface="Brick Sans"/>
+              </a:rPr>
+              <a:t> </a:t>
             </a:r>
             <a:r>
               <a:rPr lang="es-ES" sz="4000" dirty="0">
@@ -9252,6 +9418,578 @@
     </p:bg>
     <p:spTree>
       <p:nvGrpSpPr>
+        <p:cNvPr id="1" name=""/>
+        <p:cNvGrpSpPr/>
+        <p:nvPr/>
+      </p:nvGrpSpPr>
+      <p:grpSpPr>
+        <a:xfrm>
+          <a:off x="0" y="0"/>
+          <a:ext cx="0" cy="0"/>
+          <a:chOff x="0" y="0"/>
+          <a:chExt cx="0" cy="0"/>
+        </a:xfrm>
+      </p:grpSpPr>
+      <p:grpSp>
+        <p:nvGrpSpPr>
+          <p:cNvPr id="18" name="Grupo 17">
+            <a:extLst>
+              <a:ext uri="{FF2B5EF4-FFF2-40B4-BE49-F238E27FC236}">
+                <a16:creationId xmlns:a16="http://schemas.microsoft.com/office/drawing/2014/main" id="{B9E57DA0-E127-0771-B9D5-94583E7DFC7F}"/>
+              </a:ext>
+            </a:extLst>
+          </p:cNvPr>
+          <p:cNvGrpSpPr/>
+          <p:nvPr/>
+        </p:nvGrpSpPr>
+        <p:grpSpPr>
+          <a:xfrm>
+            <a:off x="15580608" y="5509748"/>
+            <a:ext cx="3935820" cy="3643117"/>
+            <a:chOff x="8161158" y="966983"/>
+            <a:chExt cx="9109662" cy="8478142"/>
+          </a:xfrm>
+        </p:grpSpPr>
+        <p:pic>
+          <p:nvPicPr>
+            <p:cNvPr id="16" name="Imagen 15">
+              <a:extLst>
+                <a:ext uri="{FF2B5EF4-FFF2-40B4-BE49-F238E27FC236}">
+                  <a16:creationId xmlns:a16="http://schemas.microsoft.com/office/drawing/2014/main" id="{6CCFEC8B-56F7-9CE3-915D-E9533E1CBB9F}"/>
+                </a:ext>
+              </a:extLst>
+            </p:cNvPr>
+            <p:cNvPicPr>
+              <a:picLocks noChangeAspect="1"/>
+            </p:cNvPicPr>
+            <p:nvPr/>
+          </p:nvPicPr>
+          <p:blipFill>
+            <a:blip r:embed="rId2"/>
+            <a:stretch>
+              <a:fillRect/>
+            </a:stretch>
+          </p:blipFill>
+          <p:spPr>
+            <a:xfrm rot="645677">
+              <a:off x="12285803" y="2005799"/>
+              <a:ext cx="4985017" cy="7439326"/>
+            </a:xfrm>
+            <a:prstGeom prst="rect">
+              <a:avLst/>
+            </a:prstGeom>
+          </p:spPr>
+        </p:pic>
+        <p:pic>
+          <p:nvPicPr>
+            <p:cNvPr id="14" name="Imagen 13">
+              <a:extLst>
+                <a:ext uri="{FF2B5EF4-FFF2-40B4-BE49-F238E27FC236}">
+                  <a16:creationId xmlns:a16="http://schemas.microsoft.com/office/drawing/2014/main" id="{B310B3C4-E7E2-9273-2351-89302D5CB553}"/>
+                </a:ext>
+              </a:extLst>
+            </p:cNvPr>
+            <p:cNvPicPr>
+              <a:picLocks noChangeAspect="1"/>
+            </p:cNvPicPr>
+            <p:nvPr/>
+          </p:nvPicPr>
+          <p:blipFill>
+            <a:blip r:embed="rId3"/>
+            <a:stretch>
+              <a:fillRect/>
+            </a:stretch>
+          </p:blipFill>
+          <p:spPr>
+            <a:xfrm rot="21190314">
+              <a:off x="8161158" y="966983"/>
+              <a:ext cx="4985016" cy="7285792"/>
+            </a:xfrm>
+            <a:prstGeom prst="rect">
+              <a:avLst/>
+            </a:prstGeom>
+          </p:spPr>
+        </p:pic>
+      </p:grpSp>
+      <p:sp>
+        <p:nvSpPr>
+          <p:cNvPr id="8" name="Freeform 8"/>
+          <p:cNvSpPr/>
+          <p:nvPr/>
+        </p:nvSpPr>
+        <p:spPr>
+          <a:xfrm rot="-137149">
+            <a:off x="17291235" y="3202027"/>
+            <a:ext cx="1402006" cy="1402006"/>
+          </a:xfrm>
+          <a:custGeom>
+            <a:avLst/>
+            <a:gdLst/>
+            <a:ahLst/>
+            <a:cxnLst/>
+            <a:rect l="l" t="t" r="r" b="b"/>
+            <a:pathLst>
+              <a:path w="1402006" h="1402006">
+                <a:moveTo>
+                  <a:pt x="0" y="0"/>
+                </a:moveTo>
+                <a:lnTo>
+                  <a:pt x="1402006" y="0"/>
+                </a:lnTo>
+                <a:lnTo>
+                  <a:pt x="1402006" y="1402006"/>
+                </a:lnTo>
+                <a:lnTo>
+                  <a:pt x="0" y="1402006"/>
+                </a:lnTo>
+                <a:lnTo>
+                  <a:pt x="0" y="0"/>
+                </a:lnTo>
+                <a:close/>
+              </a:path>
+            </a:pathLst>
+          </a:custGeom>
+          <a:blipFill>
+            <a:blip r:embed="rId4">
+              <a:extLst>
+                <a:ext uri="{96DAC541-7B7A-43D3-8B79-37D633B846F1}">
+                  <asvg:svgBlip xmlns:asvg="http://schemas.microsoft.com/office/drawing/2016/SVG/main" r:embed="rId5"/>
+                </a:ext>
+              </a:extLst>
+            </a:blip>
+            <a:stretch>
+              <a:fillRect/>
+            </a:stretch>
+          </a:blipFill>
+        </p:spPr>
+        <p:txBody>
+          <a:bodyPr/>
+          <a:lstStyle/>
+          <a:p>
+            <a:endParaRPr lang="es-ES" noProof="0" dirty="0"/>
+          </a:p>
+        </p:txBody>
+      </p:sp>
+      <p:sp>
+        <p:nvSpPr>
+          <p:cNvPr id="9" name="TextBox 9"/>
+          <p:cNvSpPr txBox="1"/>
+          <p:nvPr/>
+        </p:nvSpPr>
+        <p:spPr>
+          <a:xfrm>
+            <a:off x="2230176" y="8761859"/>
+            <a:ext cx="13827648" cy="1083245"/>
+          </a:xfrm>
+          <a:prstGeom prst="rect">
+            <a:avLst/>
+          </a:prstGeom>
+        </p:spPr>
+        <p:txBody>
+          <a:bodyPr wrap="square" lIns="0" tIns="0" rIns="0" bIns="0" rtlCol="0" anchor="t">
+            <a:spAutoFit/>
+          </a:bodyPr>
+          <a:lstStyle/>
+          <a:p>
+            <a:pPr marL="342900" indent="-342900">
+              <a:lnSpc>
+                <a:spcPct val="150000"/>
+              </a:lnSpc>
+              <a:buFont typeface="Wingdings" panose="05000000000000000000" pitchFamily="2" charset="2"/>
+              <a:buChar char="q"/>
+            </a:pPr>
+            <a:r>
+              <a:rPr lang="es-ES" sz="2499" dirty="0">
+                <a:solidFill>
+                  <a:srgbClr val="222366"/>
+                </a:solidFill>
+                <a:latin typeface="Public Sans"/>
+                <a:ea typeface="Public Sans"/>
+                <a:cs typeface="Public Sans"/>
+                <a:sym typeface="Public Sans"/>
+              </a:rPr>
+              <a:t>L</a:t>
+            </a:r>
+            <a:r>
+              <a:rPr lang="es-ES" sz="2499" noProof="0" dirty="0">
+                <a:solidFill>
+                  <a:srgbClr val="222366"/>
+                </a:solidFill>
+                <a:latin typeface="Public Sans"/>
+                <a:ea typeface="Public Sans"/>
+                <a:cs typeface="Public Sans"/>
+                <a:sym typeface="Public Sans"/>
+              </a:rPr>
+              <a:t>a primera publicación de enfermedades raras fue en el </a:t>
+            </a:r>
+            <a:r>
+              <a:rPr lang="es-ES" sz="2499" b="1" noProof="0" dirty="0">
+                <a:solidFill>
+                  <a:srgbClr val="222366"/>
+                </a:solidFill>
+                <a:latin typeface="Public Sans"/>
+                <a:ea typeface="Public Sans"/>
+                <a:cs typeface="Public Sans"/>
+                <a:sym typeface="Public Sans"/>
+              </a:rPr>
+              <a:t>año 1906</a:t>
+            </a:r>
+            <a:r>
+              <a:rPr lang="es-ES" sz="2499" noProof="0" dirty="0">
+                <a:solidFill>
+                  <a:srgbClr val="222366"/>
+                </a:solidFill>
+                <a:latin typeface="Public Sans"/>
+                <a:ea typeface="Public Sans"/>
+                <a:cs typeface="Public Sans"/>
+                <a:sym typeface="Public Sans"/>
+              </a:rPr>
+              <a:t>. </a:t>
+            </a:r>
+          </a:p>
+          <a:p>
+            <a:pPr marL="342900" indent="-342900">
+              <a:lnSpc>
+                <a:spcPct val="150000"/>
+              </a:lnSpc>
+              <a:buFont typeface="Wingdings" panose="05000000000000000000" pitchFamily="2" charset="2"/>
+              <a:buChar char="q"/>
+            </a:pPr>
+            <a:r>
+              <a:rPr lang="es-ES" sz="2499" b="1" noProof="0" dirty="0">
+                <a:solidFill>
+                  <a:srgbClr val="222366"/>
+                </a:solidFill>
+                <a:latin typeface="Public Sans"/>
+                <a:ea typeface="Public Sans"/>
+                <a:cs typeface="Public Sans"/>
+                <a:sym typeface="Public Sans"/>
+              </a:rPr>
+              <a:t>Aumento</a:t>
+            </a:r>
+            <a:r>
+              <a:rPr lang="es-ES" sz="2499" noProof="0" dirty="0">
+                <a:solidFill>
+                  <a:srgbClr val="222366"/>
+                </a:solidFill>
+                <a:latin typeface="Public Sans"/>
+                <a:ea typeface="Public Sans"/>
+                <a:cs typeface="Public Sans"/>
+                <a:sym typeface="Public Sans"/>
+              </a:rPr>
+              <a:t> significativo del número de investigaciones publicadas en la </a:t>
+            </a:r>
+            <a:r>
+              <a:rPr lang="es-ES" sz="2499" b="1" noProof="0" dirty="0">
+                <a:solidFill>
+                  <a:srgbClr val="222366"/>
+                </a:solidFill>
+                <a:latin typeface="Public Sans"/>
+                <a:ea typeface="Public Sans"/>
+                <a:cs typeface="Public Sans"/>
+                <a:sym typeface="Public Sans"/>
+              </a:rPr>
+              <a:t>década del 2010</a:t>
+            </a:r>
+            <a:r>
+              <a:rPr lang="es-ES" sz="2499" noProof="0" dirty="0">
+                <a:solidFill>
+                  <a:srgbClr val="222366"/>
+                </a:solidFill>
+                <a:latin typeface="Public Sans"/>
+                <a:ea typeface="Public Sans"/>
+                <a:cs typeface="Public Sans"/>
+                <a:sym typeface="Public Sans"/>
+              </a:rPr>
+              <a:t>.</a:t>
+            </a:r>
+          </a:p>
+        </p:txBody>
+      </p:sp>
+      <p:sp>
+        <p:nvSpPr>
+          <p:cNvPr id="10" name="TextBox 10"/>
+          <p:cNvSpPr txBox="1"/>
+          <p:nvPr/>
+        </p:nvSpPr>
+        <p:spPr>
+          <a:xfrm>
+            <a:off x="638765" y="2455233"/>
+            <a:ext cx="16625069" cy="527132"/>
+          </a:xfrm>
+          <a:prstGeom prst="rect">
+            <a:avLst/>
+          </a:prstGeom>
+        </p:spPr>
+        <p:txBody>
+          <a:bodyPr wrap="square" lIns="0" tIns="0" rIns="0" bIns="0" rtlCol="0" anchor="t">
+            <a:spAutoFit/>
+          </a:bodyPr>
+          <a:lstStyle/>
+          <a:p>
+            <a:pPr algn="ctr">
+              <a:lnSpc>
+                <a:spcPts val="4480"/>
+              </a:lnSpc>
+            </a:pPr>
+            <a:r>
+              <a:rPr lang="es-ES" sz="3200" b="1" noProof="0" dirty="0">
+                <a:solidFill>
+                  <a:srgbClr val="222366"/>
+                </a:solidFill>
+                <a:latin typeface="Public Sans Heavy"/>
+                <a:ea typeface="Public Sans Heavy"/>
+                <a:cs typeface="Public Sans Heavy"/>
+                <a:sym typeface="Public Sans Heavy"/>
+              </a:rPr>
+              <a:t>Extracción del número de publicaciones científicas con </a:t>
+            </a:r>
+            <a:r>
+              <a:rPr lang="es-ES" sz="3200" b="1" i="1" noProof="0" dirty="0">
+                <a:solidFill>
+                  <a:srgbClr val="222366"/>
+                </a:solidFill>
+                <a:latin typeface="Public Sans Heavy"/>
+                <a:ea typeface="Public Sans Heavy"/>
+                <a:cs typeface="Public Sans Heavy"/>
+                <a:sym typeface="Public Sans Heavy"/>
+              </a:rPr>
+              <a:t>“rare </a:t>
+            </a:r>
+            <a:r>
+              <a:rPr lang="es-ES" sz="3200" b="1" i="1" noProof="0" dirty="0" err="1">
+                <a:solidFill>
+                  <a:srgbClr val="222366"/>
+                </a:solidFill>
+                <a:latin typeface="Public Sans Heavy"/>
+                <a:ea typeface="Public Sans Heavy"/>
+                <a:cs typeface="Public Sans Heavy"/>
+                <a:sym typeface="Public Sans Heavy"/>
+              </a:rPr>
+              <a:t>disease</a:t>
+            </a:r>
+            <a:r>
+              <a:rPr lang="es-ES" sz="3200" b="1" i="1" noProof="0" dirty="0">
+                <a:solidFill>
+                  <a:srgbClr val="222366"/>
+                </a:solidFill>
+                <a:latin typeface="Public Sans Heavy"/>
+                <a:ea typeface="Public Sans Heavy"/>
+                <a:cs typeface="Public Sans Heavy"/>
+                <a:sym typeface="Public Sans Heavy"/>
+              </a:rPr>
+              <a:t>” en el título</a:t>
+            </a:r>
+            <a:endParaRPr lang="es-ES" sz="3200" b="1" noProof="0" dirty="0">
+              <a:solidFill>
+                <a:srgbClr val="222366"/>
+              </a:solidFill>
+              <a:latin typeface="Public Sans Heavy"/>
+              <a:ea typeface="Public Sans Heavy"/>
+              <a:cs typeface="Public Sans Heavy"/>
+              <a:sym typeface="Public Sans Heavy"/>
+            </a:endParaRPr>
+          </a:p>
+        </p:txBody>
+      </p:sp>
+      <p:sp>
+        <p:nvSpPr>
+          <p:cNvPr id="17" name="TextBox 17"/>
+          <p:cNvSpPr txBox="1"/>
+          <p:nvPr/>
+        </p:nvSpPr>
+        <p:spPr>
+          <a:xfrm>
+            <a:off x="1672932" y="271715"/>
+            <a:ext cx="14942136" cy="2129365"/>
+          </a:xfrm>
+          <a:prstGeom prst="rect">
+            <a:avLst/>
+          </a:prstGeom>
+        </p:spPr>
+        <p:txBody>
+          <a:bodyPr lIns="0" tIns="0" rIns="0" bIns="0" rtlCol="0" anchor="t">
+            <a:spAutoFit/>
+          </a:bodyPr>
+          <a:lstStyle/>
+          <a:p>
+            <a:pPr algn="ctr">
+              <a:lnSpc>
+                <a:spcPts val="8819"/>
+              </a:lnSpc>
+            </a:pPr>
+            <a:r>
+              <a:rPr lang="es-ES" sz="6300" noProof="0" dirty="0">
+                <a:solidFill>
+                  <a:srgbClr val="222366"/>
+                </a:solidFill>
+                <a:latin typeface="Brick Sans"/>
+                <a:ea typeface="Brick Sans"/>
+                <a:cs typeface="Brick Sans"/>
+                <a:sym typeface="Brick Sans"/>
+              </a:rPr>
+              <a:t>Resultados</a:t>
+            </a:r>
+          </a:p>
+          <a:p>
+            <a:pPr algn="ctr">
+              <a:lnSpc>
+                <a:spcPts val="8819"/>
+              </a:lnSpc>
+            </a:pPr>
+            <a:r>
+              <a:rPr lang="es-ES" sz="6300" dirty="0">
+                <a:solidFill>
+                  <a:srgbClr val="222366"/>
+                </a:solidFill>
+                <a:latin typeface="Brick Sans"/>
+                <a:ea typeface="Brick Sans"/>
+                <a:cs typeface="Brick Sans"/>
+                <a:sym typeface="Brick Sans"/>
+              </a:rPr>
+              <a:t>- PubMed -</a:t>
+            </a:r>
+            <a:endParaRPr lang="es-ES" sz="6300" noProof="0" dirty="0">
+              <a:solidFill>
+                <a:srgbClr val="222366"/>
+              </a:solidFill>
+              <a:latin typeface="Brick Sans"/>
+              <a:ea typeface="Brick Sans"/>
+              <a:cs typeface="Brick Sans"/>
+              <a:sym typeface="Brick Sans"/>
+            </a:endParaRPr>
+          </a:p>
+        </p:txBody>
+      </p:sp>
+      <p:pic>
+        <p:nvPicPr>
+          <p:cNvPr id="5" name="Imagen 4" descr="Gráfico, Gráfico de dispersión&#10;&#10;El contenido generado por IA puede ser incorrecto.">
+            <a:extLst>
+              <a:ext uri="{FF2B5EF4-FFF2-40B4-BE49-F238E27FC236}">
+                <a16:creationId xmlns:a16="http://schemas.microsoft.com/office/drawing/2014/main" id="{D825326E-53C4-2CE8-DADB-EA5DBD4D99D8}"/>
+              </a:ext>
+            </a:extLst>
+          </p:cNvPr>
+          <p:cNvPicPr>
+            <a:picLocks noChangeAspect="1"/>
+          </p:cNvPicPr>
+          <p:nvPr/>
+        </p:nvPicPr>
+        <p:blipFill>
+          <a:blip r:embed="rId6">
+            <a:extLst>
+              <a:ext uri="{28A0092B-C50C-407E-A947-70E740481C1C}">
+                <a14:useLocalDpi xmlns:a14="http://schemas.microsoft.com/office/drawing/2010/main" val="0"/>
+              </a:ext>
+            </a:extLst>
+          </a:blip>
+          <a:stretch>
+            <a:fillRect/>
+          </a:stretch>
+        </p:blipFill>
+        <p:spPr>
+          <a:xfrm>
+            <a:off x="594939" y="3193675"/>
+            <a:ext cx="14529845" cy="5394971"/>
+          </a:xfrm>
+          <a:prstGeom prst="rect">
+            <a:avLst/>
+          </a:prstGeom>
+        </p:spPr>
+      </p:pic>
+      <p:sp>
+        <p:nvSpPr>
+          <p:cNvPr id="3" name="CuadroTexto 2">
+            <a:extLst>
+              <a:ext uri="{FF2B5EF4-FFF2-40B4-BE49-F238E27FC236}">
+                <a16:creationId xmlns:a16="http://schemas.microsoft.com/office/drawing/2014/main" id="{77185BAF-9FD4-062C-B90B-1C8108B704C7}"/>
+              </a:ext>
+            </a:extLst>
+          </p:cNvPr>
+          <p:cNvSpPr txBox="1"/>
+          <p:nvPr/>
+        </p:nvSpPr>
+        <p:spPr>
+          <a:xfrm>
+            <a:off x="17068800" y="9791700"/>
+            <a:ext cx="1219200" cy="369332"/>
+          </a:xfrm>
+          <a:prstGeom prst="rect">
+            <a:avLst/>
+          </a:prstGeom>
+          <a:noFill/>
+        </p:spPr>
+        <p:txBody>
+          <a:bodyPr wrap="square" rtlCol="0">
+            <a:spAutoFit/>
+          </a:bodyPr>
+          <a:lstStyle/>
+          <a:p>
+            <a:pPr algn="ctr"/>
+            <a:r>
+              <a:rPr lang="es-ES" dirty="0"/>
+              <a:t>- 9 -</a:t>
+            </a:r>
+          </a:p>
+        </p:txBody>
+      </p:sp>
+      <p:pic>
+        <p:nvPicPr>
+          <p:cNvPr id="12" name="Imagen 11">
+            <a:extLst>
+              <a:ext uri="{FF2B5EF4-FFF2-40B4-BE49-F238E27FC236}">
+                <a16:creationId xmlns:a16="http://schemas.microsoft.com/office/drawing/2014/main" id="{2DB78C92-3384-7EA6-C70D-6BB84599745D}"/>
+              </a:ext>
+            </a:extLst>
+          </p:cNvPr>
+          <p:cNvPicPr>
+            <a:picLocks noChangeAspect="1"/>
+          </p:cNvPicPr>
+          <p:nvPr/>
+        </p:nvPicPr>
+        <p:blipFill>
+          <a:blip r:embed="rId7"/>
+          <a:stretch>
+            <a:fillRect/>
+          </a:stretch>
+        </p:blipFill>
+        <p:spPr>
+          <a:xfrm>
+            <a:off x="20421600" y="9769074"/>
+            <a:ext cx="4815644" cy="1035851"/>
+          </a:xfrm>
+          <a:prstGeom prst="rect">
+            <a:avLst/>
+          </a:prstGeom>
+          <a:ln>
+            <a:noFill/>
+          </a:ln>
+          <a:effectLst>
+            <a:softEdge rad="112500"/>
+          </a:effectLst>
+        </p:spPr>
+      </p:pic>
+    </p:spTree>
+  </p:cSld>
+  <p:clrMapOvr>
+    <a:masterClrMapping/>
+  </p:clrMapOvr>
+</p:sld>
+</file>
+
+<file path=ppt/slides/slide11.xml><?xml version="1.0" encoding="utf-8"?>
+<p:sld xmlns:a="http://schemas.openxmlformats.org/drawingml/2006/main" xmlns:r="http://schemas.openxmlformats.org/officeDocument/2006/relationships" xmlns:p="http://schemas.openxmlformats.org/presentationml/2006/main">
+  <p:cSld>
+    <p:bg>
+      <p:bgPr>
+        <a:solidFill>
+          <a:srgbClr val="FAF3F3"/>
+        </a:solidFill>
+        <a:effectLst/>
+      </p:bgPr>
+    </p:bg>
+    <p:spTree>
+      <p:nvGrpSpPr>
         <p:cNvPr id="1" name="">
           <a:extLst>
             <a:ext uri="{FF2B5EF4-FFF2-40B4-BE49-F238E27FC236}">
@@ -9782,7 +10520,7 @@
 </p:sld>
 </file>
 
-<file path=ppt/slides/slide11.xml><?xml version="1.0" encoding="utf-8"?>
+<file path=ppt/slides/slide12.xml><?xml version="1.0" encoding="utf-8"?>
 <p:sld xmlns:a="http://schemas.openxmlformats.org/drawingml/2006/main" xmlns:r="http://schemas.openxmlformats.org/officeDocument/2006/relationships" xmlns:p="http://schemas.openxmlformats.org/presentationml/2006/main">
   <p:cSld>
     <p:bg>
@@ -10505,7 +11243,7 @@
 </p:sld>
 </file>
 
-<file path=ppt/slides/slide12.xml><?xml version="1.0" encoding="utf-8"?>
+<file path=ppt/slides/slide13.xml><?xml version="1.0" encoding="utf-8"?>
 <p:sld xmlns:a="http://schemas.openxmlformats.org/drawingml/2006/main" xmlns:r="http://schemas.openxmlformats.org/officeDocument/2006/relationships" xmlns:p="http://schemas.openxmlformats.org/presentationml/2006/main">
   <p:cSld>
     <p:bg>
@@ -11543,7 +12281,7 @@
 </p:sld>
 </file>
 
-<file path=ppt/slides/slide13.xml><?xml version="1.0" encoding="utf-8"?>
+<file path=ppt/slides/slide14.xml><?xml version="1.0" encoding="utf-8"?>
 <p:sld xmlns:a="http://schemas.openxmlformats.org/drawingml/2006/main" xmlns:r="http://schemas.openxmlformats.org/officeDocument/2006/relationships" xmlns:p="http://schemas.openxmlformats.org/presentationml/2006/main">
   <p:cSld>
     <p:bg>
@@ -12024,10 +12762,10 @@
         </p:nvGrpSpPr>
         <p:grpSpPr>
           <a:xfrm>
-            <a:off x="11565934" y="1940425"/>
-            <a:ext cx="6391743" cy="8074860"/>
-            <a:chOff x="11743857" y="1868460"/>
-            <a:chExt cx="6391743" cy="8074860"/>
+            <a:off x="11565934" y="1943880"/>
+            <a:ext cx="6391743" cy="8071405"/>
+            <a:chOff x="11743857" y="1871915"/>
+            <a:chExt cx="6391743" cy="8071405"/>
           </a:xfrm>
         </p:grpSpPr>
         <p:grpSp>
@@ -12044,10 +12782,10 @@
           </p:nvGrpSpPr>
           <p:grpSpPr>
             <a:xfrm>
-              <a:off x="11743858" y="1868460"/>
-              <a:ext cx="6391742" cy="8074860"/>
-              <a:chOff x="11887293" y="2657354"/>
-              <a:chExt cx="6391742" cy="8074860"/>
+              <a:off x="11743858" y="1871915"/>
+              <a:ext cx="6391742" cy="8071405"/>
+              <a:chOff x="11887293" y="2660809"/>
+              <a:chExt cx="6391742" cy="8071405"/>
             </a:xfrm>
           </p:grpSpPr>
           <p:pic>
@@ -12078,7 +12816,7 @@
             </p:blipFill>
             <p:spPr>
               <a:xfrm>
-                <a:off x="11887293" y="2657354"/>
+                <a:off x="11887293" y="2660809"/>
                 <a:ext cx="6391742" cy="3809220"/>
               </a:xfrm>
               <a:prstGeom prst="rect">
@@ -12123,8 +12861,8 @@
             </p:spPr>
           </p:pic>
         </p:grpSp>
-        <mc:AlternateContent xmlns:mc="http://schemas.openxmlformats.org/markup-compatibility/2006" xmlns:a14="http://schemas.microsoft.com/office/drawing/2010/main">
-          <mc:Choice Requires="a14">
+        <mc:AlternateContent xmlns:mc="http://schemas.openxmlformats.org/markup-compatibility/2006">
+          <mc:Choice xmlns:a14="http://schemas.microsoft.com/office/drawing/2010/main" Requires="a14">
             <p:sp>
               <p:nvSpPr>
                 <p:cNvPr id="26" name="CuadroTexto 25">
@@ -12139,7 +12877,7 @@
               </p:nvSpPr>
               <p:spPr>
                 <a:xfrm>
-                  <a:off x="11743857" y="5676900"/>
+                  <a:off x="11743857" y="5654292"/>
                   <a:ext cx="6391743" cy="484043"/>
                 </a:xfrm>
                 <a:prstGeom prst="rect">
@@ -12376,7 +13114,7 @@
               </p:txBody>
             </p:sp>
           </mc:Choice>
-          <mc:Fallback xmlns="">
+          <mc:Fallback>
             <p:sp>
               <p:nvSpPr>
                 <p:cNvPr id="26" name="CuadroTexto 25">
@@ -12393,7 +13131,7 @@
               </p:nvSpPr>
               <p:spPr>
                 <a:xfrm>
-                  <a:off x="11743857" y="5676900"/>
+                  <a:off x="11743857" y="5654292"/>
                   <a:ext cx="6391743" cy="484043"/>
                 </a:xfrm>
                 <a:prstGeom prst="rect">
@@ -12402,7 +13140,7 @@
                 <a:blipFill>
                   <a:blip r:embed="rId7"/>
                   <a:stretch>
-                    <a:fillRect b="-1266"/>
+                    <a:fillRect/>
                   </a:stretch>
                 </a:blipFill>
               </p:spPr>
@@ -12471,7 +13209,7 @@
 </p:sld>
 </file>
 
-<file path=ppt/slides/slide14.xml><?xml version="1.0" encoding="utf-8"?>
+<file path=ppt/slides/slide15.xml><?xml version="1.0" encoding="utf-8"?>
 <p:sld xmlns:a="http://schemas.openxmlformats.org/drawingml/2006/main" xmlns:r="http://schemas.openxmlformats.org/officeDocument/2006/relationships" xmlns:p="http://schemas.openxmlformats.org/presentationml/2006/main">
   <p:cSld>
     <p:bg>
@@ -12887,135 +13625,6 @@
           </a:p>
         </p:txBody>
       </p:sp>
-      <p:pic>
-        <p:nvPicPr>
-          <p:cNvPr id="3" name="Imagen 2" descr="Gráfico, Gráfico de barras&#10;&#10;El contenido generado por IA puede ser incorrecto.">
-            <a:extLst>
-              <a:ext uri="{FF2B5EF4-FFF2-40B4-BE49-F238E27FC236}">
-                <a16:creationId xmlns:a16="http://schemas.microsoft.com/office/drawing/2014/main" id="{E793308C-6E21-2CC9-7841-4B4E68AAAF26}"/>
-              </a:ext>
-            </a:extLst>
-          </p:cNvPr>
-          <p:cNvPicPr>
-            <a:picLocks noChangeAspect="1"/>
-          </p:cNvPicPr>
-          <p:nvPr/>
-        </p:nvPicPr>
-        <p:blipFill>
-          <a:blip r:embed="rId4">
-            <a:extLst>
-              <a:ext uri="{28A0092B-C50C-407E-A947-70E740481C1C}">
-                <a14:useLocalDpi xmlns:a14="http://schemas.microsoft.com/office/drawing/2010/main" val="0"/>
-              </a:ext>
-            </a:extLst>
-          </a:blip>
-          <a:stretch>
-            <a:fillRect/>
-          </a:stretch>
-        </p:blipFill>
-        <p:spPr>
-          <a:xfrm>
-            <a:off x="2088530" y="3121022"/>
-            <a:ext cx="7223774" cy="4480569"/>
-          </a:xfrm>
-          <a:prstGeom prst="rect">
-            <a:avLst/>
-          </a:prstGeom>
-        </p:spPr>
-      </p:pic>
-      <p:grpSp>
-        <p:nvGrpSpPr>
-          <p:cNvPr id="11" name="Grupo 10">
-            <a:extLst>
-              <a:ext uri="{FF2B5EF4-FFF2-40B4-BE49-F238E27FC236}">
-                <a16:creationId xmlns:a16="http://schemas.microsoft.com/office/drawing/2014/main" id="{0402BFCB-13EC-220F-A320-25DFB7AC9623}"/>
-              </a:ext>
-            </a:extLst>
-          </p:cNvPr>
-          <p:cNvGrpSpPr/>
-          <p:nvPr/>
-        </p:nvGrpSpPr>
-        <p:grpSpPr>
-          <a:xfrm>
-            <a:off x="11592438" y="2526659"/>
-            <a:ext cx="6327661" cy="7097408"/>
-            <a:chOff x="11592438" y="2526659"/>
-            <a:chExt cx="6327661" cy="7097408"/>
-          </a:xfrm>
-        </p:grpSpPr>
-        <p:pic>
-          <p:nvPicPr>
-            <p:cNvPr id="6" name="Imagen 5" descr="Gráfico, Gráfico de barras&#10;&#10;El contenido generado por IA puede ser incorrecto.">
-              <a:extLst>
-                <a:ext uri="{FF2B5EF4-FFF2-40B4-BE49-F238E27FC236}">
-                  <a16:creationId xmlns:a16="http://schemas.microsoft.com/office/drawing/2014/main" id="{ADE192F5-9C7C-63C6-8BF8-4CDD8AEDC6DF}"/>
-                </a:ext>
-              </a:extLst>
-            </p:cNvPr>
-            <p:cNvPicPr>
-              <a:picLocks noChangeAspect="1"/>
-            </p:cNvPicPr>
-            <p:nvPr/>
-          </p:nvPicPr>
-          <p:blipFill>
-            <a:blip r:embed="rId5">
-              <a:extLst>
-                <a:ext uri="{28A0092B-C50C-407E-A947-70E740481C1C}">
-                  <a14:useLocalDpi xmlns:a14="http://schemas.microsoft.com/office/drawing/2010/main" val="0"/>
-                </a:ext>
-              </a:extLst>
-            </a:blip>
-            <a:stretch>
-              <a:fillRect/>
-            </a:stretch>
-          </p:blipFill>
-          <p:spPr>
-            <a:xfrm>
-              <a:off x="11601581" y="6057900"/>
-              <a:ext cx="6309373" cy="3566167"/>
-            </a:xfrm>
-            <a:prstGeom prst="rect">
-              <a:avLst/>
-            </a:prstGeom>
-          </p:spPr>
-        </p:pic>
-        <p:pic>
-          <p:nvPicPr>
-            <p:cNvPr id="10" name="Imagen 9" descr="Gráfico, Gráfico de barras&#10;&#10;El contenido generado por IA puede ser incorrecto.">
-              <a:extLst>
-                <a:ext uri="{FF2B5EF4-FFF2-40B4-BE49-F238E27FC236}">
-                  <a16:creationId xmlns:a16="http://schemas.microsoft.com/office/drawing/2014/main" id="{EA0CC156-CAE1-E781-3A94-5E00E6FC8670}"/>
-                </a:ext>
-              </a:extLst>
-            </p:cNvPr>
-            <p:cNvPicPr>
-              <a:picLocks noChangeAspect="1"/>
-            </p:cNvPicPr>
-            <p:nvPr/>
-          </p:nvPicPr>
-          <p:blipFill>
-            <a:blip r:embed="rId6">
-              <a:extLst>
-                <a:ext uri="{28A0092B-C50C-407E-A947-70E740481C1C}">
-                  <a14:useLocalDpi xmlns:a14="http://schemas.microsoft.com/office/drawing/2010/main" val="0"/>
-                </a:ext>
-              </a:extLst>
-            </a:blip>
-            <a:stretch>
-              <a:fillRect/>
-            </a:stretch>
-          </p:blipFill>
-          <p:spPr>
-            <a:xfrm>
-              <a:off x="11592438" y="2526659"/>
-              <a:ext cx="6327661" cy="3566167"/>
-            </a:xfrm>
-            <a:prstGeom prst="rect">
-              <a:avLst/>
-            </a:prstGeom>
-          </p:spPr>
-        </p:pic>
-      </p:grpSp>
       <p:sp>
         <p:nvSpPr>
           <p:cNvPr id="2" name="CuadroTexto 1">
@@ -13052,6 +13661,135 @@
           </a:p>
         </p:txBody>
       </p:sp>
+      <p:grpSp>
+        <p:nvGrpSpPr>
+          <p:cNvPr id="25" name="Grupo 24">
+            <a:extLst>
+              <a:ext uri="{FF2B5EF4-FFF2-40B4-BE49-F238E27FC236}">
+                <a16:creationId xmlns:a16="http://schemas.microsoft.com/office/drawing/2014/main" id="{9650331E-AA95-2610-E10C-759F4310497B}"/>
+              </a:ext>
+            </a:extLst>
+          </p:cNvPr>
+          <p:cNvGrpSpPr/>
+          <p:nvPr/>
+        </p:nvGrpSpPr>
+        <p:grpSpPr>
+          <a:xfrm>
+            <a:off x="11378552" y="2171700"/>
+            <a:ext cx="6309373" cy="7132334"/>
+            <a:chOff x="11005005" y="2256072"/>
+            <a:chExt cx="6309373" cy="7132334"/>
+          </a:xfrm>
+        </p:grpSpPr>
+        <p:pic>
+          <p:nvPicPr>
+            <p:cNvPr id="20" name="Imagen 19" descr="Gráfico&#10;&#10;El contenido generado por IA puede ser incorrecto.">
+              <a:extLst>
+                <a:ext uri="{FF2B5EF4-FFF2-40B4-BE49-F238E27FC236}">
+                  <a16:creationId xmlns:a16="http://schemas.microsoft.com/office/drawing/2014/main" id="{2AB68764-6C75-165F-7F12-4B54A70E8125}"/>
+                </a:ext>
+              </a:extLst>
+            </p:cNvPr>
+            <p:cNvPicPr>
+              <a:picLocks noChangeAspect="1"/>
+            </p:cNvPicPr>
+            <p:nvPr/>
+          </p:nvPicPr>
+          <p:blipFill>
+            <a:blip r:embed="rId4">
+              <a:extLst>
+                <a:ext uri="{28A0092B-C50C-407E-A947-70E740481C1C}">
+                  <a14:useLocalDpi xmlns:a14="http://schemas.microsoft.com/office/drawing/2010/main" val="0"/>
+                </a:ext>
+              </a:extLst>
+            </a:blip>
+            <a:stretch>
+              <a:fillRect/>
+            </a:stretch>
+          </p:blipFill>
+          <p:spPr>
+            <a:xfrm>
+              <a:off x="11005005" y="5822239"/>
+              <a:ext cx="6309373" cy="3566167"/>
+            </a:xfrm>
+            <a:prstGeom prst="rect">
+              <a:avLst/>
+            </a:prstGeom>
+          </p:spPr>
+        </p:pic>
+        <p:pic>
+          <p:nvPicPr>
+            <p:cNvPr id="24" name="Imagen 23" descr="Gráfico, Gráfico de barras&#10;&#10;El contenido generado por IA puede ser incorrecto.">
+              <a:extLst>
+                <a:ext uri="{FF2B5EF4-FFF2-40B4-BE49-F238E27FC236}">
+                  <a16:creationId xmlns:a16="http://schemas.microsoft.com/office/drawing/2014/main" id="{E072605E-E5DC-C7B0-C042-D961814879FC}"/>
+                </a:ext>
+              </a:extLst>
+            </p:cNvPr>
+            <p:cNvPicPr>
+              <a:picLocks noChangeAspect="1"/>
+            </p:cNvPicPr>
+            <p:nvPr/>
+          </p:nvPicPr>
+          <p:blipFill>
+            <a:blip r:embed="rId5">
+              <a:extLst>
+                <a:ext uri="{28A0092B-C50C-407E-A947-70E740481C1C}">
+                  <a14:useLocalDpi xmlns:a14="http://schemas.microsoft.com/office/drawing/2010/main" val="0"/>
+                </a:ext>
+              </a:extLst>
+            </a:blip>
+            <a:stretch>
+              <a:fillRect/>
+            </a:stretch>
+          </p:blipFill>
+          <p:spPr>
+            <a:xfrm>
+              <a:off x="11005005" y="2256072"/>
+              <a:ext cx="6309373" cy="3566167"/>
+            </a:xfrm>
+            <a:prstGeom prst="rect">
+              <a:avLst/>
+            </a:prstGeom>
+          </p:spPr>
+        </p:pic>
+      </p:grpSp>
+      <p:pic>
+        <p:nvPicPr>
+          <p:cNvPr id="27" name="Imagen 26" descr="Gráfico, Gráfico de barras&#10;&#10;El contenido generado por IA puede ser incorrecto.">
+            <a:extLst>
+              <a:ext uri="{FF2B5EF4-FFF2-40B4-BE49-F238E27FC236}">
+                <a16:creationId xmlns:a16="http://schemas.microsoft.com/office/drawing/2014/main" id="{95DD8A62-481D-2B8D-9548-EC9AB21C6B76}"/>
+              </a:ext>
+            </a:extLst>
+          </p:cNvPr>
+          <p:cNvPicPr>
+            <a:picLocks noChangeAspect="1"/>
+          </p:cNvPicPr>
+          <p:nvPr/>
+        </p:nvPicPr>
+        <p:blipFill>
+          <a:blip r:embed="rId6">
+            <a:extLst>
+              <a:ext uri="{28A0092B-C50C-407E-A947-70E740481C1C}">
+                <a14:useLocalDpi xmlns:a14="http://schemas.microsoft.com/office/drawing/2010/main" val="0"/>
+              </a:ext>
+            </a:extLst>
+          </a:blip>
+          <a:stretch>
+            <a:fillRect/>
+          </a:stretch>
+        </p:blipFill>
+        <p:spPr>
+          <a:xfrm>
+            <a:off x="1828800" y="3319302"/>
+            <a:ext cx="7223774" cy="4480569"/>
+          </a:xfrm>
+          <a:prstGeom prst="rect">
+            <a:avLst/>
+          </a:prstGeom>
+        </p:spPr>
+      </p:pic>
     </p:spTree>
     <p:extLst>
       <p:ext uri="{BB962C8B-B14F-4D97-AF65-F5344CB8AC3E}">
@@ -13065,7 +13803,7 @@
 </p:sld>
 </file>
 
-<file path=ppt/slides/slide15.xml><?xml version="1.0" encoding="utf-8"?>
+<file path=ppt/slides/slide16.xml><?xml version="1.0" encoding="utf-8"?>
 <p:sld xmlns:a="http://schemas.openxmlformats.org/drawingml/2006/main" xmlns:r="http://schemas.openxmlformats.org/officeDocument/2006/relationships" xmlns:p="http://schemas.openxmlformats.org/presentationml/2006/main">
   <p:cSld>
     <p:bg>
@@ -14165,7 +14903,7 @@
 </p:sld>
 </file>
 
-<file path=ppt/slides/slide16.xml><?xml version="1.0" encoding="utf-8"?>
+<file path=ppt/slides/slide17.xml><?xml version="1.0" encoding="utf-8"?>
 <p:sld xmlns:a="http://schemas.openxmlformats.org/drawingml/2006/main" xmlns:r="http://schemas.openxmlformats.org/officeDocument/2006/relationships" xmlns:p="http://schemas.openxmlformats.org/presentationml/2006/main">
   <p:cSld>
     <p:bg>
@@ -14506,6 +15244,18 @@
                 <a:buChar char="q"/>
               </a:pPr>
               <a:r>
+                <a:rPr lang="es-ES" sz="2499" b="1" dirty="0">
+                  <a:solidFill>
+                    <a:srgbClr val="222366"/>
+                  </a:solidFill>
+                  <a:latin typeface="Public Sans"/>
+                  <a:ea typeface="Public Sans"/>
+                  <a:cs typeface="Public Sans"/>
+                  <a:sym typeface="Public Sans"/>
+                </a:rPr>
+                <a:t>Clasificación</a:t>
+              </a:r>
+              <a:r>
                 <a:rPr lang="es-ES" sz="2499" dirty="0">
                   <a:solidFill>
                     <a:srgbClr val="222366"/>
@@ -14515,7 +15265,7 @@
                   <a:cs typeface="Public Sans"/>
                   <a:sym typeface="Public Sans"/>
                 </a:rPr>
-                <a:t>Clasificación de enfermedades por sistema afectado (Aprendizaje Supervisado). </a:t>
+                <a:t> de enfermedades por sistema afectado (Aprendizaje Supervisado). </a:t>
               </a:r>
             </a:p>
             <a:p>
@@ -14528,6 +15278,18 @@
                 </a:spcAft>
               </a:pPr>
               <a:r>
+                <a:rPr lang="es-ES" sz="2499" b="1" noProof="0" dirty="0">
+                  <a:solidFill>
+                    <a:srgbClr val="222366"/>
+                  </a:solidFill>
+                  <a:latin typeface="Public Sans"/>
+                  <a:ea typeface="Public Sans"/>
+                  <a:cs typeface="Public Sans"/>
+                  <a:sym typeface="Public Sans"/>
+                </a:rPr>
+                <a:t>Predecir</a:t>
+              </a:r>
+              <a:r>
                 <a:rPr lang="es-ES" sz="2499" noProof="0" dirty="0">
                   <a:solidFill>
                     <a:srgbClr val="222366"/>
@@ -14537,7 +15299,7 @@
                   <a:cs typeface="Public Sans"/>
                   <a:sym typeface="Public Sans"/>
                 </a:rPr>
-                <a:t>Predecir a qué sistema del cuerpo afecta una ER a partir del estudio de características </a:t>
+                <a:t> a qué sistema del cuerpo afecta una ER a partir del estudio de características </a:t>
               </a:r>
               <a:r>
                 <a:rPr lang="es-ES" sz="2499" dirty="0">
@@ -14573,7 +15335,31 @@
                   <a:cs typeface="Public Sans"/>
                   <a:sym typeface="Public Sans"/>
                 </a:rPr>
-                <a:t>Analizar las interacciones entre un fármaco huérfano y la proteína de un gen.</a:t>
+                <a:t>Analizar las </a:t>
+              </a:r>
+              <a:r>
+                <a:rPr lang="es-ES" sz="2499" b="1" dirty="0">
+                  <a:solidFill>
+                    <a:srgbClr val="222366"/>
+                  </a:solidFill>
+                  <a:latin typeface="Public Sans"/>
+                  <a:ea typeface="Public Sans"/>
+                  <a:cs typeface="Public Sans"/>
+                  <a:sym typeface="Public Sans"/>
+                </a:rPr>
+                <a:t>interacciones</a:t>
+              </a:r>
+              <a:r>
+                <a:rPr lang="es-ES" sz="2499" dirty="0">
+                  <a:solidFill>
+                    <a:srgbClr val="222366"/>
+                  </a:solidFill>
+                  <a:latin typeface="Public Sans"/>
+                  <a:ea typeface="Public Sans"/>
+                  <a:cs typeface="Public Sans"/>
+                  <a:sym typeface="Public Sans"/>
+                </a:rPr>
+                <a:t> entre un fármaco huérfano y la proteína de un gen.</a:t>
               </a:r>
             </a:p>
             <a:p>
@@ -14993,7 +15779,7 @@
 </p:sld>
 </file>
 
-<file path=ppt/slides/slide17.xml><?xml version="1.0" encoding="utf-8"?>
+<file path=ppt/slides/slide18.xml><?xml version="1.0" encoding="utf-8"?>
 <p:sld xmlns:a="http://schemas.openxmlformats.org/drawingml/2006/main" xmlns:r="http://schemas.openxmlformats.org/officeDocument/2006/relationships" xmlns:p="http://schemas.openxmlformats.org/presentationml/2006/main">
   <p:cSld>
     <p:bg>
@@ -16806,7 +17592,7 @@
                   <a:cs typeface="Public Sans"/>
                   <a:sym typeface="Public Sans"/>
                 </a:rPr>
-                <a:t>Aquellas que, con peligro de muerte o invalidez crónica, tiene una </a:t>
+                <a:t>Aquella que, con peligro de muerte o invalidez crónica, tiene una </a:t>
               </a:r>
               <a:r>
                 <a:rPr lang="es-ES" sz="2499" b="1" noProof="0" dirty="0">
@@ -18200,7 +18986,7 @@
         </p:nvSpPr>
         <p:spPr>
           <a:xfrm>
-            <a:off x="9571637" y="3666980"/>
+            <a:off x="9448800" y="3666980"/>
             <a:ext cx="8545614" cy="1681294"/>
           </a:xfrm>
           <a:prstGeom prst="rect">
@@ -20138,7 +20924,7 @@
         </p:blipFill>
         <p:spPr>
           <a:xfrm>
-            <a:off x="3823592" y="6101776"/>
+            <a:off x="3823592" y="6262856"/>
             <a:ext cx="10616865" cy="3528844"/>
           </a:xfrm>
           <a:prstGeom prst="rect">
@@ -20168,7 +20954,7 @@
         <p:spPr>
           <a:xfrm>
             <a:off x="585880" y="4003899"/>
-            <a:ext cx="5769420" cy="1328505"/>
+            <a:ext cx="6043520" cy="1790170"/>
           </a:xfrm>
           <a:prstGeom prst="rect">
             <a:avLst/>
@@ -20197,17 +20983,20 @@
                 <a:cs typeface="Public Sans"/>
                 <a:sym typeface="Public Sans"/>
               </a:rPr>
-              <a:t>Base de datos muy limpia.</a:t>
-            </a:r>
-          </a:p>
-          <a:p>
-            <a:pPr marL="342900" indent="-342900">
-              <a:lnSpc>
-                <a:spcPct val="150000"/>
-              </a:lnSpc>
-              <a:buFont typeface="Wingdings" panose="05000000000000000000" pitchFamily="2" charset="2"/>
-              <a:buChar char="§"/>
-            </a:pPr>
+              <a:t>Librerías </a:t>
+            </a:r>
+            <a:r>
+              <a:rPr lang="es-ES" sz="2000" dirty="0" err="1">
+                <a:solidFill>
+                  <a:srgbClr val="222366"/>
+                </a:solidFill>
+                <a:latin typeface="Public Sans"/>
+                <a:ea typeface="Public Sans"/>
+                <a:cs typeface="Public Sans"/>
+                <a:sym typeface="Public Sans"/>
+              </a:rPr>
+              <a:t>Requests</a:t>
+            </a:r>
             <a:r>
               <a:rPr lang="es-ES" sz="2000" dirty="0">
                 <a:solidFill>
@@ -20218,7 +21007,64 @@
                 <a:cs typeface="Public Sans"/>
                 <a:sym typeface="Public Sans"/>
               </a:rPr>
-              <a:t>2617 filas y 5 columnas.</a:t>
+              <a:t> y </a:t>
+            </a:r>
+            <a:r>
+              <a:rPr lang="es-ES" sz="2000" dirty="0" err="1">
+                <a:solidFill>
+                  <a:srgbClr val="222366"/>
+                </a:solidFill>
+                <a:latin typeface="Public Sans"/>
+                <a:ea typeface="Public Sans"/>
+                <a:cs typeface="Public Sans"/>
+                <a:sym typeface="Public Sans"/>
+              </a:rPr>
+              <a:t>ElementTree</a:t>
+            </a:r>
+            <a:r>
+              <a:rPr lang="es-ES" sz="2000" dirty="0">
+                <a:solidFill>
+                  <a:srgbClr val="222366"/>
+                </a:solidFill>
+                <a:latin typeface="Public Sans"/>
+                <a:ea typeface="Public Sans"/>
+                <a:cs typeface="Public Sans"/>
+                <a:sym typeface="Public Sans"/>
+              </a:rPr>
+              <a:t> para acceder y extraer datos de la API (formato XML).</a:t>
+            </a:r>
+          </a:p>
+          <a:p>
+            <a:pPr marL="342900" indent="-342900">
+              <a:lnSpc>
+                <a:spcPct val="150000"/>
+              </a:lnSpc>
+              <a:buFont typeface="Wingdings" panose="05000000000000000000" pitchFamily="2" charset="2"/>
+              <a:buChar char="§"/>
+            </a:pPr>
+            <a:r>
+              <a:rPr lang="es-ES" sz="2000" dirty="0" err="1">
+                <a:solidFill>
+                  <a:srgbClr val="222366"/>
+                </a:solidFill>
+                <a:latin typeface="Public Sans"/>
+                <a:ea typeface="Public Sans"/>
+                <a:cs typeface="Public Sans"/>
+                <a:sym typeface="Public Sans"/>
+              </a:rPr>
+              <a:t>Dataset</a:t>
+            </a:r>
+            <a:r>
+              <a:rPr lang="es-ES" sz="2000" dirty="0">
+                <a:solidFill>
+                  <a:srgbClr val="222366"/>
+                </a:solidFill>
+                <a:latin typeface="Public Sans"/>
+                <a:ea typeface="Public Sans"/>
+                <a:cs typeface="Public Sans"/>
+                <a:sym typeface="Public Sans"/>
+              </a:rPr>
+              <a:t> limpio: 2617 filas y 5 columnas.</a:t>
             </a:r>
           </a:p>
           <a:p>
@@ -20239,31 +21085,7 @@
                 <a:cs typeface="Public Sans"/>
                 <a:sym typeface="Public Sans"/>
               </a:rPr>
-              <a:t>Interés en el </a:t>
-            </a:r>
-            <a:r>
-              <a:rPr lang="es-ES" sz="2000" noProof="0" dirty="0" err="1">
-                <a:solidFill>
-                  <a:srgbClr val="222366"/>
-                </a:solidFill>
-                <a:latin typeface="Public Sans"/>
-                <a:ea typeface="Public Sans"/>
-                <a:cs typeface="Public Sans"/>
-                <a:sym typeface="Public Sans"/>
-              </a:rPr>
-              <a:t>nº</a:t>
-            </a:r>
-            <a:r>
-              <a:rPr lang="es-ES" sz="2000" noProof="0" dirty="0">
-                <a:solidFill>
-                  <a:srgbClr val="222366"/>
-                </a:solidFill>
-                <a:latin typeface="Public Sans"/>
-                <a:ea typeface="Public Sans"/>
-                <a:cs typeface="Public Sans"/>
-                <a:sym typeface="Public Sans"/>
-              </a:rPr>
-              <a:t> de publicaciones por año.</a:t>
+              <a:t>Interés en el N.º de publicaciones por año.</a:t>
             </a:r>
           </a:p>
         </p:txBody>
@@ -20660,7 +21482,7 @@
             <a:p>
               <a:pPr algn="ctr"/>
               <a:r>
-                <a:rPr lang="es-ES" sz="2499" b="1" dirty="0" err="1">
+                <a:rPr lang="es-ES" sz="2499" b="1" dirty="0">
                   <a:solidFill>
                     <a:srgbClr val="222366"/>
                   </a:solidFill>
@@ -20677,7 +21499,47 @@
                   <a:latin typeface="Public Sans"/>
                   <a:sym typeface="Public Sans"/>
                 </a:rPr>
-                <a:t> es una base de datos online de acceso libre dedicada a las enfermedades raras y los medicamentos huérfanos.</a:t>
+                <a:t> es una base de datos online de acceso libre dedicada a las </a:t>
+              </a:r>
+              <a:r>
+                <a:rPr lang="es-ES" sz="2499" b="1" dirty="0">
+                  <a:solidFill>
+                    <a:srgbClr val="222366"/>
+                  </a:solidFill>
+                  <a:latin typeface="Public Sans"/>
+                  <a:sym typeface="Public Sans"/>
+                </a:rPr>
+                <a:t>enfermedades raras </a:t>
+              </a:r>
+              <a:r>
+                <a:rPr lang="es-ES" sz="2499" dirty="0">
+                  <a:solidFill>
+                    <a:srgbClr val="222366"/>
+                  </a:solidFill>
+                  <a:latin typeface="Public Sans"/>
+                  <a:sym typeface="Public Sans"/>
+                </a:rPr>
+                <a:t>y los </a:t>
+              </a:r>
+              <a:r>
+                <a:rPr lang="es-ES" sz="2499" b="1" dirty="0">
+                  <a:solidFill>
+                    <a:srgbClr val="222366"/>
+                  </a:solidFill>
+                  <a:latin typeface="Public Sans"/>
+                  <a:sym typeface="Public Sans"/>
+                </a:rPr>
+                <a:t>medicamentos huérfanos</a:t>
+              </a:r>
+              <a:r>
+                <a:rPr lang="es-ES" sz="2499" dirty="0">
+                  <a:solidFill>
+                    <a:srgbClr val="222366"/>
+                  </a:solidFill>
+                  <a:latin typeface="Public Sans"/>
+                  <a:sym typeface="Public Sans"/>
+                </a:rPr>
+                <a:t>.</a:t>
               </a:r>
             </a:p>
             <a:p>
@@ -20910,8 +21772,8 @@
         </p:nvSpPr>
         <p:spPr>
           <a:xfrm>
-            <a:off x="7808398" y="8289761"/>
-            <a:ext cx="8610599" cy="1328505"/>
+            <a:off x="7808398" y="8191500"/>
+            <a:ext cx="8610599" cy="1790170"/>
           </a:xfrm>
           <a:prstGeom prst="rect">
             <a:avLst/>
@@ -20922,6 +21784,39 @@
             <a:spAutoFit/>
           </a:bodyPr>
           <a:lstStyle/>
+          <a:p>
+            <a:pPr marL="342900" indent="-342900">
+              <a:lnSpc>
+                <a:spcPct val="150000"/>
+              </a:lnSpc>
+              <a:buFont typeface="Wingdings" panose="05000000000000000000" pitchFamily="2" charset="2"/>
+              <a:buChar char="§"/>
+            </a:pPr>
+            <a:r>
+              <a:rPr lang="es-ES" sz="2000" dirty="0" err="1">
+                <a:solidFill>
+                  <a:srgbClr val="222366"/>
+                </a:solidFill>
+                <a:latin typeface="Public Sans"/>
+                <a:ea typeface="Public Sans"/>
+                <a:cs typeface="Public Sans"/>
+                <a:sym typeface="Public Sans"/>
+              </a:rPr>
+              <a:t>Requests</a:t>
+            </a:r>
+            <a:r>
+              <a:rPr lang="es-ES" sz="2000" dirty="0">
+                <a:solidFill>
+                  <a:srgbClr val="222366"/>
+                </a:solidFill>
+                <a:latin typeface="Public Sans"/>
+                <a:ea typeface="Public Sans"/>
+                <a:cs typeface="Public Sans"/>
+                <a:sym typeface="Public Sans"/>
+              </a:rPr>
+              <a:t> para acceder a la API (formato JSON).</a:t>
+            </a:r>
+          </a:p>
           <a:p>
             <a:pPr marL="342900" indent="-342900">
               <a:lnSpc>
@@ -21114,7 +22009,7 @@
         </p:blipFill>
         <p:spPr>
           <a:xfrm>
-            <a:off x="7635762" y="2196015"/>
+            <a:off x="7635762" y="1790700"/>
             <a:ext cx="8610600" cy="5981700"/>
           </a:xfrm>
           <a:prstGeom prst="rect">
@@ -21172,6 +22067,1134 @@
 </file>
 
 <file path=ppt/slides/slide8.xml><?xml version="1.0" encoding="utf-8"?>
+<p:sld xmlns:a="http://schemas.openxmlformats.org/drawingml/2006/main" xmlns:r="http://schemas.openxmlformats.org/officeDocument/2006/relationships" xmlns:p="http://schemas.openxmlformats.org/presentationml/2006/main">
+  <p:cSld>
+    <p:bg>
+      <p:bgPr>
+        <a:solidFill>
+          <a:srgbClr val="FAF3F3"/>
+        </a:solidFill>
+        <a:effectLst/>
+      </p:bgPr>
+    </p:bg>
+    <p:spTree>
+      <p:nvGrpSpPr>
+        <p:cNvPr id="1" name="">
+          <a:extLst>
+            <a:ext uri="{FF2B5EF4-FFF2-40B4-BE49-F238E27FC236}">
+              <a16:creationId xmlns:a16="http://schemas.microsoft.com/office/drawing/2014/main" id="{3072C78B-8A2B-2EA8-47F6-826D00F5FA1C}"/>
+            </a:ext>
+          </a:extLst>
+        </p:cNvPr>
+        <p:cNvGrpSpPr/>
+        <p:nvPr/>
+      </p:nvGrpSpPr>
+      <p:grpSpPr>
+        <a:xfrm>
+          <a:off x="0" y="0"/>
+          <a:ext cx="0" cy="0"/>
+          <a:chOff x="0" y="0"/>
+          <a:chExt cx="0" cy="0"/>
+        </a:xfrm>
+      </p:grpSpPr>
+      <p:sp>
+        <p:nvSpPr>
+          <p:cNvPr id="10" name="Freeform 10">
+            <a:extLst>
+              <a:ext uri="{FF2B5EF4-FFF2-40B4-BE49-F238E27FC236}">
+                <a16:creationId xmlns:a16="http://schemas.microsoft.com/office/drawing/2014/main" id="{37299542-B57B-5707-D050-148B59820659}"/>
+              </a:ext>
+            </a:extLst>
+          </p:cNvPr>
+          <p:cNvSpPr/>
+          <p:nvPr/>
+        </p:nvSpPr>
+        <p:spPr>
+          <a:xfrm rot="-1793077">
+            <a:off x="16486792" y="3748667"/>
+            <a:ext cx="2859370" cy="3981402"/>
+          </a:xfrm>
+          <a:custGeom>
+            <a:avLst/>
+            <a:gdLst/>
+            <a:ahLst/>
+            <a:cxnLst/>
+            <a:rect l="l" t="t" r="r" b="b"/>
+            <a:pathLst>
+              <a:path w="2859370" h="3981402">
+                <a:moveTo>
+                  <a:pt x="0" y="0"/>
+                </a:moveTo>
+                <a:lnTo>
+                  <a:pt x="2859370" y="0"/>
+                </a:lnTo>
+                <a:lnTo>
+                  <a:pt x="2859370" y="3981402"/>
+                </a:lnTo>
+                <a:lnTo>
+                  <a:pt x="0" y="3981402"/>
+                </a:lnTo>
+                <a:lnTo>
+                  <a:pt x="0" y="0"/>
+                </a:lnTo>
+                <a:close/>
+              </a:path>
+            </a:pathLst>
+          </a:custGeom>
+          <a:blipFill>
+            <a:blip r:embed="rId3">
+              <a:extLst>
+                <a:ext uri="{96DAC541-7B7A-43D3-8B79-37D633B846F1}">
+                  <asvg:svgBlip xmlns:asvg="http://schemas.microsoft.com/office/drawing/2016/SVG/main" r:embed="rId4"/>
+                </a:ext>
+              </a:extLst>
+            </a:blip>
+            <a:stretch>
+              <a:fillRect/>
+            </a:stretch>
+          </a:blipFill>
+        </p:spPr>
+        <p:txBody>
+          <a:bodyPr/>
+          <a:lstStyle/>
+          <a:p>
+            <a:endParaRPr lang="es-ES" noProof="0" dirty="0"/>
+          </a:p>
+        </p:txBody>
+      </p:sp>
+      <p:sp>
+        <p:nvSpPr>
+          <p:cNvPr id="12" name="Freeform 12">
+            <a:extLst>
+              <a:ext uri="{FF2B5EF4-FFF2-40B4-BE49-F238E27FC236}">
+                <a16:creationId xmlns:a16="http://schemas.microsoft.com/office/drawing/2014/main" id="{E3C88D38-9E1B-811A-1E5E-137E38134E1F}"/>
+              </a:ext>
+            </a:extLst>
+          </p:cNvPr>
+          <p:cNvSpPr/>
+          <p:nvPr/>
+        </p:nvSpPr>
+        <p:spPr>
+          <a:xfrm rot="-137149">
+            <a:off x="16810138" y="679878"/>
+            <a:ext cx="1402006" cy="1402006"/>
+          </a:xfrm>
+          <a:custGeom>
+            <a:avLst/>
+            <a:gdLst/>
+            <a:ahLst/>
+            <a:cxnLst/>
+            <a:rect l="l" t="t" r="r" b="b"/>
+            <a:pathLst>
+              <a:path w="1402006" h="1402006">
+                <a:moveTo>
+                  <a:pt x="0" y="0"/>
+                </a:moveTo>
+                <a:lnTo>
+                  <a:pt x="1402006" y="0"/>
+                </a:lnTo>
+                <a:lnTo>
+                  <a:pt x="1402006" y="1402006"/>
+                </a:lnTo>
+                <a:lnTo>
+                  <a:pt x="0" y="1402006"/>
+                </a:lnTo>
+                <a:lnTo>
+                  <a:pt x="0" y="0"/>
+                </a:lnTo>
+                <a:close/>
+              </a:path>
+            </a:pathLst>
+          </a:custGeom>
+          <a:blipFill>
+            <a:blip r:embed="rId5">
+              <a:extLst>
+                <a:ext uri="{96DAC541-7B7A-43D3-8B79-37D633B846F1}">
+                  <asvg:svgBlip xmlns:asvg="http://schemas.microsoft.com/office/drawing/2016/SVG/main" r:embed="rId6"/>
+                </a:ext>
+              </a:extLst>
+            </a:blip>
+            <a:stretch>
+              <a:fillRect/>
+            </a:stretch>
+          </a:blipFill>
+        </p:spPr>
+        <p:txBody>
+          <a:bodyPr/>
+          <a:lstStyle/>
+          <a:p>
+            <a:endParaRPr lang="es-ES" noProof="0" dirty="0"/>
+          </a:p>
+        </p:txBody>
+      </p:sp>
+      <p:sp>
+        <p:nvSpPr>
+          <p:cNvPr id="13" name="Freeform 13">
+            <a:extLst>
+              <a:ext uri="{FF2B5EF4-FFF2-40B4-BE49-F238E27FC236}">
+                <a16:creationId xmlns:a16="http://schemas.microsoft.com/office/drawing/2014/main" id="{60804A07-14A5-F7A4-4C62-C13EC67CBA68}"/>
+              </a:ext>
+            </a:extLst>
+          </p:cNvPr>
+          <p:cNvSpPr/>
+          <p:nvPr/>
+        </p:nvSpPr>
+        <p:spPr>
+          <a:xfrm rot="-137149">
+            <a:off x="-322102" y="8874639"/>
+            <a:ext cx="1402006" cy="1402006"/>
+          </a:xfrm>
+          <a:custGeom>
+            <a:avLst/>
+            <a:gdLst/>
+            <a:ahLst/>
+            <a:cxnLst/>
+            <a:rect l="l" t="t" r="r" b="b"/>
+            <a:pathLst>
+              <a:path w="1402006" h="1402006">
+                <a:moveTo>
+                  <a:pt x="0" y="0"/>
+                </a:moveTo>
+                <a:lnTo>
+                  <a:pt x="1402006" y="0"/>
+                </a:lnTo>
+                <a:lnTo>
+                  <a:pt x="1402006" y="1402006"/>
+                </a:lnTo>
+                <a:lnTo>
+                  <a:pt x="0" y="1402006"/>
+                </a:lnTo>
+                <a:lnTo>
+                  <a:pt x="0" y="0"/>
+                </a:lnTo>
+                <a:close/>
+              </a:path>
+            </a:pathLst>
+          </a:custGeom>
+          <a:blipFill>
+            <a:blip r:embed="rId5">
+              <a:extLst>
+                <a:ext uri="{96DAC541-7B7A-43D3-8B79-37D633B846F1}">
+                  <asvg:svgBlip xmlns:asvg="http://schemas.microsoft.com/office/drawing/2016/SVG/main" r:embed="rId6"/>
+                </a:ext>
+              </a:extLst>
+            </a:blip>
+            <a:stretch>
+              <a:fillRect/>
+            </a:stretch>
+          </a:blipFill>
+        </p:spPr>
+        <p:txBody>
+          <a:bodyPr/>
+          <a:lstStyle/>
+          <a:p>
+            <a:endParaRPr lang="es-ES" noProof="0" dirty="0"/>
+          </a:p>
+        </p:txBody>
+      </p:sp>
+      <p:sp>
+        <p:nvSpPr>
+          <p:cNvPr id="40" name="TextBox 40">
+            <a:extLst>
+              <a:ext uri="{FF2B5EF4-FFF2-40B4-BE49-F238E27FC236}">
+                <a16:creationId xmlns:a16="http://schemas.microsoft.com/office/drawing/2014/main" id="{111DAC41-419D-E6F5-A871-BF17E47827E0}"/>
+              </a:ext>
+            </a:extLst>
+          </p:cNvPr>
+          <p:cNvSpPr txBox="1"/>
+          <p:nvPr/>
+        </p:nvSpPr>
+        <p:spPr>
+          <a:xfrm>
+            <a:off x="1750431" y="271715"/>
+            <a:ext cx="14763189" cy="1000851"/>
+          </a:xfrm>
+          <a:prstGeom prst="rect">
+            <a:avLst/>
+          </a:prstGeom>
+        </p:spPr>
+        <p:txBody>
+          <a:bodyPr lIns="0" tIns="0" rIns="0" bIns="0" rtlCol="0" anchor="t">
+            <a:spAutoFit/>
+          </a:bodyPr>
+          <a:lstStyle/>
+          <a:p>
+            <a:pPr algn="ctr">
+              <a:lnSpc>
+                <a:spcPts val="8819"/>
+              </a:lnSpc>
+            </a:pPr>
+            <a:r>
+              <a:rPr lang="es-ES" sz="6300" dirty="0">
+                <a:solidFill>
+                  <a:srgbClr val="222366"/>
+                </a:solidFill>
+                <a:latin typeface="Brick Sans"/>
+                <a:ea typeface="Brick Sans"/>
+                <a:cs typeface="Brick Sans"/>
+                <a:sym typeface="Brick Sans"/>
+              </a:rPr>
+              <a:t>Tratamiento de Datos</a:t>
+            </a:r>
+            <a:endParaRPr lang="es-ES" sz="6300" noProof="0" dirty="0">
+              <a:solidFill>
+                <a:srgbClr val="222366"/>
+              </a:solidFill>
+              <a:latin typeface="Brick Sans"/>
+              <a:ea typeface="Brick Sans"/>
+              <a:cs typeface="Brick Sans"/>
+              <a:sym typeface="Brick Sans"/>
+            </a:endParaRPr>
+          </a:p>
+        </p:txBody>
+      </p:sp>
+      <p:grpSp>
+        <p:nvGrpSpPr>
+          <p:cNvPr id="41" name="Grupo 40">
+            <a:extLst>
+              <a:ext uri="{FF2B5EF4-FFF2-40B4-BE49-F238E27FC236}">
+                <a16:creationId xmlns:a16="http://schemas.microsoft.com/office/drawing/2014/main" id="{AC440CB1-F941-85F8-D7B2-D080DF5378B8}"/>
+              </a:ext>
+            </a:extLst>
+          </p:cNvPr>
+          <p:cNvGrpSpPr/>
+          <p:nvPr/>
+        </p:nvGrpSpPr>
+        <p:grpSpPr>
+          <a:xfrm>
+            <a:off x="585880" y="1829514"/>
+            <a:ext cx="5761060" cy="3542586"/>
+            <a:chOff x="2582198" y="1943100"/>
+            <a:chExt cx="5761060" cy="3542586"/>
+          </a:xfrm>
+        </p:grpSpPr>
+        <p:sp>
+          <p:nvSpPr>
+            <p:cNvPr id="42" name="TextBox 32">
+              <a:extLst>
+                <a:ext uri="{FF2B5EF4-FFF2-40B4-BE49-F238E27FC236}">
+                  <a16:creationId xmlns:a16="http://schemas.microsoft.com/office/drawing/2014/main" id="{443CB964-30E7-51D3-40B6-8A0CE8A89F66}"/>
+                </a:ext>
+              </a:extLst>
+            </p:cNvPr>
+            <p:cNvSpPr txBox="1"/>
+            <p:nvPr/>
+          </p:nvSpPr>
+          <p:spPr>
+            <a:xfrm>
+              <a:off x="2582198" y="2645685"/>
+              <a:ext cx="5761060" cy="2840001"/>
+            </a:xfrm>
+            <a:prstGeom prst="rect">
+              <a:avLst/>
+            </a:prstGeom>
+            <a:solidFill>
+              <a:srgbClr val="E9EAF6"/>
+            </a:solidFill>
+            <a:ln w="19050" cap="sq">
+              <a:solidFill>
+                <a:srgbClr val="414370"/>
+              </a:solidFill>
+              <a:prstDash val="lgDash"/>
+              <a:miter/>
+            </a:ln>
+          </p:spPr>
+          <p:txBody>
+            <a:bodyPr/>
+            <a:lstStyle>
+              <a:defPPr>
+                <a:defRPr lang="en-US"/>
+              </a:defPPr>
+            </a:lstStyle>
+            <a:p>
+              <a:pPr algn="ctr"/>
+              <a:r>
+                <a:rPr lang="es-ES" sz="2499" b="1" dirty="0">
+                  <a:solidFill>
+                    <a:srgbClr val="222366"/>
+                  </a:solidFill>
+                  <a:latin typeface="Public Sans"/>
+                  <a:sym typeface="Public Sans"/>
+                </a:rPr>
+                <a:t>Orphanet</a:t>
+              </a:r>
+              <a:r>
+                <a:rPr lang="es-ES" sz="2499" dirty="0">
+                  <a:solidFill>
+                    <a:srgbClr val="222366"/>
+                  </a:solidFill>
+                  <a:latin typeface="Public Sans"/>
+                  <a:sym typeface="Public Sans"/>
+                </a:rPr>
+                <a:t> es una base de datos online de acceso libre dedicada a las </a:t>
+              </a:r>
+              <a:r>
+                <a:rPr lang="es-ES" sz="2499" b="1" dirty="0">
+                  <a:solidFill>
+                    <a:srgbClr val="222366"/>
+                  </a:solidFill>
+                  <a:latin typeface="Public Sans"/>
+                  <a:sym typeface="Public Sans"/>
+                </a:rPr>
+                <a:t>enfermedades raras </a:t>
+              </a:r>
+              <a:r>
+                <a:rPr lang="es-ES" sz="2499" dirty="0">
+                  <a:solidFill>
+                    <a:srgbClr val="222366"/>
+                  </a:solidFill>
+                  <a:latin typeface="Public Sans"/>
+                  <a:sym typeface="Public Sans"/>
+                </a:rPr>
+                <a:t>y los </a:t>
+              </a:r>
+              <a:r>
+                <a:rPr lang="es-ES" sz="2499" b="1" dirty="0">
+                  <a:solidFill>
+                    <a:srgbClr val="222366"/>
+                  </a:solidFill>
+                  <a:latin typeface="Public Sans"/>
+                  <a:sym typeface="Public Sans"/>
+                </a:rPr>
+                <a:t>medicamentos huérfanos</a:t>
+              </a:r>
+              <a:r>
+                <a:rPr lang="es-ES" sz="2499" dirty="0">
+                  <a:solidFill>
+                    <a:srgbClr val="222366"/>
+                  </a:solidFill>
+                  <a:latin typeface="Public Sans"/>
+                  <a:sym typeface="Public Sans"/>
+                </a:rPr>
+                <a:t>.</a:t>
+              </a:r>
+            </a:p>
+            <a:p>
+              <a:pPr algn="ctr"/>
+              <a:r>
+                <a:rPr lang="es-ES" sz="2499" b="1" dirty="0">
+                  <a:solidFill>
+                    <a:srgbClr val="222366"/>
+                  </a:solidFill>
+                  <a:latin typeface="Public Sans"/>
+                  <a:sym typeface="Public Sans"/>
+                </a:rPr>
+                <a:t>Orphadata</a:t>
+              </a:r>
+              <a:r>
+                <a:rPr lang="es-ES" sz="2499" dirty="0">
+                  <a:solidFill>
+                    <a:srgbClr val="222366"/>
+                  </a:solidFill>
+                  <a:latin typeface="Public Sans"/>
+                  <a:sym typeface="Public Sans"/>
+                </a:rPr>
+                <a:t> es una plataforma que proporciona datos a la comunidad científica.</a:t>
+              </a:r>
+            </a:p>
+          </p:txBody>
+        </p:sp>
+        <p:grpSp>
+          <p:nvGrpSpPr>
+            <p:cNvPr id="43" name="Grupo 42">
+              <a:extLst>
+                <a:ext uri="{FF2B5EF4-FFF2-40B4-BE49-F238E27FC236}">
+                  <a16:creationId xmlns:a16="http://schemas.microsoft.com/office/drawing/2014/main" id="{77435A0B-0DE1-90FD-618F-FA697DA94D63}"/>
+                </a:ext>
+              </a:extLst>
+            </p:cNvPr>
+            <p:cNvGrpSpPr/>
+            <p:nvPr/>
+          </p:nvGrpSpPr>
+          <p:grpSpPr>
+            <a:xfrm>
+              <a:off x="3065636" y="1943100"/>
+              <a:ext cx="4794184" cy="639381"/>
+              <a:chOff x="3065636" y="1943100"/>
+              <a:chExt cx="4794184" cy="639381"/>
+            </a:xfrm>
+          </p:grpSpPr>
+          <p:grpSp>
+            <p:nvGrpSpPr>
+              <p:cNvPr id="44" name="Group 20">
+                <a:extLst>
+                  <a:ext uri="{FF2B5EF4-FFF2-40B4-BE49-F238E27FC236}">
+                    <a16:creationId xmlns:a16="http://schemas.microsoft.com/office/drawing/2014/main" id="{5B2B1F82-FE31-BB38-672B-BEE8601CCDF3}"/>
+                  </a:ext>
+                </a:extLst>
+              </p:cNvPr>
+              <p:cNvGrpSpPr/>
+              <p:nvPr/>
+            </p:nvGrpSpPr>
+            <p:grpSpPr>
+              <a:xfrm>
+                <a:off x="3065636" y="1943100"/>
+                <a:ext cx="4794184" cy="639381"/>
+                <a:chOff x="0" y="0"/>
+                <a:chExt cx="2860316" cy="381469"/>
+              </a:xfrm>
+            </p:grpSpPr>
+            <p:sp>
+              <p:nvSpPr>
+                <p:cNvPr id="46" name="Freeform 21">
+                  <a:extLst>
+                    <a:ext uri="{FF2B5EF4-FFF2-40B4-BE49-F238E27FC236}">
+                      <a16:creationId xmlns:a16="http://schemas.microsoft.com/office/drawing/2014/main" id="{536F0890-BEE5-D8A5-5E0D-9C9237922CE4}"/>
+                    </a:ext>
+                  </a:extLst>
+                </p:cNvPr>
+                <p:cNvSpPr/>
+                <p:nvPr/>
+              </p:nvSpPr>
+              <p:spPr>
+                <a:xfrm>
+                  <a:off x="0" y="0"/>
+                  <a:ext cx="2860316" cy="381469"/>
+                </a:xfrm>
+                <a:custGeom>
+                  <a:avLst/>
+                  <a:gdLst/>
+                  <a:ahLst/>
+                  <a:cxnLst/>
+                  <a:rect l="l" t="t" r="r" b="b"/>
+                  <a:pathLst>
+                    <a:path w="2860316" h="381469">
+                      <a:moveTo>
+                        <a:pt x="2657116" y="0"/>
+                      </a:moveTo>
+                      <a:cubicBezTo>
+                        <a:pt x="2769341" y="0"/>
+                        <a:pt x="2860316" y="85395"/>
+                        <a:pt x="2860316" y="190734"/>
+                      </a:cubicBezTo>
+                      <a:cubicBezTo>
+                        <a:pt x="2860316" y="296074"/>
+                        <a:pt x="2769341" y="381469"/>
+                        <a:pt x="2657116" y="381469"/>
+                      </a:cubicBezTo>
+                      <a:lnTo>
+                        <a:pt x="203200" y="381469"/>
+                      </a:lnTo>
+                      <a:cubicBezTo>
+                        <a:pt x="90976" y="381469"/>
+                        <a:pt x="0" y="296074"/>
+                        <a:pt x="0" y="190734"/>
+                      </a:cubicBezTo>
+                      <a:cubicBezTo>
+                        <a:pt x="0" y="85395"/>
+                        <a:pt x="90976" y="0"/>
+                        <a:pt x="203200" y="0"/>
+                      </a:cubicBezTo>
+                      <a:close/>
+                    </a:path>
+                  </a:pathLst>
+                </a:custGeom>
+                <a:solidFill>
+                  <a:srgbClr val="BDD2EA"/>
+                </a:solidFill>
+              </p:spPr>
+              <p:txBody>
+                <a:bodyPr/>
+                <a:lstStyle/>
+                <a:p>
+                  <a:endParaRPr lang="es-ES" noProof="0" dirty="0"/>
+                </a:p>
+              </p:txBody>
+            </p:sp>
+            <p:sp>
+              <p:nvSpPr>
+                <p:cNvPr id="47" name="TextBox 22">
+                  <a:extLst>
+                    <a:ext uri="{FF2B5EF4-FFF2-40B4-BE49-F238E27FC236}">
+                      <a16:creationId xmlns:a16="http://schemas.microsoft.com/office/drawing/2014/main" id="{C60CDA31-537B-41D6-ABC3-07F9E4EA153C}"/>
+                    </a:ext>
+                  </a:extLst>
+                </p:cNvPr>
+                <p:cNvSpPr txBox="1"/>
+                <p:nvPr/>
+              </p:nvSpPr>
+              <p:spPr>
+                <a:xfrm>
+                  <a:off x="0" y="-38100"/>
+                  <a:ext cx="2860316" cy="419569"/>
+                </a:xfrm>
+                <a:prstGeom prst="rect">
+                  <a:avLst/>
+                </a:prstGeom>
+              </p:spPr>
+              <p:txBody>
+                <a:bodyPr lIns="50800" tIns="50800" rIns="50800" bIns="50800" rtlCol="0" anchor="ctr"/>
+                <a:lstStyle/>
+                <a:p>
+                  <a:pPr algn="ctr">
+                    <a:lnSpc>
+                      <a:spcPts val="2659"/>
+                    </a:lnSpc>
+                  </a:pPr>
+                  <a:endParaRPr lang="es-ES" noProof="0" dirty="0"/>
+                </a:p>
+              </p:txBody>
+            </p:sp>
+          </p:grpSp>
+          <p:sp>
+            <p:nvSpPr>
+              <p:cNvPr id="45" name="TextBox 38">
+                <a:extLst>
+                  <a:ext uri="{FF2B5EF4-FFF2-40B4-BE49-F238E27FC236}">
+                    <a16:creationId xmlns:a16="http://schemas.microsoft.com/office/drawing/2014/main" id="{289F1136-6085-794F-CD13-4ECC3670A1FD}"/>
+                  </a:ext>
+                </a:extLst>
+              </p:cNvPr>
+              <p:cNvSpPr txBox="1"/>
+              <p:nvPr/>
+            </p:nvSpPr>
+            <p:spPr>
+              <a:xfrm>
+                <a:off x="3205543" y="2018874"/>
+                <a:ext cx="4514368" cy="457626"/>
+              </a:xfrm>
+              <a:prstGeom prst="rect">
+                <a:avLst/>
+              </a:prstGeom>
+            </p:spPr>
+            <p:txBody>
+              <a:bodyPr lIns="0" tIns="0" rIns="0" bIns="0" rtlCol="0" anchor="t">
+                <a:spAutoFit/>
+              </a:bodyPr>
+              <a:lstStyle/>
+              <a:p>
+                <a:pPr algn="ctr">
+                  <a:lnSpc>
+                    <a:spcPts val="3919"/>
+                  </a:lnSpc>
+                </a:pPr>
+                <a:r>
+                  <a:rPr lang="es-ES" sz="2799" b="1" noProof="0" dirty="0">
+                    <a:solidFill>
+                      <a:srgbClr val="222366"/>
+                    </a:solidFill>
+                    <a:latin typeface="Public Sans Bold"/>
+                    <a:ea typeface="Public Sans Bold"/>
+                    <a:cs typeface="Public Sans Bold"/>
+                    <a:sym typeface="Public Sans Bold"/>
+                  </a:rPr>
+                  <a:t>API Orphadata</a:t>
+                </a:r>
+              </a:p>
+            </p:txBody>
+          </p:sp>
+        </p:grpSp>
+      </p:grpSp>
+      <p:pic>
+        <p:nvPicPr>
+          <p:cNvPr id="4" name="Imagen 3">
+            <a:extLst>
+              <a:ext uri="{FF2B5EF4-FFF2-40B4-BE49-F238E27FC236}">
+                <a16:creationId xmlns:a16="http://schemas.microsoft.com/office/drawing/2014/main" id="{FAF562FF-90BB-5C17-FA9F-F4479713E2E0}"/>
+              </a:ext>
+            </a:extLst>
+          </p:cNvPr>
+          <p:cNvPicPr>
+            <a:picLocks noChangeAspect="1"/>
+          </p:cNvPicPr>
+          <p:nvPr/>
+        </p:nvPicPr>
+        <p:blipFill>
+          <a:blip r:embed="rId7"/>
+          <a:stretch>
+            <a:fillRect/>
+          </a:stretch>
+        </p:blipFill>
+        <p:spPr>
+          <a:xfrm>
+            <a:off x="585880" y="5770462"/>
+            <a:ext cx="5761060" cy="4021238"/>
+          </a:xfrm>
+          <a:prstGeom prst="rect">
+            <a:avLst/>
+          </a:prstGeom>
+        </p:spPr>
+      </p:pic>
+      <p:sp>
+        <p:nvSpPr>
+          <p:cNvPr id="7" name="CuadroTexto 6">
+            <a:extLst>
+              <a:ext uri="{FF2B5EF4-FFF2-40B4-BE49-F238E27FC236}">
+                <a16:creationId xmlns:a16="http://schemas.microsoft.com/office/drawing/2014/main" id="{CD8D8D58-DCDF-4BCC-1679-28729308ED8A}"/>
+              </a:ext>
+            </a:extLst>
+          </p:cNvPr>
+          <p:cNvSpPr txBox="1"/>
+          <p:nvPr/>
+        </p:nvSpPr>
+        <p:spPr>
+          <a:xfrm>
+            <a:off x="17068800" y="9791700"/>
+            <a:ext cx="1219200" cy="369332"/>
+          </a:xfrm>
+          <a:prstGeom prst="rect">
+            <a:avLst/>
+          </a:prstGeom>
+          <a:noFill/>
+        </p:spPr>
+        <p:txBody>
+          <a:bodyPr wrap="square" rtlCol="0">
+            <a:spAutoFit/>
+          </a:bodyPr>
+          <a:lstStyle/>
+          <a:p>
+            <a:pPr algn="ctr"/>
+            <a:r>
+              <a:rPr lang="es-ES" dirty="0"/>
+              <a:t>- 7 -</a:t>
+            </a:r>
+          </a:p>
+        </p:txBody>
+      </p:sp>
+      <p:grpSp>
+        <p:nvGrpSpPr>
+          <p:cNvPr id="8" name="Grupo 7">
+            <a:extLst>
+              <a:ext uri="{FF2B5EF4-FFF2-40B4-BE49-F238E27FC236}">
+                <a16:creationId xmlns:a16="http://schemas.microsoft.com/office/drawing/2014/main" id="{620F3DF7-7941-A7E6-F1CC-A3EC630EA1B7}"/>
+              </a:ext>
+            </a:extLst>
+          </p:cNvPr>
+          <p:cNvGrpSpPr/>
+          <p:nvPr/>
+        </p:nvGrpSpPr>
+        <p:grpSpPr>
+          <a:xfrm>
+            <a:off x="7617897" y="1714500"/>
+            <a:ext cx="8628465" cy="6068430"/>
+            <a:chOff x="7617897" y="2109285"/>
+            <a:chExt cx="8628465" cy="6068430"/>
+          </a:xfrm>
+        </p:grpSpPr>
+        <p:pic>
+          <p:nvPicPr>
+            <p:cNvPr id="6" name="Imagen 5" descr="Interfaz de usuario gráfica, Diagrama&#10;&#10;El contenido generado por IA puede ser incorrecto.">
+              <a:extLst>
+                <a:ext uri="{FF2B5EF4-FFF2-40B4-BE49-F238E27FC236}">
+                  <a16:creationId xmlns:a16="http://schemas.microsoft.com/office/drawing/2014/main" id="{D19A6B8A-9BCF-B69D-DAF0-54E5A56C8E06}"/>
+                </a:ext>
+              </a:extLst>
+            </p:cNvPr>
+            <p:cNvPicPr>
+              <a:picLocks noChangeAspect="1"/>
+            </p:cNvPicPr>
+            <p:nvPr/>
+          </p:nvPicPr>
+          <p:blipFill>
+            <a:blip r:embed="rId8">
+              <a:extLst>
+                <a:ext uri="{28A0092B-C50C-407E-A947-70E740481C1C}">
+                  <a14:useLocalDpi xmlns:a14="http://schemas.microsoft.com/office/drawing/2010/main" val="0"/>
+                </a:ext>
+              </a:extLst>
+            </a:blip>
+            <a:stretch>
+              <a:fillRect/>
+            </a:stretch>
+          </p:blipFill>
+          <p:spPr>
+            <a:xfrm>
+              <a:off x="7635762" y="2196015"/>
+              <a:ext cx="8610600" cy="5981700"/>
+            </a:xfrm>
+            <a:prstGeom prst="rect">
+              <a:avLst/>
+            </a:prstGeom>
+          </p:spPr>
+        </p:pic>
+        <p:sp>
+          <p:nvSpPr>
+            <p:cNvPr id="2" name="Rectángulo 1">
+              <a:extLst>
+                <a:ext uri="{FF2B5EF4-FFF2-40B4-BE49-F238E27FC236}">
+                  <a16:creationId xmlns:a16="http://schemas.microsoft.com/office/drawing/2014/main" id="{2FD1A804-E93C-602C-E65A-A0C67E844969}"/>
+                </a:ext>
+              </a:extLst>
+            </p:cNvPr>
+            <p:cNvSpPr/>
+            <p:nvPr/>
+          </p:nvSpPr>
+          <p:spPr>
+            <a:xfrm>
+              <a:off x="7617897" y="5981700"/>
+              <a:ext cx="4165549" cy="1646981"/>
+            </a:xfrm>
+            <a:prstGeom prst="rect">
+              <a:avLst/>
+            </a:prstGeom>
+            <a:noFill/>
+            <a:ln>
+              <a:solidFill>
+                <a:srgbClr val="EE702D"/>
+              </a:solidFill>
+              <a:prstDash val="lgDash"/>
+            </a:ln>
+            <a:effectLst>
+              <a:outerShdw blurRad="50800" dist="38100" dir="16200000" rotWithShape="0">
+                <a:prstClr val="black">
+                  <a:alpha val="40000"/>
+                </a:prstClr>
+              </a:outerShdw>
+            </a:effectLst>
+          </p:spPr>
+          <p:style>
+            <a:lnRef idx="2">
+              <a:schemeClr val="accent1">
+                <a:shade val="15000"/>
+              </a:schemeClr>
+            </a:lnRef>
+            <a:fillRef idx="1">
+              <a:schemeClr val="accent1"/>
+            </a:fillRef>
+            <a:effectRef idx="0">
+              <a:schemeClr val="accent1"/>
+            </a:effectRef>
+            <a:fontRef idx="minor">
+              <a:schemeClr val="lt1"/>
+            </a:fontRef>
+          </p:style>
+          <p:txBody>
+            <a:bodyPr rtlCol="0" anchor="ctr"/>
+            <a:lstStyle/>
+            <a:p>
+              <a:pPr algn="ctr"/>
+              <a:endParaRPr lang="es-ES"/>
+            </a:p>
+          </p:txBody>
+        </p:sp>
+        <p:sp>
+          <p:nvSpPr>
+            <p:cNvPr id="3" name="Rectángulo 2">
+              <a:extLst>
+                <a:ext uri="{FF2B5EF4-FFF2-40B4-BE49-F238E27FC236}">
+                  <a16:creationId xmlns:a16="http://schemas.microsoft.com/office/drawing/2014/main" id="{5FE02242-D265-ACC5-E4B6-1BF8E438B68A}"/>
+                </a:ext>
+              </a:extLst>
+            </p:cNvPr>
+            <p:cNvSpPr/>
+            <p:nvPr/>
+          </p:nvSpPr>
+          <p:spPr>
+            <a:xfrm>
+              <a:off x="9728061" y="2109285"/>
+              <a:ext cx="4165549" cy="2074557"/>
+            </a:xfrm>
+            <a:prstGeom prst="rect">
+              <a:avLst/>
+            </a:prstGeom>
+            <a:noFill/>
+            <a:ln>
+              <a:solidFill>
+                <a:srgbClr val="EE702D"/>
+              </a:solidFill>
+              <a:prstDash val="lgDash"/>
+            </a:ln>
+            <a:effectLst>
+              <a:outerShdw blurRad="50800" dist="38100" dir="16200000" rotWithShape="0">
+                <a:prstClr val="black">
+                  <a:alpha val="40000"/>
+                </a:prstClr>
+              </a:outerShdw>
+            </a:effectLst>
+          </p:spPr>
+          <p:style>
+            <a:lnRef idx="2">
+              <a:schemeClr val="accent1">
+                <a:shade val="15000"/>
+              </a:schemeClr>
+            </a:lnRef>
+            <a:fillRef idx="1">
+              <a:schemeClr val="accent1"/>
+            </a:fillRef>
+            <a:effectRef idx="0">
+              <a:schemeClr val="accent1"/>
+            </a:effectRef>
+            <a:fontRef idx="minor">
+              <a:schemeClr val="lt1"/>
+            </a:fontRef>
+          </p:style>
+          <p:txBody>
+            <a:bodyPr rtlCol="0" anchor="ctr"/>
+            <a:lstStyle/>
+            <a:p>
+              <a:pPr algn="ctr"/>
+              <a:endParaRPr lang="es-ES"/>
+            </a:p>
+          </p:txBody>
+        </p:sp>
+        <p:sp>
+          <p:nvSpPr>
+            <p:cNvPr id="5" name="Rectángulo 4">
+              <a:extLst>
+                <a:ext uri="{FF2B5EF4-FFF2-40B4-BE49-F238E27FC236}">
+                  <a16:creationId xmlns:a16="http://schemas.microsoft.com/office/drawing/2014/main" id="{61538F9E-6DC1-A909-CDD6-70BB022103E1}"/>
+                </a:ext>
+              </a:extLst>
+            </p:cNvPr>
+            <p:cNvSpPr/>
+            <p:nvPr/>
+          </p:nvSpPr>
+          <p:spPr>
+            <a:xfrm>
+              <a:off x="10447749" y="4714958"/>
+              <a:ext cx="2506802" cy="1314284"/>
+            </a:xfrm>
+            <a:prstGeom prst="rect">
+              <a:avLst/>
+            </a:prstGeom>
+            <a:noFill/>
+            <a:ln>
+              <a:solidFill>
+                <a:srgbClr val="EE702D"/>
+              </a:solidFill>
+              <a:prstDash val="lgDash"/>
+            </a:ln>
+            <a:effectLst>
+              <a:outerShdw blurRad="50800" dist="38100" dir="16200000" rotWithShape="0">
+                <a:prstClr val="black">
+                  <a:alpha val="40000"/>
+                </a:prstClr>
+              </a:outerShdw>
+            </a:effectLst>
+          </p:spPr>
+          <p:style>
+            <a:lnRef idx="2">
+              <a:schemeClr val="accent1">
+                <a:shade val="15000"/>
+              </a:schemeClr>
+            </a:lnRef>
+            <a:fillRef idx="1">
+              <a:schemeClr val="accent1"/>
+            </a:fillRef>
+            <a:effectRef idx="0">
+              <a:schemeClr val="accent1"/>
+            </a:effectRef>
+            <a:fontRef idx="minor">
+              <a:schemeClr val="lt1"/>
+            </a:fontRef>
+          </p:style>
+          <p:txBody>
+            <a:bodyPr rtlCol="0" anchor="ctr"/>
+            <a:lstStyle/>
+            <a:p>
+              <a:pPr algn="ctr"/>
+              <a:endParaRPr lang="es-ES"/>
+            </a:p>
+          </p:txBody>
+        </p:sp>
+      </p:grpSp>
+      <p:sp>
+        <p:nvSpPr>
+          <p:cNvPr id="9" name="TextBox 23">
+            <a:extLst>
+              <a:ext uri="{FF2B5EF4-FFF2-40B4-BE49-F238E27FC236}">
+                <a16:creationId xmlns:a16="http://schemas.microsoft.com/office/drawing/2014/main" id="{4FD63C43-1D81-4E5C-3ADC-3DA106FC82BD}"/>
+              </a:ext>
+            </a:extLst>
+          </p:cNvPr>
+          <p:cNvSpPr txBox="1"/>
+          <p:nvPr/>
+        </p:nvSpPr>
+        <p:spPr>
+          <a:xfrm>
+            <a:off x="7808398" y="8191500"/>
+            <a:ext cx="8610599" cy="1790170"/>
+          </a:xfrm>
+          <a:prstGeom prst="rect">
+            <a:avLst/>
+          </a:prstGeom>
+        </p:spPr>
+        <p:txBody>
+          <a:bodyPr wrap="square" lIns="0" tIns="0" rIns="0" bIns="0" rtlCol="0" anchor="t">
+            <a:spAutoFit/>
+          </a:bodyPr>
+          <a:lstStyle/>
+          <a:p>
+            <a:pPr marL="342900" indent="-342900">
+              <a:lnSpc>
+                <a:spcPct val="150000"/>
+              </a:lnSpc>
+              <a:buFont typeface="Wingdings" panose="05000000000000000000" pitchFamily="2" charset="2"/>
+              <a:buChar char="§"/>
+            </a:pPr>
+            <a:r>
+              <a:rPr lang="es-ES" sz="2000" dirty="0" err="1">
+                <a:solidFill>
+                  <a:srgbClr val="222366"/>
+                </a:solidFill>
+                <a:latin typeface="Public Sans"/>
+                <a:ea typeface="Public Sans"/>
+                <a:cs typeface="Public Sans"/>
+                <a:sym typeface="Public Sans"/>
+              </a:rPr>
+              <a:t>Requests</a:t>
+            </a:r>
+            <a:r>
+              <a:rPr lang="es-ES" sz="2000" dirty="0">
+                <a:solidFill>
+                  <a:srgbClr val="222366"/>
+                </a:solidFill>
+                <a:latin typeface="Public Sans"/>
+                <a:ea typeface="Public Sans"/>
+                <a:cs typeface="Public Sans"/>
+                <a:sym typeface="Public Sans"/>
+              </a:rPr>
+              <a:t> para acceder a la API (formato JSON).</a:t>
+            </a:r>
+          </a:p>
+          <a:p>
+            <a:pPr marL="342900" indent="-342900">
+              <a:lnSpc>
+                <a:spcPct val="150000"/>
+              </a:lnSpc>
+              <a:buFont typeface="Wingdings" panose="05000000000000000000" pitchFamily="2" charset="2"/>
+              <a:buChar char="§"/>
+            </a:pPr>
+            <a:r>
+              <a:rPr lang="es-ES" sz="2000" dirty="0">
+                <a:solidFill>
+                  <a:srgbClr val="222366"/>
+                </a:solidFill>
+                <a:latin typeface="Public Sans"/>
+                <a:ea typeface="Public Sans"/>
+                <a:cs typeface="Public Sans"/>
+                <a:sym typeface="Public Sans"/>
+              </a:rPr>
+              <a:t>Reestructuración de tablas.</a:t>
+            </a:r>
+          </a:p>
+          <a:p>
+            <a:pPr marL="342900" indent="-342900">
+              <a:lnSpc>
+                <a:spcPct val="150000"/>
+              </a:lnSpc>
+              <a:buFont typeface="Wingdings" panose="05000000000000000000" pitchFamily="2" charset="2"/>
+              <a:buChar char="§"/>
+            </a:pPr>
+            <a:r>
+              <a:rPr lang="es-ES" sz="2000" noProof="0" dirty="0">
+                <a:solidFill>
+                  <a:srgbClr val="222366"/>
+                </a:solidFill>
+                <a:latin typeface="Public Sans"/>
+                <a:ea typeface="Public Sans"/>
+                <a:cs typeface="Public Sans"/>
+                <a:sym typeface="Public Sans"/>
+              </a:rPr>
+              <a:t>Limpieza de datos.</a:t>
+            </a:r>
+          </a:p>
+          <a:p>
+            <a:pPr marL="342900" indent="-342900">
+              <a:lnSpc>
+                <a:spcPct val="150000"/>
+              </a:lnSpc>
+              <a:buFont typeface="Wingdings" panose="05000000000000000000" pitchFamily="2" charset="2"/>
+              <a:buChar char="§"/>
+            </a:pPr>
+            <a:r>
+              <a:rPr lang="es-ES" sz="2000" dirty="0">
+                <a:solidFill>
+                  <a:srgbClr val="222366"/>
+                </a:solidFill>
+                <a:latin typeface="Public Sans"/>
+                <a:ea typeface="Public Sans"/>
+                <a:cs typeface="Public Sans"/>
+                <a:sym typeface="Public Sans"/>
+              </a:rPr>
+              <a:t>Tablas utilizadas: </a:t>
+            </a:r>
+            <a:r>
+              <a:rPr lang="es-ES" sz="2000" b="1" dirty="0">
+                <a:solidFill>
+                  <a:srgbClr val="222366"/>
+                </a:solidFill>
+                <a:latin typeface="Public Sans"/>
+                <a:ea typeface="Public Sans"/>
+                <a:cs typeface="Public Sans"/>
+                <a:sym typeface="Public Sans"/>
+              </a:rPr>
+              <a:t>ENFERMEDADES</a:t>
+            </a:r>
+            <a:r>
+              <a:rPr lang="es-ES" sz="2000" dirty="0">
+                <a:solidFill>
+                  <a:srgbClr val="222366"/>
+                </a:solidFill>
+                <a:latin typeface="Public Sans"/>
+                <a:ea typeface="Public Sans"/>
+                <a:cs typeface="Public Sans"/>
+                <a:sym typeface="Public Sans"/>
+              </a:rPr>
+              <a:t>, </a:t>
+            </a:r>
+            <a:r>
+              <a:rPr lang="es-ES" sz="2000" b="1" dirty="0">
+                <a:solidFill>
+                  <a:srgbClr val="222366"/>
+                </a:solidFill>
+                <a:latin typeface="Public Sans"/>
+                <a:ea typeface="Public Sans"/>
+                <a:cs typeface="Public Sans"/>
+                <a:sym typeface="Public Sans"/>
+              </a:rPr>
+              <a:t>GENES</a:t>
+            </a:r>
+            <a:r>
+              <a:rPr lang="es-ES" sz="2000" dirty="0">
+                <a:solidFill>
+                  <a:srgbClr val="222366"/>
+                </a:solidFill>
+                <a:latin typeface="Public Sans"/>
+                <a:ea typeface="Public Sans"/>
+                <a:cs typeface="Public Sans"/>
+                <a:sym typeface="Public Sans"/>
+              </a:rPr>
+              <a:t> y </a:t>
+            </a:r>
+            <a:r>
+              <a:rPr lang="es-ES" sz="2000" b="1" dirty="0">
+                <a:solidFill>
+                  <a:srgbClr val="222366"/>
+                </a:solidFill>
+                <a:latin typeface="Public Sans"/>
+                <a:ea typeface="Public Sans"/>
+                <a:cs typeface="Public Sans"/>
+                <a:sym typeface="Public Sans"/>
+              </a:rPr>
+              <a:t>FENOTIPOS.</a:t>
+            </a:r>
+            <a:endParaRPr lang="es-ES" sz="2000" b="1" noProof="0" dirty="0">
+              <a:solidFill>
+                <a:srgbClr val="222366"/>
+              </a:solidFill>
+              <a:latin typeface="Public Sans"/>
+              <a:ea typeface="Public Sans"/>
+              <a:cs typeface="Public Sans"/>
+              <a:sym typeface="Public Sans"/>
+            </a:endParaRPr>
+          </a:p>
+        </p:txBody>
+      </p:sp>
+    </p:spTree>
+    <p:extLst>
+      <p:ext uri="{BB962C8B-B14F-4D97-AF65-F5344CB8AC3E}">
+        <p14:creationId xmlns:p14="http://schemas.microsoft.com/office/powerpoint/2010/main" val="2924135905"/>
+      </p:ext>
+    </p:extLst>
+  </p:cSld>
+  <p:clrMapOvr>
+    <a:masterClrMapping/>
+  </p:clrMapOvr>
+</p:sld>
+</file>
+
+<file path=ppt/slides/slide9.xml><?xml version="1.0" encoding="utf-8"?>
 <p:sld xmlns:a="http://schemas.openxmlformats.org/drawingml/2006/main" xmlns:r="http://schemas.openxmlformats.org/officeDocument/2006/relationships" xmlns:p="http://schemas.openxmlformats.org/presentationml/2006/main">
   <p:cSld>
     <p:bg>
@@ -21742,7 +23765,7 @@
         </p:nvGrpSpPr>
         <p:grpSpPr>
           <a:xfrm>
-            <a:off x="13079095" y="4374603"/>
+            <a:off x="13079095" y="4000500"/>
             <a:ext cx="6869050" cy="5607967"/>
             <a:chOff x="10090660" y="6013149"/>
             <a:chExt cx="6869050" cy="5607967"/>
@@ -22465,579 +24488,6 @@
         <p14:creationId xmlns:p14="http://schemas.microsoft.com/office/powerpoint/2010/main" val="3323513927"/>
       </p:ext>
     </p:extLst>
-  </p:cSld>
-  <p:clrMapOvr>
-    <a:masterClrMapping/>
-  </p:clrMapOvr>
-</p:sld>
-</file>
-
-<file path=ppt/slides/slide9.xml><?xml version="1.0" encoding="utf-8"?>
-<p:sld xmlns:a="http://schemas.openxmlformats.org/drawingml/2006/main" xmlns:r="http://schemas.openxmlformats.org/officeDocument/2006/relationships" xmlns:p="http://schemas.openxmlformats.org/presentationml/2006/main">
-  <p:cSld>
-    <p:bg>
-      <p:bgPr>
-        <a:solidFill>
-          <a:srgbClr val="FAF3F3"/>
-        </a:solidFill>
-        <a:effectLst/>
-      </p:bgPr>
-    </p:bg>
-    <p:spTree>
-      <p:nvGrpSpPr>
-        <p:cNvPr id="1" name=""/>
-        <p:cNvGrpSpPr/>
-        <p:nvPr/>
-      </p:nvGrpSpPr>
-      <p:grpSpPr>
-        <a:xfrm>
-          <a:off x="0" y="0"/>
-          <a:ext cx="0" cy="0"/>
-          <a:chOff x="0" y="0"/>
-          <a:chExt cx="0" cy="0"/>
-        </a:xfrm>
-      </p:grpSpPr>
-      <p:sp>
-        <p:nvSpPr>
-          <p:cNvPr id="2" name="Freeform 2"/>
-          <p:cNvSpPr/>
-          <p:nvPr/>
-        </p:nvSpPr>
-        <p:spPr>
-          <a:xfrm rot="-1793077">
-            <a:off x="-2950226" y="5356201"/>
-            <a:ext cx="1484235" cy="1967541"/>
-          </a:xfrm>
-          <a:custGeom>
-            <a:avLst/>
-            <a:gdLst/>
-            <a:ahLst/>
-            <a:cxnLst/>
-            <a:rect l="l" t="t" r="r" b="b"/>
-            <a:pathLst>
-              <a:path w="1769402" h="2463725">
-                <a:moveTo>
-                  <a:pt x="0" y="0"/>
-                </a:moveTo>
-                <a:lnTo>
-                  <a:pt x="1769402" y="0"/>
-                </a:lnTo>
-                <a:lnTo>
-                  <a:pt x="1769402" y="2463725"/>
-                </a:lnTo>
-                <a:lnTo>
-                  <a:pt x="0" y="2463725"/>
-                </a:lnTo>
-                <a:lnTo>
-                  <a:pt x="0" y="0"/>
-                </a:lnTo>
-                <a:close/>
-              </a:path>
-            </a:pathLst>
-          </a:custGeom>
-          <a:blipFill>
-            <a:blip r:embed="rId2">
-              <a:extLst>
-                <a:ext uri="{96DAC541-7B7A-43D3-8B79-37D633B846F1}">
-                  <asvg:svgBlip xmlns:asvg="http://schemas.microsoft.com/office/drawing/2016/SVG/main" r:embed="rId3"/>
-                </a:ext>
-              </a:extLst>
-            </a:blip>
-            <a:stretch>
-              <a:fillRect/>
-            </a:stretch>
-          </a:blipFill>
-        </p:spPr>
-        <p:txBody>
-          <a:bodyPr/>
-          <a:lstStyle/>
-          <a:p>
-            <a:endParaRPr lang="es-ES" noProof="0" dirty="0"/>
-          </a:p>
-        </p:txBody>
-      </p:sp>
-      <p:sp>
-        <p:nvSpPr>
-          <p:cNvPr id="7" name="Freeform 7"/>
-          <p:cNvSpPr/>
-          <p:nvPr/>
-        </p:nvSpPr>
-        <p:spPr>
-          <a:xfrm rot="-137149">
-            <a:off x="-400707" y="5998890"/>
-            <a:ext cx="1402006" cy="1402006"/>
-          </a:xfrm>
-          <a:custGeom>
-            <a:avLst/>
-            <a:gdLst/>
-            <a:ahLst/>
-            <a:cxnLst/>
-            <a:rect l="l" t="t" r="r" b="b"/>
-            <a:pathLst>
-              <a:path w="1402006" h="1402006">
-                <a:moveTo>
-                  <a:pt x="0" y="0"/>
-                </a:moveTo>
-                <a:lnTo>
-                  <a:pt x="1402006" y="0"/>
-                </a:lnTo>
-                <a:lnTo>
-                  <a:pt x="1402006" y="1402006"/>
-                </a:lnTo>
-                <a:lnTo>
-                  <a:pt x="0" y="1402006"/>
-                </a:lnTo>
-                <a:lnTo>
-                  <a:pt x="0" y="0"/>
-                </a:lnTo>
-                <a:close/>
-              </a:path>
-            </a:pathLst>
-          </a:custGeom>
-          <a:blipFill>
-            <a:blip r:embed="rId4">
-              <a:extLst>
-                <a:ext uri="{96DAC541-7B7A-43D3-8B79-37D633B846F1}">
-                  <asvg:svgBlip xmlns:asvg="http://schemas.microsoft.com/office/drawing/2016/SVG/main" r:embed="rId5"/>
-                </a:ext>
-              </a:extLst>
-            </a:blip>
-            <a:stretch>
-              <a:fillRect/>
-            </a:stretch>
-          </a:blipFill>
-        </p:spPr>
-        <p:txBody>
-          <a:bodyPr/>
-          <a:lstStyle/>
-          <a:p>
-            <a:endParaRPr lang="es-ES" noProof="0" dirty="0"/>
-          </a:p>
-        </p:txBody>
-      </p:sp>
-      <p:sp>
-        <p:nvSpPr>
-          <p:cNvPr id="8" name="Freeform 8"/>
-          <p:cNvSpPr/>
-          <p:nvPr/>
-        </p:nvSpPr>
-        <p:spPr>
-          <a:xfrm rot="-137149">
-            <a:off x="17420051" y="5998890"/>
-            <a:ext cx="1402006" cy="1402006"/>
-          </a:xfrm>
-          <a:custGeom>
-            <a:avLst/>
-            <a:gdLst/>
-            <a:ahLst/>
-            <a:cxnLst/>
-            <a:rect l="l" t="t" r="r" b="b"/>
-            <a:pathLst>
-              <a:path w="1402006" h="1402006">
-                <a:moveTo>
-                  <a:pt x="0" y="0"/>
-                </a:moveTo>
-                <a:lnTo>
-                  <a:pt x="1402006" y="0"/>
-                </a:lnTo>
-                <a:lnTo>
-                  <a:pt x="1402006" y="1402006"/>
-                </a:lnTo>
-                <a:lnTo>
-                  <a:pt x="0" y="1402006"/>
-                </a:lnTo>
-                <a:lnTo>
-                  <a:pt x="0" y="0"/>
-                </a:lnTo>
-                <a:close/>
-              </a:path>
-            </a:pathLst>
-          </a:custGeom>
-          <a:blipFill>
-            <a:blip r:embed="rId4">
-              <a:extLst>
-                <a:ext uri="{96DAC541-7B7A-43D3-8B79-37D633B846F1}">
-                  <asvg:svgBlip xmlns:asvg="http://schemas.microsoft.com/office/drawing/2016/SVG/main" r:embed="rId5"/>
-                </a:ext>
-              </a:extLst>
-            </a:blip>
-            <a:stretch>
-              <a:fillRect/>
-            </a:stretch>
-          </a:blipFill>
-        </p:spPr>
-        <p:txBody>
-          <a:bodyPr/>
-          <a:lstStyle/>
-          <a:p>
-            <a:endParaRPr lang="es-ES" noProof="0" dirty="0"/>
-          </a:p>
-        </p:txBody>
-      </p:sp>
-      <p:sp>
-        <p:nvSpPr>
-          <p:cNvPr id="9" name="TextBox 9"/>
-          <p:cNvSpPr txBox="1"/>
-          <p:nvPr/>
-        </p:nvSpPr>
-        <p:spPr>
-          <a:xfrm>
-            <a:off x="2230176" y="8761859"/>
-            <a:ext cx="13827648" cy="1083245"/>
-          </a:xfrm>
-          <a:prstGeom prst="rect">
-            <a:avLst/>
-          </a:prstGeom>
-        </p:spPr>
-        <p:txBody>
-          <a:bodyPr wrap="square" lIns="0" tIns="0" rIns="0" bIns="0" rtlCol="0" anchor="t">
-            <a:spAutoFit/>
-          </a:bodyPr>
-          <a:lstStyle/>
-          <a:p>
-            <a:pPr marL="342900" indent="-342900">
-              <a:lnSpc>
-                <a:spcPct val="150000"/>
-              </a:lnSpc>
-              <a:buFont typeface="Wingdings" panose="05000000000000000000" pitchFamily="2" charset="2"/>
-              <a:buChar char="q"/>
-            </a:pPr>
-            <a:r>
-              <a:rPr lang="es-ES" sz="2499" dirty="0">
-                <a:solidFill>
-                  <a:srgbClr val="222366"/>
-                </a:solidFill>
-                <a:latin typeface="Public Sans"/>
-                <a:ea typeface="Public Sans"/>
-                <a:cs typeface="Public Sans"/>
-                <a:sym typeface="Public Sans"/>
-              </a:rPr>
-              <a:t>L</a:t>
-            </a:r>
-            <a:r>
-              <a:rPr lang="es-ES" sz="2499" noProof="0" dirty="0">
-                <a:solidFill>
-                  <a:srgbClr val="222366"/>
-                </a:solidFill>
-                <a:latin typeface="Public Sans"/>
-                <a:ea typeface="Public Sans"/>
-                <a:cs typeface="Public Sans"/>
-                <a:sym typeface="Public Sans"/>
-              </a:rPr>
-              <a:t>a primera publicación de enfermedades raras fue en el </a:t>
-            </a:r>
-            <a:r>
-              <a:rPr lang="es-ES" sz="2499" b="1" noProof="0" dirty="0">
-                <a:solidFill>
-                  <a:srgbClr val="222366"/>
-                </a:solidFill>
-                <a:latin typeface="Public Sans"/>
-                <a:ea typeface="Public Sans"/>
-                <a:cs typeface="Public Sans"/>
-                <a:sym typeface="Public Sans"/>
-              </a:rPr>
-              <a:t>año 1906</a:t>
-            </a:r>
-            <a:r>
-              <a:rPr lang="es-ES" sz="2499" noProof="0" dirty="0">
-                <a:solidFill>
-                  <a:srgbClr val="222366"/>
-                </a:solidFill>
-                <a:latin typeface="Public Sans"/>
-                <a:ea typeface="Public Sans"/>
-                <a:cs typeface="Public Sans"/>
-                <a:sym typeface="Public Sans"/>
-              </a:rPr>
-              <a:t>. </a:t>
-            </a:r>
-          </a:p>
-          <a:p>
-            <a:pPr marL="342900" indent="-342900">
-              <a:lnSpc>
-                <a:spcPct val="150000"/>
-              </a:lnSpc>
-              <a:buFont typeface="Wingdings" panose="05000000000000000000" pitchFamily="2" charset="2"/>
-              <a:buChar char="q"/>
-            </a:pPr>
-            <a:r>
-              <a:rPr lang="es-ES" sz="2499" b="1" noProof="0" dirty="0">
-                <a:solidFill>
-                  <a:srgbClr val="222366"/>
-                </a:solidFill>
-                <a:latin typeface="Public Sans"/>
-                <a:ea typeface="Public Sans"/>
-                <a:cs typeface="Public Sans"/>
-                <a:sym typeface="Public Sans"/>
-              </a:rPr>
-              <a:t>Aumento</a:t>
-            </a:r>
-            <a:r>
-              <a:rPr lang="es-ES" sz="2499" noProof="0" dirty="0">
-                <a:solidFill>
-                  <a:srgbClr val="222366"/>
-                </a:solidFill>
-                <a:latin typeface="Public Sans"/>
-                <a:ea typeface="Public Sans"/>
-                <a:cs typeface="Public Sans"/>
-                <a:sym typeface="Public Sans"/>
-              </a:rPr>
-              <a:t> significativo del número de investigaciones publicadas en la </a:t>
-            </a:r>
-            <a:r>
-              <a:rPr lang="es-ES" sz="2499" b="1" noProof="0" dirty="0">
-                <a:solidFill>
-                  <a:srgbClr val="222366"/>
-                </a:solidFill>
-                <a:latin typeface="Public Sans"/>
-                <a:ea typeface="Public Sans"/>
-                <a:cs typeface="Public Sans"/>
-                <a:sym typeface="Public Sans"/>
-              </a:rPr>
-              <a:t>década del 2010</a:t>
-            </a:r>
-            <a:r>
-              <a:rPr lang="es-ES" sz="2499" noProof="0" dirty="0">
-                <a:solidFill>
-                  <a:srgbClr val="222366"/>
-                </a:solidFill>
-                <a:latin typeface="Public Sans"/>
-                <a:ea typeface="Public Sans"/>
-                <a:cs typeface="Public Sans"/>
-                <a:sym typeface="Public Sans"/>
-              </a:rPr>
-              <a:t>.</a:t>
-            </a:r>
-          </a:p>
-        </p:txBody>
-      </p:sp>
-      <p:sp>
-        <p:nvSpPr>
-          <p:cNvPr id="10" name="TextBox 10"/>
-          <p:cNvSpPr txBox="1"/>
-          <p:nvPr/>
-        </p:nvSpPr>
-        <p:spPr>
-          <a:xfrm>
-            <a:off x="638765" y="2455233"/>
-            <a:ext cx="16625069" cy="527132"/>
-          </a:xfrm>
-          <a:prstGeom prst="rect">
-            <a:avLst/>
-          </a:prstGeom>
-        </p:spPr>
-        <p:txBody>
-          <a:bodyPr wrap="square" lIns="0" tIns="0" rIns="0" bIns="0" rtlCol="0" anchor="t">
-            <a:spAutoFit/>
-          </a:bodyPr>
-          <a:lstStyle/>
-          <a:p>
-            <a:pPr algn="ctr">
-              <a:lnSpc>
-                <a:spcPts val="4480"/>
-              </a:lnSpc>
-            </a:pPr>
-            <a:r>
-              <a:rPr lang="es-ES" sz="3200" b="1" noProof="0" dirty="0">
-                <a:solidFill>
-                  <a:srgbClr val="222366"/>
-                </a:solidFill>
-                <a:latin typeface="Public Sans Heavy"/>
-                <a:ea typeface="Public Sans Heavy"/>
-                <a:cs typeface="Public Sans Heavy"/>
-                <a:sym typeface="Public Sans Heavy"/>
-              </a:rPr>
-              <a:t>Extracción del número de publicaciones científicas con </a:t>
-            </a:r>
-            <a:r>
-              <a:rPr lang="es-ES" sz="3200" b="1" i="1" noProof="0" dirty="0">
-                <a:solidFill>
-                  <a:srgbClr val="222366"/>
-                </a:solidFill>
-                <a:latin typeface="Public Sans Heavy"/>
-                <a:ea typeface="Public Sans Heavy"/>
-                <a:cs typeface="Public Sans Heavy"/>
-                <a:sym typeface="Public Sans Heavy"/>
-              </a:rPr>
-              <a:t>“rare </a:t>
-            </a:r>
-            <a:r>
-              <a:rPr lang="es-ES" sz="3200" b="1" i="1" noProof="0" dirty="0" err="1">
-                <a:solidFill>
-                  <a:srgbClr val="222366"/>
-                </a:solidFill>
-                <a:latin typeface="Public Sans Heavy"/>
-                <a:ea typeface="Public Sans Heavy"/>
-                <a:cs typeface="Public Sans Heavy"/>
-                <a:sym typeface="Public Sans Heavy"/>
-              </a:rPr>
-              <a:t>disease</a:t>
-            </a:r>
-            <a:r>
-              <a:rPr lang="es-ES" sz="3200" b="1" i="1" noProof="0" dirty="0">
-                <a:solidFill>
-                  <a:srgbClr val="222366"/>
-                </a:solidFill>
-                <a:latin typeface="Public Sans Heavy"/>
-                <a:ea typeface="Public Sans Heavy"/>
-                <a:cs typeface="Public Sans Heavy"/>
-                <a:sym typeface="Public Sans Heavy"/>
-              </a:rPr>
-              <a:t>” en el título</a:t>
-            </a:r>
-            <a:endParaRPr lang="es-ES" sz="3200" b="1" noProof="0" dirty="0">
-              <a:solidFill>
-                <a:srgbClr val="222366"/>
-              </a:solidFill>
-              <a:latin typeface="Public Sans Heavy"/>
-              <a:ea typeface="Public Sans Heavy"/>
-              <a:cs typeface="Public Sans Heavy"/>
-              <a:sym typeface="Public Sans Heavy"/>
-            </a:endParaRPr>
-          </a:p>
-        </p:txBody>
-      </p:sp>
-      <p:sp>
-        <p:nvSpPr>
-          <p:cNvPr id="17" name="TextBox 17"/>
-          <p:cNvSpPr txBox="1"/>
-          <p:nvPr/>
-        </p:nvSpPr>
-        <p:spPr>
-          <a:xfrm>
-            <a:off x="1672932" y="271715"/>
-            <a:ext cx="14942136" cy="2129365"/>
-          </a:xfrm>
-          <a:prstGeom prst="rect">
-            <a:avLst/>
-          </a:prstGeom>
-        </p:spPr>
-        <p:txBody>
-          <a:bodyPr lIns="0" tIns="0" rIns="0" bIns="0" rtlCol="0" anchor="t">
-            <a:spAutoFit/>
-          </a:bodyPr>
-          <a:lstStyle/>
-          <a:p>
-            <a:pPr algn="ctr">
-              <a:lnSpc>
-                <a:spcPts val="8819"/>
-              </a:lnSpc>
-            </a:pPr>
-            <a:r>
-              <a:rPr lang="es-ES" sz="6300" noProof="0" dirty="0">
-                <a:solidFill>
-                  <a:srgbClr val="222366"/>
-                </a:solidFill>
-                <a:latin typeface="Brick Sans"/>
-                <a:ea typeface="Brick Sans"/>
-                <a:cs typeface="Brick Sans"/>
-                <a:sym typeface="Brick Sans"/>
-              </a:rPr>
-              <a:t>Resultados</a:t>
-            </a:r>
-          </a:p>
-          <a:p>
-            <a:pPr algn="ctr">
-              <a:lnSpc>
-                <a:spcPts val="8819"/>
-              </a:lnSpc>
-            </a:pPr>
-            <a:r>
-              <a:rPr lang="es-ES" sz="6300" dirty="0">
-                <a:solidFill>
-                  <a:srgbClr val="222366"/>
-                </a:solidFill>
-                <a:latin typeface="Brick Sans"/>
-                <a:ea typeface="Brick Sans"/>
-                <a:cs typeface="Brick Sans"/>
-                <a:sym typeface="Brick Sans"/>
-              </a:rPr>
-              <a:t>- PubMed -</a:t>
-            </a:r>
-            <a:endParaRPr lang="es-ES" sz="6300" noProof="0" dirty="0">
-              <a:solidFill>
-                <a:srgbClr val="222366"/>
-              </a:solidFill>
-              <a:latin typeface="Brick Sans"/>
-              <a:ea typeface="Brick Sans"/>
-              <a:cs typeface="Brick Sans"/>
-              <a:sym typeface="Brick Sans"/>
-            </a:endParaRPr>
-          </a:p>
-        </p:txBody>
-      </p:sp>
-      <p:pic>
-        <p:nvPicPr>
-          <p:cNvPr id="5" name="Imagen 4" descr="Gráfico, Gráfico de dispersión&#10;&#10;El contenido generado por IA puede ser incorrecto.">
-            <a:extLst>
-              <a:ext uri="{FF2B5EF4-FFF2-40B4-BE49-F238E27FC236}">
-                <a16:creationId xmlns:a16="http://schemas.microsoft.com/office/drawing/2014/main" id="{D825326E-53C4-2CE8-DADB-EA5DBD4D99D8}"/>
-              </a:ext>
-            </a:extLst>
-          </p:cNvPr>
-          <p:cNvPicPr>
-            <a:picLocks noChangeAspect="1"/>
-          </p:cNvPicPr>
-          <p:nvPr/>
-        </p:nvPicPr>
-        <p:blipFill>
-          <a:blip r:embed="rId6">
-            <a:extLst>
-              <a:ext uri="{28A0092B-C50C-407E-A947-70E740481C1C}">
-                <a14:useLocalDpi xmlns:a14="http://schemas.microsoft.com/office/drawing/2010/main" val="0"/>
-              </a:ext>
-            </a:extLst>
-          </a:blip>
-          <a:stretch>
-            <a:fillRect/>
-          </a:stretch>
-        </p:blipFill>
-        <p:spPr>
-          <a:xfrm>
-            <a:off x="1686379" y="3162300"/>
-            <a:ext cx="14529845" cy="5394971"/>
-          </a:xfrm>
-          <a:prstGeom prst="rect">
-            <a:avLst/>
-          </a:prstGeom>
-        </p:spPr>
-      </p:pic>
-      <p:sp>
-        <p:nvSpPr>
-          <p:cNvPr id="3" name="CuadroTexto 2">
-            <a:extLst>
-              <a:ext uri="{FF2B5EF4-FFF2-40B4-BE49-F238E27FC236}">
-                <a16:creationId xmlns:a16="http://schemas.microsoft.com/office/drawing/2014/main" id="{77185BAF-9FD4-062C-B90B-1C8108B704C7}"/>
-              </a:ext>
-            </a:extLst>
-          </p:cNvPr>
-          <p:cNvSpPr txBox="1"/>
-          <p:nvPr/>
-        </p:nvSpPr>
-        <p:spPr>
-          <a:xfrm>
-            <a:off x="17068800" y="9791700"/>
-            <a:ext cx="1219200" cy="369332"/>
-          </a:xfrm>
-          <a:prstGeom prst="rect">
-            <a:avLst/>
-          </a:prstGeom>
-          <a:noFill/>
-        </p:spPr>
-        <p:txBody>
-          <a:bodyPr wrap="square" rtlCol="0">
-            <a:spAutoFit/>
-          </a:bodyPr>
-          <a:lstStyle/>
-          <a:p>
-            <a:pPr algn="ctr"/>
-            <a:r>
-              <a:rPr lang="es-ES" dirty="0"/>
-              <a:t>- 9 -</a:t>
-            </a:r>
-          </a:p>
-        </p:txBody>
-      </p:sp>
-    </p:spTree>
   </p:cSld>
   <p:clrMapOvr>
     <a:masterClrMapping/>

--- a/Sprint 10 - Pràctica final/Presentación - Enfermedades raras.pptx
+++ b/Sprint 10 - Pràctica final/Presentación - Enfermedades raras.pptx
@@ -5,53 +5,54 @@
     <p:sldMasterId id="2147483648" r:id="rId1"/>
   </p:sldMasterIdLst>
   <p:notesMasterIdLst>
-    <p:notesMasterId r:id="rId20"/>
+    <p:notesMasterId r:id="rId21"/>
   </p:notesMasterIdLst>
   <p:handoutMasterIdLst>
-    <p:handoutMasterId r:id="rId21"/>
+    <p:handoutMasterId r:id="rId22"/>
   </p:handoutMasterIdLst>
   <p:sldIdLst>
-    <p:sldId id="256" r:id="rId2"/>
-    <p:sldId id="258" r:id="rId3"/>
-    <p:sldId id="257" r:id="rId4"/>
-    <p:sldId id="261" r:id="rId5"/>
-    <p:sldId id="259" r:id="rId6"/>
-    <p:sldId id="277" r:id="rId7"/>
-    <p:sldId id="278" r:id="rId8"/>
-    <p:sldId id="280" r:id="rId9"/>
-    <p:sldId id="279" r:id="rId10"/>
-    <p:sldId id="263" r:id="rId11"/>
-    <p:sldId id="271" r:id="rId12"/>
-    <p:sldId id="274" r:id="rId13"/>
-    <p:sldId id="276" r:id="rId14"/>
-    <p:sldId id="272" r:id="rId15"/>
-    <p:sldId id="275" r:id="rId16"/>
-    <p:sldId id="264" r:id="rId17"/>
-    <p:sldId id="267" r:id="rId18"/>
-    <p:sldId id="270" r:id="rId19"/>
+    <p:sldId id="264" r:id="rId2"/>
+    <p:sldId id="256" r:id="rId3"/>
+    <p:sldId id="258" r:id="rId4"/>
+    <p:sldId id="257" r:id="rId5"/>
+    <p:sldId id="261" r:id="rId6"/>
+    <p:sldId id="259" r:id="rId7"/>
+    <p:sldId id="277" r:id="rId8"/>
+    <p:sldId id="278" r:id="rId9"/>
+    <p:sldId id="280" r:id="rId10"/>
+    <p:sldId id="279" r:id="rId11"/>
+    <p:sldId id="263" r:id="rId12"/>
+    <p:sldId id="271" r:id="rId13"/>
+    <p:sldId id="274" r:id="rId14"/>
+    <p:sldId id="276" r:id="rId15"/>
+    <p:sldId id="272" r:id="rId16"/>
+    <p:sldId id="275" r:id="rId17"/>
+    <p:sldId id="282" r:id="rId18"/>
+    <p:sldId id="267" r:id="rId19"/>
+    <p:sldId id="270" r:id="rId20"/>
   </p:sldIdLst>
   <p:sldSz cx="18288000" cy="10287000"/>
   <p:notesSz cx="6858000" cy="9144000"/>
   <p:embeddedFontLst>
     <p:embeddedFont>
       <p:font typeface="Brick Sans" panose="020B0604020202020204" charset="0"/>
-      <p:regular r:id="rId22"/>
+      <p:regular r:id="rId23"/>
     </p:embeddedFont>
     <p:embeddedFont>
       <p:font typeface="Cambria Math" panose="02040503050406030204" pitchFamily="18" charset="0"/>
-      <p:regular r:id="rId23"/>
+      <p:regular r:id="rId24"/>
     </p:embeddedFont>
     <p:embeddedFont>
       <p:font typeface="Public Sans" panose="020B0604020202020204" charset="0"/>
-      <p:regular r:id="rId24"/>
+      <p:regular r:id="rId25"/>
     </p:embeddedFont>
     <p:embeddedFont>
       <p:font typeface="Public Sans Bold" panose="020B0604020202020204" charset="0"/>
-      <p:regular r:id="rId25"/>
+      <p:regular r:id="rId26"/>
     </p:embeddedFont>
     <p:embeddedFont>
       <p:font typeface="Public Sans Heavy" panose="020B0604020202020204" charset="0"/>
-      <p:regular r:id="rId26"/>
+      <p:regular r:id="rId27"/>
     </p:embeddedFont>
   </p:embeddedFontLst>
   <p:defaultTextStyle>
@@ -3927,7 +3928,7 @@
           <a:p>
             <a:fld id="{D7E3D0FC-A1EA-4E8B-881E-03C99949F151}" type="datetimeFigureOut">
               <a:rPr lang="es-ES" smtClean="0"/>
-              <a:t>21/04/2025</a:t>
+              <a:t>22/04/2025</a:t>
             </a:fld>
             <a:endParaRPr lang="es-ES"/>
           </a:p>
@@ -4105,7 +4106,7 @@
           <a:p>
             <a:fld id="{A9B080C7-4108-48F9-AA5B-C798612F0FBC}" type="datetimeFigureOut">
               <a:rPr lang="es-ES" smtClean="0"/>
-              <a:t>21/04/2025</a:t>
+              <a:t>22/04/2025</a:t>
             </a:fld>
             <a:endParaRPr lang="es-ES"/>
           </a:p>
@@ -4438,7 +4439,7 @@
           <a:p>
             <a:fld id="{C5AD6287-8F06-4BF2-AC90-69C9A69868BD}" type="slidenum">
               <a:rPr lang="es-ES" smtClean="0"/>
-              <a:t>2</a:t>
+              <a:t>3</a:t>
             </a:fld>
             <a:endParaRPr lang="es-ES"/>
           </a:p>
@@ -4528,7 +4529,7 @@
           <a:p>
             <a:fld id="{C5AD6287-8F06-4BF2-AC90-69C9A69868BD}" type="slidenum">
               <a:rPr lang="es-ES" smtClean="0"/>
-              <a:t>4</a:t>
+              <a:t>5</a:t>
             </a:fld>
             <a:endParaRPr lang="es-ES"/>
           </a:p>
@@ -4612,7 +4613,7 @@
           <a:p>
             <a:fld id="{C5AD6287-8F06-4BF2-AC90-69C9A69868BD}" type="slidenum">
               <a:rPr lang="es-ES" smtClean="0"/>
-              <a:t>5</a:t>
+              <a:t>6</a:t>
             </a:fld>
             <a:endParaRPr lang="es-ES"/>
           </a:p>
@@ -4720,7 +4721,7 @@
           <a:p>
             <a:fld id="{C5AD6287-8F06-4BF2-AC90-69C9A69868BD}" type="slidenum">
               <a:rPr lang="es-ES" smtClean="0"/>
-              <a:t>6</a:t>
+              <a:t>7</a:t>
             </a:fld>
             <a:endParaRPr lang="es-ES"/>
           </a:p>
@@ -4801,7 +4802,20 @@
           <a:bodyPr/>
           <a:lstStyle/>
           <a:p>
-            <a:endParaRPr lang="es-ES" dirty="0"/>
+            <a:r>
+              <a:rPr lang="es-ES" b="0" i="0" dirty="0">
+                <a:solidFill>
+                  <a:srgbClr val="001D35"/>
+                </a:solidFill>
+                <a:effectLst/>
+                <a:latin typeface="Google Sans"/>
+              </a:rPr>
+              <a:t>Los medicamentos huérfanos </a:t>
+            </a:r>
+            <a:r>
+              <a:rPr lang="es-ES" dirty="0"/>
+              <a:t>son aquellos destinados a tratar enfermedades raras o graves que, por su baja prevalencia, no son económicamente rentables para la industria farmacéutica.</a:t>
+            </a:r>
           </a:p>
         </p:txBody>
       </p:sp>
@@ -4828,7 +4842,7 @@
           <a:p>
             <a:fld id="{C5AD6287-8F06-4BF2-AC90-69C9A69868BD}" type="slidenum">
               <a:rPr lang="es-ES" smtClean="0"/>
-              <a:t>7</a:t>
+              <a:t>8</a:t>
             </a:fld>
             <a:endParaRPr lang="es-ES"/>
           </a:p>
@@ -4936,7 +4950,7 @@
           <a:p>
             <a:fld id="{C5AD6287-8F06-4BF2-AC90-69C9A69868BD}" type="slidenum">
               <a:rPr lang="es-ES" smtClean="0"/>
-              <a:t>8</a:t>
+              <a:t>9</a:t>
             </a:fld>
             <a:endParaRPr lang="es-ES"/>
           </a:p>
@@ -5044,7 +5058,7 @@
           <a:p>
             <a:fld id="{C5AD6287-8F06-4BF2-AC90-69C9A69868BD}" type="slidenum">
               <a:rPr lang="es-ES" smtClean="0"/>
-              <a:t>9</a:t>
+              <a:t>10</a:t>
             </a:fld>
             <a:endParaRPr lang="es-ES"/>
           </a:p>
@@ -5128,7 +5142,7 @@
           <a:p>
             <a:fld id="{C5AD6287-8F06-4BF2-AC90-69C9A69868BD}" type="slidenum">
               <a:rPr lang="es-ES" smtClean="0"/>
-              <a:t>13</a:t>
+              <a:t>14</a:t>
             </a:fld>
             <a:endParaRPr lang="es-ES"/>
           </a:p>
@@ -5326,7 +5340,7 @@
           <a:p>
             <a:fld id="{78D9E834-90B3-465D-9A57-E4F755C1F187}" type="datetime1">
               <a:rPr lang="en-US" smtClean="0"/>
-              <a:t>4/21/2025</a:t>
+              <a:t>4/22/2025</a:t>
             </a:fld>
             <a:endParaRPr lang="en-US"/>
           </a:p>
@@ -5490,7 +5504,7 @@
           <a:p>
             <a:fld id="{62F3DF7E-58A9-4984-9D98-FADE0FE08C72}" type="datetime1">
               <a:rPr lang="en-US" smtClean="0"/>
-              <a:t>4/21/2025</a:t>
+              <a:t>4/22/2025</a:t>
             </a:fld>
             <a:endParaRPr lang="en-US"/>
           </a:p>
@@ -5664,7 +5678,7 @@
           <a:p>
             <a:fld id="{A4FD115F-DA87-4518-A4AB-EFDC622DD49D}" type="datetime1">
               <a:rPr lang="en-US" smtClean="0"/>
-              <a:t>4/21/2025</a:t>
+              <a:t>4/22/2025</a:t>
             </a:fld>
             <a:endParaRPr lang="en-US"/>
           </a:p>
@@ -5828,7 +5842,7 @@
           <a:p>
             <a:fld id="{F69A18D8-BF7D-42FB-A6FA-5B2A8AB9D1E7}" type="datetime1">
               <a:rPr lang="en-US" smtClean="0"/>
-              <a:t>4/21/2025</a:t>
+              <a:t>4/22/2025</a:t>
             </a:fld>
             <a:endParaRPr lang="en-US"/>
           </a:p>
@@ -6069,7 +6083,7 @@
           <a:p>
             <a:fld id="{88CFE619-74AB-4CA8-B923-DE58B7584603}" type="datetime1">
               <a:rPr lang="en-US" smtClean="0"/>
-              <a:t>4/21/2025</a:t>
+              <a:t>4/22/2025</a:t>
             </a:fld>
             <a:endParaRPr lang="en-US"/>
           </a:p>
@@ -6350,7 +6364,7 @@
           <a:p>
             <a:fld id="{6676C639-0627-498D-A158-697E8B3FA267}" type="datetime1">
               <a:rPr lang="en-US" smtClean="0"/>
-              <a:t>4/21/2025</a:t>
+              <a:t>4/22/2025</a:t>
             </a:fld>
             <a:endParaRPr lang="en-US"/>
           </a:p>
@@ -6765,7 +6779,7 @@
           <a:p>
             <a:fld id="{6846D1C3-6013-4608-86D8-9E065608DDE9}" type="datetime1">
               <a:rPr lang="en-US" smtClean="0"/>
-              <a:t>4/21/2025</a:t>
+              <a:t>4/22/2025</a:t>
             </a:fld>
             <a:endParaRPr lang="en-US"/>
           </a:p>
@@ -6878,7 +6892,7 @@
           <a:p>
             <a:fld id="{D22635B6-B05B-4AB3-BBBA-DDD212115A77}" type="datetime1">
               <a:rPr lang="en-US" smtClean="0"/>
-              <a:t>4/21/2025</a:t>
+              <a:t>4/22/2025</a:t>
             </a:fld>
             <a:endParaRPr lang="en-US"/>
           </a:p>
@@ -6969,7 +6983,7 @@
           <a:p>
             <a:fld id="{05AB507C-68DE-49B3-8C7B-2263A858AF37}" type="datetime1">
               <a:rPr lang="en-US" smtClean="0"/>
-              <a:t>4/21/2025</a:t>
+              <a:t>4/22/2025</a:t>
             </a:fld>
             <a:endParaRPr lang="en-US"/>
           </a:p>
@@ -7240,7 +7254,7 @@
           <a:p>
             <a:fld id="{302DD4EE-81D8-48F9-9F2B-4DF4A1C92FBD}" type="datetime1">
               <a:rPr lang="en-US" smtClean="0"/>
-              <a:t>4/21/2025</a:t>
+              <a:t>4/22/2025</a:t>
             </a:fld>
             <a:endParaRPr lang="en-US"/>
           </a:p>
@@ -7488,7 +7502,7 @@
           <a:p>
             <a:fld id="{501CDBEB-4B83-4CEE-A74A-03B2D2942235}" type="datetime1">
               <a:rPr lang="en-US" smtClean="0"/>
-              <a:t>4/21/2025</a:t>
+              <a:t>4/22/2025</a:t>
             </a:fld>
             <a:endParaRPr lang="en-US"/>
           </a:p>
@@ -7695,7 +7709,7 @@
           <a:p>
             <a:fld id="{4EF2BAAD-4700-4613-8149-14CDA4CAD92D}" type="datetime1">
               <a:rPr lang="en-US" smtClean="0"/>
-              <a:t>4/21/2025</a:t>
+              <a:t>4/22/2025</a:t>
             </a:fld>
             <a:endParaRPr lang="en-US"/>
           </a:p>
@@ -8051,12 +8065,12 @@
 </file>
 
 <file path=ppt/slides/slide1.xml><?xml version="1.0" encoding="utf-8"?>
-<p:sld xmlns:a="http://schemas.openxmlformats.org/drawingml/2006/main" xmlns:r="http://schemas.openxmlformats.org/officeDocument/2006/relationships" xmlns:p="http://schemas.openxmlformats.org/presentationml/2006/main">
+<p:sld xmlns:a="http://schemas.openxmlformats.org/drawingml/2006/main" xmlns:r="http://schemas.openxmlformats.org/officeDocument/2006/relationships" xmlns:p="http://schemas.openxmlformats.org/presentationml/2006/main" show="0">
   <p:cSld>
     <p:bg>
       <p:bgPr>
         <a:solidFill>
-          <a:srgbClr val="FAF3F3"/>
+          <a:schemeClr val="bg1"/>
         </a:solidFill>
         <a:effectLst/>
       </p:bgPr>
@@ -8075,16 +8089,176 @@
           <a:chExt cx="0" cy="0"/>
         </a:xfrm>
       </p:grpSpPr>
-      <p:sp>
+      <p:sp useBgFill="1">
         <p:nvSpPr>
-          <p:cNvPr id="2" name="Freeform 2"/>
-          <p:cNvSpPr/>
-          <p:nvPr/>
+          <p:cNvPr id="37" name="Rectangle 36">
+            <a:extLst>
+              <a:ext uri="{FF2B5EF4-FFF2-40B4-BE49-F238E27FC236}">
+                <a16:creationId xmlns:a16="http://schemas.microsoft.com/office/drawing/2014/main" id="{7DA3C418-758E-4180-A5D0-8655D6804587}"/>
+              </a:ext>
+              <a:ext uri="{C183D7F6-B498-43B3-948B-1728B52AA6E4}">
+                <adec:decorative xmlns:adec="http://schemas.microsoft.com/office/drawing/2017/decorative" val="1"/>
+              </a:ext>
+            </a:extLst>
+          </p:cNvPr>
+          <p:cNvSpPr>
+            <a:spLocks noGrp="1" noRot="1" noChangeAspect="1" noMove="1" noResize="1" noEditPoints="1" noAdjustHandles="1" noChangeArrowheads="1" noChangeShapeType="1" noTextEdit="1"/>
+          </p:cNvSpPr>
+          <p:nvPr>
+            <p:extLst>
+              <p:ext uri="{386F3935-93C4-4BCD-93E2-E3B085C9AB24}">
+                <p16:designElem xmlns:p16="http://schemas.microsoft.com/office/powerpoint/2015/main" val="1"/>
+              </p:ext>
+            </p:extLst>
+          </p:nvPr>
         </p:nvSpPr>
         <p:spPr>
           <a:xfrm>
-            <a:off x="-1535548" y="1946353"/>
-            <a:ext cx="7876905" cy="7726439"/>
+            <a:off x="0" y="0"/>
+            <a:ext cx="18288000" cy="10287000"/>
+          </a:xfrm>
+          <a:prstGeom prst="rect">
+            <a:avLst/>
+          </a:prstGeom>
+          <a:ln w="12700" cap="flat" cmpd="sng" algn="ctr">
+            <a:noFill/>
+            <a:prstDash val="solid"/>
+            <a:miter lim="800000"/>
+          </a:ln>
+          <a:effectLst/>
+          <a:extLst>
+            <a:ext uri="{91240B29-F687-4F45-9708-019B960494DF}">
+              <a14:hiddenLine xmlns:a14="http://schemas.microsoft.com/office/drawing/2010/main" w="12700" cap="flat" cmpd="sng" algn="ctr">
+                <a:solidFill>
+                  <a:schemeClr val="accent1">
+                    <a:shade val="50000"/>
+                  </a:schemeClr>
+                </a:solidFill>
+                <a:prstDash val="solid"/>
+                <a:miter lim="800000"/>
+              </a14:hiddenLine>
+            </a:ext>
+          </a:extLst>
+        </p:spPr>
+        <p:style>
+          <a:lnRef idx="2">
+            <a:schemeClr val="accent1">
+              <a:shade val="50000"/>
+            </a:schemeClr>
+          </a:lnRef>
+          <a:fillRef idx="1">
+            <a:schemeClr val="accent1"/>
+          </a:fillRef>
+          <a:effectRef idx="0">
+            <a:schemeClr val="accent1"/>
+          </a:effectRef>
+          <a:fontRef idx="minor">
+            <a:schemeClr val="lt1"/>
+          </a:fontRef>
+        </p:style>
+        <p:txBody>
+          <a:bodyPr rtlCol="0" anchor="ctr"/>
+          <a:lstStyle/>
+          <a:p>
+            <a:pPr algn="ctr"/>
+            <a:endParaRPr lang="en-US"/>
+          </a:p>
+        </p:txBody>
+      </p:sp>
+      <p:sp>
+        <p:nvSpPr>
+          <p:cNvPr id="39" name="Rectangle 38">
+            <a:extLst>
+              <a:ext uri="{FF2B5EF4-FFF2-40B4-BE49-F238E27FC236}">
+                <a16:creationId xmlns:a16="http://schemas.microsoft.com/office/drawing/2014/main" id="{28C8EF06-5EC3-4883-AFAF-D74FF46550FB}"/>
+              </a:ext>
+              <a:ext uri="{C183D7F6-B498-43B3-948B-1728B52AA6E4}">
+                <adec:decorative xmlns:adec="http://schemas.microsoft.com/office/drawing/2017/decorative" val="1"/>
+              </a:ext>
+            </a:extLst>
+          </p:cNvPr>
+          <p:cNvSpPr>
+            <a:spLocks noGrp="1" noRot="1" noChangeAspect="1" noMove="1" noResize="1" noEditPoints="1" noAdjustHandles="1" noChangeArrowheads="1" noChangeShapeType="1" noTextEdit="1"/>
+          </p:cNvSpPr>
+          <p:nvPr>
+            <p:extLst>
+              <p:ext uri="{386F3935-93C4-4BCD-93E2-E3B085C9AB24}">
+                <p16:designElem xmlns:p16="http://schemas.microsoft.com/office/powerpoint/2015/main" val="1"/>
+              </p:ext>
+            </p:extLst>
+          </p:nvPr>
+        </p:nvSpPr>
+        <p:spPr>
+          <a:xfrm>
+            <a:off x="-4" y="0"/>
+            <a:ext cx="7703956" cy="10307472"/>
+          </a:xfrm>
+          <a:prstGeom prst="rect">
+            <a:avLst/>
+          </a:prstGeom>
+          <a:solidFill>
+            <a:srgbClr val="82766A">
+              <a:alpha val="15000"/>
+            </a:srgbClr>
+          </a:solidFill>
+          <a:ln>
+            <a:noFill/>
+          </a:ln>
+        </p:spPr>
+        <p:style>
+          <a:lnRef idx="2">
+            <a:schemeClr val="accent1">
+              <a:shade val="50000"/>
+            </a:schemeClr>
+          </a:lnRef>
+          <a:fillRef idx="1">
+            <a:schemeClr val="accent1"/>
+          </a:fillRef>
+          <a:effectRef idx="0">
+            <a:schemeClr val="accent1"/>
+          </a:effectRef>
+          <a:fontRef idx="minor">
+            <a:schemeClr val="lt1"/>
+          </a:fontRef>
+        </p:style>
+        <p:txBody>
+          <a:bodyPr rtlCol="0" anchor="ctr"/>
+          <a:lstStyle/>
+          <a:p>
+            <a:pPr algn="ctr"/>
+            <a:endParaRPr lang="en-US"/>
+          </a:p>
+        </p:txBody>
+      </p:sp>
+      <p:pic>
+        <p:nvPicPr>
+          <p:cNvPr id="4" name="Imagen 3" descr="Texto&#10;&#10;El contenido generado por IA puede ser incorrecto.">
+            <a:extLst>
+              <a:ext uri="{FF2B5EF4-FFF2-40B4-BE49-F238E27FC236}">
+                <a16:creationId xmlns:a16="http://schemas.microsoft.com/office/drawing/2014/main" id="{E6D1B91C-E4DA-D8E0-6E52-7E17D54E7DF5}"/>
+              </a:ext>
+            </a:extLst>
+          </p:cNvPr>
+          <p:cNvPicPr>
+            <a:picLocks noChangeAspect="1"/>
+          </p:cNvPicPr>
+          <p:nvPr/>
+        </p:nvPicPr>
+        <p:blipFill>
+          <a:blip r:embed="rId2">
+            <a:extLst>
+              <a:ext uri="{28A0092B-C50C-407E-A947-70E740481C1C}">
+                <a14:useLocalDpi xmlns:a14="http://schemas.microsoft.com/office/drawing/2010/main" val="0"/>
+              </a:ext>
+            </a:extLst>
+          </a:blip>
+          <a:srcRect l="6633" r="17280"/>
+          <a:stretch/>
+        </p:blipFill>
+        <p:spPr>
+          <a:xfrm>
+            <a:off x="4373182" y="10"/>
+            <a:ext cx="13914818" cy="10286990"/>
           </a:xfrm>
           <a:custGeom>
             <a:avLst/>
@@ -8093,712 +8267,582 @@
             <a:cxnLst/>
             <a:rect l="l" t="t" r="r" b="b"/>
             <a:pathLst>
-              <a:path w="7876905" h="7726439">
+              <a:path w="9276545" h="6871647">
                 <a:moveTo>
-                  <a:pt x="0" y="0"/>
+                  <a:pt x="9276545" y="0"/>
                 </a:moveTo>
                 <a:lnTo>
-                  <a:pt x="7876905" y="0"/>
-                </a:lnTo>
-                <a:lnTo>
-                  <a:pt x="7876905" y="7726439"/>
-                </a:lnTo>
-                <a:lnTo>
-                  <a:pt x="0" y="7726439"/>
-                </a:lnTo>
-                <a:lnTo>
-                  <a:pt x="0" y="0"/>
+                  <a:pt x="9276545" y="6858000"/>
+                </a:lnTo>
+                <a:lnTo>
+                  <a:pt x="1546051" y="6871647"/>
+                </a:lnTo>
+                <a:lnTo>
+                  <a:pt x="1535751" y="6828910"/>
+                </a:lnTo>
+                <a:cubicBezTo>
+                  <a:pt x="1530460" y="6775140"/>
+                  <a:pt x="1515370" y="6618042"/>
+                  <a:pt x="1514301" y="6549029"/>
+                </a:cubicBezTo>
+                <a:cubicBezTo>
+                  <a:pt x="1518045" y="6491396"/>
+                  <a:pt x="1528503" y="6450608"/>
+                  <a:pt x="1529339" y="6414828"/>
+                </a:cubicBezTo>
+                <a:cubicBezTo>
+                  <a:pt x="1525062" y="6359280"/>
+                  <a:pt x="1502062" y="6307149"/>
+                  <a:pt x="1493941" y="6268848"/>
+                </a:cubicBezTo>
+                <a:cubicBezTo>
+                  <a:pt x="1502669" y="6254191"/>
+                  <a:pt x="1469920" y="6200171"/>
+                  <a:pt x="1480613" y="6185025"/>
+                </a:cubicBezTo>
+                <a:cubicBezTo>
+                  <a:pt x="1481020" y="6164522"/>
+                  <a:pt x="1458164" y="6060790"/>
+                  <a:pt x="1443364" y="6018360"/>
+                </a:cubicBezTo>
+                <a:cubicBezTo>
+                  <a:pt x="1426694" y="5970758"/>
+                  <a:pt x="1390307" y="5920074"/>
+                  <a:pt x="1380584" y="5899407"/>
+                </a:cubicBezTo>
+                <a:cubicBezTo>
+                  <a:pt x="1370860" y="5878740"/>
+                  <a:pt x="1392244" y="5920877"/>
+                  <a:pt x="1385023" y="5894356"/>
+                </a:cubicBezTo>
+                <a:cubicBezTo>
+                  <a:pt x="1377800" y="5867835"/>
+                  <a:pt x="1345702" y="5770498"/>
+                  <a:pt x="1337254" y="5740279"/>
+                </a:cubicBezTo>
+                <a:cubicBezTo>
+                  <a:pt x="1353956" y="5738860"/>
+                  <a:pt x="1323673" y="5722040"/>
+                  <a:pt x="1334321" y="5713042"/>
+                </a:cubicBezTo>
+                <a:cubicBezTo>
+                  <a:pt x="1343675" y="5706701"/>
+                  <a:pt x="1336672" y="5700118"/>
+                  <a:pt x="1335877" y="5692870"/>
+                </a:cubicBezTo>
+                <a:cubicBezTo>
+                  <a:pt x="1343201" y="5683812"/>
+                  <a:pt x="1329617" y="5652064"/>
+                  <a:pt x="1319978" y="5643427"/>
+                </a:cubicBezTo>
+                <a:cubicBezTo>
+                  <a:pt x="1286551" y="5622177"/>
+                  <a:pt x="1310947" y="5579803"/>
+                  <a:pt x="1285321" y="5562271"/>
+                </a:cubicBezTo>
+                <a:cubicBezTo>
+                  <a:pt x="1281540" y="5556238"/>
+                  <a:pt x="1279983" y="5550455"/>
+                  <a:pt x="1279815" y="5544867"/>
+                </a:cubicBezTo>
+                <a:lnTo>
+                  <a:pt x="1282507" y="5529404"/>
+                </a:lnTo>
+                <a:lnTo>
+                  <a:pt x="1289604" y="5525378"/>
+                </a:lnTo>
+                <a:lnTo>
+                  <a:pt x="1287766" y="5515726"/>
+                </a:lnTo>
+                <a:lnTo>
+                  <a:pt x="1288829" y="5513051"/>
+                </a:lnTo>
+                <a:cubicBezTo>
+                  <a:pt x="1290896" y="5507946"/>
+                  <a:pt x="1292688" y="5502897"/>
+                  <a:pt x="1293373" y="5497833"/>
+                </a:cubicBezTo>
+                <a:cubicBezTo>
+                  <a:pt x="1288690" y="5483829"/>
+                  <a:pt x="1272696" y="5459278"/>
+                  <a:pt x="1260736" y="5429027"/>
+                </a:cubicBezTo>
+                <a:cubicBezTo>
+                  <a:pt x="1238579" y="5396416"/>
+                  <a:pt x="1238884" y="5351600"/>
+                  <a:pt x="1221610" y="5316328"/>
+                </a:cubicBezTo>
+                <a:lnTo>
+                  <a:pt x="1216099" y="5309330"/>
+                </a:lnTo>
+                <a:lnTo>
+                  <a:pt x="1217278" y="5279477"/>
+                </a:lnTo>
+                <a:cubicBezTo>
+                  <a:pt x="1221588" y="5274318"/>
+                  <a:pt x="1222716" y="5266940"/>
+                  <a:pt x="1218469" y="5260597"/>
+                </a:cubicBezTo>
+                <a:lnTo>
+                  <a:pt x="1206220" y="5152555"/>
+                </a:lnTo>
+                <a:cubicBezTo>
+                  <a:pt x="1205294" y="5116878"/>
+                  <a:pt x="1196908" y="5101727"/>
+                  <a:pt x="1212921" y="5046536"/>
+                </a:cubicBezTo>
+                <a:cubicBezTo>
+                  <a:pt x="1234138" y="4987918"/>
+                  <a:pt x="1204801" y="4903116"/>
+                  <a:pt x="1212183" y="4837345"/>
+                </a:cubicBezTo>
+                <a:cubicBezTo>
+                  <a:pt x="1183151" y="4802424"/>
+                  <a:pt x="1209228" y="4821062"/>
+                  <a:pt x="1202048" y="4784195"/>
+                </a:cubicBezTo>
+                <a:cubicBezTo>
+                  <a:pt x="1202483" y="4760878"/>
+                  <a:pt x="1202919" y="4737561"/>
+                  <a:pt x="1203354" y="4714245"/>
+                </a:cubicBezTo>
+                <a:lnTo>
+                  <a:pt x="1201502" y="4700836"/>
+                </a:lnTo>
+                <a:lnTo>
+                  <a:pt x="1194919" y="4697224"/>
+                </a:lnTo>
+                <a:lnTo>
+                  <a:pt x="1187792" y="4677162"/>
+                </a:lnTo>
+                <a:cubicBezTo>
+                  <a:pt x="1186060" y="4669625"/>
+                  <a:pt x="1185291" y="4661478"/>
+                  <a:pt x="1186080" y="4652429"/>
+                </a:cubicBezTo>
+                <a:cubicBezTo>
+                  <a:pt x="1199189" y="4622456"/>
+                  <a:pt x="1167081" y="4571771"/>
+                  <a:pt x="1184722" y="4534840"/>
+                </a:cubicBezTo>
+                <a:cubicBezTo>
+                  <a:pt x="1182407" y="4499077"/>
+                  <a:pt x="1175424" y="4460227"/>
+                  <a:pt x="1172188" y="4437851"/>
+                </a:cubicBezTo>
+                <a:cubicBezTo>
+                  <a:pt x="1161331" y="4428466"/>
+                  <a:pt x="1178123" y="4398274"/>
+                  <a:pt x="1165306" y="4400581"/>
+                </a:cubicBezTo>
+                <a:cubicBezTo>
+                  <a:pt x="1171061" y="4389819"/>
+                  <a:pt x="1173552" y="4346771"/>
+                  <a:pt x="1168602" y="4335651"/>
+                </a:cubicBezTo>
+                <a:lnTo>
+                  <a:pt x="1178384" y="4280215"/>
+                </a:lnTo>
+                <a:lnTo>
+                  <a:pt x="1177294" y="4274660"/>
+                </a:lnTo>
+                <a:cubicBezTo>
+                  <a:pt x="1177138" y="4268882"/>
+                  <a:pt x="1177520" y="4251103"/>
+                  <a:pt x="1177448" y="4245552"/>
+                </a:cubicBezTo>
+                <a:cubicBezTo>
+                  <a:pt x="1177252" y="4244155"/>
+                  <a:pt x="1177058" y="4242757"/>
+                  <a:pt x="1176863" y="4241361"/>
+                </a:cubicBezTo>
+                <a:lnTo>
+                  <a:pt x="1162386" y="4207167"/>
+                </a:lnTo>
+                <a:cubicBezTo>
+                  <a:pt x="1162950" y="4202536"/>
+                  <a:pt x="1174655" y="4199565"/>
+                  <a:pt x="1174343" y="4192380"/>
+                </a:cubicBezTo>
+                <a:lnTo>
+                  <a:pt x="1160516" y="4164062"/>
+                </a:lnTo>
+                <a:lnTo>
+                  <a:pt x="1161365" y="4158623"/>
+                </a:lnTo>
+                <a:lnTo>
+                  <a:pt x="1144878" y="4076261"/>
+                </a:lnTo>
+                <a:lnTo>
+                  <a:pt x="1123687" y="4005692"/>
+                </a:lnTo>
+                <a:lnTo>
+                  <a:pt x="1096720" y="3754257"/>
+                </a:lnTo>
+                <a:cubicBezTo>
+                  <a:pt x="1083618" y="3639924"/>
+                  <a:pt x="1064313" y="3636659"/>
+                  <a:pt x="1047682" y="3517638"/>
+                </a:cubicBezTo>
+                <a:cubicBezTo>
+                  <a:pt x="1048550" y="3477187"/>
+                  <a:pt x="1049418" y="3436735"/>
+                  <a:pt x="1050285" y="3396284"/>
+                </a:cubicBezTo>
+                <a:lnTo>
+                  <a:pt x="1030166" y="3320814"/>
+                </a:lnTo>
+                <a:lnTo>
+                  <a:pt x="1034128" y="3260443"/>
+                </a:lnTo>
+                <a:lnTo>
+                  <a:pt x="1007751" y="3198916"/>
+                </a:lnTo>
+                <a:cubicBezTo>
+                  <a:pt x="1003323" y="3193074"/>
+                  <a:pt x="1001150" y="3187393"/>
+                  <a:pt x="1000384" y="3181839"/>
+                </a:cubicBezTo>
+                <a:cubicBezTo>
+                  <a:pt x="1000734" y="3176675"/>
+                  <a:pt x="1001085" y="3171511"/>
+                  <a:pt x="1001435" y="3166346"/>
+                </a:cubicBezTo>
+                <a:lnTo>
+                  <a:pt x="968918" y="3112638"/>
+                </a:lnTo>
+                <a:cubicBezTo>
+                  <a:pt x="957125" y="3092489"/>
+                  <a:pt x="955617" y="3065232"/>
+                  <a:pt x="934483" y="3031628"/>
+                </a:cubicBezTo>
+                <a:cubicBezTo>
+                  <a:pt x="914631" y="2997037"/>
+                  <a:pt x="908933" y="3005661"/>
+                  <a:pt x="879229" y="2948196"/>
+                </a:cubicBezTo>
+                <a:cubicBezTo>
+                  <a:pt x="850845" y="2897154"/>
+                  <a:pt x="820829" y="2806798"/>
+                  <a:pt x="798666" y="2761198"/>
+                </a:cubicBezTo>
+                <a:cubicBezTo>
+                  <a:pt x="773970" y="2714562"/>
+                  <a:pt x="758278" y="2715446"/>
+                  <a:pt x="746962" y="2694939"/>
+                </a:cubicBezTo>
+                <a:lnTo>
+                  <a:pt x="712796" y="2614779"/>
+                </a:lnTo>
+                <a:lnTo>
+                  <a:pt x="697701" y="2600020"/>
+                </a:lnTo>
+                <a:cubicBezTo>
+                  <a:pt x="697743" y="2598787"/>
+                  <a:pt x="697784" y="2597555"/>
+                  <a:pt x="697823" y="2596321"/>
+                </a:cubicBezTo>
+                <a:lnTo>
+                  <a:pt x="679645" y="2572602"/>
+                </a:lnTo>
+                <a:lnTo>
+                  <a:pt x="680789" y="2571831"/>
+                </a:lnTo>
+                <a:cubicBezTo>
+                  <a:pt x="682946" y="2569560"/>
+                  <a:pt x="683757" y="2566863"/>
+                  <a:pt x="681771" y="2563200"/>
+                </a:cubicBezTo>
+                <a:cubicBezTo>
+                  <a:pt x="705290" y="2562299"/>
+                  <a:pt x="688388" y="2558438"/>
+                  <a:pt x="680456" y="2547723"/>
+                </a:cubicBezTo>
+                <a:cubicBezTo>
+                  <a:pt x="679482" y="2534148"/>
+                  <a:pt x="677183" y="2493617"/>
+                  <a:pt x="675922" y="2481749"/>
+                </a:cubicBezTo>
+                <a:lnTo>
+                  <a:pt x="672894" y="2476509"/>
+                </a:lnTo>
+                <a:lnTo>
+                  <a:pt x="673143" y="2476297"/>
+                </a:lnTo>
+                <a:cubicBezTo>
+                  <a:pt x="673152" y="2474932"/>
+                  <a:pt x="672405" y="2473126"/>
+                  <a:pt x="670567" y="2470561"/>
+                </a:cubicBezTo>
+                <a:lnTo>
+                  <a:pt x="667369" y="2466951"/>
+                </a:lnTo>
+                <a:lnTo>
+                  <a:pt x="661495" y="2456785"/>
+                </a:lnTo>
+                <a:cubicBezTo>
+                  <a:pt x="661510" y="2455387"/>
+                  <a:pt x="661525" y="2453987"/>
+                  <a:pt x="661540" y="2452588"/>
+                </a:cubicBezTo>
+                <a:lnTo>
+                  <a:pt x="664540" y="2449913"/>
+                </a:lnTo>
+                <a:lnTo>
+                  <a:pt x="663581" y="2449129"/>
+                </a:lnTo>
+                <a:cubicBezTo>
+                  <a:pt x="653014" y="2444453"/>
+                  <a:pt x="642406" y="2445872"/>
+                  <a:pt x="663129" y="2426579"/>
+                </a:cubicBezTo>
+                <a:cubicBezTo>
+                  <a:pt x="643271" y="2414167"/>
+                  <a:pt x="657229" y="2404769"/>
+                  <a:pt x="650205" y="2379928"/>
+                </a:cubicBezTo>
+                <a:cubicBezTo>
+                  <a:pt x="634911" y="2374359"/>
+                  <a:pt x="634260" y="2365346"/>
+                  <a:pt x="638008" y="2354824"/>
+                </a:cubicBezTo>
+                <a:cubicBezTo>
+                  <a:pt x="621083" y="2334576"/>
+                  <a:pt x="620949" y="2310146"/>
+                  <a:pt x="609851" y="2284299"/>
+                </a:cubicBezTo>
+                <a:lnTo>
+                  <a:pt x="585585" y="2155739"/>
+                </a:lnTo>
+                <a:lnTo>
+                  <a:pt x="581391" y="2152892"/>
+                </a:lnTo>
+                <a:cubicBezTo>
+                  <a:pt x="578821" y="2150768"/>
+                  <a:pt x="577525" y="2149149"/>
+                  <a:pt x="577083" y="2147807"/>
+                </a:cubicBezTo>
+                <a:lnTo>
+                  <a:pt x="577251" y="2147544"/>
+                </a:lnTo>
+                <a:lnTo>
+                  <a:pt x="546845" y="2085601"/>
+                </a:lnTo>
+                <a:cubicBezTo>
+                  <a:pt x="538270" y="2073917"/>
+                  <a:pt x="486356" y="1955894"/>
+                  <a:pt x="470837" y="1931362"/>
+                </a:cubicBezTo>
+                <a:lnTo>
+                  <a:pt x="428154" y="1657167"/>
+                </a:lnTo>
+                <a:lnTo>
+                  <a:pt x="392797" y="1510175"/>
+                </a:lnTo>
+                <a:cubicBezTo>
+                  <a:pt x="380165" y="1504446"/>
+                  <a:pt x="369910" y="1451095"/>
+                  <a:pt x="372847" y="1440507"/>
+                </a:cubicBezTo>
+                <a:cubicBezTo>
+                  <a:pt x="369015" y="1433783"/>
+                  <a:pt x="338503" y="1376212"/>
+                  <a:pt x="344479" y="1367690"/>
+                </a:cubicBezTo>
+                <a:cubicBezTo>
+                  <a:pt x="332264" y="1342150"/>
+                  <a:pt x="321736" y="1310521"/>
+                  <a:pt x="299558" y="1287266"/>
+                </a:cubicBezTo>
+                <a:cubicBezTo>
+                  <a:pt x="277380" y="1264010"/>
+                  <a:pt x="259203" y="1269909"/>
+                  <a:pt x="243216" y="1249403"/>
+                </a:cubicBezTo>
+                <a:cubicBezTo>
+                  <a:pt x="227230" y="1228898"/>
+                  <a:pt x="218454" y="1166841"/>
+                  <a:pt x="203639" y="1164232"/>
+                </a:cubicBezTo>
+                <a:cubicBezTo>
+                  <a:pt x="192352" y="1144923"/>
+                  <a:pt x="198158" y="1133798"/>
+                  <a:pt x="169195" y="1087898"/>
+                </a:cubicBezTo>
+                <a:cubicBezTo>
+                  <a:pt x="139228" y="1002950"/>
+                  <a:pt x="140891" y="969630"/>
+                  <a:pt x="98775" y="910071"/>
+                </a:cubicBezTo>
+                <a:cubicBezTo>
+                  <a:pt x="45025" y="831068"/>
+                  <a:pt x="34038" y="817468"/>
+                  <a:pt x="43820" y="712632"/>
+                </a:cubicBezTo>
+                <a:cubicBezTo>
+                  <a:pt x="34816" y="659496"/>
+                  <a:pt x="43273" y="613587"/>
+                  <a:pt x="44748" y="591246"/>
+                </a:cubicBezTo>
+                <a:lnTo>
+                  <a:pt x="36767" y="546725"/>
+                </a:lnTo>
+                <a:cubicBezTo>
+                  <a:pt x="36093" y="528360"/>
+                  <a:pt x="35418" y="509996"/>
+                  <a:pt x="34744" y="491632"/>
+                </a:cubicBezTo>
+                <a:cubicBezTo>
+                  <a:pt x="34670" y="458441"/>
+                  <a:pt x="29296" y="473054"/>
+                  <a:pt x="29222" y="439863"/>
+                </a:cubicBezTo>
+                <a:cubicBezTo>
+                  <a:pt x="29152" y="439762"/>
+                  <a:pt x="2578" y="397168"/>
+                  <a:pt x="2507" y="397065"/>
+                </a:cubicBezTo>
+                <a:cubicBezTo>
+                  <a:pt x="-7796" y="385479"/>
+                  <a:pt x="17492" y="336832"/>
+                  <a:pt x="9810" y="317232"/>
+                </a:cubicBezTo>
+                <a:lnTo>
+                  <a:pt x="25323" y="268841"/>
+                </a:lnTo>
+                <a:cubicBezTo>
+                  <a:pt x="20582" y="241406"/>
+                  <a:pt x="55391" y="238509"/>
+                  <a:pt x="50278" y="195107"/>
+                </a:cubicBezTo>
+                <a:cubicBezTo>
+                  <a:pt x="49891" y="157638"/>
+                  <a:pt x="41873" y="124837"/>
+                  <a:pt x="47653" y="93413"/>
+                </a:cubicBezTo>
+                <a:cubicBezTo>
+                  <a:pt x="41389" y="80245"/>
+                  <a:pt x="38874" y="67990"/>
+                  <a:pt x="48323" y="56668"/>
+                </a:cubicBezTo>
+                <a:cubicBezTo>
+                  <a:pt x="46028" y="30349"/>
+                  <a:pt x="37896" y="18658"/>
+                  <a:pt x="38423" y="5323"/>
+                </a:cubicBezTo>
+                <a:lnTo>
+                  <a:pt x="39875" y="1"/>
                 </a:lnTo>
                 <a:close/>
               </a:path>
             </a:pathLst>
           </a:custGeom>
-          <a:blipFill>
-            <a:blip r:embed="rId2">
-              <a:extLst>
-                <a:ext uri="{96DAC541-7B7A-43D3-8B79-37D633B846F1}">
-                  <asvg:svgBlip xmlns:asvg="http://schemas.microsoft.com/office/drawing/2016/SVG/main" r:embed="rId3"/>
-                </a:ext>
-              </a:extLst>
-            </a:blip>
-            <a:stretch>
-              <a:fillRect/>
-            </a:stretch>
-          </a:blipFill>
+        </p:spPr>
+      </p:pic>
+      <p:sp>
+        <p:nvSpPr>
+          <p:cNvPr id="32" name="TextBox 32"/>
+          <p:cNvSpPr txBox="1"/>
+          <p:nvPr/>
+        </p:nvSpPr>
+        <p:spPr>
+          <a:xfrm>
+            <a:off x="992874" y="4278571"/>
+            <a:ext cx="4742910" cy="3960371"/>
+          </a:xfrm>
+          <a:prstGeom prst="rect">
+            <a:avLst/>
+          </a:prstGeom>
         </p:spPr>
         <p:txBody>
-          <a:bodyPr/>
+          <a:bodyPr vert="horz" lIns="91440" tIns="45720" rIns="91440" bIns="45720" rtlCol="0" anchor="b">
+            <a:normAutofit/>
+          </a:bodyPr>
           <a:lstStyle/>
           <a:p>
-            <a:endParaRPr lang="es-ES" noProof="0" dirty="0"/>
+            <a:pPr>
+              <a:lnSpc>
+                <a:spcPct val="90000"/>
+              </a:lnSpc>
+              <a:spcBef>
+                <a:spcPct val="0"/>
+              </a:spcBef>
+              <a:spcAft>
+                <a:spcPts val="600"/>
+              </a:spcAft>
+            </a:pPr>
+            <a:r>
+              <a:rPr lang="en-US" sz="5400" noProof="0">
+                <a:solidFill>
+                  <a:schemeClr val="tx1">
+                    <a:lumMod val="85000"/>
+                    <a:lumOff val="15000"/>
+                  </a:schemeClr>
+                </a:solidFill>
+                <a:latin typeface="+mj-lt"/>
+                <a:ea typeface="+mj-ea"/>
+                <a:cs typeface="+mj-cs"/>
+                <a:sym typeface="Brick Sans"/>
+              </a:rPr>
+              <a:t>¿Reconoces esta imagen?</a:t>
+            </a:r>
           </a:p>
         </p:txBody>
       </p:sp>
+    </p:spTree>
+  </p:cSld>
+  <p:clrMapOvr>
+    <a:masterClrMapping/>
+  </p:clrMapOvr>
+</p:sld>
+</file>
+
+<file path=ppt/slides/slide10.xml><?xml version="1.0" encoding="utf-8"?>
+<p:sld xmlns:a="http://schemas.openxmlformats.org/drawingml/2006/main" xmlns:r="http://schemas.openxmlformats.org/officeDocument/2006/relationships" xmlns:p="http://schemas.openxmlformats.org/presentationml/2006/main">
+  <p:cSld>
+    <p:bg>
+      <p:bgPr>
+        <a:solidFill>
+          <a:srgbClr val="FAF3F3"/>
+        </a:solidFill>
+        <a:effectLst/>
+      </p:bgPr>
+    </p:bg>
+    <p:spTree>
+      <p:nvGrpSpPr>
+        <p:cNvPr id="1" name="">
+          <a:extLst>
+            <a:ext uri="{FF2B5EF4-FFF2-40B4-BE49-F238E27FC236}">
+              <a16:creationId xmlns:a16="http://schemas.microsoft.com/office/drawing/2014/main" id="{0C8E264E-9522-EB47-FD31-67B833C1C858}"/>
+            </a:ext>
+          </a:extLst>
+        </p:cNvPr>
+        <p:cNvGrpSpPr/>
+        <p:nvPr/>
+      </p:nvGrpSpPr>
+      <p:grpSpPr>
+        <a:xfrm>
+          <a:off x="0" y="0"/>
+          <a:ext cx="0" cy="0"/>
+          <a:chOff x="0" y="0"/>
+          <a:chExt cx="0" cy="0"/>
+        </a:xfrm>
+      </p:grpSpPr>
       <p:sp>
         <p:nvSpPr>
-          <p:cNvPr id="3" name="Freeform 3"/>
+          <p:cNvPr id="13" name="Freeform 13">
+            <a:extLst>
+              <a:ext uri="{FF2B5EF4-FFF2-40B4-BE49-F238E27FC236}">
+                <a16:creationId xmlns:a16="http://schemas.microsoft.com/office/drawing/2014/main" id="{6EC7C00E-9C11-BAB8-AB60-83EC69717473}"/>
+              </a:ext>
+            </a:extLst>
+          </p:cNvPr>
           <p:cNvSpPr/>
           <p:nvPr/>
         </p:nvSpPr>
         <p:spPr>
-          <a:xfrm rot="-1793077">
-            <a:off x="1867173" y="693591"/>
-            <a:ext cx="1769402" cy="2463725"/>
-          </a:xfrm>
-          <a:custGeom>
-            <a:avLst/>
-            <a:gdLst/>
-            <a:ahLst/>
-            <a:cxnLst/>
-            <a:rect l="l" t="t" r="r" b="b"/>
-            <a:pathLst>
-              <a:path w="1769402" h="2463725">
-                <a:moveTo>
-                  <a:pt x="0" y="0"/>
-                </a:moveTo>
-                <a:lnTo>
-                  <a:pt x="1769402" y="0"/>
-                </a:lnTo>
-                <a:lnTo>
-                  <a:pt x="1769402" y="2463724"/>
-                </a:lnTo>
-                <a:lnTo>
-                  <a:pt x="0" y="2463724"/>
-                </a:lnTo>
-                <a:lnTo>
-                  <a:pt x="0" y="0"/>
-                </a:lnTo>
-                <a:close/>
-              </a:path>
-            </a:pathLst>
-          </a:custGeom>
-          <a:blipFill>
-            <a:blip r:embed="rId4">
-              <a:extLst>
-                <a:ext uri="{96DAC541-7B7A-43D3-8B79-37D633B846F1}">
-                  <asvg:svgBlip xmlns:asvg="http://schemas.microsoft.com/office/drawing/2016/SVG/main" r:embed="rId5"/>
-                </a:ext>
-              </a:extLst>
-            </a:blip>
-            <a:stretch>
-              <a:fillRect/>
-            </a:stretch>
-          </a:blipFill>
-        </p:spPr>
-        <p:txBody>
-          <a:bodyPr/>
-          <a:lstStyle/>
-          <a:p>
-            <a:endParaRPr lang="es-ES" noProof="0" dirty="0"/>
-          </a:p>
-        </p:txBody>
-      </p:sp>
-      <p:sp>
-        <p:nvSpPr>
-          <p:cNvPr id="4" name="Freeform 4"/>
-          <p:cNvSpPr/>
-          <p:nvPr/>
-        </p:nvSpPr>
-        <p:spPr>
-          <a:xfrm>
-            <a:off x="11141168" y="3285694"/>
-            <a:ext cx="7876905" cy="7726439"/>
-          </a:xfrm>
-          <a:custGeom>
-            <a:avLst/>
-            <a:gdLst/>
-            <a:ahLst/>
-            <a:cxnLst/>
-            <a:rect l="l" t="t" r="r" b="b"/>
-            <a:pathLst>
-              <a:path w="7876905" h="7726439">
-                <a:moveTo>
-                  <a:pt x="0" y="0"/>
-                </a:moveTo>
-                <a:lnTo>
-                  <a:pt x="7876905" y="0"/>
-                </a:lnTo>
-                <a:lnTo>
-                  <a:pt x="7876905" y="7726439"/>
-                </a:lnTo>
-                <a:lnTo>
-                  <a:pt x="0" y="7726439"/>
-                </a:lnTo>
-                <a:lnTo>
-                  <a:pt x="0" y="0"/>
-                </a:lnTo>
-                <a:close/>
-              </a:path>
-            </a:pathLst>
-          </a:custGeom>
-          <a:blipFill>
-            <a:blip r:embed="rId2">
-              <a:extLst>
-                <a:ext uri="{96DAC541-7B7A-43D3-8B79-37D633B846F1}">
-                  <asvg:svgBlip xmlns:asvg="http://schemas.microsoft.com/office/drawing/2016/SVG/main" r:embed="rId3"/>
-                </a:ext>
-              </a:extLst>
-            </a:blip>
-            <a:stretch>
-              <a:fillRect/>
-            </a:stretch>
-          </a:blipFill>
-        </p:spPr>
-        <p:txBody>
-          <a:bodyPr/>
-          <a:lstStyle/>
-          <a:p>
-            <a:endParaRPr lang="es-ES" noProof="0" dirty="0"/>
-          </a:p>
-        </p:txBody>
-      </p:sp>
-      <p:sp>
-        <p:nvSpPr>
-          <p:cNvPr id="5" name="Freeform 5"/>
-          <p:cNvSpPr/>
-          <p:nvPr/>
-        </p:nvSpPr>
-        <p:spPr>
-          <a:xfrm rot="855077">
-            <a:off x="14123344" y="407456"/>
-            <a:ext cx="2066999" cy="2383332"/>
-          </a:xfrm>
-          <a:custGeom>
-            <a:avLst/>
-            <a:gdLst/>
-            <a:ahLst/>
-            <a:cxnLst/>
-            <a:rect l="l" t="t" r="r" b="b"/>
-            <a:pathLst>
-              <a:path w="2066999" h="2383332">
-                <a:moveTo>
-                  <a:pt x="0" y="0"/>
-                </a:moveTo>
-                <a:lnTo>
-                  <a:pt x="2066999" y="0"/>
-                </a:lnTo>
-                <a:lnTo>
-                  <a:pt x="2066999" y="2383332"/>
-                </a:lnTo>
-                <a:lnTo>
-                  <a:pt x="0" y="2383332"/>
-                </a:lnTo>
-                <a:lnTo>
-                  <a:pt x="0" y="0"/>
-                </a:lnTo>
-                <a:close/>
-              </a:path>
-            </a:pathLst>
-          </a:custGeom>
-          <a:blipFill>
-            <a:blip r:embed="rId6">
-              <a:extLst>
-                <a:ext uri="{96DAC541-7B7A-43D3-8B79-37D633B846F1}">
-                  <asvg:svgBlip xmlns:asvg="http://schemas.microsoft.com/office/drawing/2016/SVG/main" r:embed="rId7"/>
-                </a:ext>
-              </a:extLst>
-            </a:blip>
-            <a:stretch>
-              <a:fillRect/>
-            </a:stretch>
-          </a:blipFill>
-        </p:spPr>
-        <p:txBody>
-          <a:bodyPr/>
-          <a:lstStyle/>
-          <a:p>
-            <a:endParaRPr lang="es-ES" noProof="0" dirty="0"/>
-          </a:p>
-        </p:txBody>
-      </p:sp>
-      <p:grpSp>
-        <p:nvGrpSpPr>
-          <p:cNvPr id="6" name="Group 6"/>
-          <p:cNvGrpSpPr/>
-          <p:nvPr/>
-        </p:nvGrpSpPr>
-        <p:grpSpPr>
-          <a:xfrm>
-            <a:off x="3129847" y="759834"/>
-            <a:ext cx="12092272" cy="4764666"/>
-            <a:chOff x="0" y="0"/>
-            <a:chExt cx="1100680" cy="381469"/>
-          </a:xfrm>
-        </p:grpSpPr>
-        <p:sp>
-          <p:nvSpPr>
-            <p:cNvPr id="7" name="Freeform 7"/>
-            <p:cNvSpPr/>
-            <p:nvPr/>
-          </p:nvSpPr>
-          <p:spPr>
-            <a:xfrm>
-              <a:off x="0" y="0"/>
-              <a:ext cx="1100680" cy="381469"/>
-            </a:xfrm>
-            <a:custGeom>
-              <a:avLst/>
-              <a:gdLst/>
-              <a:ahLst/>
-              <a:cxnLst/>
-              <a:rect l="l" t="t" r="r" b="b"/>
-              <a:pathLst>
-                <a:path w="1100680" h="381469">
-                  <a:moveTo>
-                    <a:pt x="897480" y="0"/>
-                  </a:moveTo>
-                  <a:cubicBezTo>
-                    <a:pt x="1009705" y="0"/>
-                    <a:pt x="1100680" y="85395"/>
-                    <a:pt x="1100680" y="190734"/>
-                  </a:cubicBezTo>
-                  <a:cubicBezTo>
-                    <a:pt x="1100680" y="296074"/>
-                    <a:pt x="1009705" y="381469"/>
-                    <a:pt x="897480" y="381469"/>
-                  </a:cubicBezTo>
-                  <a:lnTo>
-                    <a:pt x="203200" y="381469"/>
-                  </a:lnTo>
-                  <a:cubicBezTo>
-                    <a:pt x="90976" y="381469"/>
-                    <a:pt x="0" y="296074"/>
-                    <a:pt x="0" y="190734"/>
-                  </a:cubicBezTo>
-                  <a:cubicBezTo>
-                    <a:pt x="0" y="85395"/>
-                    <a:pt x="90976" y="0"/>
-                    <a:pt x="203200" y="0"/>
-                  </a:cubicBezTo>
-                  <a:close/>
-                </a:path>
-              </a:pathLst>
-            </a:custGeom>
-            <a:solidFill>
-              <a:srgbClr val="E9EAF6"/>
-            </a:solidFill>
-          </p:spPr>
-          <p:txBody>
-            <a:bodyPr/>
-            <a:lstStyle/>
-            <a:p>
-              <a:endParaRPr lang="es-ES" noProof="0" dirty="0"/>
-            </a:p>
-          </p:txBody>
-        </p:sp>
-        <p:sp>
-          <p:nvSpPr>
-            <p:cNvPr id="8" name="TextBox 8"/>
-            <p:cNvSpPr txBox="1"/>
-            <p:nvPr/>
-          </p:nvSpPr>
-          <p:spPr>
-            <a:xfrm>
-              <a:off x="0" y="-38100"/>
-              <a:ext cx="1100680" cy="419569"/>
-            </a:xfrm>
-            <a:prstGeom prst="rect">
-              <a:avLst/>
-            </a:prstGeom>
-          </p:spPr>
-          <p:txBody>
-            <a:bodyPr lIns="50800" tIns="50800" rIns="50800" bIns="50800" rtlCol="0" anchor="ctr"/>
-            <a:lstStyle/>
-            <a:p>
-              <a:pPr algn="ctr">
-                <a:lnSpc>
-                  <a:spcPts val="2659"/>
-                </a:lnSpc>
-              </a:pPr>
-              <a:endParaRPr lang="es-ES" noProof="0" dirty="0"/>
-            </a:p>
-          </p:txBody>
-        </p:sp>
-      </p:grpSp>
-      <p:sp>
-        <p:nvSpPr>
-          <p:cNvPr id="12" name="Freeform 12"/>
-          <p:cNvSpPr/>
-          <p:nvPr/>
-        </p:nvSpPr>
-        <p:spPr>
-          <a:xfrm rot="-1257881">
-            <a:off x="439525" y="4141739"/>
-            <a:ext cx="2686675" cy="2370414"/>
-          </a:xfrm>
-          <a:custGeom>
-            <a:avLst/>
-            <a:gdLst/>
-            <a:ahLst/>
-            <a:cxnLst/>
-            <a:rect l="l" t="t" r="r" b="b"/>
-            <a:pathLst>
-              <a:path w="3549762" h="3440042">
-                <a:moveTo>
-                  <a:pt x="0" y="0"/>
-                </a:moveTo>
-                <a:lnTo>
-                  <a:pt x="3549762" y="0"/>
-                </a:lnTo>
-                <a:lnTo>
-                  <a:pt x="3549762" y="3440042"/>
-                </a:lnTo>
-                <a:lnTo>
-                  <a:pt x="0" y="3440042"/>
-                </a:lnTo>
-                <a:lnTo>
-                  <a:pt x="0" y="0"/>
-                </a:lnTo>
-                <a:close/>
-              </a:path>
-            </a:pathLst>
-          </a:custGeom>
-          <a:blipFill>
-            <a:blip r:embed="rId8">
-              <a:extLst>
-                <a:ext uri="{96DAC541-7B7A-43D3-8B79-37D633B846F1}">
-                  <asvg:svgBlip xmlns:asvg="http://schemas.microsoft.com/office/drawing/2016/SVG/main" r:embed="rId9"/>
-                </a:ext>
-              </a:extLst>
-            </a:blip>
-            <a:stretch>
-              <a:fillRect/>
-            </a:stretch>
-          </a:blipFill>
-        </p:spPr>
-        <p:txBody>
-          <a:bodyPr/>
-          <a:lstStyle/>
-          <a:p>
-            <a:endParaRPr lang="es-ES" noProof="0" dirty="0"/>
-          </a:p>
-        </p:txBody>
-      </p:sp>
-      <p:sp>
-        <p:nvSpPr>
-          <p:cNvPr id="13" name="Freeform 13"/>
-          <p:cNvSpPr/>
-          <p:nvPr/>
-        </p:nvSpPr>
-        <p:spPr>
-          <a:xfrm rot="-1248570">
-            <a:off x="15891462" y="4182640"/>
-            <a:ext cx="2101345" cy="3428484"/>
-          </a:xfrm>
-          <a:custGeom>
-            <a:avLst/>
-            <a:gdLst/>
-            <a:ahLst/>
-            <a:cxnLst/>
-            <a:rect l="l" t="t" r="r" b="b"/>
-            <a:pathLst>
-              <a:path w="2885297" h="4111175">
-                <a:moveTo>
-                  <a:pt x="0" y="0"/>
-                </a:moveTo>
-                <a:lnTo>
-                  <a:pt x="2885297" y="0"/>
-                </a:lnTo>
-                <a:lnTo>
-                  <a:pt x="2885297" y="4111175"/>
-                </a:lnTo>
-                <a:lnTo>
-                  <a:pt x="0" y="4111175"/>
-                </a:lnTo>
-                <a:lnTo>
-                  <a:pt x="0" y="0"/>
-                </a:lnTo>
-                <a:close/>
-              </a:path>
-            </a:pathLst>
-          </a:custGeom>
-          <a:blipFill>
-            <a:blip r:embed="rId10">
-              <a:extLst>
-                <a:ext uri="{96DAC541-7B7A-43D3-8B79-37D633B846F1}">
-                  <asvg:svgBlip xmlns:asvg="http://schemas.microsoft.com/office/drawing/2016/SVG/main" r:embed="rId11"/>
-                </a:ext>
-              </a:extLst>
-            </a:blip>
-            <a:stretch>
-              <a:fillRect/>
-            </a:stretch>
-          </a:blipFill>
-        </p:spPr>
-        <p:txBody>
-          <a:bodyPr/>
-          <a:lstStyle/>
-          <a:p>
-            <a:endParaRPr lang="es-ES" noProof="0" dirty="0"/>
-          </a:p>
-        </p:txBody>
-      </p:sp>
-      <p:grpSp>
-        <p:nvGrpSpPr>
-          <p:cNvPr id="23" name="Grupo 22">
-            <a:extLst>
-              <a:ext uri="{FF2B5EF4-FFF2-40B4-BE49-F238E27FC236}">
-                <a16:creationId xmlns:a16="http://schemas.microsoft.com/office/drawing/2014/main" id="{6580D25D-C04E-C063-215F-546848BEF702}"/>
-              </a:ext>
-            </a:extLst>
-          </p:cNvPr>
-          <p:cNvGrpSpPr/>
-          <p:nvPr/>
-        </p:nvGrpSpPr>
-        <p:grpSpPr>
-          <a:xfrm>
-            <a:off x="3880670" y="6111475"/>
-            <a:ext cx="10732683" cy="4722944"/>
-            <a:chOff x="3798405" y="6166809"/>
-            <a:chExt cx="10732683" cy="4722944"/>
-          </a:xfrm>
-        </p:grpSpPr>
-        <p:sp>
-          <p:nvSpPr>
-            <p:cNvPr id="9" name="Freeform 9"/>
-            <p:cNvSpPr/>
-            <p:nvPr/>
-          </p:nvSpPr>
-          <p:spPr>
-            <a:xfrm>
-              <a:off x="9501354" y="6166809"/>
-              <a:ext cx="3937400" cy="4722944"/>
-            </a:xfrm>
-            <a:custGeom>
-              <a:avLst/>
-              <a:gdLst/>
-              <a:ahLst/>
-              <a:cxnLst/>
-              <a:rect l="l" t="t" r="r" b="b"/>
-              <a:pathLst>
-                <a:path w="5018594" h="5403600">
-                  <a:moveTo>
-                    <a:pt x="0" y="0"/>
-                  </a:moveTo>
-                  <a:lnTo>
-                    <a:pt x="5018594" y="0"/>
-                  </a:lnTo>
-                  <a:lnTo>
-                    <a:pt x="5018594" y="5403600"/>
-                  </a:lnTo>
-                  <a:lnTo>
-                    <a:pt x="0" y="5403600"/>
-                  </a:lnTo>
-                  <a:lnTo>
-                    <a:pt x="0" y="0"/>
-                  </a:lnTo>
-                  <a:close/>
-                </a:path>
-              </a:pathLst>
-            </a:custGeom>
-            <a:blipFill>
-              <a:blip r:embed="rId12">
-                <a:extLst>
-                  <a:ext uri="{96DAC541-7B7A-43D3-8B79-37D633B846F1}">
-                    <asvg:svgBlip xmlns:asvg="http://schemas.microsoft.com/office/drawing/2016/SVG/main" r:embed="rId13"/>
-                  </a:ext>
-                </a:extLst>
-              </a:blip>
-              <a:stretch>
-                <a:fillRect/>
-              </a:stretch>
-            </a:blipFill>
-          </p:spPr>
-          <p:txBody>
-            <a:bodyPr/>
-            <a:lstStyle/>
-            <a:p>
-              <a:endParaRPr lang="es-ES" noProof="0" dirty="0"/>
-            </a:p>
-          </p:txBody>
-        </p:sp>
-        <p:sp>
-          <p:nvSpPr>
-            <p:cNvPr id="10" name="Freeform 10"/>
-            <p:cNvSpPr/>
-            <p:nvPr/>
-          </p:nvSpPr>
-          <p:spPr>
-            <a:xfrm>
-              <a:off x="3798405" y="6240698"/>
-              <a:ext cx="2992680" cy="4423184"/>
-            </a:xfrm>
-            <a:custGeom>
-              <a:avLst/>
-              <a:gdLst/>
-              <a:ahLst/>
-              <a:cxnLst/>
-              <a:rect l="l" t="t" r="r" b="b"/>
-              <a:pathLst>
-                <a:path w="3814457" h="5060639">
-                  <a:moveTo>
-                    <a:pt x="0" y="0"/>
-                  </a:moveTo>
-                  <a:lnTo>
-                    <a:pt x="3814457" y="0"/>
-                  </a:lnTo>
-                  <a:lnTo>
-                    <a:pt x="3814457" y="5060640"/>
-                  </a:lnTo>
-                  <a:lnTo>
-                    <a:pt x="0" y="5060640"/>
-                  </a:lnTo>
-                  <a:lnTo>
-                    <a:pt x="0" y="0"/>
-                  </a:lnTo>
-                  <a:close/>
-                </a:path>
-              </a:pathLst>
-            </a:custGeom>
-            <a:blipFill>
-              <a:blip r:embed="rId14">
-                <a:extLst>
-                  <a:ext uri="{96DAC541-7B7A-43D3-8B79-37D633B846F1}">
-                    <asvg:svgBlip xmlns:asvg="http://schemas.microsoft.com/office/drawing/2016/SVG/main" r:embed="rId15"/>
-                  </a:ext>
-                </a:extLst>
-              </a:blip>
-              <a:stretch>
-                <a:fillRect/>
-              </a:stretch>
-            </a:blipFill>
-          </p:spPr>
-          <p:txBody>
-            <a:bodyPr/>
-            <a:lstStyle/>
-            <a:p>
-              <a:endParaRPr lang="es-ES" noProof="0" dirty="0"/>
-            </a:p>
-          </p:txBody>
-        </p:sp>
-        <p:sp>
-          <p:nvSpPr>
-            <p:cNvPr id="11" name="Freeform 11"/>
-            <p:cNvSpPr/>
-            <p:nvPr/>
-          </p:nvSpPr>
-          <p:spPr>
-            <a:xfrm>
-              <a:off x="5996994" y="6166809"/>
-              <a:ext cx="3163069" cy="4570962"/>
-            </a:xfrm>
-            <a:custGeom>
-              <a:avLst/>
-              <a:gdLst/>
-              <a:ahLst/>
-              <a:cxnLst/>
-              <a:rect l="l" t="t" r="r" b="b"/>
-              <a:pathLst>
-                <a:path w="4031635" h="5229715">
-                  <a:moveTo>
-                    <a:pt x="0" y="0"/>
-                  </a:moveTo>
-                  <a:lnTo>
-                    <a:pt x="4031635" y="0"/>
-                  </a:lnTo>
-                  <a:lnTo>
-                    <a:pt x="4031635" y="5229715"/>
-                  </a:lnTo>
-                  <a:lnTo>
-                    <a:pt x="0" y="5229715"/>
-                  </a:lnTo>
-                  <a:lnTo>
-                    <a:pt x="0" y="0"/>
-                  </a:lnTo>
-                  <a:close/>
-                </a:path>
-              </a:pathLst>
-            </a:custGeom>
-            <a:blipFill>
-              <a:blip r:embed="rId16">
-                <a:extLst>
-                  <a:ext uri="{96DAC541-7B7A-43D3-8B79-37D633B846F1}">
-                    <asvg:svgBlip xmlns:asvg="http://schemas.microsoft.com/office/drawing/2016/SVG/main" r:embed="rId17"/>
-                  </a:ext>
-                </a:extLst>
-              </a:blip>
-              <a:stretch>
-                <a:fillRect/>
-              </a:stretch>
-            </a:blipFill>
-          </p:spPr>
-          <p:txBody>
-            <a:bodyPr/>
-            <a:lstStyle/>
-            <a:p>
-              <a:endParaRPr lang="es-ES" noProof="0" dirty="0"/>
-            </a:p>
-          </p:txBody>
-        </p:sp>
-        <p:sp>
-          <p:nvSpPr>
-            <p:cNvPr id="14" name="Freeform 14"/>
-            <p:cNvSpPr/>
-            <p:nvPr/>
-          </p:nvSpPr>
-          <p:spPr>
-            <a:xfrm>
-              <a:off x="12080620" y="6166809"/>
-              <a:ext cx="2450468" cy="4549878"/>
-            </a:xfrm>
-            <a:custGeom>
-              <a:avLst/>
-              <a:gdLst/>
-              <a:ahLst/>
-              <a:cxnLst/>
-              <a:rect l="l" t="t" r="r" b="b"/>
-              <a:pathLst>
-                <a:path w="3123355" h="5205592">
-                  <a:moveTo>
-                    <a:pt x="0" y="0"/>
-                  </a:moveTo>
-                  <a:lnTo>
-                    <a:pt x="3123356" y="0"/>
-                  </a:lnTo>
-                  <a:lnTo>
-                    <a:pt x="3123356" y="5205592"/>
-                  </a:lnTo>
-                  <a:lnTo>
-                    <a:pt x="0" y="5205592"/>
-                  </a:lnTo>
-                  <a:lnTo>
-                    <a:pt x="0" y="0"/>
-                  </a:lnTo>
-                  <a:close/>
-                </a:path>
-              </a:pathLst>
-            </a:custGeom>
-            <a:blipFill>
-              <a:blip r:embed="rId18">
-                <a:extLst>
-                  <a:ext uri="{96DAC541-7B7A-43D3-8B79-37D633B846F1}">
-                    <asvg:svgBlip xmlns:asvg="http://schemas.microsoft.com/office/drawing/2016/SVG/main" r:embed="rId19"/>
-                  </a:ext>
-                </a:extLst>
-              </a:blip>
-              <a:stretch>
-                <a:fillRect/>
-              </a:stretch>
-            </a:blipFill>
-          </p:spPr>
-          <p:txBody>
-            <a:bodyPr/>
-            <a:lstStyle/>
-            <a:p>
-              <a:endParaRPr lang="es-ES" noProof="0" dirty="0"/>
-            </a:p>
-          </p:txBody>
-        </p:sp>
-      </p:grpSp>
-      <p:sp>
-        <p:nvSpPr>
-          <p:cNvPr id="15" name="Freeform 15"/>
-          <p:cNvSpPr/>
-          <p:nvPr/>
-        </p:nvSpPr>
-        <p:spPr>
-          <a:xfrm rot="-5500207">
-            <a:off x="2329655" y="5567545"/>
+          <a:xfrm rot="-137149">
+            <a:off x="-322102" y="8874639"/>
             <a:ext cx="1402006" cy="1402006"/>
           </a:xfrm>
           <a:custGeom>
@@ -8829,10 +8873,10 @@
             </a:pathLst>
           </a:custGeom>
           <a:blipFill>
-            <a:blip r:embed="rId20">
+            <a:blip r:embed="rId3">
               <a:extLst>
                 <a:ext uri="{96DAC541-7B7A-43D3-8B79-37D633B846F1}">
-                  <asvg:svgBlip xmlns:asvg="http://schemas.microsoft.com/office/drawing/2016/SVG/main" r:embed="rId21"/>
+                  <asvg:svgBlip xmlns:asvg="http://schemas.microsoft.com/office/drawing/2016/SVG/main" r:embed="rId4"/>
                 </a:ext>
               </a:extLst>
             </a:blip>
@@ -8849,119 +8893,1112 @@
           </a:p>
         </p:txBody>
       </p:sp>
+      <p:sp>
+        <p:nvSpPr>
+          <p:cNvPr id="40" name="TextBox 40">
+            <a:extLst>
+              <a:ext uri="{FF2B5EF4-FFF2-40B4-BE49-F238E27FC236}">
+                <a16:creationId xmlns:a16="http://schemas.microsoft.com/office/drawing/2014/main" id="{133B6F0A-E9A5-B396-0279-E6A1EC963535}"/>
+              </a:ext>
+            </a:extLst>
+          </p:cNvPr>
+          <p:cNvSpPr txBox="1"/>
+          <p:nvPr/>
+        </p:nvSpPr>
+        <p:spPr>
+          <a:xfrm>
+            <a:off x="1750431" y="271715"/>
+            <a:ext cx="14763189" cy="1000851"/>
+          </a:xfrm>
+          <a:prstGeom prst="rect">
+            <a:avLst/>
+          </a:prstGeom>
+        </p:spPr>
+        <p:txBody>
+          <a:bodyPr lIns="0" tIns="0" rIns="0" bIns="0" rtlCol="0" anchor="t">
+            <a:spAutoFit/>
+          </a:bodyPr>
+          <a:lstStyle/>
+          <a:p>
+            <a:pPr algn="ctr">
+              <a:lnSpc>
+                <a:spcPts val="8819"/>
+              </a:lnSpc>
+            </a:pPr>
+            <a:r>
+              <a:rPr lang="es-ES" sz="6300" dirty="0">
+                <a:solidFill>
+                  <a:srgbClr val="222366"/>
+                </a:solidFill>
+                <a:latin typeface="Brick Sans"/>
+                <a:ea typeface="Brick Sans"/>
+                <a:cs typeface="Brick Sans"/>
+                <a:sym typeface="Brick Sans"/>
+              </a:rPr>
+              <a:t>Tratamiento de Datos</a:t>
+            </a:r>
+            <a:endParaRPr lang="es-ES" sz="6300" noProof="0" dirty="0">
+              <a:solidFill>
+                <a:srgbClr val="222366"/>
+              </a:solidFill>
+              <a:latin typeface="Brick Sans"/>
+              <a:ea typeface="Brick Sans"/>
+              <a:cs typeface="Brick Sans"/>
+              <a:sym typeface="Brick Sans"/>
+            </a:endParaRPr>
+          </a:p>
+        </p:txBody>
+      </p:sp>
       <p:grpSp>
         <p:nvGrpSpPr>
-          <p:cNvPr id="16" name="Group 16"/>
+          <p:cNvPr id="41" name="Grupo 40">
+            <a:extLst>
+              <a:ext uri="{FF2B5EF4-FFF2-40B4-BE49-F238E27FC236}">
+                <a16:creationId xmlns:a16="http://schemas.microsoft.com/office/drawing/2014/main" id="{CA6CD52D-8E3C-3318-9CFB-6FE4A2BECD7C}"/>
+              </a:ext>
+            </a:extLst>
+          </p:cNvPr>
           <p:cNvGrpSpPr/>
           <p:nvPr/>
         </p:nvGrpSpPr>
         <p:grpSpPr>
           <a:xfrm>
-            <a:off x="5721748" y="258861"/>
-            <a:ext cx="7040819" cy="939006"/>
-            <a:chOff x="0" y="0"/>
-            <a:chExt cx="2860316" cy="381469"/>
+            <a:off x="585880" y="1829514"/>
+            <a:ext cx="5761060" cy="3852771"/>
+            <a:chOff x="2582198" y="1943100"/>
+            <a:chExt cx="5761060" cy="3852771"/>
           </a:xfrm>
         </p:grpSpPr>
         <p:sp>
           <p:nvSpPr>
-            <p:cNvPr id="17" name="Freeform 17"/>
-            <p:cNvSpPr/>
-            <p:nvPr/>
-          </p:nvSpPr>
-          <p:spPr>
-            <a:xfrm>
-              <a:off x="0" y="0"/>
-              <a:ext cx="2860316" cy="381469"/>
-            </a:xfrm>
-            <a:custGeom>
-              <a:avLst/>
-              <a:gdLst/>
-              <a:ahLst/>
-              <a:cxnLst/>
-              <a:rect l="l" t="t" r="r" b="b"/>
-              <a:pathLst>
-                <a:path w="2860316" h="381469">
-                  <a:moveTo>
-                    <a:pt x="2657116" y="0"/>
-                  </a:moveTo>
-                  <a:cubicBezTo>
-                    <a:pt x="2769341" y="0"/>
-                    <a:pt x="2860316" y="85395"/>
-                    <a:pt x="2860316" y="190734"/>
-                  </a:cubicBezTo>
-                  <a:cubicBezTo>
-                    <a:pt x="2860316" y="296074"/>
-                    <a:pt x="2769341" y="381469"/>
-                    <a:pt x="2657116" y="381469"/>
-                  </a:cubicBezTo>
-                  <a:lnTo>
-                    <a:pt x="203200" y="381469"/>
-                  </a:lnTo>
-                  <a:cubicBezTo>
-                    <a:pt x="90976" y="381469"/>
-                    <a:pt x="0" y="296074"/>
-                    <a:pt x="0" y="190734"/>
-                  </a:cubicBezTo>
-                  <a:cubicBezTo>
-                    <a:pt x="0" y="85395"/>
-                    <a:pt x="90976" y="0"/>
-                    <a:pt x="203200" y="0"/>
-                  </a:cubicBezTo>
-                  <a:close/>
-                </a:path>
-              </a:pathLst>
-            </a:custGeom>
-            <a:solidFill>
-              <a:srgbClr val="BDD2EA"/>
-            </a:solidFill>
-          </p:spPr>
-          <p:txBody>
-            <a:bodyPr/>
-            <a:lstStyle/>
-            <a:p>
-              <a:endParaRPr lang="es-ES" noProof="0" dirty="0"/>
-            </a:p>
-          </p:txBody>
-        </p:sp>
-        <p:sp>
-          <p:nvSpPr>
-            <p:cNvPr id="18" name="TextBox 18"/>
+            <p:cNvPr id="42" name="TextBox 32">
+              <a:extLst>
+                <a:ext uri="{FF2B5EF4-FFF2-40B4-BE49-F238E27FC236}">
+                  <a16:creationId xmlns:a16="http://schemas.microsoft.com/office/drawing/2014/main" id="{44EB7343-BA9E-1BD4-371C-6E5D078077DA}"/>
+                </a:ext>
+              </a:extLst>
+            </p:cNvPr>
             <p:cNvSpPr txBox="1"/>
             <p:nvPr/>
           </p:nvSpPr>
           <p:spPr>
             <a:xfrm>
-              <a:off x="0" y="-38100"/>
-              <a:ext cx="2860316" cy="419569"/>
+              <a:off x="2582198" y="2645685"/>
+              <a:ext cx="5761060" cy="3150186"/>
+            </a:xfrm>
+            <a:prstGeom prst="rect">
+              <a:avLst/>
+            </a:prstGeom>
+            <a:solidFill>
+              <a:srgbClr val="E9EAF6"/>
+            </a:solidFill>
+            <a:ln w="19050" cap="sq">
+              <a:solidFill>
+                <a:srgbClr val="414370"/>
+              </a:solidFill>
+              <a:prstDash val="lgDash"/>
+              <a:miter/>
+            </a:ln>
+          </p:spPr>
+          <p:txBody>
+            <a:bodyPr/>
+            <a:lstStyle>
+              <a:defPPr>
+                <a:defRPr lang="en-US"/>
+              </a:defPPr>
+            </a:lstStyle>
+            <a:p>
+              <a:pPr algn="ctr"/>
+              <a:r>
+                <a:rPr lang="es-ES" sz="2499" dirty="0">
+                  <a:solidFill>
+                    <a:srgbClr val="222366"/>
+                  </a:solidFill>
+                  <a:latin typeface="Public Sans"/>
+                  <a:sym typeface="Public Sans"/>
+                </a:rPr>
+                <a:t>El </a:t>
+              </a:r>
+              <a:r>
+                <a:rPr lang="es-ES" sz="2499" b="1" dirty="0">
+                  <a:solidFill>
+                    <a:srgbClr val="222366"/>
+                  </a:solidFill>
+                  <a:latin typeface="Public Sans"/>
+                  <a:sym typeface="Public Sans"/>
+                </a:rPr>
+                <a:t>Registro Estatal de Enfermedades Raras </a:t>
+              </a:r>
+              <a:r>
+                <a:rPr lang="es-ES" sz="2499" dirty="0">
+                  <a:solidFill>
+                    <a:srgbClr val="222366"/>
+                  </a:solidFill>
+                  <a:latin typeface="Public Sans"/>
+                  <a:sym typeface="Public Sans"/>
+                </a:rPr>
+                <a:t>es un sistema de información del Ministerio de Sanidad, a través del Instituto de Salud Carlos III, </a:t>
+              </a:r>
+              <a:r>
+                <a:rPr lang="es-ES" sz="2499" b="1" dirty="0">
+                  <a:solidFill>
+                    <a:srgbClr val="222366"/>
+                  </a:solidFill>
+                  <a:latin typeface="Public Sans"/>
+                  <a:sym typeface="Public Sans"/>
+                </a:rPr>
+                <a:t>registra todos los casos de enfermedades raras en España</a:t>
+              </a:r>
+              <a:r>
+                <a:rPr lang="es-ES" sz="2499" dirty="0">
+                  <a:solidFill>
+                    <a:srgbClr val="222366"/>
+                  </a:solidFill>
+                  <a:latin typeface="Public Sans"/>
+                  <a:sym typeface="Public Sans"/>
+                </a:rPr>
+                <a:t>. </a:t>
+              </a:r>
+            </a:p>
+            <a:p>
+              <a:pPr algn="ctr"/>
+              <a:r>
+                <a:rPr lang="es-ES" sz="2499" dirty="0">
+                  <a:solidFill>
+                    <a:srgbClr val="222366"/>
+                  </a:solidFill>
+                  <a:latin typeface="Public Sans"/>
+                  <a:sym typeface="Public Sans"/>
+                </a:rPr>
+                <a:t>Red de registros autonómicos (RAER) transmiten los datos al ReeR central</a:t>
+              </a:r>
+            </a:p>
+          </p:txBody>
+        </p:sp>
+        <p:grpSp>
+          <p:nvGrpSpPr>
+            <p:cNvPr id="43" name="Grupo 42">
+              <a:extLst>
+                <a:ext uri="{FF2B5EF4-FFF2-40B4-BE49-F238E27FC236}">
+                  <a16:creationId xmlns:a16="http://schemas.microsoft.com/office/drawing/2014/main" id="{0A1F5DE4-920D-0188-9D0C-EFF719D80CC3}"/>
+                </a:ext>
+              </a:extLst>
+            </p:cNvPr>
+            <p:cNvGrpSpPr/>
+            <p:nvPr/>
+          </p:nvGrpSpPr>
+          <p:grpSpPr>
+            <a:xfrm>
+              <a:off x="3065636" y="1943100"/>
+              <a:ext cx="4794184" cy="639381"/>
+              <a:chOff x="3065636" y="1943100"/>
+              <a:chExt cx="4794184" cy="639381"/>
+            </a:xfrm>
+          </p:grpSpPr>
+          <p:grpSp>
+            <p:nvGrpSpPr>
+              <p:cNvPr id="44" name="Group 20">
+                <a:extLst>
+                  <a:ext uri="{FF2B5EF4-FFF2-40B4-BE49-F238E27FC236}">
+                    <a16:creationId xmlns:a16="http://schemas.microsoft.com/office/drawing/2014/main" id="{18CC215E-5776-EB67-C4C1-CBE548F760B7}"/>
+                  </a:ext>
+                </a:extLst>
+              </p:cNvPr>
+              <p:cNvGrpSpPr/>
+              <p:nvPr/>
+            </p:nvGrpSpPr>
+            <p:grpSpPr>
+              <a:xfrm>
+                <a:off x="3065636" y="1943100"/>
+                <a:ext cx="4794184" cy="639381"/>
+                <a:chOff x="0" y="0"/>
+                <a:chExt cx="2860316" cy="381469"/>
+              </a:xfrm>
+            </p:grpSpPr>
+            <p:sp>
+              <p:nvSpPr>
+                <p:cNvPr id="46" name="Freeform 21">
+                  <a:extLst>
+                    <a:ext uri="{FF2B5EF4-FFF2-40B4-BE49-F238E27FC236}">
+                      <a16:creationId xmlns:a16="http://schemas.microsoft.com/office/drawing/2014/main" id="{94EC4BE4-A101-735F-12A3-C5EA744C0C0D}"/>
+                    </a:ext>
+                  </a:extLst>
+                </p:cNvPr>
+                <p:cNvSpPr/>
+                <p:nvPr/>
+              </p:nvSpPr>
+              <p:spPr>
+                <a:xfrm>
+                  <a:off x="0" y="0"/>
+                  <a:ext cx="2860316" cy="381469"/>
+                </a:xfrm>
+                <a:custGeom>
+                  <a:avLst/>
+                  <a:gdLst/>
+                  <a:ahLst/>
+                  <a:cxnLst/>
+                  <a:rect l="l" t="t" r="r" b="b"/>
+                  <a:pathLst>
+                    <a:path w="2860316" h="381469">
+                      <a:moveTo>
+                        <a:pt x="2657116" y="0"/>
+                      </a:moveTo>
+                      <a:cubicBezTo>
+                        <a:pt x="2769341" y="0"/>
+                        <a:pt x="2860316" y="85395"/>
+                        <a:pt x="2860316" y="190734"/>
+                      </a:cubicBezTo>
+                      <a:cubicBezTo>
+                        <a:pt x="2860316" y="296074"/>
+                        <a:pt x="2769341" y="381469"/>
+                        <a:pt x="2657116" y="381469"/>
+                      </a:cubicBezTo>
+                      <a:lnTo>
+                        <a:pt x="203200" y="381469"/>
+                      </a:lnTo>
+                      <a:cubicBezTo>
+                        <a:pt x="90976" y="381469"/>
+                        <a:pt x="0" y="296074"/>
+                        <a:pt x="0" y="190734"/>
+                      </a:cubicBezTo>
+                      <a:cubicBezTo>
+                        <a:pt x="0" y="85395"/>
+                        <a:pt x="90976" y="0"/>
+                        <a:pt x="203200" y="0"/>
+                      </a:cubicBezTo>
+                      <a:close/>
+                    </a:path>
+                  </a:pathLst>
+                </a:custGeom>
+                <a:solidFill>
+                  <a:srgbClr val="BDD2EA"/>
+                </a:solidFill>
+              </p:spPr>
+              <p:txBody>
+                <a:bodyPr/>
+                <a:lstStyle/>
+                <a:p>
+                  <a:endParaRPr lang="es-ES" noProof="0" dirty="0"/>
+                </a:p>
+              </p:txBody>
+            </p:sp>
+            <p:sp>
+              <p:nvSpPr>
+                <p:cNvPr id="47" name="TextBox 22">
+                  <a:extLst>
+                    <a:ext uri="{FF2B5EF4-FFF2-40B4-BE49-F238E27FC236}">
+                      <a16:creationId xmlns:a16="http://schemas.microsoft.com/office/drawing/2014/main" id="{624E60A8-CE28-4CC5-6126-A6487E1A0CD9}"/>
+                    </a:ext>
+                  </a:extLst>
+                </p:cNvPr>
+                <p:cNvSpPr txBox="1"/>
+                <p:nvPr/>
+              </p:nvSpPr>
+              <p:spPr>
+                <a:xfrm>
+                  <a:off x="0" y="-38100"/>
+                  <a:ext cx="2860316" cy="419569"/>
+                </a:xfrm>
+                <a:prstGeom prst="rect">
+                  <a:avLst/>
+                </a:prstGeom>
+              </p:spPr>
+              <p:txBody>
+                <a:bodyPr lIns="50800" tIns="50800" rIns="50800" bIns="50800" rtlCol="0" anchor="ctr"/>
+                <a:lstStyle/>
+                <a:p>
+                  <a:pPr algn="ctr">
+                    <a:lnSpc>
+                      <a:spcPts val="2659"/>
+                    </a:lnSpc>
+                  </a:pPr>
+                  <a:endParaRPr lang="es-ES" noProof="0" dirty="0"/>
+                </a:p>
+              </p:txBody>
+            </p:sp>
+          </p:grpSp>
+          <p:sp>
+            <p:nvSpPr>
+              <p:cNvPr id="45" name="TextBox 38">
+                <a:extLst>
+                  <a:ext uri="{FF2B5EF4-FFF2-40B4-BE49-F238E27FC236}">
+                    <a16:creationId xmlns:a16="http://schemas.microsoft.com/office/drawing/2014/main" id="{E4A772BF-5A16-BAE8-6CD1-42068BE60852}"/>
+                  </a:ext>
+                </a:extLst>
+              </p:cNvPr>
+              <p:cNvSpPr txBox="1"/>
+              <p:nvPr/>
+            </p:nvSpPr>
+            <p:spPr>
+              <a:xfrm>
+                <a:off x="3205543" y="2018874"/>
+                <a:ext cx="4514368" cy="457626"/>
+              </a:xfrm>
+              <a:prstGeom prst="rect">
+                <a:avLst/>
+              </a:prstGeom>
+            </p:spPr>
+            <p:txBody>
+              <a:bodyPr lIns="0" tIns="0" rIns="0" bIns="0" rtlCol="0" anchor="t">
+                <a:spAutoFit/>
+              </a:bodyPr>
+              <a:lstStyle/>
+              <a:p>
+                <a:pPr algn="ctr">
+                  <a:lnSpc>
+                    <a:spcPts val="3919"/>
+                  </a:lnSpc>
+                </a:pPr>
+                <a:r>
+                  <a:rPr lang="es-ES" sz="2799" b="1" noProof="0" dirty="0">
+                    <a:solidFill>
+                      <a:srgbClr val="222366"/>
+                    </a:solidFill>
+                    <a:latin typeface="Public Sans Bold"/>
+                    <a:ea typeface="Public Sans Bold"/>
+                    <a:cs typeface="Public Sans Bold"/>
+                    <a:sym typeface="Public Sans Bold"/>
+                  </a:rPr>
+                  <a:t>ReeR</a:t>
+                </a:r>
+              </a:p>
+            </p:txBody>
+          </p:sp>
+        </p:grpSp>
+      </p:grpSp>
+      <p:grpSp>
+        <p:nvGrpSpPr>
+          <p:cNvPr id="16" name="Grupo 15">
+            <a:extLst>
+              <a:ext uri="{FF2B5EF4-FFF2-40B4-BE49-F238E27FC236}">
+                <a16:creationId xmlns:a16="http://schemas.microsoft.com/office/drawing/2014/main" id="{45A6C9DA-E83D-ED5F-0152-E9DDBD96FDC1}"/>
+              </a:ext>
+            </a:extLst>
+          </p:cNvPr>
+          <p:cNvGrpSpPr/>
+          <p:nvPr/>
+        </p:nvGrpSpPr>
+        <p:grpSpPr>
+          <a:xfrm>
+            <a:off x="122904" y="5981700"/>
+            <a:ext cx="6687010" cy="3930995"/>
+            <a:chOff x="18590" y="5577849"/>
+            <a:chExt cx="7322068" cy="4487246"/>
+          </a:xfrm>
+        </p:grpSpPr>
+        <p:pic>
+          <p:nvPicPr>
+            <p:cNvPr id="3" name="Imagen 2">
+              <a:extLst>
+                <a:ext uri="{FF2B5EF4-FFF2-40B4-BE49-F238E27FC236}">
+                  <a16:creationId xmlns:a16="http://schemas.microsoft.com/office/drawing/2014/main" id="{F6789FD4-7AF0-C573-2CE1-4A506D57D31A}"/>
+                </a:ext>
+              </a:extLst>
+            </p:cNvPr>
+            <p:cNvPicPr>
+              <a:picLocks noChangeAspect="1"/>
+            </p:cNvPicPr>
+            <p:nvPr/>
+          </p:nvPicPr>
+          <p:blipFill>
+            <a:blip r:embed="rId5"/>
+            <a:stretch>
+              <a:fillRect/>
+            </a:stretch>
+          </p:blipFill>
+          <p:spPr>
+            <a:xfrm>
+              <a:off x="18590" y="5577849"/>
+              <a:ext cx="7322068" cy="3595950"/>
             </a:xfrm>
             <a:prstGeom prst="rect">
               <a:avLst/>
             </a:prstGeom>
           </p:spPr>
+        </p:pic>
+        <p:pic>
+          <p:nvPicPr>
+            <p:cNvPr id="15" name="Imagen 14">
+              <a:extLst>
+                <a:ext uri="{FF2B5EF4-FFF2-40B4-BE49-F238E27FC236}">
+                  <a16:creationId xmlns:a16="http://schemas.microsoft.com/office/drawing/2014/main" id="{9012E744-ED4D-A759-E68E-B645C763B7BC}"/>
+                </a:ext>
+              </a:extLst>
+            </p:cNvPr>
+            <p:cNvPicPr>
+              <a:picLocks noChangeAspect="1"/>
+            </p:cNvPicPr>
+            <p:nvPr/>
+          </p:nvPicPr>
+          <p:blipFill>
+            <a:blip r:embed="rId6"/>
+            <a:stretch>
+              <a:fillRect/>
+            </a:stretch>
+          </p:blipFill>
+          <p:spPr>
+            <a:xfrm>
+              <a:off x="369224" y="8045513"/>
+              <a:ext cx="6620799" cy="2019582"/>
+            </a:xfrm>
+            <a:prstGeom prst="rect">
+              <a:avLst/>
+            </a:prstGeom>
+            <a:effectLst>
+              <a:outerShdw blurRad="50800" dist="38100" dir="16200000" rotWithShape="0">
+                <a:prstClr val="black">
+                  <a:alpha val="40000"/>
+                </a:prstClr>
+              </a:outerShdw>
+            </a:effectLst>
+          </p:spPr>
+        </p:pic>
+      </p:grpSp>
+      <p:grpSp>
+        <p:nvGrpSpPr>
+          <p:cNvPr id="23" name="Grupo 22">
+            <a:extLst>
+              <a:ext uri="{FF2B5EF4-FFF2-40B4-BE49-F238E27FC236}">
+                <a16:creationId xmlns:a16="http://schemas.microsoft.com/office/drawing/2014/main" id="{C4AA9700-194A-F8E4-2E78-43CAF6FD74B8}"/>
+              </a:ext>
+            </a:extLst>
+          </p:cNvPr>
+          <p:cNvGrpSpPr/>
+          <p:nvPr/>
+        </p:nvGrpSpPr>
+        <p:grpSpPr>
+          <a:xfrm>
+            <a:off x="13079095" y="4000500"/>
+            <a:ext cx="6869050" cy="5607967"/>
+            <a:chOff x="10090660" y="6013149"/>
+            <a:chExt cx="6869050" cy="5607967"/>
+          </a:xfrm>
+          <a:effectLst>
+            <a:outerShdw blurRad="50800" dist="38100" dir="5400000" algn="t" rotWithShape="0">
+              <a:prstClr val="black">
+                <a:alpha val="40000"/>
+              </a:prstClr>
+            </a:outerShdw>
+          </a:effectLst>
+        </p:grpSpPr>
+        <p:pic>
+          <p:nvPicPr>
+            <p:cNvPr id="18" name="Imagen 17">
+              <a:extLst>
+                <a:ext uri="{FF2B5EF4-FFF2-40B4-BE49-F238E27FC236}">
+                  <a16:creationId xmlns:a16="http://schemas.microsoft.com/office/drawing/2014/main" id="{DED3AC1A-DF5A-E343-0971-8B284C4C735C}"/>
+                </a:ext>
+              </a:extLst>
+            </p:cNvPr>
+            <p:cNvPicPr>
+              <a:picLocks noChangeAspect="1"/>
+            </p:cNvPicPr>
+            <p:nvPr/>
+          </p:nvPicPr>
+          <p:blipFill>
+            <a:blip r:embed="rId7"/>
+            <a:stretch>
+              <a:fillRect/>
+            </a:stretch>
+          </p:blipFill>
+          <p:spPr>
+            <a:xfrm>
+              <a:off x="11917050" y="6013149"/>
+              <a:ext cx="2972353" cy="4202066"/>
+            </a:xfrm>
+            <a:prstGeom prst="rect">
+              <a:avLst/>
+            </a:prstGeom>
+          </p:spPr>
+        </p:pic>
+        <p:pic>
+          <p:nvPicPr>
+            <p:cNvPr id="22" name="Imagen 21">
+              <a:extLst>
+                <a:ext uri="{FF2B5EF4-FFF2-40B4-BE49-F238E27FC236}">
+                  <a16:creationId xmlns:a16="http://schemas.microsoft.com/office/drawing/2014/main" id="{836EDD5B-7D79-C0BF-CB70-26CF6E89E861}"/>
+                </a:ext>
+              </a:extLst>
+            </p:cNvPr>
+            <p:cNvPicPr>
+              <a:picLocks noChangeAspect="1"/>
+            </p:cNvPicPr>
+            <p:nvPr/>
+          </p:nvPicPr>
+          <p:blipFill>
+            <a:blip r:embed="rId8"/>
+            <a:stretch>
+              <a:fillRect/>
+            </a:stretch>
+          </p:blipFill>
+          <p:spPr>
+            <a:xfrm rot="20564340">
+              <a:off x="10090660" y="7489112"/>
+              <a:ext cx="2938960" cy="4132004"/>
+            </a:xfrm>
+            <a:prstGeom prst="rect">
+              <a:avLst/>
+            </a:prstGeom>
+          </p:spPr>
+        </p:pic>
+        <p:pic>
+          <p:nvPicPr>
+            <p:cNvPr id="20" name="Imagen 19">
+              <a:extLst>
+                <a:ext uri="{FF2B5EF4-FFF2-40B4-BE49-F238E27FC236}">
+                  <a16:creationId xmlns:a16="http://schemas.microsoft.com/office/drawing/2014/main" id="{8D8F341D-BD28-D1B5-C1C6-5E3467E546F7}"/>
+                </a:ext>
+              </a:extLst>
+            </p:cNvPr>
+            <p:cNvPicPr>
+              <a:picLocks noChangeAspect="1"/>
+            </p:cNvPicPr>
+            <p:nvPr/>
+          </p:nvPicPr>
+          <p:blipFill>
+            <a:blip r:embed="rId9"/>
+            <a:stretch>
+              <a:fillRect/>
+            </a:stretch>
+          </p:blipFill>
+          <p:spPr>
+            <a:xfrm rot="784418">
+              <a:off x="14000509" y="7149709"/>
+              <a:ext cx="2959201" cy="4202066"/>
+            </a:xfrm>
+            <a:prstGeom prst="rect">
+              <a:avLst/>
+            </a:prstGeom>
+          </p:spPr>
+        </p:pic>
+      </p:grpSp>
+      <p:grpSp>
+        <p:nvGrpSpPr>
+          <p:cNvPr id="24" name="Grupo 23">
+            <a:extLst>
+              <a:ext uri="{FF2B5EF4-FFF2-40B4-BE49-F238E27FC236}">
+                <a16:creationId xmlns:a16="http://schemas.microsoft.com/office/drawing/2014/main" id="{AFD8C691-56B4-9EF0-44EF-217151244C4D}"/>
+              </a:ext>
+            </a:extLst>
+          </p:cNvPr>
+          <p:cNvGrpSpPr/>
+          <p:nvPr/>
+        </p:nvGrpSpPr>
+        <p:grpSpPr>
+          <a:xfrm>
+            <a:off x="7391499" y="1790700"/>
+            <a:ext cx="5761060" cy="2107384"/>
+            <a:chOff x="2582198" y="1943100"/>
+            <a:chExt cx="5761060" cy="2107384"/>
+          </a:xfrm>
+        </p:grpSpPr>
+        <p:sp>
+          <p:nvSpPr>
+            <p:cNvPr id="25" name="TextBox 32">
+              <a:extLst>
+                <a:ext uri="{FF2B5EF4-FFF2-40B4-BE49-F238E27FC236}">
+                  <a16:creationId xmlns:a16="http://schemas.microsoft.com/office/drawing/2014/main" id="{16155277-CA2D-C0DF-DC00-A4A3428593DF}"/>
+                </a:ext>
+              </a:extLst>
+            </p:cNvPr>
+            <p:cNvSpPr txBox="1"/>
+            <p:nvPr/>
+          </p:nvSpPr>
+          <p:spPr>
+            <a:xfrm>
+              <a:off x="2582198" y="2645685"/>
+              <a:ext cx="5761060" cy="1404799"/>
+            </a:xfrm>
+            <a:prstGeom prst="rect">
+              <a:avLst/>
+            </a:prstGeom>
+            <a:solidFill>
+              <a:srgbClr val="E9EAF6"/>
+            </a:solidFill>
+            <a:ln w="19050" cap="sq">
+              <a:solidFill>
+                <a:srgbClr val="414370"/>
+              </a:solidFill>
+              <a:prstDash val="lgDash"/>
+              <a:miter/>
+            </a:ln>
+          </p:spPr>
           <p:txBody>
-            <a:bodyPr lIns="50800" tIns="50800" rIns="50800" bIns="50800" rtlCol="0" anchor="ctr"/>
-            <a:lstStyle/>
+            <a:bodyPr/>
+            <a:lstStyle>
+              <a:defPPr>
+                <a:defRPr lang="en-US"/>
+              </a:defPPr>
+            </a:lstStyle>
             <a:p>
-              <a:pPr algn="ctr">
-                <a:lnSpc>
-                  <a:spcPts val="2659"/>
-                </a:lnSpc>
-              </a:pPr>
-              <a:endParaRPr lang="es-ES" noProof="0" dirty="0"/>
+              <a:pPr algn="ctr"/>
+              <a:r>
+                <a:rPr lang="es-ES" sz="2499" dirty="0">
+                  <a:solidFill>
+                    <a:srgbClr val="222366"/>
+                  </a:solidFill>
+                  <a:latin typeface="Public Sans"/>
+                  <a:sym typeface="Public Sans"/>
+                </a:rPr>
+                <a:t>Instituto Nacional de Estadística, es el organismo encargado de producir las </a:t>
+              </a:r>
+              <a:r>
+                <a:rPr lang="es-ES" sz="2499" b="1" dirty="0">
+                  <a:solidFill>
+                    <a:srgbClr val="222366"/>
+                  </a:solidFill>
+                  <a:latin typeface="Public Sans"/>
+                  <a:sym typeface="Public Sans"/>
+                </a:rPr>
+                <a:t>estadísticas</a:t>
+              </a:r>
+              <a:r>
+                <a:rPr lang="es-ES" sz="2499" dirty="0">
+                  <a:solidFill>
+                    <a:srgbClr val="222366"/>
+                  </a:solidFill>
+                  <a:latin typeface="Public Sans"/>
+                  <a:sym typeface="Public Sans"/>
+                </a:rPr>
+                <a:t> </a:t>
+              </a:r>
+              <a:r>
+                <a:rPr lang="es-ES" sz="2499" b="1" dirty="0">
+                  <a:solidFill>
+                    <a:srgbClr val="222366"/>
+                  </a:solidFill>
+                  <a:latin typeface="Public Sans"/>
+                  <a:sym typeface="Public Sans"/>
+                </a:rPr>
+                <a:t>oficiales</a:t>
+              </a:r>
+              <a:r>
+                <a:rPr lang="es-ES" sz="2499" dirty="0">
+                  <a:solidFill>
+                    <a:srgbClr val="222366"/>
+                  </a:solidFill>
+                  <a:latin typeface="Public Sans"/>
+                  <a:sym typeface="Public Sans"/>
+                </a:rPr>
+                <a:t> de España.</a:t>
+              </a:r>
             </a:p>
           </p:txBody>
         </p:sp>
+        <p:grpSp>
+          <p:nvGrpSpPr>
+            <p:cNvPr id="26" name="Grupo 25">
+              <a:extLst>
+                <a:ext uri="{FF2B5EF4-FFF2-40B4-BE49-F238E27FC236}">
+                  <a16:creationId xmlns:a16="http://schemas.microsoft.com/office/drawing/2014/main" id="{579FE83E-FC90-0D1B-6D36-814F96E0C72D}"/>
+                </a:ext>
+              </a:extLst>
+            </p:cNvPr>
+            <p:cNvGrpSpPr/>
+            <p:nvPr/>
+          </p:nvGrpSpPr>
+          <p:grpSpPr>
+            <a:xfrm>
+              <a:off x="3065636" y="1943100"/>
+              <a:ext cx="4794184" cy="639381"/>
+              <a:chOff x="3065636" y="1943100"/>
+              <a:chExt cx="4794184" cy="639381"/>
+            </a:xfrm>
+          </p:grpSpPr>
+          <p:grpSp>
+            <p:nvGrpSpPr>
+              <p:cNvPr id="27" name="Group 20">
+                <a:extLst>
+                  <a:ext uri="{FF2B5EF4-FFF2-40B4-BE49-F238E27FC236}">
+                    <a16:creationId xmlns:a16="http://schemas.microsoft.com/office/drawing/2014/main" id="{172709C6-85BB-F6F7-314B-A3A04AD07A24}"/>
+                  </a:ext>
+                </a:extLst>
+              </p:cNvPr>
+              <p:cNvGrpSpPr/>
+              <p:nvPr/>
+            </p:nvGrpSpPr>
+            <p:grpSpPr>
+              <a:xfrm>
+                <a:off x="3065636" y="1943100"/>
+                <a:ext cx="4794184" cy="639381"/>
+                <a:chOff x="0" y="0"/>
+                <a:chExt cx="2860316" cy="381469"/>
+              </a:xfrm>
+            </p:grpSpPr>
+            <p:sp>
+              <p:nvSpPr>
+                <p:cNvPr id="29" name="Freeform 21">
+                  <a:extLst>
+                    <a:ext uri="{FF2B5EF4-FFF2-40B4-BE49-F238E27FC236}">
+                      <a16:creationId xmlns:a16="http://schemas.microsoft.com/office/drawing/2014/main" id="{78DBD744-AE24-093C-F269-836B1E66B6C7}"/>
+                    </a:ext>
+                  </a:extLst>
+                </p:cNvPr>
+                <p:cNvSpPr/>
+                <p:nvPr/>
+              </p:nvSpPr>
+              <p:spPr>
+                <a:xfrm>
+                  <a:off x="0" y="0"/>
+                  <a:ext cx="2860316" cy="381469"/>
+                </a:xfrm>
+                <a:custGeom>
+                  <a:avLst/>
+                  <a:gdLst/>
+                  <a:ahLst/>
+                  <a:cxnLst/>
+                  <a:rect l="l" t="t" r="r" b="b"/>
+                  <a:pathLst>
+                    <a:path w="2860316" h="381469">
+                      <a:moveTo>
+                        <a:pt x="2657116" y="0"/>
+                      </a:moveTo>
+                      <a:cubicBezTo>
+                        <a:pt x="2769341" y="0"/>
+                        <a:pt x="2860316" y="85395"/>
+                        <a:pt x="2860316" y="190734"/>
+                      </a:cubicBezTo>
+                      <a:cubicBezTo>
+                        <a:pt x="2860316" y="296074"/>
+                        <a:pt x="2769341" y="381469"/>
+                        <a:pt x="2657116" y="381469"/>
+                      </a:cubicBezTo>
+                      <a:lnTo>
+                        <a:pt x="203200" y="381469"/>
+                      </a:lnTo>
+                      <a:cubicBezTo>
+                        <a:pt x="90976" y="381469"/>
+                        <a:pt x="0" y="296074"/>
+                        <a:pt x="0" y="190734"/>
+                      </a:cubicBezTo>
+                      <a:cubicBezTo>
+                        <a:pt x="0" y="85395"/>
+                        <a:pt x="90976" y="0"/>
+                        <a:pt x="203200" y="0"/>
+                      </a:cubicBezTo>
+                      <a:close/>
+                    </a:path>
+                  </a:pathLst>
+                </a:custGeom>
+                <a:solidFill>
+                  <a:srgbClr val="BDD2EA"/>
+                </a:solidFill>
+              </p:spPr>
+              <p:txBody>
+                <a:bodyPr/>
+                <a:lstStyle/>
+                <a:p>
+                  <a:endParaRPr lang="es-ES" noProof="0" dirty="0"/>
+                </a:p>
+              </p:txBody>
+            </p:sp>
+            <p:sp>
+              <p:nvSpPr>
+                <p:cNvPr id="30" name="TextBox 22">
+                  <a:extLst>
+                    <a:ext uri="{FF2B5EF4-FFF2-40B4-BE49-F238E27FC236}">
+                      <a16:creationId xmlns:a16="http://schemas.microsoft.com/office/drawing/2014/main" id="{1615CF4E-F607-C466-58EE-7D695A9CC8B6}"/>
+                    </a:ext>
+                  </a:extLst>
+                </p:cNvPr>
+                <p:cNvSpPr txBox="1"/>
+                <p:nvPr/>
+              </p:nvSpPr>
+              <p:spPr>
+                <a:xfrm>
+                  <a:off x="0" y="-38100"/>
+                  <a:ext cx="2860316" cy="419569"/>
+                </a:xfrm>
+                <a:prstGeom prst="rect">
+                  <a:avLst/>
+                </a:prstGeom>
+              </p:spPr>
+              <p:txBody>
+                <a:bodyPr lIns="50800" tIns="50800" rIns="50800" bIns="50800" rtlCol="0" anchor="ctr"/>
+                <a:lstStyle/>
+                <a:p>
+                  <a:pPr algn="ctr">
+                    <a:lnSpc>
+                      <a:spcPts val="2659"/>
+                    </a:lnSpc>
+                  </a:pPr>
+                  <a:endParaRPr lang="es-ES" noProof="0" dirty="0"/>
+                </a:p>
+              </p:txBody>
+            </p:sp>
+          </p:grpSp>
+          <p:sp>
+            <p:nvSpPr>
+              <p:cNvPr id="28" name="TextBox 38">
+                <a:extLst>
+                  <a:ext uri="{FF2B5EF4-FFF2-40B4-BE49-F238E27FC236}">
+                    <a16:creationId xmlns:a16="http://schemas.microsoft.com/office/drawing/2014/main" id="{FC52AD39-343C-AAE2-E7C6-96A8CC459C61}"/>
+                  </a:ext>
+                </a:extLst>
+              </p:cNvPr>
+              <p:cNvSpPr txBox="1"/>
+              <p:nvPr/>
+            </p:nvSpPr>
+            <p:spPr>
+              <a:xfrm>
+                <a:off x="3205543" y="2018874"/>
+                <a:ext cx="4514368" cy="457626"/>
+              </a:xfrm>
+              <a:prstGeom prst="rect">
+                <a:avLst/>
+              </a:prstGeom>
+            </p:spPr>
+            <p:txBody>
+              <a:bodyPr lIns="0" tIns="0" rIns="0" bIns="0" rtlCol="0" anchor="t">
+                <a:spAutoFit/>
+              </a:bodyPr>
+              <a:lstStyle/>
+              <a:p>
+                <a:pPr algn="ctr">
+                  <a:lnSpc>
+                    <a:spcPts val="3919"/>
+                  </a:lnSpc>
+                </a:pPr>
+                <a:r>
+                  <a:rPr lang="es-ES" sz="2799" b="1" noProof="0" dirty="0">
+                    <a:solidFill>
+                      <a:srgbClr val="222366"/>
+                    </a:solidFill>
+                    <a:latin typeface="Public Sans Bold"/>
+                    <a:ea typeface="Public Sans Bold"/>
+                    <a:cs typeface="Public Sans Bold"/>
+                    <a:sym typeface="Public Sans Bold"/>
+                  </a:rPr>
+                  <a:t>INE</a:t>
+                </a:r>
+              </a:p>
+            </p:txBody>
+          </p:sp>
+        </p:grpSp>
       </p:grpSp>
       <p:sp>
         <p:nvSpPr>
-          <p:cNvPr id="19" name="Freeform 19"/>
+          <p:cNvPr id="51" name="TextBox 23">
+            <a:extLst>
+              <a:ext uri="{FF2B5EF4-FFF2-40B4-BE49-F238E27FC236}">
+                <a16:creationId xmlns:a16="http://schemas.microsoft.com/office/drawing/2014/main" id="{C4C674CB-6130-9E82-55C3-EA578FFD9CFF}"/>
+              </a:ext>
+            </a:extLst>
+          </p:cNvPr>
+          <p:cNvSpPr txBox="1"/>
+          <p:nvPr/>
+        </p:nvSpPr>
+        <p:spPr>
+          <a:xfrm>
+            <a:off x="7308772" y="4397806"/>
+            <a:ext cx="6283784" cy="4098494"/>
+          </a:xfrm>
+          <a:prstGeom prst="rect">
+            <a:avLst/>
+          </a:prstGeom>
+        </p:spPr>
+        <p:txBody>
+          <a:bodyPr wrap="square" lIns="0" tIns="0" rIns="0" bIns="0" rtlCol="0" anchor="t">
+            <a:spAutoFit/>
+          </a:bodyPr>
+          <a:lstStyle/>
+          <a:p>
+            <a:pPr marL="342900" indent="-342900">
+              <a:lnSpc>
+                <a:spcPct val="150000"/>
+              </a:lnSpc>
+              <a:buFont typeface="Wingdings" panose="05000000000000000000" pitchFamily="2" charset="2"/>
+              <a:buChar char="§"/>
+            </a:pPr>
+            <a:r>
+              <a:rPr lang="es-ES" sz="2000" b="1" dirty="0" err="1">
+                <a:solidFill>
+                  <a:srgbClr val="222366"/>
+                </a:solidFill>
+                <a:latin typeface="Public Sans"/>
+                <a:ea typeface="Public Sans"/>
+                <a:cs typeface="Public Sans"/>
+                <a:sym typeface="Public Sans"/>
+              </a:rPr>
+              <a:t>PDFPlumber</a:t>
+            </a:r>
+            <a:r>
+              <a:rPr lang="es-ES" sz="2000" dirty="0">
+                <a:solidFill>
+                  <a:srgbClr val="222366"/>
+                </a:solidFill>
+                <a:latin typeface="Public Sans"/>
+                <a:ea typeface="Public Sans"/>
+                <a:cs typeface="Public Sans"/>
+                <a:sym typeface="Public Sans"/>
+              </a:rPr>
+              <a:t> es una librería de Python para extraer datos y tablas de archivos PDF.</a:t>
+            </a:r>
+          </a:p>
+          <a:p>
+            <a:pPr marL="342900" indent="-342900">
+              <a:lnSpc>
+                <a:spcPct val="150000"/>
+              </a:lnSpc>
+              <a:buFont typeface="Wingdings" panose="05000000000000000000" pitchFamily="2" charset="2"/>
+              <a:buChar char="§"/>
+            </a:pPr>
+            <a:r>
+              <a:rPr lang="es-ES" sz="2000" b="1" noProof="0" dirty="0">
+                <a:solidFill>
+                  <a:srgbClr val="222366"/>
+                </a:solidFill>
+                <a:latin typeface="Public Sans"/>
+                <a:ea typeface="Public Sans"/>
+                <a:cs typeface="Public Sans"/>
+                <a:sym typeface="Public Sans"/>
+              </a:rPr>
+              <a:t>Información limitada</a:t>
+            </a:r>
+            <a:r>
+              <a:rPr lang="es-ES" sz="2000" noProof="0" dirty="0">
+                <a:solidFill>
+                  <a:srgbClr val="222366"/>
+                </a:solidFill>
+                <a:latin typeface="Public Sans"/>
+                <a:ea typeface="Public Sans"/>
+                <a:cs typeface="Public Sans"/>
+                <a:sym typeface="Public Sans"/>
+              </a:rPr>
+              <a:t>. Faltan años, Comunidades Autónomas y faltan enfermedades.</a:t>
+            </a:r>
+          </a:p>
+          <a:p>
+            <a:pPr marL="342900" indent="-342900">
+              <a:lnSpc>
+                <a:spcPct val="150000"/>
+              </a:lnSpc>
+              <a:buFont typeface="Wingdings" panose="05000000000000000000" pitchFamily="2" charset="2"/>
+              <a:buChar char="§"/>
+            </a:pPr>
+            <a:r>
+              <a:rPr lang="es-ES" sz="2000" dirty="0">
+                <a:solidFill>
+                  <a:srgbClr val="222366"/>
+                </a:solidFill>
+                <a:latin typeface="Public Sans"/>
+                <a:ea typeface="Public Sans"/>
+                <a:cs typeface="Public Sans"/>
+                <a:sym typeface="Public Sans"/>
+              </a:rPr>
+              <a:t>Tablas utilizadas:</a:t>
+            </a:r>
+          </a:p>
+          <a:p>
+            <a:pPr marL="800100" lvl="1" indent="-342900">
+              <a:lnSpc>
+                <a:spcPct val="150000"/>
+              </a:lnSpc>
+              <a:buFont typeface="Wingdings" panose="05000000000000000000" pitchFamily="2" charset="2"/>
+              <a:buChar char="§"/>
+            </a:pPr>
+            <a:r>
+              <a:rPr lang="es-ES" sz="2000" b="1" dirty="0">
+                <a:solidFill>
+                  <a:srgbClr val="222366"/>
+                </a:solidFill>
+                <a:latin typeface="Public Sans"/>
+                <a:ea typeface="Public Sans"/>
+                <a:cs typeface="Public Sans"/>
+                <a:sym typeface="Public Sans"/>
+              </a:rPr>
+              <a:t>Casos notificados 2010 – 2018 por CC.AA.</a:t>
+            </a:r>
+          </a:p>
+          <a:p>
+            <a:pPr marL="800100" lvl="1" indent="-342900">
+              <a:lnSpc>
+                <a:spcPct val="150000"/>
+              </a:lnSpc>
+              <a:buFont typeface="Wingdings" panose="05000000000000000000" pitchFamily="2" charset="2"/>
+              <a:buChar char="§"/>
+            </a:pPr>
+            <a:r>
+              <a:rPr lang="es-ES" sz="2000" b="1" dirty="0">
+                <a:solidFill>
+                  <a:srgbClr val="222366"/>
+                </a:solidFill>
+                <a:latin typeface="Public Sans"/>
+                <a:ea typeface="Public Sans"/>
+                <a:cs typeface="Public Sans"/>
+                <a:sym typeface="Public Sans"/>
+              </a:rPr>
+              <a:t>Población total 2018 por CC.AA.	 (INE)</a:t>
+            </a:r>
+          </a:p>
+          <a:p>
+            <a:pPr marL="800100" lvl="1" indent="-342900">
+              <a:lnSpc>
+                <a:spcPct val="150000"/>
+              </a:lnSpc>
+              <a:buFont typeface="Wingdings" panose="05000000000000000000" pitchFamily="2" charset="2"/>
+              <a:buChar char="§"/>
+            </a:pPr>
+            <a:r>
+              <a:rPr lang="es-ES" sz="2000" b="1" dirty="0">
+                <a:solidFill>
+                  <a:srgbClr val="222366"/>
+                </a:solidFill>
+                <a:latin typeface="Public Sans"/>
+                <a:ea typeface="Public Sans"/>
+                <a:cs typeface="Public Sans"/>
+                <a:sym typeface="Public Sans"/>
+              </a:rPr>
+              <a:t>Casos según género 2020 – 2022.</a:t>
+            </a:r>
+          </a:p>
+          <a:p>
+            <a:pPr marL="800100" lvl="1" indent="-342900">
+              <a:lnSpc>
+                <a:spcPct val="150000"/>
+              </a:lnSpc>
+              <a:buFont typeface="Wingdings" panose="05000000000000000000" pitchFamily="2" charset="2"/>
+              <a:buChar char="§"/>
+            </a:pPr>
+            <a:r>
+              <a:rPr lang="es-ES" sz="2000" b="1" dirty="0">
+                <a:solidFill>
+                  <a:srgbClr val="222366"/>
+                </a:solidFill>
+                <a:latin typeface="Public Sans"/>
+                <a:ea typeface="Public Sans"/>
+                <a:cs typeface="Public Sans"/>
+                <a:sym typeface="Public Sans"/>
+              </a:rPr>
+              <a:t>Enfermedades según género 2022.</a:t>
+            </a:r>
+            <a:endParaRPr lang="es-ES" sz="2000" b="1" noProof="0" dirty="0">
+              <a:solidFill>
+                <a:srgbClr val="222366"/>
+              </a:solidFill>
+              <a:latin typeface="Public Sans"/>
+              <a:ea typeface="Public Sans"/>
+              <a:cs typeface="Public Sans"/>
+              <a:sym typeface="Public Sans"/>
+            </a:endParaRPr>
+          </a:p>
+        </p:txBody>
+      </p:sp>
+      <p:sp>
+        <p:nvSpPr>
+          <p:cNvPr id="31" name="Freeform 8">
+            <a:extLst>
+              <a:ext uri="{FF2B5EF4-FFF2-40B4-BE49-F238E27FC236}">
+                <a16:creationId xmlns:a16="http://schemas.microsoft.com/office/drawing/2014/main" id="{186D0B2C-56EC-40D4-22B5-A2527F14F878}"/>
+              </a:ext>
+            </a:extLst>
+          </p:cNvPr>
           <p:cNvSpPr/>
           <p:nvPr/>
         </p:nvSpPr>
         <p:spPr>
-          <a:xfrm rot="-5500207" flipH="1">
-            <a:off x="16436803" y="8480772"/>
+          <a:xfrm rot="16035391">
+            <a:off x="17177750" y="1545367"/>
             <a:ext cx="1402006" cy="1402006"/>
           </a:xfrm>
           <a:custGeom>
@@ -8973,29 +10010,29 @@
             <a:pathLst>
               <a:path w="1402006" h="1402006">
                 <a:moveTo>
+                  <a:pt x="0" y="0"/>
+                </a:moveTo>
+                <a:lnTo>
                   <a:pt x="1402006" y="0"/>
-                </a:moveTo>
+                </a:lnTo>
+                <a:lnTo>
+                  <a:pt x="1402006" y="1402006"/>
+                </a:lnTo>
+                <a:lnTo>
+                  <a:pt x="0" y="1402006"/>
+                </a:lnTo>
                 <a:lnTo>
                   <a:pt x="0" y="0"/>
-                </a:lnTo>
-                <a:lnTo>
-                  <a:pt x="0" y="1402006"/>
-                </a:lnTo>
-                <a:lnTo>
-                  <a:pt x="1402006" y="1402006"/>
-                </a:lnTo>
-                <a:lnTo>
-                  <a:pt x="1402006" y="0"/>
                 </a:lnTo>
                 <a:close/>
               </a:path>
             </a:pathLst>
           </a:custGeom>
           <a:blipFill>
-            <a:blip r:embed="rId20">
+            <a:blip r:embed="rId3">
               <a:extLst>
                 <a:ext uri="{96DAC541-7B7A-43D3-8B79-37D633B846F1}">
-                  <asvg:svgBlip xmlns:asvg="http://schemas.microsoft.com/office/drawing/2016/SVG/main" r:embed="rId21"/>
+                  <asvg:svgBlip xmlns:asvg="http://schemas.microsoft.com/office/drawing/2016/SVG/main" r:embed="rId4"/>
                 </a:ext>
               </a:extLst>
             </a:blip>
@@ -9014,162 +10051,10 @@
       </p:sp>
       <p:sp>
         <p:nvSpPr>
-          <p:cNvPr id="20" name="TextBox 20"/>
-          <p:cNvSpPr txBox="1"/>
-          <p:nvPr/>
-        </p:nvSpPr>
-        <p:spPr>
-          <a:xfrm>
-            <a:off x="6078906" y="342900"/>
-            <a:ext cx="6235667" cy="738664"/>
-          </a:xfrm>
-          <a:prstGeom prst="rect">
-            <a:avLst/>
-          </a:prstGeom>
-        </p:spPr>
-        <p:txBody>
-          <a:bodyPr lIns="0" tIns="0" rIns="0" bIns="0" rtlCol="0" anchor="t">
-            <a:spAutoFit/>
-          </a:bodyPr>
-          <a:lstStyle/>
-          <a:p>
-            <a:pPr algn="ctr"/>
-            <a:r>
-              <a:rPr lang="es-ES" sz="2400" b="1" noProof="0" dirty="0">
-                <a:solidFill>
-                  <a:srgbClr val="222366"/>
-                </a:solidFill>
-                <a:latin typeface="Public Sans Bold"/>
-                <a:ea typeface="Public Sans Bold"/>
-                <a:cs typeface="Public Sans Bold"/>
-                <a:sym typeface="Public Sans Bold"/>
-              </a:rPr>
-              <a:t>Alumna: </a:t>
-            </a:r>
-            <a:r>
-              <a:rPr lang="es-ES" sz="2400" b="1" dirty="0">
-                <a:solidFill>
-                  <a:srgbClr val="222366"/>
-                </a:solidFill>
-                <a:latin typeface="Public Sans Bold"/>
-                <a:ea typeface="Public Sans Bold"/>
-                <a:cs typeface="Public Sans Bold"/>
-                <a:sym typeface="Public Sans Bold"/>
-              </a:rPr>
-              <a:t>María Uriburu Gray</a:t>
-            </a:r>
-          </a:p>
-          <a:p>
-            <a:pPr algn="ctr"/>
-            <a:r>
-              <a:rPr lang="es-ES" sz="2400" b="1" noProof="0" dirty="0">
-                <a:solidFill>
-                  <a:srgbClr val="222366"/>
-                </a:solidFill>
-                <a:latin typeface="Public Sans Bold"/>
-                <a:ea typeface="Public Sans Bold"/>
-                <a:cs typeface="Public Sans Bold"/>
-                <a:sym typeface="Public Sans Bold"/>
-              </a:rPr>
-              <a:t>Mentor: </a:t>
-            </a:r>
-            <a:r>
-              <a:rPr lang="es-ES" sz="2400" b="1" dirty="0">
-                <a:solidFill>
-                  <a:srgbClr val="222366"/>
-                </a:solidFill>
-                <a:latin typeface="Public Sans Bold"/>
-                <a:ea typeface="Public Sans Bold"/>
-                <a:cs typeface="Public Sans Bold"/>
-                <a:sym typeface="Public Sans Bold"/>
-              </a:rPr>
-              <a:t>Joan Gasull Jolis</a:t>
-            </a:r>
-            <a:endParaRPr lang="es-ES" sz="2400" b="1" noProof="0" dirty="0">
-              <a:solidFill>
-                <a:srgbClr val="222366"/>
-              </a:solidFill>
-              <a:latin typeface="Public Sans Bold"/>
-              <a:ea typeface="Public Sans Bold"/>
-              <a:cs typeface="Public Sans Bold"/>
-              <a:sym typeface="Public Sans Bold"/>
-            </a:endParaRPr>
-          </a:p>
-        </p:txBody>
-      </p:sp>
-      <p:sp>
-        <p:nvSpPr>
-          <p:cNvPr id="21" name="TextBox 21"/>
-          <p:cNvSpPr txBox="1"/>
-          <p:nvPr/>
-        </p:nvSpPr>
-        <p:spPr>
-          <a:xfrm>
-            <a:off x="3893988" y="1414843"/>
-            <a:ext cx="10557551" cy="1193788"/>
-          </a:xfrm>
-          <a:prstGeom prst="rect">
-            <a:avLst/>
-          </a:prstGeom>
-        </p:spPr>
-        <p:txBody>
-          <a:bodyPr lIns="0" tIns="0" rIns="0" bIns="0" rtlCol="0" anchor="t">
-            <a:spAutoFit/>
-          </a:bodyPr>
-          <a:lstStyle/>
-          <a:p>
-            <a:pPr algn="ctr">
-              <a:lnSpc>
-                <a:spcPts val="10499"/>
-              </a:lnSpc>
-            </a:pPr>
-            <a:r>
-              <a:rPr lang="es-ES" sz="7499" dirty="0">
-                <a:solidFill>
-                  <a:srgbClr val="222366"/>
-                </a:solidFill>
-                <a:effectLst>
-                  <a:outerShdw blurRad="38100" dist="38100" dir="2700000" algn="tl">
-                    <a:srgbClr val="000000">
-                      <a:alpha val="43137"/>
-                    </a:srgbClr>
-                  </a:outerShdw>
-                </a:effectLst>
-                <a:latin typeface="Brick Sans"/>
-                <a:ea typeface="Brick Sans"/>
-                <a:cs typeface="Brick Sans"/>
-                <a:sym typeface="Brick Sans"/>
-              </a:rPr>
-              <a:t>Más que </a:t>
-            </a:r>
-            <a:r>
-              <a:rPr lang="es-ES" sz="7499" noProof="0" dirty="0">
-                <a:solidFill>
-                  <a:srgbClr val="222366"/>
-                </a:solidFill>
-                <a:effectLst>
-                  <a:outerShdw blurRad="38100" dist="38100" dir="2700000" algn="tl">
-                    <a:srgbClr val="000000">
-                      <a:alpha val="43137"/>
-                    </a:srgbClr>
-                  </a:outerShdw>
-                </a:effectLst>
-                <a:latin typeface="Brick Sans"/>
-                <a:ea typeface="Brick Sans"/>
-                <a:cs typeface="Brick Sans"/>
-                <a:sym typeface="Brick Sans"/>
-              </a:rPr>
-              <a:t>raras</a:t>
-            </a:r>
-          </a:p>
-        </p:txBody>
-      </p:sp>
-      <p:sp>
-        <p:nvSpPr>
-          <p:cNvPr id="22" name="TextBox 21">
+          <p:cNvPr id="32" name="CuadroTexto 31">
             <a:extLst>
               <a:ext uri="{FF2B5EF4-FFF2-40B4-BE49-F238E27FC236}">
-                <a16:creationId xmlns:a16="http://schemas.microsoft.com/office/drawing/2014/main" id="{F6524C29-7FCD-10A0-1F3B-E4A5D05E7181}"/>
+                <a16:creationId xmlns:a16="http://schemas.microsoft.com/office/drawing/2014/main" id="{78F31AD1-A2EF-9265-9160-2E4CAC1EDCC0}"/>
               </a:ext>
             </a:extLst>
           </p:cNvPr>
@@ -9178,226 +10063,34 @@
         </p:nvSpPr>
         <p:spPr>
           <a:xfrm>
-            <a:off x="4170870" y="2698719"/>
-            <a:ext cx="10230923" cy="2523768"/>
+            <a:off x="17068800" y="9791700"/>
+            <a:ext cx="1219200" cy="369332"/>
           </a:xfrm>
           <a:prstGeom prst="rect">
             <a:avLst/>
           </a:prstGeom>
+          <a:noFill/>
         </p:spPr>
         <p:txBody>
-          <a:bodyPr wrap="square" lIns="0" tIns="0" rIns="0" bIns="0" rtlCol="0" anchor="t">
+          <a:bodyPr wrap="square" rtlCol="0">
             <a:spAutoFit/>
           </a:bodyPr>
           <a:lstStyle/>
           <a:p>
             <a:pPr algn="ctr"/>
             <a:r>
-              <a:rPr lang="es-ES" sz="4000" dirty="0">
-                <a:solidFill>
-                  <a:srgbClr val="90A7D6"/>
-                </a:solidFill>
-                <a:effectLst>
-                  <a:outerShdw blurRad="38100" dist="38100" dir="2700000" algn="tl">
-                    <a:srgbClr val="000000">
-                      <a:alpha val="43137"/>
-                    </a:srgbClr>
-                  </a:outerShdw>
-                </a:effectLst>
-                <a:latin typeface="Brick Sans"/>
-                <a:ea typeface="Brick Sans"/>
-                <a:cs typeface="Brick Sans"/>
-                <a:sym typeface="Brick Sans"/>
-              </a:rPr>
-              <a:t>Análisis de las </a:t>
-            </a:r>
-            <a:r>
-              <a:rPr lang="es-ES" sz="4400" b="1" dirty="0">
-                <a:solidFill>
-                  <a:srgbClr val="5D7FC3"/>
-                </a:solidFill>
-                <a:effectLst>
-                  <a:outerShdw blurRad="38100" dist="38100" dir="2700000" algn="tl">
-                    <a:srgbClr val="000000">
-                      <a:alpha val="43137"/>
-                    </a:srgbClr>
-                  </a:outerShdw>
-                </a:effectLst>
-                <a:latin typeface="Brick Sans"/>
-                <a:ea typeface="Brick Sans"/>
-                <a:cs typeface="Brick Sans"/>
-                <a:sym typeface="Brick Sans"/>
-              </a:rPr>
-              <a:t>Enfermedades</a:t>
-            </a:r>
-            <a:r>
-              <a:rPr lang="es-ES" sz="4000" b="1" dirty="0">
-                <a:solidFill>
-                  <a:srgbClr val="5D7FC3"/>
-                </a:solidFill>
-                <a:effectLst>
-                  <a:outerShdw blurRad="38100" dist="38100" dir="2700000" algn="tl">
-                    <a:srgbClr val="000000">
-                      <a:alpha val="43137"/>
-                    </a:srgbClr>
-                  </a:outerShdw>
-                </a:effectLst>
-                <a:latin typeface="Brick Sans"/>
-                <a:ea typeface="Brick Sans"/>
-                <a:cs typeface="Brick Sans"/>
-                <a:sym typeface="Brick Sans"/>
-              </a:rPr>
-              <a:t> </a:t>
-            </a:r>
-            <a:r>
-              <a:rPr lang="es-ES" sz="4400" b="1" dirty="0">
-                <a:solidFill>
-                  <a:srgbClr val="5D7FC3"/>
-                </a:solidFill>
-                <a:effectLst>
-                  <a:outerShdw blurRad="38100" dist="38100" dir="2700000" algn="tl">
-                    <a:srgbClr val="000000">
-                      <a:alpha val="43137"/>
-                    </a:srgbClr>
-                  </a:outerShdw>
-                </a:effectLst>
-                <a:latin typeface="Brick Sans"/>
-                <a:ea typeface="Brick Sans"/>
-                <a:cs typeface="Brick Sans"/>
-                <a:sym typeface="Brick Sans"/>
-              </a:rPr>
-              <a:t>Raras</a:t>
-            </a:r>
-            <a:r>
-              <a:rPr lang="es-ES" sz="4000" b="1" dirty="0">
-                <a:solidFill>
-                  <a:srgbClr val="5D7FC3"/>
-                </a:solidFill>
-                <a:effectLst>
-                  <a:outerShdw blurRad="38100" dist="38100" dir="2700000" algn="tl">
-                    <a:srgbClr val="000000">
-                      <a:alpha val="43137"/>
-                    </a:srgbClr>
-                  </a:outerShdw>
-                </a:effectLst>
-                <a:latin typeface="Brick Sans"/>
-                <a:ea typeface="Brick Sans"/>
-                <a:cs typeface="Brick Sans"/>
-                <a:sym typeface="Brick Sans"/>
-              </a:rPr>
-              <a:t> </a:t>
-            </a:r>
-            <a:r>
-              <a:rPr lang="es-ES" sz="4000" dirty="0">
-                <a:solidFill>
-                  <a:srgbClr val="90A7D6"/>
-                </a:solidFill>
-                <a:effectLst>
-                  <a:outerShdw blurRad="38100" dist="38100" dir="2700000" algn="tl">
-                    <a:srgbClr val="000000">
-                      <a:alpha val="43137"/>
-                    </a:srgbClr>
-                  </a:outerShdw>
-                </a:effectLst>
-                <a:latin typeface="Brick Sans"/>
-                <a:ea typeface="Brick Sans"/>
-                <a:cs typeface="Brick Sans"/>
-                <a:sym typeface="Brick Sans"/>
-              </a:rPr>
-              <a:t>en Europa y su impacto regional en España</a:t>
-            </a:r>
-            <a:endParaRPr lang="es-ES" sz="4000" noProof="0" dirty="0">
-              <a:solidFill>
-                <a:srgbClr val="90A7D6"/>
-              </a:solidFill>
-              <a:effectLst>
-                <a:outerShdw blurRad="38100" dist="38100" dir="2700000" algn="tl">
-                  <a:srgbClr val="000000">
-                    <a:alpha val="43137"/>
-                  </a:srgbClr>
-                </a:outerShdw>
-              </a:effectLst>
-              <a:latin typeface="Brick Sans"/>
-              <a:ea typeface="Brick Sans"/>
-              <a:cs typeface="Brick Sans"/>
-              <a:sym typeface="Brick Sans"/>
-            </a:endParaRPr>
+              <a:rPr lang="es-ES" dirty="0"/>
+              <a:t>- 8 -</a:t>
+            </a:r>
           </a:p>
         </p:txBody>
       </p:sp>
-      <p:pic>
-        <p:nvPicPr>
-          <p:cNvPr id="26" name="Picture 25" descr="A pink rectangle with white text&#10;&#10;AI-generated content may be incorrect.">
-            <a:extLst>
-              <a:ext uri="{FF2B5EF4-FFF2-40B4-BE49-F238E27FC236}">
-                <a16:creationId xmlns:a16="http://schemas.microsoft.com/office/drawing/2014/main" id="{653F12B0-BA7A-CEF9-E36D-FD34737E6F97}"/>
-              </a:ext>
-            </a:extLst>
-          </p:cNvPr>
-          <p:cNvPicPr>
-            <a:picLocks noChangeAspect="1"/>
-          </p:cNvPicPr>
-          <p:nvPr/>
-        </p:nvPicPr>
-        <p:blipFill>
-          <a:blip r:embed="rId22">
-            <a:extLst>
-              <a:ext uri="{28A0092B-C50C-407E-A947-70E740481C1C}">
-                <a14:useLocalDpi xmlns:a14="http://schemas.microsoft.com/office/drawing/2010/main" val="0"/>
-              </a:ext>
-            </a:extLst>
-          </a:blip>
-          <a:srcRect l="1597" t="36642" r="2909" b="38442"/>
-          <a:stretch/>
-        </p:blipFill>
-        <p:spPr>
-          <a:xfrm>
-            <a:off x="0" y="9698016"/>
-            <a:ext cx="2257338" cy="588984"/>
-          </a:xfrm>
-          <a:prstGeom prst="rect">
-            <a:avLst/>
-          </a:prstGeom>
-        </p:spPr>
-      </p:pic>
-      <p:pic>
-        <p:nvPicPr>
-          <p:cNvPr id="29" name="Imagen 28" descr="Logotipo&#10;&#10;El contenido generado por IA puede ser incorrecto.">
-            <a:extLst>
-              <a:ext uri="{FF2B5EF4-FFF2-40B4-BE49-F238E27FC236}">
-                <a16:creationId xmlns:a16="http://schemas.microsoft.com/office/drawing/2014/main" id="{58B45A1C-4A02-D322-D957-7DF22CEF5C4E}"/>
-              </a:ext>
-            </a:extLst>
-          </p:cNvPr>
-          <p:cNvPicPr>
-            <a:picLocks noChangeAspect="1"/>
-          </p:cNvPicPr>
-          <p:nvPr/>
-        </p:nvPicPr>
-        <p:blipFill>
-          <a:blip r:embed="rId23">
-            <a:alphaModFix amt="70000"/>
-            <a:extLst>
-              <a:ext uri="{28A0092B-C50C-407E-A947-70E740481C1C}">
-                <a14:useLocalDpi xmlns:a14="http://schemas.microsoft.com/office/drawing/2010/main" val="0"/>
-              </a:ext>
-            </a:extLst>
-          </a:blip>
-          <a:stretch>
-            <a:fillRect/>
-          </a:stretch>
-        </p:blipFill>
-        <p:spPr>
-          <a:xfrm>
-            <a:off x="15940886" y="146124"/>
-            <a:ext cx="2592388" cy="2592388"/>
-          </a:xfrm>
-          <a:prstGeom prst="rect">
-            <a:avLst/>
-          </a:prstGeom>
-        </p:spPr>
-      </p:pic>
     </p:spTree>
+    <p:extLst>
+      <p:ext uri="{BB962C8B-B14F-4D97-AF65-F5344CB8AC3E}">
+        <p14:creationId xmlns:p14="http://schemas.microsoft.com/office/powerpoint/2010/main" val="3323513927"/>
+      </p:ext>
+    </p:extLst>
   </p:cSld>
   <p:clrMapOvr>
     <a:masterClrMapping/>
@@ -9405,7 +10098,7 @@
 </p:sld>
 </file>
 
-<file path=ppt/slides/slide10.xml><?xml version="1.0" encoding="utf-8"?>
+<file path=ppt/slides/slide11.xml><?xml version="1.0" encoding="utf-8"?>
 <p:sld xmlns:a="http://schemas.openxmlformats.org/drawingml/2006/main" xmlns:r="http://schemas.openxmlformats.org/officeDocument/2006/relationships" xmlns:p="http://schemas.openxmlformats.org/presentationml/2006/main">
   <p:cSld>
     <p:bg>
@@ -9444,7 +10137,7 @@
         </p:nvGrpSpPr>
         <p:grpSpPr>
           <a:xfrm>
-            <a:off x="15580608" y="5509748"/>
+            <a:off x="13944600" y="5787986"/>
             <a:ext cx="3935820" cy="3643117"/>
             <a:chOff x="8161158" y="966983"/>
             <a:chExt cx="9109662" cy="8478142"/>
@@ -9861,42 +10554,6 @@
           </a:p>
         </p:txBody>
       </p:sp>
-      <p:pic>
-        <p:nvPicPr>
-          <p:cNvPr id="5" name="Imagen 4" descr="Gráfico, Gráfico de dispersión&#10;&#10;El contenido generado por IA puede ser incorrecto.">
-            <a:extLst>
-              <a:ext uri="{FF2B5EF4-FFF2-40B4-BE49-F238E27FC236}">
-                <a16:creationId xmlns:a16="http://schemas.microsoft.com/office/drawing/2014/main" id="{D825326E-53C4-2CE8-DADB-EA5DBD4D99D8}"/>
-              </a:ext>
-            </a:extLst>
-          </p:cNvPr>
-          <p:cNvPicPr>
-            <a:picLocks noChangeAspect="1"/>
-          </p:cNvPicPr>
-          <p:nvPr/>
-        </p:nvPicPr>
-        <p:blipFill>
-          <a:blip r:embed="rId6">
-            <a:extLst>
-              <a:ext uri="{28A0092B-C50C-407E-A947-70E740481C1C}">
-                <a14:useLocalDpi xmlns:a14="http://schemas.microsoft.com/office/drawing/2010/main" val="0"/>
-              </a:ext>
-            </a:extLst>
-          </a:blip>
-          <a:stretch>
-            <a:fillRect/>
-          </a:stretch>
-        </p:blipFill>
-        <p:spPr>
-          <a:xfrm>
-            <a:off x="594939" y="3193675"/>
-            <a:ext cx="14529845" cy="5394971"/>
-          </a:xfrm>
-          <a:prstGeom prst="rect">
-            <a:avLst/>
-          </a:prstGeom>
-        </p:spPr>
-      </p:pic>
       <p:sp>
         <p:nvSpPr>
           <p:cNvPr id="3" name="CuadroTexto 2">
@@ -9948,7 +10605,7 @@
           <p:nvPr/>
         </p:nvPicPr>
         <p:blipFill>
-          <a:blip r:embed="rId7"/>
+          <a:blip r:embed="rId6"/>
           <a:stretch>
             <a:fillRect/>
           </a:stretch>
@@ -9969,6 +10626,107 @@
           </a:effectLst>
         </p:spPr>
       </p:pic>
+      <p:pic>
+        <p:nvPicPr>
+          <p:cNvPr id="4" name="Imagen 3" descr="Gráfico&#10;&#10;El contenido generado por IA puede ser incorrecto.">
+            <a:extLst>
+              <a:ext uri="{FF2B5EF4-FFF2-40B4-BE49-F238E27FC236}">
+                <a16:creationId xmlns:a16="http://schemas.microsoft.com/office/drawing/2014/main" id="{07D830B2-D0DA-2106-D4BF-B91E1164DC5C}"/>
+              </a:ext>
+            </a:extLst>
+          </p:cNvPr>
+          <p:cNvPicPr>
+            <a:picLocks noChangeAspect="1"/>
+          </p:cNvPicPr>
+          <p:nvPr/>
+        </p:nvPicPr>
+        <p:blipFill>
+          <a:blip r:embed="rId7">
+            <a:extLst>
+              <a:ext uri="{28A0092B-C50C-407E-A947-70E740481C1C}">
+                <a14:useLocalDpi xmlns:a14="http://schemas.microsoft.com/office/drawing/2010/main" val="0"/>
+              </a:ext>
+            </a:extLst>
+          </a:blip>
+          <a:stretch>
+            <a:fillRect/>
+          </a:stretch>
+        </p:blipFill>
+        <p:spPr>
+          <a:xfrm>
+            <a:off x="5589690" y="3382699"/>
+            <a:ext cx="7108620" cy="4810575"/>
+          </a:xfrm>
+          <a:prstGeom prst="rect">
+            <a:avLst/>
+          </a:prstGeom>
+        </p:spPr>
+      </p:pic>
+      <p:sp>
+        <p:nvSpPr>
+          <p:cNvPr id="6" name="Freeform 7">
+            <a:extLst>
+              <a:ext uri="{FF2B5EF4-FFF2-40B4-BE49-F238E27FC236}">
+                <a16:creationId xmlns:a16="http://schemas.microsoft.com/office/drawing/2014/main" id="{CA3B6C6A-BDF6-0484-9566-827A0F200B5A}"/>
+              </a:ext>
+            </a:extLst>
+          </p:cNvPr>
+          <p:cNvSpPr/>
+          <p:nvPr/>
+        </p:nvSpPr>
+        <p:spPr>
+          <a:xfrm rot="21462851">
+            <a:off x="-400707" y="5998890"/>
+            <a:ext cx="1402006" cy="1402006"/>
+          </a:xfrm>
+          <a:custGeom>
+            <a:avLst/>
+            <a:gdLst/>
+            <a:ahLst/>
+            <a:cxnLst/>
+            <a:rect l="l" t="t" r="r" b="b"/>
+            <a:pathLst>
+              <a:path w="1402006" h="1402006">
+                <a:moveTo>
+                  <a:pt x="0" y="0"/>
+                </a:moveTo>
+                <a:lnTo>
+                  <a:pt x="1402006" y="0"/>
+                </a:lnTo>
+                <a:lnTo>
+                  <a:pt x="1402006" y="1402006"/>
+                </a:lnTo>
+                <a:lnTo>
+                  <a:pt x="0" y="1402006"/>
+                </a:lnTo>
+                <a:lnTo>
+                  <a:pt x="0" y="0"/>
+                </a:lnTo>
+                <a:close/>
+              </a:path>
+            </a:pathLst>
+          </a:custGeom>
+          <a:blipFill>
+            <a:blip r:embed="rId4">
+              <a:extLst>
+                <a:ext uri="{96DAC541-7B7A-43D3-8B79-37D633B846F1}">
+                  <asvg:svgBlip xmlns:asvg="http://schemas.microsoft.com/office/drawing/2016/SVG/main" r:embed="rId5"/>
+                </a:ext>
+              </a:extLst>
+            </a:blip>
+            <a:stretch>
+              <a:fillRect/>
+            </a:stretch>
+          </a:blipFill>
+        </p:spPr>
+        <p:txBody>
+          <a:bodyPr/>
+          <a:lstStyle/>
+          <a:p>
+            <a:endParaRPr lang="es-ES" noProof="0" dirty="0"/>
+          </a:p>
+        </p:txBody>
+      </p:sp>
     </p:spTree>
   </p:cSld>
   <p:clrMapOvr>
@@ -9977,7 +10735,7 @@
 </p:sld>
 </file>
 
-<file path=ppt/slides/slide11.xml><?xml version="1.0" encoding="utf-8"?>
+<file path=ppt/slides/slide12.xml><?xml version="1.0" encoding="utf-8"?>
 <p:sld xmlns:a="http://schemas.openxmlformats.org/drawingml/2006/main" xmlns:r="http://schemas.openxmlformats.org/officeDocument/2006/relationships" xmlns:p="http://schemas.openxmlformats.org/presentationml/2006/main">
   <p:cSld>
     <p:bg>
@@ -10520,7 +11278,7 @@
 </p:sld>
 </file>
 
-<file path=ppt/slides/slide12.xml><?xml version="1.0" encoding="utf-8"?>
+<file path=ppt/slides/slide13.xml><?xml version="1.0" encoding="utf-8"?>
 <p:sld xmlns:a="http://schemas.openxmlformats.org/drawingml/2006/main" xmlns:r="http://schemas.openxmlformats.org/officeDocument/2006/relationships" xmlns:p="http://schemas.openxmlformats.org/presentationml/2006/main">
   <p:cSld>
     <p:bg>
@@ -11243,7 +12001,7 @@
 </p:sld>
 </file>
 
-<file path=ppt/slides/slide13.xml><?xml version="1.0" encoding="utf-8"?>
+<file path=ppt/slides/slide14.xml><?xml version="1.0" encoding="utf-8"?>
 <p:sld xmlns:a="http://schemas.openxmlformats.org/drawingml/2006/main" xmlns:r="http://schemas.openxmlformats.org/officeDocument/2006/relationships" xmlns:p="http://schemas.openxmlformats.org/presentationml/2006/main">
   <p:cSld>
     <p:bg>
@@ -12281,7 +13039,7 @@
 </p:sld>
 </file>
 
-<file path=ppt/slides/slide14.xml><?xml version="1.0" encoding="utf-8"?>
+<file path=ppt/slides/slide15.xml><?xml version="1.0" encoding="utf-8"?>
 <p:sld xmlns:a="http://schemas.openxmlformats.org/drawingml/2006/main" xmlns:r="http://schemas.openxmlformats.org/officeDocument/2006/relationships" xmlns:p="http://schemas.openxmlformats.org/presentationml/2006/main">
   <p:cSld>
     <p:bg>
@@ -12861,8 +13619,8 @@
             </p:spPr>
           </p:pic>
         </p:grpSp>
-        <mc:AlternateContent xmlns:mc="http://schemas.openxmlformats.org/markup-compatibility/2006">
-          <mc:Choice xmlns:a14="http://schemas.microsoft.com/office/drawing/2010/main" Requires="a14">
+        <mc:AlternateContent xmlns:mc="http://schemas.openxmlformats.org/markup-compatibility/2006" xmlns:a14="http://schemas.microsoft.com/office/drawing/2010/main">
+          <mc:Choice Requires="a14">
             <p:sp>
               <p:nvSpPr>
                 <p:cNvPr id="26" name="CuadroTexto 25">
@@ -13114,7 +13872,7 @@
               </p:txBody>
             </p:sp>
           </mc:Choice>
-          <mc:Fallback>
+          <mc:Fallback xmlns="">
             <p:sp>
               <p:nvSpPr>
                 <p:cNvPr id="26" name="CuadroTexto 25">
@@ -13209,7 +13967,7 @@
 </p:sld>
 </file>
 
-<file path=ppt/slides/slide15.xml><?xml version="1.0" encoding="utf-8"?>
+<file path=ppt/slides/slide16.xml><?xml version="1.0" encoding="utf-8"?>
 <p:sld xmlns:a="http://schemas.openxmlformats.org/drawingml/2006/main" xmlns:r="http://schemas.openxmlformats.org/officeDocument/2006/relationships" xmlns:p="http://schemas.openxmlformats.org/presentationml/2006/main">
   <p:cSld>
     <p:bg>
@@ -13803,7 +14561,7 @@
 </p:sld>
 </file>
 
-<file path=ppt/slides/slide16.xml><?xml version="1.0" encoding="utf-8"?>
+<file path=ppt/slides/slide17.xml><?xml version="1.0" encoding="utf-8"?>
 <p:sld xmlns:a="http://schemas.openxmlformats.org/drawingml/2006/main" xmlns:r="http://schemas.openxmlformats.org/officeDocument/2006/relationships" xmlns:p="http://schemas.openxmlformats.org/presentationml/2006/main">
   <p:cSld>
     <p:bg>
@@ -13816,7 +14574,13 @@
     </p:bg>
     <p:spTree>
       <p:nvGrpSpPr>
-        <p:cNvPr id="1" name=""/>
+        <p:cNvPr id="1" name="">
+          <a:extLst>
+            <a:ext uri="{FF2B5EF4-FFF2-40B4-BE49-F238E27FC236}">
+              <a16:creationId xmlns:a16="http://schemas.microsoft.com/office/drawing/2014/main" id="{6DFED033-3D00-81AA-4C12-18F31D1852E3}"/>
+            </a:ext>
+          </a:extLst>
+        </p:cNvPr>
         <p:cNvGrpSpPr/>
         <p:nvPr/>
       </p:nvGrpSpPr>
@@ -13830,7 +14594,13 @@
       </p:grpSpPr>
       <p:sp>
         <p:nvSpPr>
-          <p:cNvPr id="16" name="Freeform 16"/>
+          <p:cNvPr id="16" name="Freeform 16">
+            <a:extLst>
+              <a:ext uri="{FF2B5EF4-FFF2-40B4-BE49-F238E27FC236}">
+                <a16:creationId xmlns:a16="http://schemas.microsoft.com/office/drawing/2014/main" id="{397FB4D2-84A1-4B7A-28C4-29CF30C54246}"/>
+              </a:ext>
+            </a:extLst>
+          </p:cNvPr>
           <p:cNvSpPr/>
           <p:nvPr/>
         </p:nvSpPr>
@@ -13889,7 +14659,13 @@
       </p:sp>
       <p:sp>
         <p:nvSpPr>
-          <p:cNvPr id="23" name="Freeform 23"/>
+          <p:cNvPr id="23" name="Freeform 23">
+            <a:extLst>
+              <a:ext uri="{FF2B5EF4-FFF2-40B4-BE49-F238E27FC236}">
+                <a16:creationId xmlns:a16="http://schemas.microsoft.com/office/drawing/2014/main" id="{EACC0E63-6186-3F25-01B9-9B65C9F6C0A9}"/>
+              </a:ext>
+            </a:extLst>
+          </p:cNvPr>
           <p:cNvSpPr/>
           <p:nvPr/>
         </p:nvSpPr>
@@ -13948,7 +14724,13 @@
       </p:sp>
       <p:sp>
         <p:nvSpPr>
-          <p:cNvPr id="24" name="Freeform 24"/>
+          <p:cNvPr id="24" name="Freeform 24">
+            <a:extLst>
+              <a:ext uri="{FF2B5EF4-FFF2-40B4-BE49-F238E27FC236}">
+                <a16:creationId xmlns:a16="http://schemas.microsoft.com/office/drawing/2014/main" id="{7912E64B-15A4-B188-BD4D-022937765A89}"/>
+              </a:ext>
+            </a:extLst>
+          </p:cNvPr>
           <p:cNvSpPr/>
           <p:nvPr/>
         </p:nvSpPr>
@@ -14007,7 +14789,13 @@
       </p:sp>
       <p:sp>
         <p:nvSpPr>
-          <p:cNvPr id="25" name="Freeform 25"/>
+          <p:cNvPr id="25" name="Freeform 25">
+            <a:extLst>
+              <a:ext uri="{FF2B5EF4-FFF2-40B4-BE49-F238E27FC236}">
+                <a16:creationId xmlns:a16="http://schemas.microsoft.com/office/drawing/2014/main" id="{E83E8C56-1EA7-75EA-CD08-B2103B21622C}"/>
+              </a:ext>
+            </a:extLst>
+          </p:cNvPr>
           <p:cNvSpPr/>
           <p:nvPr/>
         </p:nvSpPr>
@@ -14066,7 +14854,13 @@
       </p:sp>
       <p:sp>
         <p:nvSpPr>
-          <p:cNvPr id="32" name="TextBox 32"/>
+          <p:cNvPr id="32" name="TextBox 32">
+            <a:extLst>
+              <a:ext uri="{FF2B5EF4-FFF2-40B4-BE49-F238E27FC236}">
+                <a16:creationId xmlns:a16="http://schemas.microsoft.com/office/drawing/2014/main" id="{90898715-D687-BFB0-3F01-09E2846FCA35}"/>
+              </a:ext>
+            </a:extLst>
+          </p:cNvPr>
           <p:cNvSpPr txBox="1"/>
           <p:nvPr/>
         </p:nvSpPr>
@@ -14110,7 +14904,7 @@
           <p:cNvPr id="33" name="TextBox 9">
             <a:extLst>
               <a:ext uri="{FF2B5EF4-FFF2-40B4-BE49-F238E27FC236}">
-                <a16:creationId xmlns:a16="http://schemas.microsoft.com/office/drawing/2014/main" id="{105CAE78-8650-82EA-DDE0-94218C2799DB}"/>
+                <a16:creationId xmlns:a16="http://schemas.microsoft.com/office/drawing/2014/main" id="{2C29C8A2-15F6-5310-4E16-C95782C8457B}"/>
               </a:ext>
             </a:extLst>
           </p:cNvPr>
@@ -14864,7 +15658,7 @@
           <p:cNvPr id="2" name="CuadroTexto 1">
             <a:extLst>
               <a:ext uri="{FF2B5EF4-FFF2-40B4-BE49-F238E27FC236}">
-                <a16:creationId xmlns:a16="http://schemas.microsoft.com/office/drawing/2014/main" id="{D9743F94-978F-FBFE-8871-507BD2B4ECC2}"/>
+                <a16:creationId xmlns:a16="http://schemas.microsoft.com/office/drawing/2014/main" id="{4A2AF170-F5C6-DA56-6A48-49DAB0D71B35}"/>
               </a:ext>
             </a:extLst>
           </p:cNvPr>
@@ -14896,6 +15690,11 @@
         </p:txBody>
       </p:sp>
     </p:spTree>
+    <p:extLst>
+      <p:ext uri="{BB962C8B-B14F-4D97-AF65-F5344CB8AC3E}">
+        <p14:creationId xmlns:p14="http://schemas.microsoft.com/office/powerpoint/2010/main" val="3227234203"/>
+      </p:ext>
+    </p:extLst>
   </p:cSld>
   <p:clrMapOvr>
     <a:masterClrMapping/>
@@ -14903,7 +15702,7 @@
 </p:sld>
 </file>
 
-<file path=ppt/slides/slide17.xml><?xml version="1.0" encoding="utf-8"?>
+<file path=ppt/slides/slide18.xml><?xml version="1.0" encoding="utf-8"?>
 <p:sld xmlns:a="http://schemas.openxmlformats.org/drawingml/2006/main" xmlns:r="http://schemas.openxmlformats.org/officeDocument/2006/relationships" xmlns:p="http://schemas.openxmlformats.org/presentationml/2006/main">
   <p:cSld>
     <p:bg>
@@ -15779,7 +16578,7 @@
 </p:sld>
 </file>
 
-<file path=ppt/slides/slide18.xml><?xml version="1.0" encoding="utf-8"?>
+<file path=ppt/slides/slide19.xml><?xml version="1.0" encoding="utf-8"?>
 <p:sld xmlns:a="http://schemas.openxmlformats.org/drawingml/2006/main" xmlns:r="http://schemas.openxmlformats.org/officeDocument/2006/relationships" xmlns:p="http://schemas.openxmlformats.org/presentationml/2006/main">
   <p:cSld>
     <p:bg>
@@ -16791,6 +17590,1361 @@
         </p:nvSpPr>
         <p:spPr>
           <a:xfrm>
+            <a:off x="-1535548" y="1946353"/>
+            <a:ext cx="7876905" cy="7726439"/>
+          </a:xfrm>
+          <a:custGeom>
+            <a:avLst/>
+            <a:gdLst/>
+            <a:ahLst/>
+            <a:cxnLst/>
+            <a:rect l="l" t="t" r="r" b="b"/>
+            <a:pathLst>
+              <a:path w="7876905" h="7726439">
+                <a:moveTo>
+                  <a:pt x="0" y="0"/>
+                </a:moveTo>
+                <a:lnTo>
+                  <a:pt x="7876905" y="0"/>
+                </a:lnTo>
+                <a:lnTo>
+                  <a:pt x="7876905" y="7726439"/>
+                </a:lnTo>
+                <a:lnTo>
+                  <a:pt x="0" y="7726439"/>
+                </a:lnTo>
+                <a:lnTo>
+                  <a:pt x="0" y="0"/>
+                </a:lnTo>
+                <a:close/>
+              </a:path>
+            </a:pathLst>
+          </a:custGeom>
+          <a:blipFill>
+            <a:blip r:embed="rId2">
+              <a:extLst>
+                <a:ext uri="{96DAC541-7B7A-43D3-8B79-37D633B846F1}">
+                  <asvg:svgBlip xmlns:asvg="http://schemas.microsoft.com/office/drawing/2016/SVG/main" r:embed="rId3"/>
+                </a:ext>
+              </a:extLst>
+            </a:blip>
+            <a:stretch>
+              <a:fillRect/>
+            </a:stretch>
+          </a:blipFill>
+        </p:spPr>
+        <p:txBody>
+          <a:bodyPr/>
+          <a:lstStyle/>
+          <a:p>
+            <a:endParaRPr lang="es-ES" noProof="0" dirty="0"/>
+          </a:p>
+        </p:txBody>
+      </p:sp>
+      <p:sp>
+        <p:nvSpPr>
+          <p:cNvPr id="3" name="Freeform 3"/>
+          <p:cNvSpPr/>
+          <p:nvPr/>
+        </p:nvSpPr>
+        <p:spPr>
+          <a:xfrm rot="-1793077">
+            <a:off x="1867173" y="693591"/>
+            <a:ext cx="1769402" cy="2463725"/>
+          </a:xfrm>
+          <a:custGeom>
+            <a:avLst/>
+            <a:gdLst/>
+            <a:ahLst/>
+            <a:cxnLst/>
+            <a:rect l="l" t="t" r="r" b="b"/>
+            <a:pathLst>
+              <a:path w="1769402" h="2463725">
+                <a:moveTo>
+                  <a:pt x="0" y="0"/>
+                </a:moveTo>
+                <a:lnTo>
+                  <a:pt x="1769402" y="0"/>
+                </a:lnTo>
+                <a:lnTo>
+                  <a:pt x="1769402" y="2463724"/>
+                </a:lnTo>
+                <a:lnTo>
+                  <a:pt x="0" y="2463724"/>
+                </a:lnTo>
+                <a:lnTo>
+                  <a:pt x="0" y="0"/>
+                </a:lnTo>
+                <a:close/>
+              </a:path>
+            </a:pathLst>
+          </a:custGeom>
+          <a:blipFill>
+            <a:blip r:embed="rId4">
+              <a:extLst>
+                <a:ext uri="{96DAC541-7B7A-43D3-8B79-37D633B846F1}">
+                  <asvg:svgBlip xmlns:asvg="http://schemas.microsoft.com/office/drawing/2016/SVG/main" r:embed="rId5"/>
+                </a:ext>
+              </a:extLst>
+            </a:blip>
+            <a:stretch>
+              <a:fillRect/>
+            </a:stretch>
+          </a:blipFill>
+        </p:spPr>
+        <p:txBody>
+          <a:bodyPr/>
+          <a:lstStyle/>
+          <a:p>
+            <a:endParaRPr lang="es-ES" noProof="0" dirty="0"/>
+          </a:p>
+        </p:txBody>
+      </p:sp>
+      <p:sp>
+        <p:nvSpPr>
+          <p:cNvPr id="4" name="Freeform 4"/>
+          <p:cNvSpPr/>
+          <p:nvPr/>
+        </p:nvSpPr>
+        <p:spPr>
+          <a:xfrm>
+            <a:off x="11141168" y="3285694"/>
+            <a:ext cx="7876905" cy="7726439"/>
+          </a:xfrm>
+          <a:custGeom>
+            <a:avLst/>
+            <a:gdLst/>
+            <a:ahLst/>
+            <a:cxnLst/>
+            <a:rect l="l" t="t" r="r" b="b"/>
+            <a:pathLst>
+              <a:path w="7876905" h="7726439">
+                <a:moveTo>
+                  <a:pt x="0" y="0"/>
+                </a:moveTo>
+                <a:lnTo>
+                  <a:pt x="7876905" y="0"/>
+                </a:lnTo>
+                <a:lnTo>
+                  <a:pt x="7876905" y="7726439"/>
+                </a:lnTo>
+                <a:lnTo>
+                  <a:pt x="0" y="7726439"/>
+                </a:lnTo>
+                <a:lnTo>
+                  <a:pt x="0" y="0"/>
+                </a:lnTo>
+                <a:close/>
+              </a:path>
+            </a:pathLst>
+          </a:custGeom>
+          <a:blipFill>
+            <a:blip r:embed="rId2">
+              <a:extLst>
+                <a:ext uri="{96DAC541-7B7A-43D3-8B79-37D633B846F1}">
+                  <asvg:svgBlip xmlns:asvg="http://schemas.microsoft.com/office/drawing/2016/SVG/main" r:embed="rId3"/>
+                </a:ext>
+              </a:extLst>
+            </a:blip>
+            <a:stretch>
+              <a:fillRect/>
+            </a:stretch>
+          </a:blipFill>
+        </p:spPr>
+        <p:txBody>
+          <a:bodyPr/>
+          <a:lstStyle/>
+          <a:p>
+            <a:endParaRPr lang="es-ES" noProof="0" dirty="0"/>
+          </a:p>
+        </p:txBody>
+      </p:sp>
+      <p:sp>
+        <p:nvSpPr>
+          <p:cNvPr id="5" name="Freeform 5"/>
+          <p:cNvSpPr/>
+          <p:nvPr/>
+        </p:nvSpPr>
+        <p:spPr>
+          <a:xfrm rot="855077">
+            <a:off x="14123344" y="407456"/>
+            <a:ext cx="2066999" cy="2383332"/>
+          </a:xfrm>
+          <a:custGeom>
+            <a:avLst/>
+            <a:gdLst/>
+            <a:ahLst/>
+            <a:cxnLst/>
+            <a:rect l="l" t="t" r="r" b="b"/>
+            <a:pathLst>
+              <a:path w="2066999" h="2383332">
+                <a:moveTo>
+                  <a:pt x="0" y="0"/>
+                </a:moveTo>
+                <a:lnTo>
+                  <a:pt x="2066999" y="0"/>
+                </a:lnTo>
+                <a:lnTo>
+                  <a:pt x="2066999" y="2383332"/>
+                </a:lnTo>
+                <a:lnTo>
+                  <a:pt x="0" y="2383332"/>
+                </a:lnTo>
+                <a:lnTo>
+                  <a:pt x="0" y="0"/>
+                </a:lnTo>
+                <a:close/>
+              </a:path>
+            </a:pathLst>
+          </a:custGeom>
+          <a:blipFill>
+            <a:blip r:embed="rId6">
+              <a:extLst>
+                <a:ext uri="{96DAC541-7B7A-43D3-8B79-37D633B846F1}">
+                  <asvg:svgBlip xmlns:asvg="http://schemas.microsoft.com/office/drawing/2016/SVG/main" r:embed="rId7"/>
+                </a:ext>
+              </a:extLst>
+            </a:blip>
+            <a:stretch>
+              <a:fillRect/>
+            </a:stretch>
+          </a:blipFill>
+        </p:spPr>
+        <p:txBody>
+          <a:bodyPr/>
+          <a:lstStyle/>
+          <a:p>
+            <a:endParaRPr lang="es-ES" noProof="0" dirty="0"/>
+          </a:p>
+        </p:txBody>
+      </p:sp>
+      <p:grpSp>
+        <p:nvGrpSpPr>
+          <p:cNvPr id="6" name="Group 6"/>
+          <p:cNvGrpSpPr/>
+          <p:nvPr/>
+        </p:nvGrpSpPr>
+        <p:grpSpPr>
+          <a:xfrm>
+            <a:off x="3129847" y="759834"/>
+            <a:ext cx="12092272" cy="4764666"/>
+            <a:chOff x="0" y="0"/>
+            <a:chExt cx="1100680" cy="381469"/>
+          </a:xfrm>
+        </p:grpSpPr>
+        <p:sp>
+          <p:nvSpPr>
+            <p:cNvPr id="7" name="Freeform 7"/>
+            <p:cNvSpPr/>
+            <p:nvPr/>
+          </p:nvSpPr>
+          <p:spPr>
+            <a:xfrm>
+              <a:off x="0" y="0"/>
+              <a:ext cx="1100680" cy="381469"/>
+            </a:xfrm>
+            <a:custGeom>
+              <a:avLst/>
+              <a:gdLst/>
+              <a:ahLst/>
+              <a:cxnLst/>
+              <a:rect l="l" t="t" r="r" b="b"/>
+              <a:pathLst>
+                <a:path w="1100680" h="381469">
+                  <a:moveTo>
+                    <a:pt x="897480" y="0"/>
+                  </a:moveTo>
+                  <a:cubicBezTo>
+                    <a:pt x="1009705" y="0"/>
+                    <a:pt x="1100680" y="85395"/>
+                    <a:pt x="1100680" y="190734"/>
+                  </a:cubicBezTo>
+                  <a:cubicBezTo>
+                    <a:pt x="1100680" y="296074"/>
+                    <a:pt x="1009705" y="381469"/>
+                    <a:pt x="897480" y="381469"/>
+                  </a:cubicBezTo>
+                  <a:lnTo>
+                    <a:pt x="203200" y="381469"/>
+                  </a:lnTo>
+                  <a:cubicBezTo>
+                    <a:pt x="90976" y="381469"/>
+                    <a:pt x="0" y="296074"/>
+                    <a:pt x="0" y="190734"/>
+                  </a:cubicBezTo>
+                  <a:cubicBezTo>
+                    <a:pt x="0" y="85395"/>
+                    <a:pt x="90976" y="0"/>
+                    <a:pt x="203200" y="0"/>
+                  </a:cubicBezTo>
+                  <a:close/>
+                </a:path>
+              </a:pathLst>
+            </a:custGeom>
+            <a:solidFill>
+              <a:srgbClr val="E9EAF6"/>
+            </a:solidFill>
+          </p:spPr>
+          <p:txBody>
+            <a:bodyPr/>
+            <a:lstStyle/>
+            <a:p>
+              <a:endParaRPr lang="es-ES" noProof="0" dirty="0"/>
+            </a:p>
+          </p:txBody>
+        </p:sp>
+        <p:sp>
+          <p:nvSpPr>
+            <p:cNvPr id="8" name="TextBox 8"/>
+            <p:cNvSpPr txBox="1"/>
+            <p:nvPr/>
+          </p:nvSpPr>
+          <p:spPr>
+            <a:xfrm>
+              <a:off x="0" y="-38100"/>
+              <a:ext cx="1100680" cy="419569"/>
+            </a:xfrm>
+            <a:prstGeom prst="rect">
+              <a:avLst/>
+            </a:prstGeom>
+          </p:spPr>
+          <p:txBody>
+            <a:bodyPr lIns="50800" tIns="50800" rIns="50800" bIns="50800" rtlCol="0" anchor="ctr"/>
+            <a:lstStyle/>
+            <a:p>
+              <a:pPr algn="ctr">
+                <a:lnSpc>
+                  <a:spcPts val="2659"/>
+                </a:lnSpc>
+              </a:pPr>
+              <a:endParaRPr lang="es-ES" noProof="0" dirty="0"/>
+            </a:p>
+          </p:txBody>
+        </p:sp>
+      </p:grpSp>
+      <p:sp>
+        <p:nvSpPr>
+          <p:cNvPr id="12" name="Freeform 12"/>
+          <p:cNvSpPr/>
+          <p:nvPr/>
+        </p:nvSpPr>
+        <p:spPr>
+          <a:xfrm rot="-1257881">
+            <a:off x="439525" y="4141739"/>
+            <a:ext cx="2686675" cy="2370414"/>
+          </a:xfrm>
+          <a:custGeom>
+            <a:avLst/>
+            <a:gdLst/>
+            <a:ahLst/>
+            <a:cxnLst/>
+            <a:rect l="l" t="t" r="r" b="b"/>
+            <a:pathLst>
+              <a:path w="3549762" h="3440042">
+                <a:moveTo>
+                  <a:pt x="0" y="0"/>
+                </a:moveTo>
+                <a:lnTo>
+                  <a:pt x="3549762" y="0"/>
+                </a:lnTo>
+                <a:lnTo>
+                  <a:pt x="3549762" y="3440042"/>
+                </a:lnTo>
+                <a:lnTo>
+                  <a:pt x="0" y="3440042"/>
+                </a:lnTo>
+                <a:lnTo>
+                  <a:pt x="0" y="0"/>
+                </a:lnTo>
+                <a:close/>
+              </a:path>
+            </a:pathLst>
+          </a:custGeom>
+          <a:blipFill>
+            <a:blip r:embed="rId8">
+              <a:extLst>
+                <a:ext uri="{96DAC541-7B7A-43D3-8B79-37D633B846F1}">
+                  <asvg:svgBlip xmlns:asvg="http://schemas.microsoft.com/office/drawing/2016/SVG/main" r:embed="rId9"/>
+                </a:ext>
+              </a:extLst>
+            </a:blip>
+            <a:stretch>
+              <a:fillRect/>
+            </a:stretch>
+          </a:blipFill>
+        </p:spPr>
+        <p:txBody>
+          <a:bodyPr/>
+          <a:lstStyle/>
+          <a:p>
+            <a:endParaRPr lang="es-ES" noProof="0" dirty="0"/>
+          </a:p>
+        </p:txBody>
+      </p:sp>
+      <p:sp>
+        <p:nvSpPr>
+          <p:cNvPr id="13" name="Freeform 13"/>
+          <p:cNvSpPr/>
+          <p:nvPr/>
+        </p:nvSpPr>
+        <p:spPr>
+          <a:xfrm rot="-1248570">
+            <a:off x="15891462" y="4182640"/>
+            <a:ext cx="2101345" cy="3428484"/>
+          </a:xfrm>
+          <a:custGeom>
+            <a:avLst/>
+            <a:gdLst/>
+            <a:ahLst/>
+            <a:cxnLst/>
+            <a:rect l="l" t="t" r="r" b="b"/>
+            <a:pathLst>
+              <a:path w="2885297" h="4111175">
+                <a:moveTo>
+                  <a:pt x="0" y="0"/>
+                </a:moveTo>
+                <a:lnTo>
+                  <a:pt x="2885297" y="0"/>
+                </a:lnTo>
+                <a:lnTo>
+                  <a:pt x="2885297" y="4111175"/>
+                </a:lnTo>
+                <a:lnTo>
+                  <a:pt x="0" y="4111175"/>
+                </a:lnTo>
+                <a:lnTo>
+                  <a:pt x="0" y="0"/>
+                </a:lnTo>
+                <a:close/>
+              </a:path>
+            </a:pathLst>
+          </a:custGeom>
+          <a:blipFill>
+            <a:blip r:embed="rId10">
+              <a:extLst>
+                <a:ext uri="{96DAC541-7B7A-43D3-8B79-37D633B846F1}">
+                  <asvg:svgBlip xmlns:asvg="http://schemas.microsoft.com/office/drawing/2016/SVG/main" r:embed="rId11"/>
+                </a:ext>
+              </a:extLst>
+            </a:blip>
+            <a:stretch>
+              <a:fillRect/>
+            </a:stretch>
+          </a:blipFill>
+        </p:spPr>
+        <p:txBody>
+          <a:bodyPr/>
+          <a:lstStyle/>
+          <a:p>
+            <a:endParaRPr lang="es-ES" noProof="0" dirty="0"/>
+          </a:p>
+        </p:txBody>
+      </p:sp>
+      <p:grpSp>
+        <p:nvGrpSpPr>
+          <p:cNvPr id="23" name="Grupo 22">
+            <a:extLst>
+              <a:ext uri="{FF2B5EF4-FFF2-40B4-BE49-F238E27FC236}">
+                <a16:creationId xmlns:a16="http://schemas.microsoft.com/office/drawing/2014/main" id="{6580D25D-C04E-C063-215F-546848BEF702}"/>
+              </a:ext>
+            </a:extLst>
+          </p:cNvPr>
+          <p:cNvGrpSpPr/>
+          <p:nvPr/>
+        </p:nvGrpSpPr>
+        <p:grpSpPr>
+          <a:xfrm>
+            <a:off x="3880670" y="6111475"/>
+            <a:ext cx="10732683" cy="4722944"/>
+            <a:chOff x="3798405" y="6166809"/>
+            <a:chExt cx="10732683" cy="4722944"/>
+          </a:xfrm>
+        </p:grpSpPr>
+        <p:sp>
+          <p:nvSpPr>
+            <p:cNvPr id="9" name="Freeform 9"/>
+            <p:cNvSpPr/>
+            <p:nvPr/>
+          </p:nvSpPr>
+          <p:spPr>
+            <a:xfrm>
+              <a:off x="9501354" y="6166809"/>
+              <a:ext cx="3937400" cy="4722944"/>
+            </a:xfrm>
+            <a:custGeom>
+              <a:avLst/>
+              <a:gdLst/>
+              <a:ahLst/>
+              <a:cxnLst/>
+              <a:rect l="l" t="t" r="r" b="b"/>
+              <a:pathLst>
+                <a:path w="5018594" h="5403600">
+                  <a:moveTo>
+                    <a:pt x="0" y="0"/>
+                  </a:moveTo>
+                  <a:lnTo>
+                    <a:pt x="5018594" y="0"/>
+                  </a:lnTo>
+                  <a:lnTo>
+                    <a:pt x="5018594" y="5403600"/>
+                  </a:lnTo>
+                  <a:lnTo>
+                    <a:pt x="0" y="5403600"/>
+                  </a:lnTo>
+                  <a:lnTo>
+                    <a:pt x="0" y="0"/>
+                  </a:lnTo>
+                  <a:close/>
+                </a:path>
+              </a:pathLst>
+            </a:custGeom>
+            <a:blipFill>
+              <a:blip r:embed="rId12">
+                <a:extLst>
+                  <a:ext uri="{96DAC541-7B7A-43D3-8B79-37D633B846F1}">
+                    <asvg:svgBlip xmlns:asvg="http://schemas.microsoft.com/office/drawing/2016/SVG/main" r:embed="rId13"/>
+                  </a:ext>
+                </a:extLst>
+              </a:blip>
+              <a:stretch>
+                <a:fillRect/>
+              </a:stretch>
+            </a:blipFill>
+          </p:spPr>
+          <p:txBody>
+            <a:bodyPr/>
+            <a:lstStyle/>
+            <a:p>
+              <a:endParaRPr lang="es-ES" noProof="0" dirty="0"/>
+            </a:p>
+          </p:txBody>
+        </p:sp>
+        <p:sp>
+          <p:nvSpPr>
+            <p:cNvPr id="10" name="Freeform 10"/>
+            <p:cNvSpPr/>
+            <p:nvPr/>
+          </p:nvSpPr>
+          <p:spPr>
+            <a:xfrm>
+              <a:off x="3798405" y="6240698"/>
+              <a:ext cx="2992680" cy="4423184"/>
+            </a:xfrm>
+            <a:custGeom>
+              <a:avLst/>
+              <a:gdLst/>
+              <a:ahLst/>
+              <a:cxnLst/>
+              <a:rect l="l" t="t" r="r" b="b"/>
+              <a:pathLst>
+                <a:path w="3814457" h="5060639">
+                  <a:moveTo>
+                    <a:pt x="0" y="0"/>
+                  </a:moveTo>
+                  <a:lnTo>
+                    <a:pt x="3814457" y="0"/>
+                  </a:lnTo>
+                  <a:lnTo>
+                    <a:pt x="3814457" y="5060640"/>
+                  </a:lnTo>
+                  <a:lnTo>
+                    <a:pt x="0" y="5060640"/>
+                  </a:lnTo>
+                  <a:lnTo>
+                    <a:pt x="0" y="0"/>
+                  </a:lnTo>
+                  <a:close/>
+                </a:path>
+              </a:pathLst>
+            </a:custGeom>
+            <a:blipFill>
+              <a:blip r:embed="rId14">
+                <a:extLst>
+                  <a:ext uri="{96DAC541-7B7A-43D3-8B79-37D633B846F1}">
+                    <asvg:svgBlip xmlns:asvg="http://schemas.microsoft.com/office/drawing/2016/SVG/main" r:embed="rId15"/>
+                  </a:ext>
+                </a:extLst>
+              </a:blip>
+              <a:stretch>
+                <a:fillRect/>
+              </a:stretch>
+            </a:blipFill>
+          </p:spPr>
+          <p:txBody>
+            <a:bodyPr/>
+            <a:lstStyle/>
+            <a:p>
+              <a:endParaRPr lang="es-ES" noProof="0" dirty="0"/>
+            </a:p>
+          </p:txBody>
+        </p:sp>
+        <p:sp>
+          <p:nvSpPr>
+            <p:cNvPr id="11" name="Freeform 11"/>
+            <p:cNvSpPr/>
+            <p:nvPr/>
+          </p:nvSpPr>
+          <p:spPr>
+            <a:xfrm>
+              <a:off x="5996994" y="6166809"/>
+              <a:ext cx="3163069" cy="4570962"/>
+            </a:xfrm>
+            <a:custGeom>
+              <a:avLst/>
+              <a:gdLst/>
+              <a:ahLst/>
+              <a:cxnLst/>
+              <a:rect l="l" t="t" r="r" b="b"/>
+              <a:pathLst>
+                <a:path w="4031635" h="5229715">
+                  <a:moveTo>
+                    <a:pt x="0" y="0"/>
+                  </a:moveTo>
+                  <a:lnTo>
+                    <a:pt x="4031635" y="0"/>
+                  </a:lnTo>
+                  <a:lnTo>
+                    <a:pt x="4031635" y="5229715"/>
+                  </a:lnTo>
+                  <a:lnTo>
+                    <a:pt x="0" y="5229715"/>
+                  </a:lnTo>
+                  <a:lnTo>
+                    <a:pt x="0" y="0"/>
+                  </a:lnTo>
+                  <a:close/>
+                </a:path>
+              </a:pathLst>
+            </a:custGeom>
+            <a:blipFill>
+              <a:blip r:embed="rId16">
+                <a:extLst>
+                  <a:ext uri="{96DAC541-7B7A-43D3-8B79-37D633B846F1}">
+                    <asvg:svgBlip xmlns:asvg="http://schemas.microsoft.com/office/drawing/2016/SVG/main" r:embed="rId17"/>
+                  </a:ext>
+                </a:extLst>
+              </a:blip>
+              <a:stretch>
+                <a:fillRect/>
+              </a:stretch>
+            </a:blipFill>
+          </p:spPr>
+          <p:txBody>
+            <a:bodyPr/>
+            <a:lstStyle/>
+            <a:p>
+              <a:endParaRPr lang="es-ES" noProof="0" dirty="0"/>
+            </a:p>
+          </p:txBody>
+        </p:sp>
+        <p:sp>
+          <p:nvSpPr>
+            <p:cNvPr id="14" name="Freeform 14"/>
+            <p:cNvSpPr/>
+            <p:nvPr/>
+          </p:nvSpPr>
+          <p:spPr>
+            <a:xfrm>
+              <a:off x="12080620" y="6166809"/>
+              <a:ext cx="2450468" cy="4549878"/>
+            </a:xfrm>
+            <a:custGeom>
+              <a:avLst/>
+              <a:gdLst/>
+              <a:ahLst/>
+              <a:cxnLst/>
+              <a:rect l="l" t="t" r="r" b="b"/>
+              <a:pathLst>
+                <a:path w="3123355" h="5205592">
+                  <a:moveTo>
+                    <a:pt x="0" y="0"/>
+                  </a:moveTo>
+                  <a:lnTo>
+                    <a:pt x="3123356" y="0"/>
+                  </a:lnTo>
+                  <a:lnTo>
+                    <a:pt x="3123356" y="5205592"/>
+                  </a:lnTo>
+                  <a:lnTo>
+                    <a:pt x="0" y="5205592"/>
+                  </a:lnTo>
+                  <a:lnTo>
+                    <a:pt x="0" y="0"/>
+                  </a:lnTo>
+                  <a:close/>
+                </a:path>
+              </a:pathLst>
+            </a:custGeom>
+            <a:blipFill>
+              <a:blip r:embed="rId18">
+                <a:extLst>
+                  <a:ext uri="{96DAC541-7B7A-43D3-8B79-37D633B846F1}">
+                    <asvg:svgBlip xmlns:asvg="http://schemas.microsoft.com/office/drawing/2016/SVG/main" r:embed="rId19"/>
+                  </a:ext>
+                </a:extLst>
+              </a:blip>
+              <a:stretch>
+                <a:fillRect/>
+              </a:stretch>
+            </a:blipFill>
+          </p:spPr>
+          <p:txBody>
+            <a:bodyPr/>
+            <a:lstStyle/>
+            <a:p>
+              <a:endParaRPr lang="es-ES" noProof="0" dirty="0"/>
+            </a:p>
+          </p:txBody>
+        </p:sp>
+      </p:grpSp>
+      <p:sp>
+        <p:nvSpPr>
+          <p:cNvPr id="15" name="Freeform 15"/>
+          <p:cNvSpPr/>
+          <p:nvPr/>
+        </p:nvSpPr>
+        <p:spPr>
+          <a:xfrm rot="-5500207">
+            <a:off x="2329655" y="5567545"/>
+            <a:ext cx="1402006" cy="1402006"/>
+          </a:xfrm>
+          <a:custGeom>
+            <a:avLst/>
+            <a:gdLst/>
+            <a:ahLst/>
+            <a:cxnLst/>
+            <a:rect l="l" t="t" r="r" b="b"/>
+            <a:pathLst>
+              <a:path w="1402006" h="1402006">
+                <a:moveTo>
+                  <a:pt x="0" y="0"/>
+                </a:moveTo>
+                <a:lnTo>
+                  <a:pt x="1402006" y="0"/>
+                </a:lnTo>
+                <a:lnTo>
+                  <a:pt x="1402006" y="1402006"/>
+                </a:lnTo>
+                <a:lnTo>
+                  <a:pt x="0" y="1402006"/>
+                </a:lnTo>
+                <a:lnTo>
+                  <a:pt x="0" y="0"/>
+                </a:lnTo>
+                <a:close/>
+              </a:path>
+            </a:pathLst>
+          </a:custGeom>
+          <a:blipFill>
+            <a:blip r:embed="rId20">
+              <a:extLst>
+                <a:ext uri="{96DAC541-7B7A-43D3-8B79-37D633B846F1}">
+                  <asvg:svgBlip xmlns:asvg="http://schemas.microsoft.com/office/drawing/2016/SVG/main" r:embed="rId21"/>
+                </a:ext>
+              </a:extLst>
+            </a:blip>
+            <a:stretch>
+              <a:fillRect/>
+            </a:stretch>
+          </a:blipFill>
+        </p:spPr>
+        <p:txBody>
+          <a:bodyPr/>
+          <a:lstStyle/>
+          <a:p>
+            <a:endParaRPr lang="es-ES" noProof="0" dirty="0"/>
+          </a:p>
+        </p:txBody>
+      </p:sp>
+      <p:grpSp>
+        <p:nvGrpSpPr>
+          <p:cNvPr id="16" name="Group 16"/>
+          <p:cNvGrpSpPr/>
+          <p:nvPr/>
+        </p:nvGrpSpPr>
+        <p:grpSpPr>
+          <a:xfrm>
+            <a:off x="5721748" y="258861"/>
+            <a:ext cx="7040819" cy="939006"/>
+            <a:chOff x="0" y="0"/>
+            <a:chExt cx="2860316" cy="381469"/>
+          </a:xfrm>
+        </p:grpSpPr>
+        <p:sp>
+          <p:nvSpPr>
+            <p:cNvPr id="17" name="Freeform 17"/>
+            <p:cNvSpPr/>
+            <p:nvPr/>
+          </p:nvSpPr>
+          <p:spPr>
+            <a:xfrm>
+              <a:off x="0" y="0"/>
+              <a:ext cx="2860316" cy="381469"/>
+            </a:xfrm>
+            <a:custGeom>
+              <a:avLst/>
+              <a:gdLst/>
+              <a:ahLst/>
+              <a:cxnLst/>
+              <a:rect l="l" t="t" r="r" b="b"/>
+              <a:pathLst>
+                <a:path w="2860316" h="381469">
+                  <a:moveTo>
+                    <a:pt x="2657116" y="0"/>
+                  </a:moveTo>
+                  <a:cubicBezTo>
+                    <a:pt x="2769341" y="0"/>
+                    <a:pt x="2860316" y="85395"/>
+                    <a:pt x="2860316" y="190734"/>
+                  </a:cubicBezTo>
+                  <a:cubicBezTo>
+                    <a:pt x="2860316" y="296074"/>
+                    <a:pt x="2769341" y="381469"/>
+                    <a:pt x="2657116" y="381469"/>
+                  </a:cubicBezTo>
+                  <a:lnTo>
+                    <a:pt x="203200" y="381469"/>
+                  </a:lnTo>
+                  <a:cubicBezTo>
+                    <a:pt x="90976" y="381469"/>
+                    <a:pt x="0" y="296074"/>
+                    <a:pt x="0" y="190734"/>
+                  </a:cubicBezTo>
+                  <a:cubicBezTo>
+                    <a:pt x="0" y="85395"/>
+                    <a:pt x="90976" y="0"/>
+                    <a:pt x="203200" y="0"/>
+                  </a:cubicBezTo>
+                  <a:close/>
+                </a:path>
+              </a:pathLst>
+            </a:custGeom>
+            <a:solidFill>
+              <a:srgbClr val="BDD2EA"/>
+            </a:solidFill>
+          </p:spPr>
+          <p:txBody>
+            <a:bodyPr/>
+            <a:lstStyle/>
+            <a:p>
+              <a:endParaRPr lang="es-ES" noProof="0" dirty="0"/>
+            </a:p>
+          </p:txBody>
+        </p:sp>
+        <p:sp>
+          <p:nvSpPr>
+            <p:cNvPr id="18" name="TextBox 18"/>
+            <p:cNvSpPr txBox="1"/>
+            <p:nvPr/>
+          </p:nvSpPr>
+          <p:spPr>
+            <a:xfrm>
+              <a:off x="0" y="-38100"/>
+              <a:ext cx="2860316" cy="419569"/>
+            </a:xfrm>
+            <a:prstGeom prst="rect">
+              <a:avLst/>
+            </a:prstGeom>
+          </p:spPr>
+          <p:txBody>
+            <a:bodyPr lIns="50800" tIns="50800" rIns="50800" bIns="50800" rtlCol="0" anchor="ctr"/>
+            <a:lstStyle/>
+            <a:p>
+              <a:pPr algn="ctr">
+                <a:lnSpc>
+                  <a:spcPts val="2659"/>
+                </a:lnSpc>
+              </a:pPr>
+              <a:endParaRPr lang="es-ES" noProof="0" dirty="0"/>
+            </a:p>
+          </p:txBody>
+        </p:sp>
+      </p:grpSp>
+      <p:sp>
+        <p:nvSpPr>
+          <p:cNvPr id="19" name="Freeform 19"/>
+          <p:cNvSpPr/>
+          <p:nvPr/>
+        </p:nvSpPr>
+        <p:spPr>
+          <a:xfrm rot="-5500207" flipH="1">
+            <a:off x="16436803" y="8480772"/>
+            <a:ext cx="1402006" cy="1402006"/>
+          </a:xfrm>
+          <a:custGeom>
+            <a:avLst/>
+            <a:gdLst/>
+            <a:ahLst/>
+            <a:cxnLst/>
+            <a:rect l="l" t="t" r="r" b="b"/>
+            <a:pathLst>
+              <a:path w="1402006" h="1402006">
+                <a:moveTo>
+                  <a:pt x="1402006" y="0"/>
+                </a:moveTo>
+                <a:lnTo>
+                  <a:pt x="0" y="0"/>
+                </a:lnTo>
+                <a:lnTo>
+                  <a:pt x="0" y="1402006"/>
+                </a:lnTo>
+                <a:lnTo>
+                  <a:pt x="1402006" y="1402006"/>
+                </a:lnTo>
+                <a:lnTo>
+                  <a:pt x="1402006" y="0"/>
+                </a:lnTo>
+                <a:close/>
+              </a:path>
+            </a:pathLst>
+          </a:custGeom>
+          <a:blipFill>
+            <a:blip r:embed="rId20">
+              <a:extLst>
+                <a:ext uri="{96DAC541-7B7A-43D3-8B79-37D633B846F1}">
+                  <asvg:svgBlip xmlns:asvg="http://schemas.microsoft.com/office/drawing/2016/SVG/main" r:embed="rId21"/>
+                </a:ext>
+              </a:extLst>
+            </a:blip>
+            <a:stretch>
+              <a:fillRect/>
+            </a:stretch>
+          </a:blipFill>
+        </p:spPr>
+        <p:txBody>
+          <a:bodyPr/>
+          <a:lstStyle/>
+          <a:p>
+            <a:endParaRPr lang="es-ES" noProof="0" dirty="0"/>
+          </a:p>
+        </p:txBody>
+      </p:sp>
+      <p:sp>
+        <p:nvSpPr>
+          <p:cNvPr id="20" name="TextBox 20"/>
+          <p:cNvSpPr txBox="1"/>
+          <p:nvPr/>
+        </p:nvSpPr>
+        <p:spPr>
+          <a:xfrm>
+            <a:off x="6078906" y="342900"/>
+            <a:ext cx="6235667" cy="738664"/>
+          </a:xfrm>
+          <a:prstGeom prst="rect">
+            <a:avLst/>
+          </a:prstGeom>
+        </p:spPr>
+        <p:txBody>
+          <a:bodyPr lIns="0" tIns="0" rIns="0" bIns="0" rtlCol="0" anchor="t">
+            <a:spAutoFit/>
+          </a:bodyPr>
+          <a:lstStyle/>
+          <a:p>
+            <a:pPr algn="ctr"/>
+            <a:r>
+              <a:rPr lang="es-ES" sz="2400" b="1" noProof="0" dirty="0">
+                <a:solidFill>
+                  <a:srgbClr val="222366"/>
+                </a:solidFill>
+                <a:latin typeface="Public Sans Bold"/>
+                <a:ea typeface="Public Sans Bold"/>
+                <a:cs typeface="Public Sans Bold"/>
+                <a:sym typeface="Public Sans Bold"/>
+              </a:rPr>
+              <a:t>Alumna: </a:t>
+            </a:r>
+            <a:r>
+              <a:rPr lang="es-ES" sz="2400" b="1" dirty="0">
+                <a:solidFill>
+                  <a:srgbClr val="222366"/>
+                </a:solidFill>
+                <a:latin typeface="Public Sans Bold"/>
+                <a:ea typeface="Public Sans Bold"/>
+                <a:cs typeface="Public Sans Bold"/>
+                <a:sym typeface="Public Sans Bold"/>
+              </a:rPr>
+              <a:t>María Uriburu Gray</a:t>
+            </a:r>
+          </a:p>
+          <a:p>
+            <a:pPr algn="ctr"/>
+            <a:r>
+              <a:rPr lang="es-ES" sz="2400" b="1" noProof="0" dirty="0">
+                <a:solidFill>
+                  <a:srgbClr val="222366"/>
+                </a:solidFill>
+                <a:latin typeface="Public Sans Bold"/>
+                <a:ea typeface="Public Sans Bold"/>
+                <a:cs typeface="Public Sans Bold"/>
+                <a:sym typeface="Public Sans Bold"/>
+              </a:rPr>
+              <a:t>Mentor: </a:t>
+            </a:r>
+            <a:r>
+              <a:rPr lang="es-ES" sz="2400" b="1" dirty="0">
+                <a:solidFill>
+                  <a:srgbClr val="222366"/>
+                </a:solidFill>
+                <a:latin typeface="Public Sans Bold"/>
+                <a:ea typeface="Public Sans Bold"/>
+                <a:cs typeface="Public Sans Bold"/>
+                <a:sym typeface="Public Sans Bold"/>
+              </a:rPr>
+              <a:t>Joan Gasull Jolis</a:t>
+            </a:r>
+            <a:endParaRPr lang="es-ES" sz="2400" b="1" noProof="0" dirty="0">
+              <a:solidFill>
+                <a:srgbClr val="222366"/>
+              </a:solidFill>
+              <a:latin typeface="Public Sans Bold"/>
+              <a:ea typeface="Public Sans Bold"/>
+              <a:cs typeface="Public Sans Bold"/>
+              <a:sym typeface="Public Sans Bold"/>
+            </a:endParaRPr>
+          </a:p>
+        </p:txBody>
+      </p:sp>
+      <p:sp>
+        <p:nvSpPr>
+          <p:cNvPr id="21" name="TextBox 21"/>
+          <p:cNvSpPr txBox="1"/>
+          <p:nvPr/>
+        </p:nvSpPr>
+        <p:spPr>
+          <a:xfrm>
+            <a:off x="3893988" y="1414843"/>
+            <a:ext cx="10557551" cy="1193788"/>
+          </a:xfrm>
+          <a:prstGeom prst="rect">
+            <a:avLst/>
+          </a:prstGeom>
+        </p:spPr>
+        <p:txBody>
+          <a:bodyPr lIns="0" tIns="0" rIns="0" bIns="0" rtlCol="0" anchor="t">
+            <a:spAutoFit/>
+          </a:bodyPr>
+          <a:lstStyle/>
+          <a:p>
+            <a:pPr algn="ctr">
+              <a:lnSpc>
+                <a:spcPts val="10499"/>
+              </a:lnSpc>
+            </a:pPr>
+            <a:r>
+              <a:rPr lang="es-ES" sz="7499" dirty="0">
+                <a:solidFill>
+                  <a:srgbClr val="222366"/>
+                </a:solidFill>
+                <a:effectLst>
+                  <a:outerShdw blurRad="38100" dist="38100" dir="2700000" algn="tl">
+                    <a:srgbClr val="000000">
+                      <a:alpha val="43137"/>
+                    </a:srgbClr>
+                  </a:outerShdw>
+                </a:effectLst>
+                <a:latin typeface="Brick Sans"/>
+                <a:ea typeface="Brick Sans"/>
+                <a:cs typeface="Brick Sans"/>
+                <a:sym typeface="Brick Sans"/>
+              </a:rPr>
+              <a:t>Más que </a:t>
+            </a:r>
+            <a:r>
+              <a:rPr lang="es-ES" sz="7499" noProof="0" dirty="0">
+                <a:solidFill>
+                  <a:srgbClr val="222366"/>
+                </a:solidFill>
+                <a:effectLst>
+                  <a:outerShdw blurRad="38100" dist="38100" dir="2700000" algn="tl">
+                    <a:srgbClr val="000000">
+                      <a:alpha val="43137"/>
+                    </a:srgbClr>
+                  </a:outerShdw>
+                </a:effectLst>
+                <a:latin typeface="Brick Sans"/>
+                <a:ea typeface="Brick Sans"/>
+                <a:cs typeface="Brick Sans"/>
+                <a:sym typeface="Brick Sans"/>
+              </a:rPr>
+              <a:t>raras</a:t>
+            </a:r>
+          </a:p>
+        </p:txBody>
+      </p:sp>
+      <p:sp>
+        <p:nvSpPr>
+          <p:cNvPr id="22" name="TextBox 21">
+            <a:extLst>
+              <a:ext uri="{FF2B5EF4-FFF2-40B4-BE49-F238E27FC236}">
+                <a16:creationId xmlns:a16="http://schemas.microsoft.com/office/drawing/2014/main" id="{F6524C29-7FCD-10A0-1F3B-E4A5D05E7181}"/>
+              </a:ext>
+            </a:extLst>
+          </p:cNvPr>
+          <p:cNvSpPr txBox="1"/>
+          <p:nvPr/>
+        </p:nvSpPr>
+        <p:spPr>
+          <a:xfrm>
+            <a:off x="4170870" y="2698719"/>
+            <a:ext cx="10230923" cy="2523768"/>
+          </a:xfrm>
+          <a:prstGeom prst="rect">
+            <a:avLst/>
+          </a:prstGeom>
+        </p:spPr>
+        <p:txBody>
+          <a:bodyPr wrap="square" lIns="0" tIns="0" rIns="0" bIns="0" rtlCol="0" anchor="t">
+            <a:spAutoFit/>
+          </a:bodyPr>
+          <a:lstStyle/>
+          <a:p>
+            <a:pPr algn="ctr"/>
+            <a:r>
+              <a:rPr lang="es-ES" sz="4000" dirty="0">
+                <a:solidFill>
+                  <a:srgbClr val="90A7D6"/>
+                </a:solidFill>
+                <a:effectLst>
+                  <a:outerShdw blurRad="38100" dist="38100" dir="2700000" algn="tl">
+                    <a:srgbClr val="000000">
+                      <a:alpha val="43137"/>
+                    </a:srgbClr>
+                  </a:outerShdw>
+                </a:effectLst>
+                <a:latin typeface="Brick Sans"/>
+                <a:ea typeface="Brick Sans"/>
+                <a:cs typeface="Brick Sans"/>
+                <a:sym typeface="Brick Sans"/>
+              </a:rPr>
+              <a:t>Análisis de las </a:t>
+            </a:r>
+            <a:r>
+              <a:rPr lang="es-ES" sz="4400" b="1" dirty="0">
+                <a:solidFill>
+                  <a:srgbClr val="5D7FC3"/>
+                </a:solidFill>
+                <a:effectLst>
+                  <a:outerShdw blurRad="38100" dist="38100" dir="2700000" algn="tl">
+                    <a:srgbClr val="000000">
+                      <a:alpha val="43137"/>
+                    </a:srgbClr>
+                  </a:outerShdw>
+                </a:effectLst>
+                <a:latin typeface="Brick Sans"/>
+                <a:ea typeface="Brick Sans"/>
+                <a:cs typeface="Brick Sans"/>
+                <a:sym typeface="Brick Sans"/>
+              </a:rPr>
+              <a:t>Enfermedades</a:t>
+            </a:r>
+            <a:r>
+              <a:rPr lang="es-ES" sz="4000" b="1" dirty="0">
+                <a:solidFill>
+                  <a:srgbClr val="5D7FC3"/>
+                </a:solidFill>
+                <a:effectLst>
+                  <a:outerShdw blurRad="38100" dist="38100" dir="2700000" algn="tl">
+                    <a:srgbClr val="000000">
+                      <a:alpha val="43137"/>
+                    </a:srgbClr>
+                  </a:outerShdw>
+                </a:effectLst>
+                <a:latin typeface="Brick Sans"/>
+                <a:ea typeface="Brick Sans"/>
+                <a:cs typeface="Brick Sans"/>
+                <a:sym typeface="Brick Sans"/>
+              </a:rPr>
+              <a:t> </a:t>
+            </a:r>
+            <a:r>
+              <a:rPr lang="es-ES" sz="4400" b="1" dirty="0">
+                <a:solidFill>
+                  <a:srgbClr val="5D7FC3"/>
+                </a:solidFill>
+                <a:effectLst>
+                  <a:outerShdw blurRad="38100" dist="38100" dir="2700000" algn="tl">
+                    <a:srgbClr val="000000">
+                      <a:alpha val="43137"/>
+                    </a:srgbClr>
+                  </a:outerShdw>
+                </a:effectLst>
+                <a:latin typeface="Brick Sans"/>
+                <a:ea typeface="Brick Sans"/>
+                <a:cs typeface="Brick Sans"/>
+                <a:sym typeface="Brick Sans"/>
+              </a:rPr>
+              <a:t>Raras</a:t>
+            </a:r>
+            <a:r>
+              <a:rPr lang="es-ES" sz="4000" b="1" dirty="0">
+                <a:solidFill>
+                  <a:srgbClr val="5D7FC3"/>
+                </a:solidFill>
+                <a:effectLst>
+                  <a:outerShdw blurRad="38100" dist="38100" dir="2700000" algn="tl">
+                    <a:srgbClr val="000000">
+                      <a:alpha val="43137"/>
+                    </a:srgbClr>
+                  </a:outerShdw>
+                </a:effectLst>
+                <a:latin typeface="Brick Sans"/>
+                <a:ea typeface="Brick Sans"/>
+                <a:cs typeface="Brick Sans"/>
+                <a:sym typeface="Brick Sans"/>
+              </a:rPr>
+              <a:t> </a:t>
+            </a:r>
+            <a:r>
+              <a:rPr lang="es-ES" sz="4000" dirty="0">
+                <a:solidFill>
+                  <a:srgbClr val="90A7D6"/>
+                </a:solidFill>
+                <a:effectLst>
+                  <a:outerShdw blurRad="38100" dist="38100" dir="2700000" algn="tl">
+                    <a:srgbClr val="000000">
+                      <a:alpha val="43137"/>
+                    </a:srgbClr>
+                  </a:outerShdw>
+                </a:effectLst>
+                <a:latin typeface="Brick Sans"/>
+                <a:ea typeface="Brick Sans"/>
+                <a:cs typeface="Brick Sans"/>
+                <a:sym typeface="Brick Sans"/>
+              </a:rPr>
+              <a:t>en Europa y su impacto regional en España</a:t>
+            </a:r>
+            <a:endParaRPr lang="es-ES" sz="4000" noProof="0" dirty="0">
+              <a:solidFill>
+                <a:srgbClr val="90A7D6"/>
+              </a:solidFill>
+              <a:effectLst>
+                <a:outerShdw blurRad="38100" dist="38100" dir="2700000" algn="tl">
+                  <a:srgbClr val="000000">
+                    <a:alpha val="43137"/>
+                  </a:srgbClr>
+                </a:outerShdw>
+              </a:effectLst>
+              <a:latin typeface="Brick Sans"/>
+              <a:ea typeface="Brick Sans"/>
+              <a:cs typeface="Brick Sans"/>
+              <a:sym typeface="Brick Sans"/>
+            </a:endParaRPr>
+          </a:p>
+        </p:txBody>
+      </p:sp>
+      <p:pic>
+        <p:nvPicPr>
+          <p:cNvPr id="26" name="Picture 25" descr="A pink rectangle with white text&#10;&#10;AI-generated content may be incorrect.">
+            <a:extLst>
+              <a:ext uri="{FF2B5EF4-FFF2-40B4-BE49-F238E27FC236}">
+                <a16:creationId xmlns:a16="http://schemas.microsoft.com/office/drawing/2014/main" id="{653F12B0-BA7A-CEF9-E36D-FD34737E6F97}"/>
+              </a:ext>
+            </a:extLst>
+          </p:cNvPr>
+          <p:cNvPicPr>
+            <a:picLocks noChangeAspect="1"/>
+          </p:cNvPicPr>
+          <p:nvPr/>
+        </p:nvPicPr>
+        <p:blipFill>
+          <a:blip r:embed="rId22">
+            <a:extLst>
+              <a:ext uri="{28A0092B-C50C-407E-A947-70E740481C1C}">
+                <a14:useLocalDpi xmlns:a14="http://schemas.microsoft.com/office/drawing/2010/main" val="0"/>
+              </a:ext>
+            </a:extLst>
+          </a:blip>
+          <a:srcRect l="1597" t="36642" r="2909" b="38442"/>
+          <a:stretch/>
+        </p:blipFill>
+        <p:spPr>
+          <a:xfrm>
+            <a:off x="0" y="9698016"/>
+            <a:ext cx="2257338" cy="588984"/>
+          </a:xfrm>
+          <a:prstGeom prst="rect">
+            <a:avLst/>
+          </a:prstGeom>
+        </p:spPr>
+      </p:pic>
+      <p:pic>
+        <p:nvPicPr>
+          <p:cNvPr id="29" name="Imagen 28" descr="Logotipo&#10;&#10;El contenido generado por IA puede ser incorrecto.">
+            <a:extLst>
+              <a:ext uri="{FF2B5EF4-FFF2-40B4-BE49-F238E27FC236}">
+                <a16:creationId xmlns:a16="http://schemas.microsoft.com/office/drawing/2014/main" id="{58B45A1C-4A02-D322-D957-7DF22CEF5C4E}"/>
+              </a:ext>
+            </a:extLst>
+          </p:cNvPr>
+          <p:cNvPicPr>
+            <a:picLocks noChangeAspect="1"/>
+          </p:cNvPicPr>
+          <p:nvPr/>
+        </p:nvPicPr>
+        <p:blipFill>
+          <a:blip r:embed="rId23">
+            <a:alphaModFix amt="70000"/>
+            <a:extLst>
+              <a:ext uri="{28A0092B-C50C-407E-A947-70E740481C1C}">
+                <a14:useLocalDpi xmlns:a14="http://schemas.microsoft.com/office/drawing/2010/main" val="0"/>
+              </a:ext>
+            </a:extLst>
+          </a:blip>
+          <a:stretch>
+            <a:fillRect/>
+          </a:stretch>
+        </p:blipFill>
+        <p:spPr>
+          <a:xfrm>
+            <a:off x="15940886" y="146124"/>
+            <a:ext cx="2592388" cy="2592388"/>
+          </a:xfrm>
+          <a:prstGeom prst="rect">
+            <a:avLst/>
+          </a:prstGeom>
+        </p:spPr>
+      </p:pic>
+    </p:spTree>
+  </p:cSld>
+  <p:clrMapOvr>
+    <a:masterClrMapping/>
+  </p:clrMapOvr>
+</p:sld>
+</file>
+
+<file path=ppt/slides/slide3.xml><?xml version="1.0" encoding="utf-8"?>
+<p:sld xmlns:a="http://schemas.openxmlformats.org/drawingml/2006/main" xmlns:r="http://schemas.openxmlformats.org/officeDocument/2006/relationships" xmlns:p="http://schemas.openxmlformats.org/presentationml/2006/main">
+  <p:cSld>
+    <p:bg>
+      <p:bgPr>
+        <a:solidFill>
+          <a:srgbClr val="FAF3F3"/>
+        </a:solidFill>
+        <a:effectLst/>
+      </p:bgPr>
+    </p:bg>
+    <p:spTree>
+      <p:nvGrpSpPr>
+        <p:cNvPr id="1" name=""/>
+        <p:cNvGrpSpPr/>
+        <p:nvPr/>
+      </p:nvGrpSpPr>
+      <p:grpSpPr>
+        <a:xfrm>
+          <a:off x="0" y="0"/>
+          <a:ext cx="0" cy="0"/>
+          <a:chOff x="0" y="0"/>
+          <a:chExt cx="0" cy="0"/>
+        </a:xfrm>
+      </p:grpSpPr>
+      <p:sp>
+        <p:nvSpPr>
+          <p:cNvPr id="2" name="Freeform 2"/>
+          <p:cNvSpPr/>
+          <p:nvPr/>
+        </p:nvSpPr>
+        <p:spPr>
+          <a:xfrm>
             <a:off x="2667000" y="3409707"/>
             <a:ext cx="7876905" cy="7726439"/>
           </a:xfrm>
@@ -17225,7 +19379,7 @@
 </p:sld>
 </file>
 
-<file path=ppt/slides/slide3.xml><?xml version="1.0" encoding="utf-8"?>
+<file path=ppt/slides/slide4.xml><?xml version="1.0" encoding="utf-8"?>
 <p:sld xmlns:a="http://schemas.openxmlformats.org/drawingml/2006/main" xmlns:r="http://schemas.openxmlformats.org/officeDocument/2006/relationships" xmlns:p="http://schemas.openxmlformats.org/presentationml/2006/main">
   <p:cSld>
     <p:bg>
@@ -18119,7 +20273,7 @@
 </p:sld>
 </file>
 
-<file path=ppt/slides/slide4.xml><?xml version="1.0" encoding="utf-8"?>
+<file path=ppt/slides/slide5.xml><?xml version="1.0" encoding="utf-8"?>
 <p:sld xmlns:a="http://schemas.openxmlformats.org/drawingml/2006/main" xmlns:r="http://schemas.openxmlformats.org/officeDocument/2006/relationships" xmlns:p="http://schemas.openxmlformats.org/presentationml/2006/main">
   <p:cSld>
     <p:bg>
@@ -18144,339 +20298,6 @@
           <a:chExt cx="0" cy="0"/>
         </a:xfrm>
       </p:grpSpPr>
-      <p:grpSp>
-        <p:nvGrpSpPr>
-          <p:cNvPr id="4" name="Group 4"/>
-          <p:cNvGrpSpPr/>
-          <p:nvPr/>
-        </p:nvGrpSpPr>
-        <p:grpSpPr>
-          <a:xfrm>
-            <a:off x="1028700" y="414431"/>
-            <a:ext cx="7082961" cy="3058022"/>
-            <a:chOff x="0" y="0"/>
-            <a:chExt cx="883555" cy="381469"/>
-          </a:xfrm>
-        </p:grpSpPr>
-        <p:sp>
-          <p:nvSpPr>
-            <p:cNvPr id="5" name="Freeform 5"/>
-            <p:cNvSpPr/>
-            <p:nvPr/>
-          </p:nvSpPr>
-          <p:spPr>
-            <a:xfrm>
-              <a:off x="0" y="0"/>
-              <a:ext cx="883555" cy="381469"/>
-            </a:xfrm>
-            <a:custGeom>
-              <a:avLst/>
-              <a:gdLst/>
-              <a:ahLst/>
-              <a:cxnLst/>
-              <a:rect l="l" t="t" r="r" b="b"/>
-              <a:pathLst>
-                <a:path w="883555" h="381469">
-                  <a:moveTo>
-                    <a:pt x="680355" y="0"/>
-                  </a:moveTo>
-                  <a:cubicBezTo>
-                    <a:pt x="792579" y="0"/>
-                    <a:pt x="883555" y="85395"/>
-                    <a:pt x="883555" y="190734"/>
-                  </a:cubicBezTo>
-                  <a:cubicBezTo>
-                    <a:pt x="883555" y="296074"/>
-                    <a:pt x="792579" y="381469"/>
-                    <a:pt x="680355" y="381469"/>
-                  </a:cubicBezTo>
-                  <a:lnTo>
-                    <a:pt x="203200" y="381469"/>
-                  </a:lnTo>
-                  <a:cubicBezTo>
-                    <a:pt x="90976" y="381469"/>
-                    <a:pt x="0" y="296074"/>
-                    <a:pt x="0" y="190734"/>
-                  </a:cubicBezTo>
-                  <a:cubicBezTo>
-                    <a:pt x="0" y="85395"/>
-                    <a:pt x="90976" y="0"/>
-                    <a:pt x="203200" y="0"/>
-                  </a:cubicBezTo>
-                  <a:close/>
-                </a:path>
-              </a:pathLst>
-            </a:custGeom>
-            <a:solidFill>
-              <a:srgbClr val="E9EAF6"/>
-            </a:solidFill>
-            <a:ln w="19050" cap="sq">
-              <a:solidFill>
-                <a:srgbClr val="414370"/>
-              </a:solidFill>
-              <a:prstDash val="lgDash"/>
-              <a:miter/>
-            </a:ln>
-          </p:spPr>
-          <p:txBody>
-            <a:bodyPr/>
-            <a:lstStyle/>
-            <a:p>
-              <a:endParaRPr lang="es-ES" noProof="0" dirty="0"/>
-            </a:p>
-          </p:txBody>
-        </p:sp>
-        <p:sp>
-          <p:nvSpPr>
-            <p:cNvPr id="6" name="TextBox 6"/>
-            <p:cNvSpPr txBox="1"/>
-            <p:nvPr/>
-          </p:nvSpPr>
-          <p:spPr>
-            <a:xfrm>
-              <a:off x="0" y="-38100"/>
-              <a:ext cx="883555" cy="419569"/>
-            </a:xfrm>
-            <a:prstGeom prst="rect">
-              <a:avLst/>
-            </a:prstGeom>
-          </p:spPr>
-          <p:txBody>
-            <a:bodyPr lIns="50800" tIns="50800" rIns="50800" bIns="50800" rtlCol="0" anchor="ctr"/>
-            <a:lstStyle/>
-            <a:p>
-              <a:pPr algn="ctr">
-                <a:lnSpc>
-                  <a:spcPts val="2659"/>
-                </a:lnSpc>
-              </a:pPr>
-              <a:endParaRPr lang="es-ES" noProof="0" dirty="0"/>
-            </a:p>
-          </p:txBody>
-        </p:sp>
-      </p:grpSp>
-      <p:grpSp>
-        <p:nvGrpSpPr>
-          <p:cNvPr id="7" name="Group 7"/>
-          <p:cNvGrpSpPr/>
-          <p:nvPr/>
-        </p:nvGrpSpPr>
-        <p:grpSpPr>
-          <a:xfrm>
-            <a:off x="1028700" y="3693909"/>
-            <a:ext cx="7082961" cy="3058022"/>
-            <a:chOff x="0" y="0"/>
-            <a:chExt cx="883555" cy="381469"/>
-          </a:xfrm>
-        </p:grpSpPr>
-        <p:sp>
-          <p:nvSpPr>
-            <p:cNvPr id="8" name="Freeform 8"/>
-            <p:cNvSpPr/>
-            <p:nvPr/>
-          </p:nvSpPr>
-          <p:spPr>
-            <a:xfrm>
-              <a:off x="0" y="0"/>
-              <a:ext cx="883555" cy="381469"/>
-            </a:xfrm>
-            <a:custGeom>
-              <a:avLst/>
-              <a:gdLst/>
-              <a:ahLst/>
-              <a:cxnLst/>
-              <a:rect l="l" t="t" r="r" b="b"/>
-              <a:pathLst>
-                <a:path w="883555" h="381469">
-                  <a:moveTo>
-                    <a:pt x="680355" y="0"/>
-                  </a:moveTo>
-                  <a:cubicBezTo>
-                    <a:pt x="792579" y="0"/>
-                    <a:pt x="883555" y="85395"/>
-                    <a:pt x="883555" y="190734"/>
-                  </a:cubicBezTo>
-                  <a:cubicBezTo>
-                    <a:pt x="883555" y="296074"/>
-                    <a:pt x="792579" y="381469"/>
-                    <a:pt x="680355" y="381469"/>
-                  </a:cubicBezTo>
-                  <a:lnTo>
-                    <a:pt x="203200" y="381469"/>
-                  </a:lnTo>
-                  <a:cubicBezTo>
-                    <a:pt x="90976" y="381469"/>
-                    <a:pt x="0" y="296074"/>
-                    <a:pt x="0" y="190734"/>
-                  </a:cubicBezTo>
-                  <a:cubicBezTo>
-                    <a:pt x="0" y="85395"/>
-                    <a:pt x="90976" y="0"/>
-                    <a:pt x="203200" y="0"/>
-                  </a:cubicBezTo>
-                  <a:close/>
-                </a:path>
-              </a:pathLst>
-            </a:custGeom>
-            <a:solidFill>
-              <a:srgbClr val="E9EAF6"/>
-            </a:solidFill>
-            <a:ln w="19050" cap="sq">
-              <a:solidFill>
-                <a:srgbClr val="414370"/>
-              </a:solidFill>
-              <a:prstDash val="lgDash"/>
-              <a:miter/>
-            </a:ln>
-          </p:spPr>
-          <p:txBody>
-            <a:bodyPr/>
-            <a:lstStyle/>
-            <a:p>
-              <a:endParaRPr lang="es-ES" noProof="0" dirty="0"/>
-            </a:p>
-          </p:txBody>
-        </p:sp>
-        <p:sp>
-          <p:nvSpPr>
-            <p:cNvPr id="9" name="TextBox 9"/>
-            <p:cNvSpPr txBox="1"/>
-            <p:nvPr/>
-          </p:nvSpPr>
-          <p:spPr>
-            <a:xfrm>
-              <a:off x="0" y="-38100"/>
-              <a:ext cx="883555" cy="419569"/>
-            </a:xfrm>
-            <a:prstGeom prst="rect">
-              <a:avLst/>
-            </a:prstGeom>
-          </p:spPr>
-          <p:txBody>
-            <a:bodyPr lIns="50800" tIns="50800" rIns="50800" bIns="50800" rtlCol="0" anchor="ctr"/>
-            <a:lstStyle/>
-            <a:p>
-              <a:pPr algn="ctr">
-                <a:lnSpc>
-                  <a:spcPts val="2659"/>
-                </a:lnSpc>
-              </a:pPr>
-              <a:endParaRPr lang="es-ES" noProof="0" dirty="0"/>
-            </a:p>
-          </p:txBody>
-        </p:sp>
-      </p:grpSp>
-      <p:grpSp>
-        <p:nvGrpSpPr>
-          <p:cNvPr id="10" name="Group 10"/>
-          <p:cNvGrpSpPr/>
-          <p:nvPr/>
-        </p:nvGrpSpPr>
-        <p:grpSpPr>
-          <a:xfrm>
-            <a:off x="1028700" y="6973387"/>
-            <a:ext cx="7082961" cy="3058022"/>
-            <a:chOff x="0" y="0"/>
-            <a:chExt cx="883555" cy="381469"/>
-          </a:xfrm>
-        </p:grpSpPr>
-        <p:sp>
-          <p:nvSpPr>
-            <p:cNvPr id="11" name="Freeform 11"/>
-            <p:cNvSpPr/>
-            <p:nvPr/>
-          </p:nvSpPr>
-          <p:spPr>
-            <a:xfrm>
-              <a:off x="0" y="0"/>
-              <a:ext cx="883555" cy="381469"/>
-            </a:xfrm>
-            <a:custGeom>
-              <a:avLst/>
-              <a:gdLst/>
-              <a:ahLst/>
-              <a:cxnLst/>
-              <a:rect l="l" t="t" r="r" b="b"/>
-              <a:pathLst>
-                <a:path w="883555" h="381469">
-                  <a:moveTo>
-                    <a:pt x="680355" y="0"/>
-                  </a:moveTo>
-                  <a:cubicBezTo>
-                    <a:pt x="792579" y="0"/>
-                    <a:pt x="883555" y="85395"/>
-                    <a:pt x="883555" y="190734"/>
-                  </a:cubicBezTo>
-                  <a:cubicBezTo>
-                    <a:pt x="883555" y="296074"/>
-                    <a:pt x="792579" y="381469"/>
-                    <a:pt x="680355" y="381469"/>
-                  </a:cubicBezTo>
-                  <a:lnTo>
-                    <a:pt x="203200" y="381469"/>
-                  </a:lnTo>
-                  <a:cubicBezTo>
-                    <a:pt x="90976" y="381469"/>
-                    <a:pt x="0" y="296074"/>
-                    <a:pt x="0" y="190734"/>
-                  </a:cubicBezTo>
-                  <a:cubicBezTo>
-                    <a:pt x="0" y="85395"/>
-                    <a:pt x="90976" y="0"/>
-                    <a:pt x="203200" y="0"/>
-                  </a:cubicBezTo>
-                  <a:close/>
-                </a:path>
-              </a:pathLst>
-            </a:custGeom>
-            <a:solidFill>
-              <a:srgbClr val="E9EAF6"/>
-            </a:solidFill>
-            <a:ln w="19050" cap="sq">
-              <a:solidFill>
-                <a:srgbClr val="414370"/>
-              </a:solidFill>
-              <a:prstDash val="lgDash"/>
-              <a:miter/>
-            </a:ln>
-          </p:spPr>
-          <p:txBody>
-            <a:bodyPr/>
-            <a:lstStyle/>
-            <a:p>
-              <a:endParaRPr lang="es-ES" noProof="0" dirty="0"/>
-            </a:p>
-          </p:txBody>
-        </p:sp>
-        <p:sp>
-          <p:nvSpPr>
-            <p:cNvPr id="12" name="TextBox 12"/>
-            <p:cNvSpPr txBox="1"/>
-            <p:nvPr/>
-          </p:nvSpPr>
-          <p:spPr>
-            <a:xfrm>
-              <a:off x="0" y="-38100"/>
-              <a:ext cx="883555" cy="419569"/>
-            </a:xfrm>
-            <a:prstGeom prst="rect">
-              <a:avLst/>
-            </a:prstGeom>
-          </p:spPr>
-          <p:txBody>
-            <a:bodyPr lIns="50800" tIns="50800" rIns="50800" bIns="50800" rtlCol="0" anchor="ctr"/>
-            <a:lstStyle/>
-            <a:p>
-              <a:pPr algn="ctr">
-                <a:lnSpc>
-                  <a:spcPts val="2659"/>
-                </a:lnSpc>
-              </a:pPr>
-              <a:endParaRPr lang="es-ES" noProof="0" dirty="0"/>
-            </a:p>
-          </p:txBody>
-        </p:sp>
-      </p:grpSp>
       <p:sp>
         <p:nvSpPr>
           <p:cNvPr id="13" name="Freeform 13"/>
@@ -18710,188 +20531,6 @@
           <a:lstStyle/>
           <a:p>
             <a:endParaRPr lang="es-ES" noProof="0" dirty="0"/>
-          </a:p>
-        </p:txBody>
-      </p:sp>
-      <p:sp>
-        <p:nvSpPr>
-          <p:cNvPr id="17" name="TextBox 17"/>
-          <p:cNvSpPr txBox="1"/>
-          <p:nvPr/>
-        </p:nvSpPr>
-        <p:spPr>
-          <a:xfrm>
-            <a:off x="1689650" y="1040440"/>
-            <a:ext cx="5761060" cy="1756828"/>
-          </a:xfrm>
-          <a:prstGeom prst="rect">
-            <a:avLst/>
-          </a:prstGeom>
-        </p:spPr>
-        <p:txBody>
-          <a:bodyPr lIns="0" tIns="0" rIns="0" bIns="0" rtlCol="0" anchor="t">
-            <a:spAutoFit/>
-          </a:bodyPr>
-          <a:lstStyle/>
-          <a:p>
-            <a:pPr algn="ctr">
-              <a:lnSpc>
-                <a:spcPts val="3499"/>
-              </a:lnSpc>
-            </a:pPr>
-            <a:r>
-              <a:rPr lang="es-ES" sz="2499" noProof="0" dirty="0">
-                <a:solidFill>
-                  <a:srgbClr val="222366"/>
-                </a:solidFill>
-                <a:latin typeface="Public Sans"/>
-                <a:ea typeface="Public Sans"/>
-                <a:cs typeface="Public Sans"/>
-                <a:sym typeface="Public Sans"/>
-              </a:rPr>
-              <a:t>Estudio de la complejidad de las ER. </a:t>
-            </a:r>
-            <a:r>
-              <a:rPr lang="es-ES" sz="2499" b="1" noProof="0" dirty="0">
-                <a:solidFill>
-                  <a:srgbClr val="222366"/>
-                </a:solidFill>
-                <a:latin typeface="Public Sans"/>
-                <a:ea typeface="Public Sans"/>
-                <a:cs typeface="Public Sans"/>
-                <a:sym typeface="Public Sans"/>
-              </a:rPr>
-              <a:t>¿Existe relación entre el número de genes implicados y el número de fenotipos que presentan?</a:t>
-            </a:r>
-          </a:p>
-        </p:txBody>
-      </p:sp>
-      <p:sp>
-        <p:nvSpPr>
-          <p:cNvPr id="18" name="TextBox 18"/>
-          <p:cNvSpPr txBox="1"/>
-          <p:nvPr/>
-        </p:nvSpPr>
-        <p:spPr>
-          <a:xfrm>
-            <a:off x="1689650" y="4102393"/>
-            <a:ext cx="5761060" cy="2205668"/>
-          </a:xfrm>
-          <a:prstGeom prst="rect">
-            <a:avLst/>
-          </a:prstGeom>
-        </p:spPr>
-        <p:txBody>
-          <a:bodyPr lIns="0" tIns="0" rIns="0" bIns="0" rtlCol="0" anchor="t">
-            <a:spAutoFit/>
-          </a:bodyPr>
-          <a:lstStyle/>
-          <a:p>
-            <a:pPr algn="ctr">
-              <a:lnSpc>
-                <a:spcPts val="3499"/>
-              </a:lnSpc>
-            </a:pPr>
-            <a:r>
-              <a:rPr lang="es-ES" sz="2499" dirty="0">
-                <a:solidFill>
-                  <a:srgbClr val="222366"/>
-                </a:solidFill>
-                <a:latin typeface="Public Sans"/>
-                <a:ea typeface="Public Sans"/>
-                <a:cs typeface="Public Sans"/>
-                <a:sym typeface="Public Sans"/>
-              </a:rPr>
-              <a:t>Estudio regional de la carga de ER en España.</a:t>
-            </a:r>
-          </a:p>
-          <a:p>
-            <a:pPr algn="ctr">
-              <a:lnSpc>
-                <a:spcPts val="3499"/>
-              </a:lnSpc>
-            </a:pPr>
-            <a:r>
-              <a:rPr lang="es-ES" sz="2499" b="1" dirty="0">
-                <a:solidFill>
-                  <a:srgbClr val="222366"/>
-                </a:solidFill>
-                <a:latin typeface="Public Sans"/>
-                <a:ea typeface="Public Sans"/>
-                <a:cs typeface="Public Sans"/>
-                <a:sym typeface="Public Sans"/>
-              </a:rPr>
-              <a:t>¿Existe alguna relación entre la concentración de diagnósticos de ER y la cantidad de población?</a:t>
-            </a:r>
-            <a:endParaRPr lang="es-ES" sz="2499" b="1" noProof="0" dirty="0">
-              <a:solidFill>
-                <a:srgbClr val="222366"/>
-              </a:solidFill>
-              <a:latin typeface="Public Sans"/>
-              <a:ea typeface="Public Sans"/>
-              <a:cs typeface="Public Sans"/>
-              <a:sym typeface="Public Sans"/>
-            </a:endParaRPr>
-          </a:p>
-        </p:txBody>
-      </p:sp>
-      <p:sp>
-        <p:nvSpPr>
-          <p:cNvPr id="19" name="TextBox 19"/>
-          <p:cNvSpPr txBox="1"/>
-          <p:nvPr/>
-        </p:nvSpPr>
-        <p:spPr>
-          <a:xfrm>
-            <a:off x="1689650" y="7376764"/>
-            <a:ext cx="5761060" cy="2205668"/>
-          </a:xfrm>
-          <a:prstGeom prst="rect">
-            <a:avLst/>
-          </a:prstGeom>
-        </p:spPr>
-        <p:txBody>
-          <a:bodyPr lIns="0" tIns="0" rIns="0" bIns="0" rtlCol="0" anchor="t">
-            <a:spAutoFit/>
-          </a:bodyPr>
-          <a:lstStyle/>
-          <a:p>
-            <a:pPr algn="ctr">
-              <a:lnSpc>
-                <a:spcPts val="3499"/>
-              </a:lnSpc>
-            </a:pPr>
-            <a:r>
-              <a:rPr lang="es-ES" sz="2499" dirty="0">
-                <a:solidFill>
-                  <a:srgbClr val="222366"/>
-                </a:solidFill>
-                <a:latin typeface="Public Sans"/>
-                <a:ea typeface="Public Sans"/>
-                <a:cs typeface="Public Sans"/>
-                <a:sym typeface="Public Sans"/>
-              </a:rPr>
-              <a:t>Estudio de la afectación por género.</a:t>
-            </a:r>
-          </a:p>
-          <a:p>
-            <a:pPr algn="ctr">
-              <a:lnSpc>
-                <a:spcPts val="3499"/>
-              </a:lnSpc>
-            </a:pPr>
-            <a:r>
-              <a:rPr lang="es-ES" sz="2499" b="1" noProof="0" dirty="0">
-                <a:solidFill>
-                  <a:srgbClr val="222366"/>
-                </a:solidFill>
-                <a:latin typeface="Public Sans"/>
-                <a:ea typeface="Public Sans"/>
-                <a:cs typeface="Public Sans"/>
-                <a:sym typeface="Public Sans"/>
-              </a:rPr>
-              <a:t>¿Existe una mayor predisposición a padecer estas enfermedades según el género? En caso afirmativo, ¿cuál es más afectado: hombres o mujeres?</a:t>
-            </a:r>
           </a:p>
         </p:txBody>
       </p:sp>
@@ -19019,6 +20658,513 @@
           </a:p>
         </p:txBody>
       </p:sp>
+      <p:grpSp>
+        <p:nvGrpSpPr>
+          <p:cNvPr id="30" name="Grupo 29">
+            <a:extLst>
+              <a:ext uri="{FF2B5EF4-FFF2-40B4-BE49-F238E27FC236}">
+                <a16:creationId xmlns:a16="http://schemas.microsoft.com/office/drawing/2014/main" id="{FBD190BA-5E09-6DF8-6AC3-C58685D95AF2}"/>
+              </a:ext>
+            </a:extLst>
+          </p:cNvPr>
+          <p:cNvGrpSpPr/>
+          <p:nvPr/>
+        </p:nvGrpSpPr>
+        <p:grpSpPr>
+          <a:xfrm>
+            <a:off x="1451128" y="1790700"/>
+            <a:ext cx="6854672" cy="7463639"/>
+            <a:chOff x="1256989" y="1790700"/>
+            <a:chExt cx="6854672" cy="7463639"/>
+          </a:xfrm>
+        </p:grpSpPr>
+        <p:grpSp>
+          <p:nvGrpSpPr>
+            <p:cNvPr id="25" name="Grupo 24">
+              <a:extLst>
+                <a:ext uri="{FF2B5EF4-FFF2-40B4-BE49-F238E27FC236}">
+                  <a16:creationId xmlns:a16="http://schemas.microsoft.com/office/drawing/2014/main" id="{72CD2C00-3EA4-0DB2-1CFC-ABC6C60F40EA}"/>
+                </a:ext>
+              </a:extLst>
+            </p:cNvPr>
+            <p:cNvGrpSpPr/>
+            <p:nvPr/>
+          </p:nvGrpSpPr>
+          <p:grpSpPr>
+            <a:xfrm>
+              <a:off x="2350601" y="1790700"/>
+              <a:ext cx="5761060" cy="7463639"/>
+              <a:chOff x="2350601" y="1790700"/>
+              <a:chExt cx="5761060" cy="7463639"/>
+            </a:xfrm>
+          </p:grpSpPr>
+          <p:sp>
+            <p:nvSpPr>
+              <p:cNvPr id="2" name="TextBox 32">
+                <a:extLst>
+                  <a:ext uri="{FF2B5EF4-FFF2-40B4-BE49-F238E27FC236}">
+                    <a16:creationId xmlns:a16="http://schemas.microsoft.com/office/drawing/2014/main" id="{586BE38B-7945-8ED6-587D-BA10458E23E9}"/>
+                  </a:ext>
+                </a:extLst>
+              </p:cNvPr>
+              <p:cNvSpPr txBox="1"/>
+              <p:nvPr/>
+            </p:nvSpPr>
+            <p:spPr>
+              <a:xfrm>
+                <a:off x="2350601" y="3620159"/>
+                <a:ext cx="5761060" cy="1597956"/>
+              </a:xfrm>
+              <a:prstGeom prst="rect">
+                <a:avLst/>
+              </a:prstGeom>
+              <a:solidFill>
+                <a:srgbClr val="E9EAF6"/>
+              </a:solidFill>
+              <a:ln w="19050" cap="sq">
+                <a:solidFill>
+                  <a:srgbClr val="414370"/>
+                </a:solidFill>
+                <a:prstDash val="lgDash"/>
+                <a:miter/>
+              </a:ln>
+            </p:spPr>
+            <p:txBody>
+              <a:bodyPr anchor="ctr"/>
+              <a:lstStyle>
+                <a:defPPr>
+                  <a:defRPr lang="en-US"/>
+                </a:defPPr>
+              </a:lstStyle>
+              <a:p>
+                <a:pPr algn="ctr"/>
+                <a:r>
+                  <a:rPr lang="es-ES" sz="2000" noProof="0" dirty="0">
+                    <a:solidFill>
+                      <a:srgbClr val="222366"/>
+                    </a:solidFill>
+                    <a:latin typeface="Public Sans"/>
+                    <a:ea typeface="Public Sans"/>
+                    <a:cs typeface="Public Sans"/>
+                    <a:sym typeface="Public Sans"/>
+                  </a:rPr>
+                  <a:t>Estudio de la complejidad de las ER</a:t>
+                </a:r>
+              </a:p>
+              <a:p>
+                <a:pPr algn="ctr"/>
+                <a:r>
+                  <a:rPr lang="es-ES" sz="2000" noProof="0" dirty="0">
+                    <a:solidFill>
+                      <a:srgbClr val="222366"/>
+                    </a:solidFill>
+                    <a:latin typeface="Public Sans"/>
+                    <a:ea typeface="Public Sans"/>
+                    <a:cs typeface="Public Sans"/>
+                    <a:sym typeface="Public Sans"/>
+                  </a:rPr>
+                  <a:t> </a:t>
+                </a:r>
+                <a:r>
+                  <a:rPr lang="es-ES" sz="2000" b="1" noProof="0" dirty="0">
+                    <a:solidFill>
+                      <a:srgbClr val="222366"/>
+                    </a:solidFill>
+                    <a:latin typeface="Public Sans"/>
+                    <a:ea typeface="Public Sans"/>
+                    <a:cs typeface="Public Sans"/>
+                    <a:sym typeface="Public Sans"/>
+                  </a:rPr>
+                  <a:t>¿Existe relación entre el número de genes implicados y el número de fenotipos que presentan?</a:t>
+                </a:r>
+              </a:p>
+            </p:txBody>
+          </p:sp>
+          <p:sp>
+            <p:nvSpPr>
+              <p:cNvPr id="3" name="TextBox 32">
+                <a:extLst>
+                  <a:ext uri="{FF2B5EF4-FFF2-40B4-BE49-F238E27FC236}">
+                    <a16:creationId xmlns:a16="http://schemas.microsoft.com/office/drawing/2014/main" id="{4583E527-D674-B9EB-43EF-4F92A719DDBA}"/>
+                  </a:ext>
+                </a:extLst>
+              </p:cNvPr>
+              <p:cNvSpPr txBox="1"/>
+              <p:nvPr/>
+            </p:nvSpPr>
+            <p:spPr>
+              <a:xfrm>
+                <a:off x="2350601" y="5449618"/>
+                <a:ext cx="5761060" cy="1597956"/>
+              </a:xfrm>
+              <a:prstGeom prst="rect">
+                <a:avLst/>
+              </a:prstGeom>
+              <a:solidFill>
+                <a:srgbClr val="E9EAF6"/>
+              </a:solidFill>
+              <a:ln w="19050" cap="sq">
+                <a:solidFill>
+                  <a:srgbClr val="414370"/>
+                </a:solidFill>
+                <a:prstDash val="lgDash"/>
+                <a:miter/>
+              </a:ln>
+            </p:spPr>
+            <p:txBody>
+              <a:bodyPr anchor="ctr"/>
+              <a:lstStyle>
+                <a:defPPr>
+                  <a:defRPr lang="en-US"/>
+                </a:defPPr>
+              </a:lstStyle>
+              <a:p>
+                <a:pPr algn="ctr"/>
+                <a:r>
+                  <a:rPr lang="es-ES" sz="2000" noProof="0" dirty="0">
+                    <a:solidFill>
+                      <a:srgbClr val="222366"/>
+                    </a:solidFill>
+                    <a:latin typeface="Public Sans"/>
+                    <a:ea typeface="Public Sans"/>
+                    <a:cs typeface="Public Sans"/>
+                    <a:sym typeface="Public Sans"/>
+                  </a:rPr>
+                  <a:t>Estudio regional de la carga de ER en España</a:t>
+                </a:r>
+              </a:p>
+              <a:p>
+                <a:pPr algn="ctr"/>
+                <a:r>
+                  <a:rPr lang="es-ES" sz="2000" b="1" noProof="0" dirty="0">
+                    <a:solidFill>
+                      <a:srgbClr val="222366"/>
+                    </a:solidFill>
+                    <a:latin typeface="Public Sans"/>
+                    <a:ea typeface="Public Sans"/>
+                    <a:cs typeface="Public Sans"/>
+                    <a:sym typeface="Public Sans"/>
+                  </a:rPr>
+                  <a:t>¿Existe alguna relación entre la concentración de diagnósticos de ER y la cantidad de población?</a:t>
+                </a:r>
+              </a:p>
+            </p:txBody>
+          </p:sp>
+          <p:sp>
+            <p:nvSpPr>
+              <p:cNvPr id="22" name="TextBox 32">
+                <a:extLst>
+                  <a:ext uri="{FF2B5EF4-FFF2-40B4-BE49-F238E27FC236}">
+                    <a16:creationId xmlns:a16="http://schemas.microsoft.com/office/drawing/2014/main" id="{D7DB0BEA-5859-DF5D-DE0D-CBFC1F3E73C1}"/>
+                  </a:ext>
+                </a:extLst>
+              </p:cNvPr>
+              <p:cNvSpPr txBox="1"/>
+              <p:nvPr/>
+            </p:nvSpPr>
+            <p:spPr>
+              <a:xfrm>
+                <a:off x="2350601" y="7279078"/>
+                <a:ext cx="5761060" cy="1975261"/>
+              </a:xfrm>
+              <a:prstGeom prst="rect">
+                <a:avLst/>
+              </a:prstGeom>
+              <a:solidFill>
+                <a:srgbClr val="E9EAF6"/>
+              </a:solidFill>
+              <a:ln w="19050" cap="sq">
+                <a:solidFill>
+                  <a:srgbClr val="414370"/>
+                </a:solidFill>
+                <a:prstDash val="lgDash"/>
+                <a:miter/>
+              </a:ln>
+            </p:spPr>
+            <p:txBody>
+              <a:bodyPr anchor="ctr"/>
+              <a:lstStyle>
+                <a:defPPr>
+                  <a:defRPr lang="en-US"/>
+                </a:defPPr>
+              </a:lstStyle>
+              <a:p>
+                <a:pPr algn="ctr"/>
+                <a:r>
+                  <a:rPr lang="es-ES" sz="2000" noProof="0" dirty="0">
+                    <a:solidFill>
+                      <a:srgbClr val="222366"/>
+                    </a:solidFill>
+                    <a:latin typeface="Public Sans"/>
+                    <a:ea typeface="Public Sans"/>
+                    <a:cs typeface="Public Sans"/>
+                    <a:sym typeface="Public Sans"/>
+                  </a:rPr>
+                  <a:t>Estudio de la afectación por género</a:t>
+                </a:r>
+              </a:p>
+              <a:p>
+                <a:pPr algn="ctr"/>
+                <a:r>
+                  <a:rPr lang="es-ES" sz="2000" b="1" noProof="0" dirty="0">
+                    <a:solidFill>
+                      <a:srgbClr val="222366"/>
+                    </a:solidFill>
+                    <a:latin typeface="Public Sans"/>
+                    <a:ea typeface="Public Sans"/>
+                    <a:cs typeface="Public Sans"/>
+                    <a:sym typeface="Public Sans"/>
+                  </a:rPr>
+                  <a:t>¿Existe una mayor predisposición a padecer estas enfermedades según el género? En caso afirmativo, ¿cuál es más afectado: hombres o mujeres?</a:t>
+                </a:r>
+              </a:p>
+            </p:txBody>
+          </p:sp>
+          <p:sp>
+            <p:nvSpPr>
+              <p:cNvPr id="24" name="TextBox 32">
+                <a:extLst>
+                  <a:ext uri="{FF2B5EF4-FFF2-40B4-BE49-F238E27FC236}">
+                    <a16:creationId xmlns:a16="http://schemas.microsoft.com/office/drawing/2014/main" id="{647D90FF-BCC6-A3C2-E1E3-2596CD66F4CC}"/>
+                  </a:ext>
+                </a:extLst>
+              </p:cNvPr>
+              <p:cNvSpPr txBox="1"/>
+              <p:nvPr/>
+            </p:nvSpPr>
+            <p:spPr>
+              <a:xfrm>
+                <a:off x="2350601" y="1790700"/>
+                <a:ext cx="5761060" cy="1597956"/>
+              </a:xfrm>
+              <a:prstGeom prst="rect">
+                <a:avLst/>
+              </a:prstGeom>
+              <a:solidFill>
+                <a:srgbClr val="E9EAF6"/>
+              </a:solidFill>
+              <a:ln w="19050" cap="sq">
+                <a:solidFill>
+                  <a:srgbClr val="414370"/>
+                </a:solidFill>
+                <a:prstDash val="lgDash"/>
+                <a:miter/>
+              </a:ln>
+            </p:spPr>
+            <p:txBody>
+              <a:bodyPr anchor="ctr"/>
+              <a:lstStyle>
+                <a:defPPr>
+                  <a:defRPr lang="en-US"/>
+                </a:defPPr>
+              </a:lstStyle>
+              <a:p>
+                <a:pPr algn="ctr"/>
+                <a:r>
+                  <a:rPr lang="es-ES" sz="2000" noProof="0" dirty="0">
+                    <a:solidFill>
+                      <a:srgbClr val="222366"/>
+                    </a:solidFill>
+                    <a:latin typeface="Public Sans"/>
+                    <a:ea typeface="Public Sans"/>
+                    <a:cs typeface="Public Sans"/>
+                    <a:sym typeface="Public Sans"/>
+                  </a:rPr>
+                  <a:t>Estudio de la visibilidad científica de las ER</a:t>
+                </a:r>
+                <a:endParaRPr lang="es-ES" sz="2000" b="1" noProof="0" dirty="0">
+                  <a:solidFill>
+                    <a:srgbClr val="222366"/>
+                  </a:solidFill>
+                  <a:latin typeface="Public Sans"/>
+                  <a:ea typeface="Public Sans"/>
+                  <a:cs typeface="Public Sans"/>
+                  <a:sym typeface="Public Sans"/>
+                </a:endParaRPr>
+              </a:p>
+              <a:p>
+                <a:pPr algn="ctr"/>
+                <a:r>
+                  <a:rPr lang="es-ES" sz="2000" b="1" noProof="0" dirty="0">
+                    <a:solidFill>
+                      <a:srgbClr val="222366"/>
+                    </a:solidFill>
+                    <a:latin typeface="Public Sans"/>
+                    <a:ea typeface="Public Sans"/>
+                    <a:cs typeface="Public Sans"/>
+                    <a:sym typeface="Public Sans"/>
+                  </a:rPr>
+                  <a:t>¿Cuál es la situación de las enfermedades raras en la comunidad científica? ¿Qué tanto se habla de ellas en la literatura especializada?</a:t>
+                </a:r>
+              </a:p>
+            </p:txBody>
+          </p:sp>
+        </p:grpSp>
+        <p:sp>
+          <p:nvSpPr>
+            <p:cNvPr id="26" name="CuadroTexto 25">
+              <a:extLst>
+                <a:ext uri="{FF2B5EF4-FFF2-40B4-BE49-F238E27FC236}">
+                  <a16:creationId xmlns:a16="http://schemas.microsoft.com/office/drawing/2014/main" id="{8B114893-3377-2480-96A7-89EEF3247739}"/>
+                </a:ext>
+              </a:extLst>
+            </p:cNvPr>
+            <p:cNvSpPr txBox="1"/>
+            <p:nvPr/>
+          </p:nvSpPr>
+          <p:spPr>
+            <a:xfrm>
+              <a:off x="1256989" y="1797903"/>
+              <a:ext cx="1093612" cy="830997"/>
+            </a:xfrm>
+            <a:prstGeom prst="rect">
+              <a:avLst/>
+            </a:prstGeom>
+            <a:noFill/>
+          </p:spPr>
+          <p:txBody>
+            <a:bodyPr wrap="square" rtlCol="0">
+              <a:spAutoFit/>
+            </a:bodyPr>
+            <a:lstStyle/>
+            <a:p>
+              <a:pPr algn="r"/>
+              <a:r>
+                <a:rPr lang="es-ES" sz="4800" dirty="0">
+                  <a:solidFill>
+                    <a:srgbClr val="222366"/>
+                  </a:solidFill>
+                  <a:latin typeface="Brick Sans"/>
+                </a:rPr>
+                <a:t>1.</a:t>
+              </a:r>
+            </a:p>
+          </p:txBody>
+        </p:sp>
+        <p:sp>
+          <p:nvSpPr>
+            <p:cNvPr id="27" name="CuadroTexto 26">
+              <a:extLst>
+                <a:ext uri="{FF2B5EF4-FFF2-40B4-BE49-F238E27FC236}">
+                  <a16:creationId xmlns:a16="http://schemas.microsoft.com/office/drawing/2014/main" id="{AF6DC21C-65C5-6D04-4C25-76D72C301E52}"/>
+                </a:ext>
+              </a:extLst>
+            </p:cNvPr>
+            <p:cNvSpPr txBox="1"/>
+            <p:nvPr/>
+          </p:nvSpPr>
+          <p:spPr>
+            <a:xfrm>
+              <a:off x="1256989" y="3620159"/>
+              <a:ext cx="1093612" cy="830997"/>
+            </a:xfrm>
+            <a:prstGeom prst="rect">
+              <a:avLst/>
+            </a:prstGeom>
+            <a:noFill/>
+          </p:spPr>
+          <p:txBody>
+            <a:bodyPr wrap="square" rtlCol="0">
+              <a:spAutoFit/>
+            </a:bodyPr>
+            <a:lstStyle/>
+            <a:p>
+              <a:pPr algn="r"/>
+              <a:r>
+                <a:rPr lang="es-ES" sz="4800" dirty="0">
+                  <a:solidFill>
+                    <a:srgbClr val="222366"/>
+                  </a:solidFill>
+                  <a:latin typeface="Brick Sans"/>
+                </a:rPr>
+                <a:t>2.</a:t>
+              </a:r>
+            </a:p>
+          </p:txBody>
+        </p:sp>
+        <p:sp>
+          <p:nvSpPr>
+            <p:cNvPr id="28" name="CuadroTexto 27">
+              <a:extLst>
+                <a:ext uri="{FF2B5EF4-FFF2-40B4-BE49-F238E27FC236}">
+                  <a16:creationId xmlns:a16="http://schemas.microsoft.com/office/drawing/2014/main" id="{7CE3A458-A4C6-5FFC-2649-9DCCDD001DB6}"/>
+                </a:ext>
+              </a:extLst>
+            </p:cNvPr>
+            <p:cNvSpPr txBox="1"/>
+            <p:nvPr/>
+          </p:nvSpPr>
+          <p:spPr>
+            <a:xfrm>
+              <a:off x="1268588" y="5455300"/>
+              <a:ext cx="1093612" cy="830997"/>
+            </a:xfrm>
+            <a:prstGeom prst="rect">
+              <a:avLst/>
+            </a:prstGeom>
+            <a:noFill/>
+          </p:spPr>
+          <p:txBody>
+            <a:bodyPr wrap="square" rtlCol="0">
+              <a:spAutoFit/>
+            </a:bodyPr>
+            <a:lstStyle/>
+            <a:p>
+              <a:pPr algn="r"/>
+              <a:r>
+                <a:rPr lang="es-ES" sz="4800" dirty="0">
+                  <a:solidFill>
+                    <a:srgbClr val="222366"/>
+                  </a:solidFill>
+                  <a:latin typeface="Brick Sans"/>
+                </a:rPr>
+                <a:t>3.</a:t>
+              </a:r>
+            </a:p>
+          </p:txBody>
+        </p:sp>
+        <p:sp>
+          <p:nvSpPr>
+            <p:cNvPr id="29" name="CuadroTexto 28">
+              <a:extLst>
+                <a:ext uri="{FF2B5EF4-FFF2-40B4-BE49-F238E27FC236}">
+                  <a16:creationId xmlns:a16="http://schemas.microsoft.com/office/drawing/2014/main" id="{8BBF15B9-B73F-0290-9F7E-364001A551C7}"/>
+                </a:ext>
+              </a:extLst>
+            </p:cNvPr>
+            <p:cNvSpPr txBox="1"/>
+            <p:nvPr/>
+          </p:nvSpPr>
+          <p:spPr>
+            <a:xfrm>
+              <a:off x="1268588" y="7284303"/>
+              <a:ext cx="1093612" cy="830997"/>
+            </a:xfrm>
+            <a:prstGeom prst="rect">
+              <a:avLst/>
+            </a:prstGeom>
+            <a:noFill/>
+          </p:spPr>
+          <p:txBody>
+            <a:bodyPr wrap="square" rtlCol="0">
+              <a:spAutoFit/>
+            </a:bodyPr>
+            <a:lstStyle/>
+            <a:p>
+              <a:pPr algn="r"/>
+              <a:r>
+                <a:rPr lang="es-ES" sz="4800" dirty="0">
+                  <a:solidFill>
+                    <a:srgbClr val="222366"/>
+                  </a:solidFill>
+                  <a:latin typeface="Brick Sans"/>
+                </a:rPr>
+                <a:t>4.</a:t>
+              </a:r>
+            </a:p>
+          </p:txBody>
+        </p:sp>
+      </p:grpSp>
     </p:spTree>
   </p:cSld>
   <p:clrMapOvr>
@@ -19027,7 +21173,7 @@
 </p:sld>
 </file>
 
-<file path=ppt/slides/slide5.xml><?xml version="1.0" encoding="utf-8"?>
+<file path=ppt/slides/slide6.xml><?xml version="1.0" encoding="utf-8"?>
 <p:sld xmlns:a="http://schemas.openxmlformats.org/drawingml/2006/main" xmlns:r="http://schemas.openxmlformats.org/officeDocument/2006/relationships" xmlns:p="http://schemas.openxmlformats.org/presentationml/2006/main">
   <p:cSld>
     <p:bg>
@@ -20327,7 +22473,7 @@
 </p:sld>
 </file>
 
-<file path=ppt/slides/slide6.xml><?xml version="1.0" encoding="utf-8"?>
+<file path=ppt/slides/slide7.xml><?xml version="1.0" encoding="utf-8"?>
 <p:sld xmlns:a="http://schemas.openxmlformats.org/drawingml/2006/main" xmlns:r="http://schemas.openxmlformats.org/officeDocument/2006/relationships" xmlns:p="http://schemas.openxmlformats.org/presentationml/2006/main">
   <p:cSld>
     <p:bg>
@@ -21139,7 +23285,7 @@
 </p:sld>
 </file>
 
-<file path=ppt/slides/slide7.xml><?xml version="1.0" encoding="utf-8"?>
+<file path=ppt/slides/slide8.xml><?xml version="1.0" encoding="utf-8"?>
 <p:sld xmlns:a="http://schemas.openxmlformats.org/drawingml/2006/main" xmlns:r="http://schemas.openxmlformats.org/officeDocument/2006/relationships" xmlns:p="http://schemas.openxmlformats.org/presentationml/2006/main">
   <p:cSld>
     <p:bg>
@@ -22066,7 +24212,7 @@
 </p:sld>
 </file>
 
-<file path=ppt/slides/slide8.xml><?xml version="1.0" encoding="utf-8"?>
+<file path=ppt/slides/slide9.xml><?xml version="1.0" encoding="utf-8"?>
 <p:sld xmlns:a="http://schemas.openxmlformats.org/drawingml/2006/main" xmlns:r="http://schemas.openxmlformats.org/officeDocument/2006/relationships" xmlns:p="http://schemas.openxmlformats.org/presentationml/2006/main">
   <p:cSld>
     <p:bg>
@@ -23185,1307 +25331,6 @@
     <p:extLst>
       <p:ext uri="{BB962C8B-B14F-4D97-AF65-F5344CB8AC3E}">
         <p14:creationId xmlns:p14="http://schemas.microsoft.com/office/powerpoint/2010/main" val="2924135905"/>
-      </p:ext>
-    </p:extLst>
-  </p:cSld>
-  <p:clrMapOvr>
-    <a:masterClrMapping/>
-  </p:clrMapOvr>
-</p:sld>
-</file>
-
-<file path=ppt/slides/slide9.xml><?xml version="1.0" encoding="utf-8"?>
-<p:sld xmlns:a="http://schemas.openxmlformats.org/drawingml/2006/main" xmlns:r="http://schemas.openxmlformats.org/officeDocument/2006/relationships" xmlns:p="http://schemas.openxmlformats.org/presentationml/2006/main">
-  <p:cSld>
-    <p:bg>
-      <p:bgPr>
-        <a:solidFill>
-          <a:srgbClr val="FAF3F3"/>
-        </a:solidFill>
-        <a:effectLst/>
-      </p:bgPr>
-    </p:bg>
-    <p:spTree>
-      <p:nvGrpSpPr>
-        <p:cNvPr id="1" name="">
-          <a:extLst>
-            <a:ext uri="{FF2B5EF4-FFF2-40B4-BE49-F238E27FC236}">
-              <a16:creationId xmlns:a16="http://schemas.microsoft.com/office/drawing/2014/main" id="{0C8E264E-9522-EB47-FD31-67B833C1C858}"/>
-            </a:ext>
-          </a:extLst>
-        </p:cNvPr>
-        <p:cNvGrpSpPr/>
-        <p:nvPr/>
-      </p:nvGrpSpPr>
-      <p:grpSpPr>
-        <a:xfrm>
-          <a:off x="0" y="0"/>
-          <a:ext cx="0" cy="0"/>
-          <a:chOff x="0" y="0"/>
-          <a:chExt cx="0" cy="0"/>
-        </a:xfrm>
-      </p:grpSpPr>
-      <p:sp>
-        <p:nvSpPr>
-          <p:cNvPr id="13" name="Freeform 13">
-            <a:extLst>
-              <a:ext uri="{FF2B5EF4-FFF2-40B4-BE49-F238E27FC236}">
-                <a16:creationId xmlns:a16="http://schemas.microsoft.com/office/drawing/2014/main" id="{6EC7C00E-9C11-BAB8-AB60-83EC69717473}"/>
-              </a:ext>
-            </a:extLst>
-          </p:cNvPr>
-          <p:cNvSpPr/>
-          <p:nvPr/>
-        </p:nvSpPr>
-        <p:spPr>
-          <a:xfrm rot="-137149">
-            <a:off x="-322102" y="8874639"/>
-            <a:ext cx="1402006" cy="1402006"/>
-          </a:xfrm>
-          <a:custGeom>
-            <a:avLst/>
-            <a:gdLst/>
-            <a:ahLst/>
-            <a:cxnLst/>
-            <a:rect l="l" t="t" r="r" b="b"/>
-            <a:pathLst>
-              <a:path w="1402006" h="1402006">
-                <a:moveTo>
-                  <a:pt x="0" y="0"/>
-                </a:moveTo>
-                <a:lnTo>
-                  <a:pt x="1402006" y="0"/>
-                </a:lnTo>
-                <a:lnTo>
-                  <a:pt x="1402006" y="1402006"/>
-                </a:lnTo>
-                <a:lnTo>
-                  <a:pt x="0" y="1402006"/>
-                </a:lnTo>
-                <a:lnTo>
-                  <a:pt x="0" y="0"/>
-                </a:lnTo>
-                <a:close/>
-              </a:path>
-            </a:pathLst>
-          </a:custGeom>
-          <a:blipFill>
-            <a:blip r:embed="rId3">
-              <a:extLst>
-                <a:ext uri="{96DAC541-7B7A-43D3-8B79-37D633B846F1}">
-                  <asvg:svgBlip xmlns:asvg="http://schemas.microsoft.com/office/drawing/2016/SVG/main" r:embed="rId4"/>
-                </a:ext>
-              </a:extLst>
-            </a:blip>
-            <a:stretch>
-              <a:fillRect/>
-            </a:stretch>
-          </a:blipFill>
-        </p:spPr>
-        <p:txBody>
-          <a:bodyPr/>
-          <a:lstStyle/>
-          <a:p>
-            <a:endParaRPr lang="es-ES" noProof="0" dirty="0"/>
-          </a:p>
-        </p:txBody>
-      </p:sp>
-      <p:sp>
-        <p:nvSpPr>
-          <p:cNvPr id="40" name="TextBox 40">
-            <a:extLst>
-              <a:ext uri="{FF2B5EF4-FFF2-40B4-BE49-F238E27FC236}">
-                <a16:creationId xmlns:a16="http://schemas.microsoft.com/office/drawing/2014/main" id="{133B6F0A-E9A5-B396-0279-E6A1EC963535}"/>
-              </a:ext>
-            </a:extLst>
-          </p:cNvPr>
-          <p:cNvSpPr txBox="1"/>
-          <p:nvPr/>
-        </p:nvSpPr>
-        <p:spPr>
-          <a:xfrm>
-            <a:off x="1750431" y="271715"/>
-            <a:ext cx="14763189" cy="1000851"/>
-          </a:xfrm>
-          <a:prstGeom prst="rect">
-            <a:avLst/>
-          </a:prstGeom>
-        </p:spPr>
-        <p:txBody>
-          <a:bodyPr lIns="0" tIns="0" rIns="0" bIns="0" rtlCol="0" anchor="t">
-            <a:spAutoFit/>
-          </a:bodyPr>
-          <a:lstStyle/>
-          <a:p>
-            <a:pPr algn="ctr">
-              <a:lnSpc>
-                <a:spcPts val="8819"/>
-              </a:lnSpc>
-            </a:pPr>
-            <a:r>
-              <a:rPr lang="es-ES" sz="6300" dirty="0">
-                <a:solidFill>
-                  <a:srgbClr val="222366"/>
-                </a:solidFill>
-                <a:latin typeface="Brick Sans"/>
-                <a:ea typeface="Brick Sans"/>
-                <a:cs typeface="Brick Sans"/>
-                <a:sym typeface="Brick Sans"/>
-              </a:rPr>
-              <a:t>Tratamiento de Datos</a:t>
-            </a:r>
-            <a:endParaRPr lang="es-ES" sz="6300" noProof="0" dirty="0">
-              <a:solidFill>
-                <a:srgbClr val="222366"/>
-              </a:solidFill>
-              <a:latin typeface="Brick Sans"/>
-              <a:ea typeface="Brick Sans"/>
-              <a:cs typeface="Brick Sans"/>
-              <a:sym typeface="Brick Sans"/>
-            </a:endParaRPr>
-          </a:p>
-        </p:txBody>
-      </p:sp>
-      <p:grpSp>
-        <p:nvGrpSpPr>
-          <p:cNvPr id="41" name="Grupo 40">
-            <a:extLst>
-              <a:ext uri="{FF2B5EF4-FFF2-40B4-BE49-F238E27FC236}">
-                <a16:creationId xmlns:a16="http://schemas.microsoft.com/office/drawing/2014/main" id="{CA6CD52D-8E3C-3318-9CFB-6FE4A2BECD7C}"/>
-              </a:ext>
-            </a:extLst>
-          </p:cNvPr>
-          <p:cNvGrpSpPr/>
-          <p:nvPr/>
-        </p:nvGrpSpPr>
-        <p:grpSpPr>
-          <a:xfrm>
-            <a:off x="585880" y="1829514"/>
-            <a:ext cx="5761060" cy="3852771"/>
-            <a:chOff x="2582198" y="1943100"/>
-            <a:chExt cx="5761060" cy="3852771"/>
-          </a:xfrm>
-        </p:grpSpPr>
-        <p:sp>
-          <p:nvSpPr>
-            <p:cNvPr id="42" name="TextBox 32">
-              <a:extLst>
-                <a:ext uri="{FF2B5EF4-FFF2-40B4-BE49-F238E27FC236}">
-                  <a16:creationId xmlns:a16="http://schemas.microsoft.com/office/drawing/2014/main" id="{44EB7343-BA9E-1BD4-371C-6E5D078077DA}"/>
-                </a:ext>
-              </a:extLst>
-            </p:cNvPr>
-            <p:cNvSpPr txBox="1"/>
-            <p:nvPr/>
-          </p:nvSpPr>
-          <p:spPr>
-            <a:xfrm>
-              <a:off x="2582198" y="2645685"/>
-              <a:ext cx="5761060" cy="3150186"/>
-            </a:xfrm>
-            <a:prstGeom prst="rect">
-              <a:avLst/>
-            </a:prstGeom>
-            <a:solidFill>
-              <a:srgbClr val="E9EAF6"/>
-            </a:solidFill>
-            <a:ln w="19050" cap="sq">
-              <a:solidFill>
-                <a:srgbClr val="414370"/>
-              </a:solidFill>
-              <a:prstDash val="lgDash"/>
-              <a:miter/>
-            </a:ln>
-          </p:spPr>
-          <p:txBody>
-            <a:bodyPr/>
-            <a:lstStyle>
-              <a:defPPr>
-                <a:defRPr lang="en-US"/>
-              </a:defPPr>
-            </a:lstStyle>
-            <a:p>
-              <a:pPr algn="ctr"/>
-              <a:r>
-                <a:rPr lang="es-ES" sz="2499" dirty="0">
-                  <a:solidFill>
-                    <a:srgbClr val="222366"/>
-                  </a:solidFill>
-                  <a:latin typeface="Public Sans"/>
-                  <a:sym typeface="Public Sans"/>
-                </a:rPr>
-                <a:t>El </a:t>
-              </a:r>
-              <a:r>
-                <a:rPr lang="es-ES" sz="2499" b="1" dirty="0">
-                  <a:solidFill>
-                    <a:srgbClr val="222366"/>
-                  </a:solidFill>
-                  <a:latin typeface="Public Sans"/>
-                  <a:sym typeface="Public Sans"/>
-                </a:rPr>
-                <a:t>Registro Estatal de Enfermedades Raras </a:t>
-              </a:r>
-              <a:r>
-                <a:rPr lang="es-ES" sz="2499" dirty="0">
-                  <a:solidFill>
-                    <a:srgbClr val="222366"/>
-                  </a:solidFill>
-                  <a:latin typeface="Public Sans"/>
-                  <a:sym typeface="Public Sans"/>
-                </a:rPr>
-                <a:t>es un sistema de información del Ministerio de Sanidad, a través del Instituto de Salud Carlos III, </a:t>
-              </a:r>
-              <a:r>
-                <a:rPr lang="es-ES" sz="2499" b="1" dirty="0">
-                  <a:solidFill>
-                    <a:srgbClr val="222366"/>
-                  </a:solidFill>
-                  <a:latin typeface="Public Sans"/>
-                  <a:sym typeface="Public Sans"/>
-                </a:rPr>
-                <a:t>registra todos los casos de enfermedades raras en España</a:t>
-              </a:r>
-              <a:r>
-                <a:rPr lang="es-ES" sz="2499" dirty="0">
-                  <a:solidFill>
-                    <a:srgbClr val="222366"/>
-                  </a:solidFill>
-                  <a:latin typeface="Public Sans"/>
-                  <a:sym typeface="Public Sans"/>
-                </a:rPr>
-                <a:t>. </a:t>
-              </a:r>
-            </a:p>
-            <a:p>
-              <a:pPr algn="ctr"/>
-              <a:r>
-                <a:rPr lang="es-ES" sz="2499" dirty="0">
-                  <a:solidFill>
-                    <a:srgbClr val="222366"/>
-                  </a:solidFill>
-                  <a:latin typeface="Public Sans"/>
-                  <a:sym typeface="Public Sans"/>
-                </a:rPr>
-                <a:t>Red de registros autonómicos (RAER) transmiten los datos al ReeR central</a:t>
-              </a:r>
-            </a:p>
-          </p:txBody>
-        </p:sp>
-        <p:grpSp>
-          <p:nvGrpSpPr>
-            <p:cNvPr id="43" name="Grupo 42">
-              <a:extLst>
-                <a:ext uri="{FF2B5EF4-FFF2-40B4-BE49-F238E27FC236}">
-                  <a16:creationId xmlns:a16="http://schemas.microsoft.com/office/drawing/2014/main" id="{0A1F5DE4-920D-0188-9D0C-EFF719D80CC3}"/>
-                </a:ext>
-              </a:extLst>
-            </p:cNvPr>
-            <p:cNvGrpSpPr/>
-            <p:nvPr/>
-          </p:nvGrpSpPr>
-          <p:grpSpPr>
-            <a:xfrm>
-              <a:off x="3065636" y="1943100"/>
-              <a:ext cx="4794184" cy="639381"/>
-              <a:chOff x="3065636" y="1943100"/>
-              <a:chExt cx="4794184" cy="639381"/>
-            </a:xfrm>
-          </p:grpSpPr>
-          <p:grpSp>
-            <p:nvGrpSpPr>
-              <p:cNvPr id="44" name="Group 20">
-                <a:extLst>
-                  <a:ext uri="{FF2B5EF4-FFF2-40B4-BE49-F238E27FC236}">
-                    <a16:creationId xmlns:a16="http://schemas.microsoft.com/office/drawing/2014/main" id="{18CC215E-5776-EB67-C4C1-CBE548F760B7}"/>
-                  </a:ext>
-                </a:extLst>
-              </p:cNvPr>
-              <p:cNvGrpSpPr/>
-              <p:nvPr/>
-            </p:nvGrpSpPr>
-            <p:grpSpPr>
-              <a:xfrm>
-                <a:off x="3065636" y="1943100"/>
-                <a:ext cx="4794184" cy="639381"/>
-                <a:chOff x="0" y="0"/>
-                <a:chExt cx="2860316" cy="381469"/>
-              </a:xfrm>
-            </p:grpSpPr>
-            <p:sp>
-              <p:nvSpPr>
-                <p:cNvPr id="46" name="Freeform 21">
-                  <a:extLst>
-                    <a:ext uri="{FF2B5EF4-FFF2-40B4-BE49-F238E27FC236}">
-                      <a16:creationId xmlns:a16="http://schemas.microsoft.com/office/drawing/2014/main" id="{94EC4BE4-A101-735F-12A3-C5EA744C0C0D}"/>
-                    </a:ext>
-                  </a:extLst>
-                </p:cNvPr>
-                <p:cNvSpPr/>
-                <p:nvPr/>
-              </p:nvSpPr>
-              <p:spPr>
-                <a:xfrm>
-                  <a:off x="0" y="0"/>
-                  <a:ext cx="2860316" cy="381469"/>
-                </a:xfrm>
-                <a:custGeom>
-                  <a:avLst/>
-                  <a:gdLst/>
-                  <a:ahLst/>
-                  <a:cxnLst/>
-                  <a:rect l="l" t="t" r="r" b="b"/>
-                  <a:pathLst>
-                    <a:path w="2860316" h="381469">
-                      <a:moveTo>
-                        <a:pt x="2657116" y="0"/>
-                      </a:moveTo>
-                      <a:cubicBezTo>
-                        <a:pt x="2769341" y="0"/>
-                        <a:pt x="2860316" y="85395"/>
-                        <a:pt x="2860316" y="190734"/>
-                      </a:cubicBezTo>
-                      <a:cubicBezTo>
-                        <a:pt x="2860316" y="296074"/>
-                        <a:pt x="2769341" y="381469"/>
-                        <a:pt x="2657116" y="381469"/>
-                      </a:cubicBezTo>
-                      <a:lnTo>
-                        <a:pt x="203200" y="381469"/>
-                      </a:lnTo>
-                      <a:cubicBezTo>
-                        <a:pt x="90976" y="381469"/>
-                        <a:pt x="0" y="296074"/>
-                        <a:pt x="0" y="190734"/>
-                      </a:cubicBezTo>
-                      <a:cubicBezTo>
-                        <a:pt x="0" y="85395"/>
-                        <a:pt x="90976" y="0"/>
-                        <a:pt x="203200" y="0"/>
-                      </a:cubicBezTo>
-                      <a:close/>
-                    </a:path>
-                  </a:pathLst>
-                </a:custGeom>
-                <a:solidFill>
-                  <a:srgbClr val="BDD2EA"/>
-                </a:solidFill>
-              </p:spPr>
-              <p:txBody>
-                <a:bodyPr/>
-                <a:lstStyle/>
-                <a:p>
-                  <a:endParaRPr lang="es-ES" noProof="0" dirty="0"/>
-                </a:p>
-              </p:txBody>
-            </p:sp>
-            <p:sp>
-              <p:nvSpPr>
-                <p:cNvPr id="47" name="TextBox 22">
-                  <a:extLst>
-                    <a:ext uri="{FF2B5EF4-FFF2-40B4-BE49-F238E27FC236}">
-                      <a16:creationId xmlns:a16="http://schemas.microsoft.com/office/drawing/2014/main" id="{624E60A8-CE28-4CC5-6126-A6487E1A0CD9}"/>
-                    </a:ext>
-                  </a:extLst>
-                </p:cNvPr>
-                <p:cNvSpPr txBox="1"/>
-                <p:nvPr/>
-              </p:nvSpPr>
-              <p:spPr>
-                <a:xfrm>
-                  <a:off x="0" y="-38100"/>
-                  <a:ext cx="2860316" cy="419569"/>
-                </a:xfrm>
-                <a:prstGeom prst="rect">
-                  <a:avLst/>
-                </a:prstGeom>
-              </p:spPr>
-              <p:txBody>
-                <a:bodyPr lIns="50800" tIns="50800" rIns="50800" bIns="50800" rtlCol="0" anchor="ctr"/>
-                <a:lstStyle/>
-                <a:p>
-                  <a:pPr algn="ctr">
-                    <a:lnSpc>
-                      <a:spcPts val="2659"/>
-                    </a:lnSpc>
-                  </a:pPr>
-                  <a:endParaRPr lang="es-ES" noProof="0" dirty="0"/>
-                </a:p>
-              </p:txBody>
-            </p:sp>
-          </p:grpSp>
-          <p:sp>
-            <p:nvSpPr>
-              <p:cNvPr id="45" name="TextBox 38">
-                <a:extLst>
-                  <a:ext uri="{FF2B5EF4-FFF2-40B4-BE49-F238E27FC236}">
-                    <a16:creationId xmlns:a16="http://schemas.microsoft.com/office/drawing/2014/main" id="{E4A772BF-5A16-BAE8-6CD1-42068BE60852}"/>
-                  </a:ext>
-                </a:extLst>
-              </p:cNvPr>
-              <p:cNvSpPr txBox="1"/>
-              <p:nvPr/>
-            </p:nvSpPr>
-            <p:spPr>
-              <a:xfrm>
-                <a:off x="3205543" y="2018874"/>
-                <a:ext cx="4514368" cy="457626"/>
-              </a:xfrm>
-              <a:prstGeom prst="rect">
-                <a:avLst/>
-              </a:prstGeom>
-            </p:spPr>
-            <p:txBody>
-              <a:bodyPr lIns="0" tIns="0" rIns="0" bIns="0" rtlCol="0" anchor="t">
-                <a:spAutoFit/>
-              </a:bodyPr>
-              <a:lstStyle/>
-              <a:p>
-                <a:pPr algn="ctr">
-                  <a:lnSpc>
-                    <a:spcPts val="3919"/>
-                  </a:lnSpc>
-                </a:pPr>
-                <a:r>
-                  <a:rPr lang="es-ES" sz="2799" b="1" noProof="0" dirty="0">
-                    <a:solidFill>
-                      <a:srgbClr val="222366"/>
-                    </a:solidFill>
-                    <a:latin typeface="Public Sans Bold"/>
-                    <a:ea typeface="Public Sans Bold"/>
-                    <a:cs typeface="Public Sans Bold"/>
-                    <a:sym typeface="Public Sans Bold"/>
-                  </a:rPr>
-                  <a:t>ReeR</a:t>
-                </a:r>
-              </a:p>
-            </p:txBody>
-          </p:sp>
-        </p:grpSp>
-      </p:grpSp>
-      <p:grpSp>
-        <p:nvGrpSpPr>
-          <p:cNvPr id="16" name="Grupo 15">
-            <a:extLst>
-              <a:ext uri="{FF2B5EF4-FFF2-40B4-BE49-F238E27FC236}">
-                <a16:creationId xmlns:a16="http://schemas.microsoft.com/office/drawing/2014/main" id="{45A6C9DA-E83D-ED5F-0152-E9DDBD96FDC1}"/>
-              </a:ext>
-            </a:extLst>
-          </p:cNvPr>
-          <p:cNvGrpSpPr/>
-          <p:nvPr/>
-        </p:nvGrpSpPr>
-        <p:grpSpPr>
-          <a:xfrm>
-            <a:off x="122904" y="5981700"/>
-            <a:ext cx="6687010" cy="3930995"/>
-            <a:chOff x="18590" y="5577849"/>
-            <a:chExt cx="7322068" cy="4487246"/>
-          </a:xfrm>
-        </p:grpSpPr>
-        <p:pic>
-          <p:nvPicPr>
-            <p:cNvPr id="3" name="Imagen 2">
-              <a:extLst>
-                <a:ext uri="{FF2B5EF4-FFF2-40B4-BE49-F238E27FC236}">
-                  <a16:creationId xmlns:a16="http://schemas.microsoft.com/office/drawing/2014/main" id="{F6789FD4-7AF0-C573-2CE1-4A506D57D31A}"/>
-                </a:ext>
-              </a:extLst>
-            </p:cNvPr>
-            <p:cNvPicPr>
-              <a:picLocks noChangeAspect="1"/>
-            </p:cNvPicPr>
-            <p:nvPr/>
-          </p:nvPicPr>
-          <p:blipFill>
-            <a:blip r:embed="rId5"/>
-            <a:stretch>
-              <a:fillRect/>
-            </a:stretch>
-          </p:blipFill>
-          <p:spPr>
-            <a:xfrm>
-              <a:off x="18590" y="5577849"/>
-              <a:ext cx="7322068" cy="3595950"/>
-            </a:xfrm>
-            <a:prstGeom prst="rect">
-              <a:avLst/>
-            </a:prstGeom>
-          </p:spPr>
-        </p:pic>
-        <p:pic>
-          <p:nvPicPr>
-            <p:cNvPr id="15" name="Imagen 14">
-              <a:extLst>
-                <a:ext uri="{FF2B5EF4-FFF2-40B4-BE49-F238E27FC236}">
-                  <a16:creationId xmlns:a16="http://schemas.microsoft.com/office/drawing/2014/main" id="{9012E744-ED4D-A759-E68E-B645C763B7BC}"/>
-                </a:ext>
-              </a:extLst>
-            </p:cNvPr>
-            <p:cNvPicPr>
-              <a:picLocks noChangeAspect="1"/>
-            </p:cNvPicPr>
-            <p:nvPr/>
-          </p:nvPicPr>
-          <p:blipFill>
-            <a:blip r:embed="rId6"/>
-            <a:stretch>
-              <a:fillRect/>
-            </a:stretch>
-          </p:blipFill>
-          <p:spPr>
-            <a:xfrm>
-              <a:off x="369224" y="8045513"/>
-              <a:ext cx="6620799" cy="2019582"/>
-            </a:xfrm>
-            <a:prstGeom prst="rect">
-              <a:avLst/>
-            </a:prstGeom>
-            <a:effectLst>
-              <a:outerShdw blurRad="50800" dist="38100" dir="16200000" rotWithShape="0">
-                <a:prstClr val="black">
-                  <a:alpha val="40000"/>
-                </a:prstClr>
-              </a:outerShdw>
-            </a:effectLst>
-          </p:spPr>
-        </p:pic>
-      </p:grpSp>
-      <p:grpSp>
-        <p:nvGrpSpPr>
-          <p:cNvPr id="23" name="Grupo 22">
-            <a:extLst>
-              <a:ext uri="{FF2B5EF4-FFF2-40B4-BE49-F238E27FC236}">
-                <a16:creationId xmlns:a16="http://schemas.microsoft.com/office/drawing/2014/main" id="{C4AA9700-194A-F8E4-2E78-43CAF6FD74B8}"/>
-              </a:ext>
-            </a:extLst>
-          </p:cNvPr>
-          <p:cNvGrpSpPr/>
-          <p:nvPr/>
-        </p:nvGrpSpPr>
-        <p:grpSpPr>
-          <a:xfrm>
-            <a:off x="13079095" y="4000500"/>
-            <a:ext cx="6869050" cy="5607967"/>
-            <a:chOff x="10090660" y="6013149"/>
-            <a:chExt cx="6869050" cy="5607967"/>
-          </a:xfrm>
-          <a:effectLst>
-            <a:outerShdw blurRad="50800" dist="38100" dir="5400000" algn="t" rotWithShape="0">
-              <a:prstClr val="black">
-                <a:alpha val="40000"/>
-              </a:prstClr>
-            </a:outerShdw>
-          </a:effectLst>
-        </p:grpSpPr>
-        <p:pic>
-          <p:nvPicPr>
-            <p:cNvPr id="18" name="Imagen 17">
-              <a:extLst>
-                <a:ext uri="{FF2B5EF4-FFF2-40B4-BE49-F238E27FC236}">
-                  <a16:creationId xmlns:a16="http://schemas.microsoft.com/office/drawing/2014/main" id="{DED3AC1A-DF5A-E343-0971-8B284C4C735C}"/>
-                </a:ext>
-              </a:extLst>
-            </p:cNvPr>
-            <p:cNvPicPr>
-              <a:picLocks noChangeAspect="1"/>
-            </p:cNvPicPr>
-            <p:nvPr/>
-          </p:nvPicPr>
-          <p:blipFill>
-            <a:blip r:embed="rId7"/>
-            <a:stretch>
-              <a:fillRect/>
-            </a:stretch>
-          </p:blipFill>
-          <p:spPr>
-            <a:xfrm>
-              <a:off x="11917050" y="6013149"/>
-              <a:ext cx="2972353" cy="4202066"/>
-            </a:xfrm>
-            <a:prstGeom prst="rect">
-              <a:avLst/>
-            </a:prstGeom>
-          </p:spPr>
-        </p:pic>
-        <p:pic>
-          <p:nvPicPr>
-            <p:cNvPr id="22" name="Imagen 21">
-              <a:extLst>
-                <a:ext uri="{FF2B5EF4-FFF2-40B4-BE49-F238E27FC236}">
-                  <a16:creationId xmlns:a16="http://schemas.microsoft.com/office/drawing/2014/main" id="{836EDD5B-7D79-C0BF-CB70-26CF6E89E861}"/>
-                </a:ext>
-              </a:extLst>
-            </p:cNvPr>
-            <p:cNvPicPr>
-              <a:picLocks noChangeAspect="1"/>
-            </p:cNvPicPr>
-            <p:nvPr/>
-          </p:nvPicPr>
-          <p:blipFill>
-            <a:blip r:embed="rId8"/>
-            <a:stretch>
-              <a:fillRect/>
-            </a:stretch>
-          </p:blipFill>
-          <p:spPr>
-            <a:xfrm rot="20564340">
-              <a:off x="10090660" y="7489112"/>
-              <a:ext cx="2938960" cy="4132004"/>
-            </a:xfrm>
-            <a:prstGeom prst="rect">
-              <a:avLst/>
-            </a:prstGeom>
-          </p:spPr>
-        </p:pic>
-        <p:pic>
-          <p:nvPicPr>
-            <p:cNvPr id="20" name="Imagen 19">
-              <a:extLst>
-                <a:ext uri="{FF2B5EF4-FFF2-40B4-BE49-F238E27FC236}">
-                  <a16:creationId xmlns:a16="http://schemas.microsoft.com/office/drawing/2014/main" id="{8D8F341D-BD28-D1B5-C1C6-5E3467E546F7}"/>
-                </a:ext>
-              </a:extLst>
-            </p:cNvPr>
-            <p:cNvPicPr>
-              <a:picLocks noChangeAspect="1"/>
-            </p:cNvPicPr>
-            <p:nvPr/>
-          </p:nvPicPr>
-          <p:blipFill>
-            <a:blip r:embed="rId9"/>
-            <a:stretch>
-              <a:fillRect/>
-            </a:stretch>
-          </p:blipFill>
-          <p:spPr>
-            <a:xfrm rot="784418">
-              <a:off x="14000509" y="7149709"/>
-              <a:ext cx="2959201" cy="4202066"/>
-            </a:xfrm>
-            <a:prstGeom prst="rect">
-              <a:avLst/>
-            </a:prstGeom>
-          </p:spPr>
-        </p:pic>
-      </p:grpSp>
-      <p:grpSp>
-        <p:nvGrpSpPr>
-          <p:cNvPr id="24" name="Grupo 23">
-            <a:extLst>
-              <a:ext uri="{FF2B5EF4-FFF2-40B4-BE49-F238E27FC236}">
-                <a16:creationId xmlns:a16="http://schemas.microsoft.com/office/drawing/2014/main" id="{AFD8C691-56B4-9EF0-44EF-217151244C4D}"/>
-              </a:ext>
-            </a:extLst>
-          </p:cNvPr>
-          <p:cNvGrpSpPr/>
-          <p:nvPr/>
-        </p:nvGrpSpPr>
-        <p:grpSpPr>
-          <a:xfrm>
-            <a:off x="7391499" y="1790700"/>
-            <a:ext cx="5761060" cy="2107384"/>
-            <a:chOff x="2582198" y="1943100"/>
-            <a:chExt cx="5761060" cy="2107384"/>
-          </a:xfrm>
-        </p:grpSpPr>
-        <p:sp>
-          <p:nvSpPr>
-            <p:cNvPr id="25" name="TextBox 32">
-              <a:extLst>
-                <a:ext uri="{FF2B5EF4-FFF2-40B4-BE49-F238E27FC236}">
-                  <a16:creationId xmlns:a16="http://schemas.microsoft.com/office/drawing/2014/main" id="{16155277-CA2D-C0DF-DC00-A4A3428593DF}"/>
-                </a:ext>
-              </a:extLst>
-            </p:cNvPr>
-            <p:cNvSpPr txBox="1"/>
-            <p:nvPr/>
-          </p:nvSpPr>
-          <p:spPr>
-            <a:xfrm>
-              <a:off x="2582198" y="2645685"/>
-              <a:ext cx="5761060" cy="1404799"/>
-            </a:xfrm>
-            <a:prstGeom prst="rect">
-              <a:avLst/>
-            </a:prstGeom>
-            <a:solidFill>
-              <a:srgbClr val="E9EAF6"/>
-            </a:solidFill>
-            <a:ln w="19050" cap="sq">
-              <a:solidFill>
-                <a:srgbClr val="414370"/>
-              </a:solidFill>
-              <a:prstDash val="lgDash"/>
-              <a:miter/>
-            </a:ln>
-          </p:spPr>
-          <p:txBody>
-            <a:bodyPr/>
-            <a:lstStyle>
-              <a:defPPr>
-                <a:defRPr lang="en-US"/>
-              </a:defPPr>
-            </a:lstStyle>
-            <a:p>
-              <a:pPr algn="ctr"/>
-              <a:r>
-                <a:rPr lang="es-ES" sz="2499" dirty="0">
-                  <a:solidFill>
-                    <a:srgbClr val="222366"/>
-                  </a:solidFill>
-                  <a:latin typeface="Public Sans"/>
-                  <a:sym typeface="Public Sans"/>
-                </a:rPr>
-                <a:t>Instituto Nacional de Estadística, es el organismo encargado de producir las </a:t>
-              </a:r>
-              <a:r>
-                <a:rPr lang="es-ES" sz="2499" b="1" dirty="0">
-                  <a:solidFill>
-                    <a:srgbClr val="222366"/>
-                  </a:solidFill>
-                  <a:latin typeface="Public Sans"/>
-                  <a:sym typeface="Public Sans"/>
-                </a:rPr>
-                <a:t>estadísticas</a:t>
-              </a:r>
-              <a:r>
-                <a:rPr lang="es-ES" sz="2499" dirty="0">
-                  <a:solidFill>
-                    <a:srgbClr val="222366"/>
-                  </a:solidFill>
-                  <a:latin typeface="Public Sans"/>
-                  <a:sym typeface="Public Sans"/>
-                </a:rPr>
-                <a:t> </a:t>
-              </a:r>
-              <a:r>
-                <a:rPr lang="es-ES" sz="2499" b="1" dirty="0">
-                  <a:solidFill>
-                    <a:srgbClr val="222366"/>
-                  </a:solidFill>
-                  <a:latin typeface="Public Sans"/>
-                  <a:sym typeface="Public Sans"/>
-                </a:rPr>
-                <a:t>oficiales</a:t>
-              </a:r>
-              <a:r>
-                <a:rPr lang="es-ES" sz="2499" dirty="0">
-                  <a:solidFill>
-                    <a:srgbClr val="222366"/>
-                  </a:solidFill>
-                  <a:latin typeface="Public Sans"/>
-                  <a:sym typeface="Public Sans"/>
-                </a:rPr>
-                <a:t> de España.</a:t>
-              </a:r>
-            </a:p>
-          </p:txBody>
-        </p:sp>
-        <p:grpSp>
-          <p:nvGrpSpPr>
-            <p:cNvPr id="26" name="Grupo 25">
-              <a:extLst>
-                <a:ext uri="{FF2B5EF4-FFF2-40B4-BE49-F238E27FC236}">
-                  <a16:creationId xmlns:a16="http://schemas.microsoft.com/office/drawing/2014/main" id="{579FE83E-FC90-0D1B-6D36-814F96E0C72D}"/>
-                </a:ext>
-              </a:extLst>
-            </p:cNvPr>
-            <p:cNvGrpSpPr/>
-            <p:nvPr/>
-          </p:nvGrpSpPr>
-          <p:grpSpPr>
-            <a:xfrm>
-              <a:off x="3065636" y="1943100"/>
-              <a:ext cx="4794184" cy="639381"/>
-              <a:chOff x="3065636" y="1943100"/>
-              <a:chExt cx="4794184" cy="639381"/>
-            </a:xfrm>
-          </p:grpSpPr>
-          <p:grpSp>
-            <p:nvGrpSpPr>
-              <p:cNvPr id="27" name="Group 20">
-                <a:extLst>
-                  <a:ext uri="{FF2B5EF4-FFF2-40B4-BE49-F238E27FC236}">
-                    <a16:creationId xmlns:a16="http://schemas.microsoft.com/office/drawing/2014/main" id="{172709C6-85BB-F6F7-314B-A3A04AD07A24}"/>
-                  </a:ext>
-                </a:extLst>
-              </p:cNvPr>
-              <p:cNvGrpSpPr/>
-              <p:nvPr/>
-            </p:nvGrpSpPr>
-            <p:grpSpPr>
-              <a:xfrm>
-                <a:off x="3065636" y="1943100"/>
-                <a:ext cx="4794184" cy="639381"/>
-                <a:chOff x="0" y="0"/>
-                <a:chExt cx="2860316" cy="381469"/>
-              </a:xfrm>
-            </p:grpSpPr>
-            <p:sp>
-              <p:nvSpPr>
-                <p:cNvPr id="29" name="Freeform 21">
-                  <a:extLst>
-                    <a:ext uri="{FF2B5EF4-FFF2-40B4-BE49-F238E27FC236}">
-                      <a16:creationId xmlns:a16="http://schemas.microsoft.com/office/drawing/2014/main" id="{78DBD744-AE24-093C-F269-836B1E66B6C7}"/>
-                    </a:ext>
-                  </a:extLst>
-                </p:cNvPr>
-                <p:cNvSpPr/>
-                <p:nvPr/>
-              </p:nvSpPr>
-              <p:spPr>
-                <a:xfrm>
-                  <a:off x="0" y="0"/>
-                  <a:ext cx="2860316" cy="381469"/>
-                </a:xfrm>
-                <a:custGeom>
-                  <a:avLst/>
-                  <a:gdLst/>
-                  <a:ahLst/>
-                  <a:cxnLst/>
-                  <a:rect l="l" t="t" r="r" b="b"/>
-                  <a:pathLst>
-                    <a:path w="2860316" h="381469">
-                      <a:moveTo>
-                        <a:pt x="2657116" y="0"/>
-                      </a:moveTo>
-                      <a:cubicBezTo>
-                        <a:pt x="2769341" y="0"/>
-                        <a:pt x="2860316" y="85395"/>
-                        <a:pt x="2860316" y="190734"/>
-                      </a:cubicBezTo>
-                      <a:cubicBezTo>
-                        <a:pt x="2860316" y="296074"/>
-                        <a:pt x="2769341" y="381469"/>
-                        <a:pt x="2657116" y="381469"/>
-                      </a:cubicBezTo>
-                      <a:lnTo>
-                        <a:pt x="203200" y="381469"/>
-                      </a:lnTo>
-                      <a:cubicBezTo>
-                        <a:pt x="90976" y="381469"/>
-                        <a:pt x="0" y="296074"/>
-                        <a:pt x="0" y="190734"/>
-                      </a:cubicBezTo>
-                      <a:cubicBezTo>
-                        <a:pt x="0" y="85395"/>
-                        <a:pt x="90976" y="0"/>
-                        <a:pt x="203200" y="0"/>
-                      </a:cubicBezTo>
-                      <a:close/>
-                    </a:path>
-                  </a:pathLst>
-                </a:custGeom>
-                <a:solidFill>
-                  <a:srgbClr val="BDD2EA"/>
-                </a:solidFill>
-              </p:spPr>
-              <p:txBody>
-                <a:bodyPr/>
-                <a:lstStyle/>
-                <a:p>
-                  <a:endParaRPr lang="es-ES" noProof="0" dirty="0"/>
-                </a:p>
-              </p:txBody>
-            </p:sp>
-            <p:sp>
-              <p:nvSpPr>
-                <p:cNvPr id="30" name="TextBox 22">
-                  <a:extLst>
-                    <a:ext uri="{FF2B5EF4-FFF2-40B4-BE49-F238E27FC236}">
-                      <a16:creationId xmlns:a16="http://schemas.microsoft.com/office/drawing/2014/main" id="{1615CF4E-F607-C466-58EE-7D695A9CC8B6}"/>
-                    </a:ext>
-                  </a:extLst>
-                </p:cNvPr>
-                <p:cNvSpPr txBox="1"/>
-                <p:nvPr/>
-              </p:nvSpPr>
-              <p:spPr>
-                <a:xfrm>
-                  <a:off x="0" y="-38100"/>
-                  <a:ext cx="2860316" cy="419569"/>
-                </a:xfrm>
-                <a:prstGeom prst="rect">
-                  <a:avLst/>
-                </a:prstGeom>
-              </p:spPr>
-              <p:txBody>
-                <a:bodyPr lIns="50800" tIns="50800" rIns="50800" bIns="50800" rtlCol="0" anchor="ctr"/>
-                <a:lstStyle/>
-                <a:p>
-                  <a:pPr algn="ctr">
-                    <a:lnSpc>
-                      <a:spcPts val="2659"/>
-                    </a:lnSpc>
-                  </a:pPr>
-                  <a:endParaRPr lang="es-ES" noProof="0" dirty="0"/>
-                </a:p>
-              </p:txBody>
-            </p:sp>
-          </p:grpSp>
-          <p:sp>
-            <p:nvSpPr>
-              <p:cNvPr id="28" name="TextBox 38">
-                <a:extLst>
-                  <a:ext uri="{FF2B5EF4-FFF2-40B4-BE49-F238E27FC236}">
-                    <a16:creationId xmlns:a16="http://schemas.microsoft.com/office/drawing/2014/main" id="{FC52AD39-343C-AAE2-E7C6-96A8CC459C61}"/>
-                  </a:ext>
-                </a:extLst>
-              </p:cNvPr>
-              <p:cNvSpPr txBox="1"/>
-              <p:nvPr/>
-            </p:nvSpPr>
-            <p:spPr>
-              <a:xfrm>
-                <a:off x="3205543" y="2018874"/>
-                <a:ext cx="4514368" cy="457626"/>
-              </a:xfrm>
-              <a:prstGeom prst="rect">
-                <a:avLst/>
-              </a:prstGeom>
-            </p:spPr>
-            <p:txBody>
-              <a:bodyPr lIns="0" tIns="0" rIns="0" bIns="0" rtlCol="0" anchor="t">
-                <a:spAutoFit/>
-              </a:bodyPr>
-              <a:lstStyle/>
-              <a:p>
-                <a:pPr algn="ctr">
-                  <a:lnSpc>
-                    <a:spcPts val="3919"/>
-                  </a:lnSpc>
-                </a:pPr>
-                <a:r>
-                  <a:rPr lang="es-ES" sz="2799" b="1" noProof="0" dirty="0">
-                    <a:solidFill>
-                      <a:srgbClr val="222366"/>
-                    </a:solidFill>
-                    <a:latin typeface="Public Sans Bold"/>
-                    <a:ea typeface="Public Sans Bold"/>
-                    <a:cs typeface="Public Sans Bold"/>
-                    <a:sym typeface="Public Sans Bold"/>
-                  </a:rPr>
-                  <a:t>INE</a:t>
-                </a:r>
-              </a:p>
-            </p:txBody>
-          </p:sp>
-        </p:grpSp>
-      </p:grpSp>
-      <p:sp>
-        <p:nvSpPr>
-          <p:cNvPr id="51" name="TextBox 23">
-            <a:extLst>
-              <a:ext uri="{FF2B5EF4-FFF2-40B4-BE49-F238E27FC236}">
-                <a16:creationId xmlns:a16="http://schemas.microsoft.com/office/drawing/2014/main" id="{C4C674CB-6130-9E82-55C3-EA578FFD9CFF}"/>
-              </a:ext>
-            </a:extLst>
-          </p:cNvPr>
-          <p:cNvSpPr txBox="1"/>
-          <p:nvPr/>
-        </p:nvSpPr>
-        <p:spPr>
-          <a:xfrm>
-            <a:off x="7308772" y="4397806"/>
-            <a:ext cx="6283784" cy="4098494"/>
-          </a:xfrm>
-          <a:prstGeom prst="rect">
-            <a:avLst/>
-          </a:prstGeom>
-        </p:spPr>
-        <p:txBody>
-          <a:bodyPr wrap="square" lIns="0" tIns="0" rIns="0" bIns="0" rtlCol="0" anchor="t">
-            <a:spAutoFit/>
-          </a:bodyPr>
-          <a:lstStyle/>
-          <a:p>
-            <a:pPr marL="342900" indent="-342900">
-              <a:lnSpc>
-                <a:spcPct val="150000"/>
-              </a:lnSpc>
-              <a:buFont typeface="Wingdings" panose="05000000000000000000" pitchFamily="2" charset="2"/>
-              <a:buChar char="§"/>
-            </a:pPr>
-            <a:r>
-              <a:rPr lang="es-ES" sz="2000" b="1" dirty="0" err="1">
-                <a:solidFill>
-                  <a:srgbClr val="222366"/>
-                </a:solidFill>
-                <a:latin typeface="Public Sans"/>
-                <a:ea typeface="Public Sans"/>
-                <a:cs typeface="Public Sans"/>
-                <a:sym typeface="Public Sans"/>
-              </a:rPr>
-              <a:t>PDFPlumber</a:t>
-            </a:r>
-            <a:r>
-              <a:rPr lang="es-ES" sz="2000" dirty="0">
-                <a:solidFill>
-                  <a:srgbClr val="222366"/>
-                </a:solidFill>
-                <a:latin typeface="Public Sans"/>
-                <a:ea typeface="Public Sans"/>
-                <a:cs typeface="Public Sans"/>
-                <a:sym typeface="Public Sans"/>
-              </a:rPr>
-              <a:t> es una librería de Python para extraer datos y tablas de archivos PDF.</a:t>
-            </a:r>
-          </a:p>
-          <a:p>
-            <a:pPr marL="342900" indent="-342900">
-              <a:lnSpc>
-                <a:spcPct val="150000"/>
-              </a:lnSpc>
-              <a:buFont typeface="Wingdings" panose="05000000000000000000" pitchFamily="2" charset="2"/>
-              <a:buChar char="§"/>
-            </a:pPr>
-            <a:r>
-              <a:rPr lang="es-ES" sz="2000" b="1" noProof="0" dirty="0">
-                <a:solidFill>
-                  <a:srgbClr val="222366"/>
-                </a:solidFill>
-                <a:latin typeface="Public Sans"/>
-                <a:ea typeface="Public Sans"/>
-                <a:cs typeface="Public Sans"/>
-                <a:sym typeface="Public Sans"/>
-              </a:rPr>
-              <a:t>Información limitada</a:t>
-            </a:r>
-            <a:r>
-              <a:rPr lang="es-ES" sz="2000" noProof="0" dirty="0">
-                <a:solidFill>
-                  <a:srgbClr val="222366"/>
-                </a:solidFill>
-                <a:latin typeface="Public Sans"/>
-                <a:ea typeface="Public Sans"/>
-                <a:cs typeface="Public Sans"/>
-                <a:sym typeface="Public Sans"/>
-              </a:rPr>
-              <a:t>. Faltan años, Comunidades Autónomas y faltan enfermedades.</a:t>
-            </a:r>
-          </a:p>
-          <a:p>
-            <a:pPr marL="342900" indent="-342900">
-              <a:lnSpc>
-                <a:spcPct val="150000"/>
-              </a:lnSpc>
-              <a:buFont typeface="Wingdings" panose="05000000000000000000" pitchFamily="2" charset="2"/>
-              <a:buChar char="§"/>
-            </a:pPr>
-            <a:r>
-              <a:rPr lang="es-ES" sz="2000" dirty="0">
-                <a:solidFill>
-                  <a:srgbClr val="222366"/>
-                </a:solidFill>
-                <a:latin typeface="Public Sans"/>
-                <a:ea typeface="Public Sans"/>
-                <a:cs typeface="Public Sans"/>
-                <a:sym typeface="Public Sans"/>
-              </a:rPr>
-              <a:t>Tablas utilizadas:</a:t>
-            </a:r>
-          </a:p>
-          <a:p>
-            <a:pPr marL="800100" lvl="1" indent="-342900">
-              <a:lnSpc>
-                <a:spcPct val="150000"/>
-              </a:lnSpc>
-              <a:buFont typeface="Wingdings" panose="05000000000000000000" pitchFamily="2" charset="2"/>
-              <a:buChar char="§"/>
-            </a:pPr>
-            <a:r>
-              <a:rPr lang="es-ES" sz="2000" b="1" dirty="0">
-                <a:solidFill>
-                  <a:srgbClr val="222366"/>
-                </a:solidFill>
-                <a:latin typeface="Public Sans"/>
-                <a:ea typeface="Public Sans"/>
-                <a:cs typeface="Public Sans"/>
-                <a:sym typeface="Public Sans"/>
-              </a:rPr>
-              <a:t>Casos notificados 2010 – 2018 por CC.AA.</a:t>
-            </a:r>
-          </a:p>
-          <a:p>
-            <a:pPr marL="800100" lvl="1" indent="-342900">
-              <a:lnSpc>
-                <a:spcPct val="150000"/>
-              </a:lnSpc>
-              <a:buFont typeface="Wingdings" panose="05000000000000000000" pitchFamily="2" charset="2"/>
-              <a:buChar char="§"/>
-            </a:pPr>
-            <a:r>
-              <a:rPr lang="es-ES" sz="2000" b="1" dirty="0">
-                <a:solidFill>
-                  <a:srgbClr val="222366"/>
-                </a:solidFill>
-                <a:latin typeface="Public Sans"/>
-                <a:ea typeface="Public Sans"/>
-                <a:cs typeface="Public Sans"/>
-                <a:sym typeface="Public Sans"/>
-              </a:rPr>
-              <a:t>Población total 2018 por CC.AA.	 (INE)</a:t>
-            </a:r>
-          </a:p>
-          <a:p>
-            <a:pPr marL="800100" lvl="1" indent="-342900">
-              <a:lnSpc>
-                <a:spcPct val="150000"/>
-              </a:lnSpc>
-              <a:buFont typeface="Wingdings" panose="05000000000000000000" pitchFamily="2" charset="2"/>
-              <a:buChar char="§"/>
-            </a:pPr>
-            <a:r>
-              <a:rPr lang="es-ES" sz="2000" b="1" dirty="0">
-                <a:solidFill>
-                  <a:srgbClr val="222366"/>
-                </a:solidFill>
-                <a:latin typeface="Public Sans"/>
-                <a:ea typeface="Public Sans"/>
-                <a:cs typeface="Public Sans"/>
-                <a:sym typeface="Public Sans"/>
-              </a:rPr>
-              <a:t>Casos según género 2020 – 2022.</a:t>
-            </a:r>
-          </a:p>
-          <a:p>
-            <a:pPr marL="800100" lvl="1" indent="-342900">
-              <a:lnSpc>
-                <a:spcPct val="150000"/>
-              </a:lnSpc>
-              <a:buFont typeface="Wingdings" panose="05000000000000000000" pitchFamily="2" charset="2"/>
-              <a:buChar char="§"/>
-            </a:pPr>
-            <a:r>
-              <a:rPr lang="es-ES" sz="2000" b="1" dirty="0">
-                <a:solidFill>
-                  <a:srgbClr val="222366"/>
-                </a:solidFill>
-                <a:latin typeface="Public Sans"/>
-                <a:ea typeface="Public Sans"/>
-                <a:cs typeface="Public Sans"/>
-                <a:sym typeface="Public Sans"/>
-              </a:rPr>
-              <a:t>Enfermedades según género 2022.</a:t>
-            </a:r>
-            <a:endParaRPr lang="es-ES" sz="2000" b="1" noProof="0" dirty="0">
-              <a:solidFill>
-                <a:srgbClr val="222366"/>
-              </a:solidFill>
-              <a:latin typeface="Public Sans"/>
-              <a:ea typeface="Public Sans"/>
-              <a:cs typeface="Public Sans"/>
-              <a:sym typeface="Public Sans"/>
-            </a:endParaRPr>
-          </a:p>
-        </p:txBody>
-      </p:sp>
-      <p:sp>
-        <p:nvSpPr>
-          <p:cNvPr id="31" name="Freeform 8">
-            <a:extLst>
-              <a:ext uri="{FF2B5EF4-FFF2-40B4-BE49-F238E27FC236}">
-                <a16:creationId xmlns:a16="http://schemas.microsoft.com/office/drawing/2014/main" id="{186D0B2C-56EC-40D4-22B5-A2527F14F878}"/>
-              </a:ext>
-            </a:extLst>
-          </p:cNvPr>
-          <p:cNvSpPr/>
-          <p:nvPr/>
-        </p:nvSpPr>
-        <p:spPr>
-          <a:xfrm rot="16035391">
-            <a:off x="17177750" y="1545367"/>
-            <a:ext cx="1402006" cy="1402006"/>
-          </a:xfrm>
-          <a:custGeom>
-            <a:avLst/>
-            <a:gdLst/>
-            <a:ahLst/>
-            <a:cxnLst/>
-            <a:rect l="l" t="t" r="r" b="b"/>
-            <a:pathLst>
-              <a:path w="1402006" h="1402006">
-                <a:moveTo>
-                  <a:pt x="0" y="0"/>
-                </a:moveTo>
-                <a:lnTo>
-                  <a:pt x="1402006" y="0"/>
-                </a:lnTo>
-                <a:lnTo>
-                  <a:pt x="1402006" y="1402006"/>
-                </a:lnTo>
-                <a:lnTo>
-                  <a:pt x="0" y="1402006"/>
-                </a:lnTo>
-                <a:lnTo>
-                  <a:pt x="0" y="0"/>
-                </a:lnTo>
-                <a:close/>
-              </a:path>
-            </a:pathLst>
-          </a:custGeom>
-          <a:blipFill>
-            <a:blip r:embed="rId3">
-              <a:extLst>
-                <a:ext uri="{96DAC541-7B7A-43D3-8B79-37D633B846F1}">
-                  <asvg:svgBlip xmlns:asvg="http://schemas.microsoft.com/office/drawing/2016/SVG/main" r:embed="rId4"/>
-                </a:ext>
-              </a:extLst>
-            </a:blip>
-            <a:stretch>
-              <a:fillRect/>
-            </a:stretch>
-          </a:blipFill>
-        </p:spPr>
-        <p:txBody>
-          <a:bodyPr/>
-          <a:lstStyle/>
-          <a:p>
-            <a:endParaRPr lang="es-ES" noProof="0" dirty="0"/>
-          </a:p>
-        </p:txBody>
-      </p:sp>
-      <p:sp>
-        <p:nvSpPr>
-          <p:cNvPr id="32" name="CuadroTexto 31">
-            <a:extLst>
-              <a:ext uri="{FF2B5EF4-FFF2-40B4-BE49-F238E27FC236}">
-                <a16:creationId xmlns:a16="http://schemas.microsoft.com/office/drawing/2014/main" id="{78F31AD1-A2EF-9265-9160-2E4CAC1EDCC0}"/>
-              </a:ext>
-            </a:extLst>
-          </p:cNvPr>
-          <p:cNvSpPr txBox="1"/>
-          <p:nvPr/>
-        </p:nvSpPr>
-        <p:spPr>
-          <a:xfrm>
-            <a:off x="17068800" y="9791700"/>
-            <a:ext cx="1219200" cy="369332"/>
-          </a:xfrm>
-          <a:prstGeom prst="rect">
-            <a:avLst/>
-          </a:prstGeom>
-          <a:noFill/>
-        </p:spPr>
-        <p:txBody>
-          <a:bodyPr wrap="square" rtlCol="0">
-            <a:spAutoFit/>
-          </a:bodyPr>
-          <a:lstStyle/>
-          <a:p>
-            <a:pPr algn="ctr"/>
-            <a:r>
-              <a:rPr lang="es-ES" dirty="0"/>
-              <a:t>- 8 -</a:t>
-            </a:r>
-          </a:p>
-        </p:txBody>
-      </p:sp>
-    </p:spTree>
-    <p:extLst>
-      <p:ext uri="{BB962C8B-B14F-4D97-AF65-F5344CB8AC3E}">
-        <p14:creationId xmlns:p14="http://schemas.microsoft.com/office/powerpoint/2010/main" val="3323513927"/>
       </p:ext>
     </p:extLst>
   </p:cSld>

--- a/Sprint 10 - Pràctica final/Presentación - Enfermedades raras.pptx
+++ b/Sprint 10 - Pràctica final/Presentación - Enfermedades raras.pptx
@@ -5,54 +5,55 @@
     <p:sldMasterId id="2147483648" r:id="rId1"/>
   </p:sldMasterIdLst>
   <p:notesMasterIdLst>
-    <p:notesMasterId r:id="rId21"/>
+    <p:notesMasterId r:id="rId22"/>
   </p:notesMasterIdLst>
   <p:handoutMasterIdLst>
-    <p:handoutMasterId r:id="rId22"/>
+    <p:handoutMasterId r:id="rId23"/>
   </p:handoutMasterIdLst>
   <p:sldIdLst>
-    <p:sldId id="264" r:id="rId2"/>
-    <p:sldId id="256" r:id="rId3"/>
-    <p:sldId id="258" r:id="rId4"/>
-    <p:sldId id="257" r:id="rId5"/>
-    <p:sldId id="261" r:id="rId6"/>
-    <p:sldId id="259" r:id="rId7"/>
-    <p:sldId id="277" r:id="rId8"/>
-    <p:sldId id="278" r:id="rId9"/>
-    <p:sldId id="280" r:id="rId10"/>
-    <p:sldId id="279" r:id="rId11"/>
-    <p:sldId id="263" r:id="rId12"/>
-    <p:sldId id="271" r:id="rId13"/>
-    <p:sldId id="274" r:id="rId14"/>
-    <p:sldId id="276" r:id="rId15"/>
-    <p:sldId id="272" r:id="rId16"/>
-    <p:sldId id="275" r:id="rId17"/>
-    <p:sldId id="282" r:id="rId18"/>
-    <p:sldId id="267" r:id="rId19"/>
-    <p:sldId id="270" r:id="rId20"/>
+    <p:sldId id="283" r:id="rId2"/>
+    <p:sldId id="264" r:id="rId3"/>
+    <p:sldId id="256" r:id="rId4"/>
+    <p:sldId id="258" r:id="rId5"/>
+    <p:sldId id="257" r:id="rId6"/>
+    <p:sldId id="261" r:id="rId7"/>
+    <p:sldId id="259" r:id="rId8"/>
+    <p:sldId id="277" r:id="rId9"/>
+    <p:sldId id="278" r:id="rId10"/>
+    <p:sldId id="280" r:id="rId11"/>
+    <p:sldId id="279" r:id="rId12"/>
+    <p:sldId id="263" r:id="rId13"/>
+    <p:sldId id="271" r:id="rId14"/>
+    <p:sldId id="274" r:id="rId15"/>
+    <p:sldId id="276" r:id="rId16"/>
+    <p:sldId id="272" r:id="rId17"/>
+    <p:sldId id="275" r:id="rId18"/>
+    <p:sldId id="282" r:id="rId19"/>
+    <p:sldId id="267" r:id="rId20"/>
+    <p:sldId id="270" r:id="rId21"/>
   </p:sldIdLst>
   <p:sldSz cx="18288000" cy="10287000"/>
   <p:notesSz cx="6858000" cy="9144000"/>
   <p:embeddedFontLst>
     <p:embeddedFont>
       <p:font typeface="Brick Sans" panose="020B0604020202020204" charset="0"/>
-      <p:regular r:id="rId23"/>
+      <p:regular r:id="rId24"/>
     </p:embeddedFont>
     <p:embeddedFont>
       <p:font typeface="Cambria Math" panose="02040503050406030204" pitchFamily="18" charset="0"/>
-      <p:regular r:id="rId24"/>
+      <p:regular r:id="rId25"/>
     </p:embeddedFont>
     <p:embeddedFont>
       <p:font typeface="Public Sans" panose="020B0604020202020204" charset="0"/>
-      <p:regular r:id="rId25"/>
+      <p:regular r:id="rId26"/>
     </p:embeddedFont>
     <p:embeddedFont>
       <p:font typeface="Public Sans Bold" panose="020B0604020202020204" charset="0"/>
-      <p:regular r:id="rId26"/>
+      <p:regular r:id="rId27"/>
     </p:embeddedFont>
     <p:embeddedFont>
       <p:font typeface="Public Sans Heavy" panose="020B0604020202020204" charset="0"/>
-      <p:regular r:id="rId27"/>
+      <p:regular r:id="rId28"/>
     </p:embeddedFont>
   </p:embeddedFontLst>
   <p:defaultTextStyle>
@@ -4439,7 +4440,7 @@
           <a:p>
             <a:fld id="{C5AD6287-8F06-4BF2-AC90-69C9A69868BD}" type="slidenum">
               <a:rPr lang="es-ES" smtClean="0"/>
-              <a:t>3</a:t>
+              <a:t>4</a:t>
             </a:fld>
             <a:endParaRPr lang="es-ES"/>
           </a:p>
@@ -4529,7 +4530,7 @@
           <a:p>
             <a:fld id="{C5AD6287-8F06-4BF2-AC90-69C9A69868BD}" type="slidenum">
               <a:rPr lang="es-ES" smtClean="0"/>
-              <a:t>5</a:t>
+              <a:t>6</a:t>
             </a:fld>
             <a:endParaRPr lang="es-ES"/>
           </a:p>
@@ -4613,7 +4614,7 @@
           <a:p>
             <a:fld id="{C5AD6287-8F06-4BF2-AC90-69C9A69868BD}" type="slidenum">
               <a:rPr lang="es-ES" smtClean="0"/>
-              <a:t>6</a:t>
+              <a:t>7</a:t>
             </a:fld>
             <a:endParaRPr lang="es-ES"/>
           </a:p>
@@ -4721,7 +4722,7 @@
           <a:p>
             <a:fld id="{C5AD6287-8F06-4BF2-AC90-69C9A69868BD}" type="slidenum">
               <a:rPr lang="es-ES" smtClean="0"/>
-              <a:t>7</a:t>
+              <a:t>8</a:t>
             </a:fld>
             <a:endParaRPr lang="es-ES"/>
           </a:p>
@@ -4842,7 +4843,7 @@
           <a:p>
             <a:fld id="{C5AD6287-8F06-4BF2-AC90-69C9A69868BD}" type="slidenum">
               <a:rPr lang="es-ES" smtClean="0"/>
-              <a:t>8</a:t>
+              <a:t>9</a:t>
             </a:fld>
             <a:endParaRPr lang="es-ES"/>
           </a:p>
@@ -4950,7 +4951,7 @@
           <a:p>
             <a:fld id="{C5AD6287-8F06-4BF2-AC90-69C9A69868BD}" type="slidenum">
               <a:rPr lang="es-ES" smtClean="0"/>
-              <a:t>9</a:t>
+              <a:t>10</a:t>
             </a:fld>
             <a:endParaRPr lang="es-ES"/>
           </a:p>
@@ -5058,7 +5059,7 @@
           <a:p>
             <a:fld id="{C5AD6287-8F06-4BF2-AC90-69C9A69868BD}" type="slidenum">
               <a:rPr lang="es-ES" smtClean="0"/>
-              <a:t>10</a:t>
+              <a:t>11</a:t>
             </a:fld>
             <a:endParaRPr lang="es-ES"/>
           </a:p>
@@ -5142,7 +5143,7 @@
           <a:p>
             <a:fld id="{C5AD6287-8F06-4BF2-AC90-69C9A69868BD}" type="slidenum">
               <a:rPr lang="es-ES" smtClean="0"/>
-              <a:t>14</a:t>
+              <a:t>15</a:t>
             </a:fld>
             <a:endParaRPr lang="es-ES"/>
           </a:p>
@@ -8065,12 +8066,12 @@
 </file>
 
 <file path=ppt/slides/slide1.xml><?xml version="1.0" encoding="utf-8"?>
-<p:sld xmlns:a="http://schemas.openxmlformats.org/drawingml/2006/main" xmlns:r="http://schemas.openxmlformats.org/officeDocument/2006/relationships" xmlns:p="http://schemas.openxmlformats.org/presentationml/2006/main" show="0">
+<p:sld xmlns:a="http://schemas.openxmlformats.org/drawingml/2006/main" xmlns:r="http://schemas.openxmlformats.org/officeDocument/2006/relationships" xmlns:p="http://schemas.openxmlformats.org/presentationml/2006/main">
   <p:cSld>
     <p:bg>
       <p:bgPr>
         <a:solidFill>
-          <a:schemeClr val="bg1"/>
+          <a:schemeClr val="tx1"/>
         </a:solidFill>
         <a:effectLst/>
       </p:bgPr>
@@ -8089,153 +8090,644 @@
           <a:chExt cx="0" cy="0"/>
         </a:xfrm>
       </p:grpSpPr>
-      <p:sp useBgFill="1">
+    </p:spTree>
+    <p:extLst>
+      <p:ext uri="{BB962C8B-B14F-4D97-AF65-F5344CB8AC3E}">
+        <p14:creationId xmlns:p14="http://schemas.microsoft.com/office/powerpoint/2010/main" val="3915955644"/>
+      </p:ext>
+    </p:extLst>
+  </p:cSld>
+  <p:clrMapOvr>
+    <a:masterClrMapping/>
+  </p:clrMapOvr>
+</p:sld>
+</file>
+
+<file path=ppt/slides/slide10.xml><?xml version="1.0" encoding="utf-8"?>
+<p:sld xmlns:a="http://schemas.openxmlformats.org/drawingml/2006/main" xmlns:r="http://schemas.openxmlformats.org/officeDocument/2006/relationships" xmlns:p="http://schemas.openxmlformats.org/presentationml/2006/main">
+  <p:cSld>
+    <p:bg>
+      <p:bgPr>
+        <a:solidFill>
+          <a:srgbClr val="FAF3F3"/>
+        </a:solidFill>
+        <a:effectLst/>
+      </p:bgPr>
+    </p:bg>
+    <p:spTree>
+      <p:nvGrpSpPr>
+        <p:cNvPr id="1" name="">
+          <a:extLst>
+            <a:ext uri="{FF2B5EF4-FFF2-40B4-BE49-F238E27FC236}">
+              <a16:creationId xmlns:a16="http://schemas.microsoft.com/office/drawing/2014/main" id="{3072C78B-8A2B-2EA8-47F6-826D00F5FA1C}"/>
+            </a:ext>
+          </a:extLst>
+        </p:cNvPr>
+        <p:cNvGrpSpPr/>
+        <p:nvPr/>
+      </p:nvGrpSpPr>
+      <p:grpSpPr>
+        <a:xfrm>
+          <a:off x="0" y="0"/>
+          <a:ext cx="0" cy="0"/>
+          <a:chOff x="0" y="0"/>
+          <a:chExt cx="0" cy="0"/>
+        </a:xfrm>
+      </p:grpSpPr>
+      <p:sp>
         <p:nvSpPr>
-          <p:cNvPr id="37" name="Rectangle 36">
+          <p:cNvPr id="10" name="Freeform 10">
             <a:extLst>
               <a:ext uri="{FF2B5EF4-FFF2-40B4-BE49-F238E27FC236}">
-                <a16:creationId xmlns:a16="http://schemas.microsoft.com/office/drawing/2014/main" id="{7DA3C418-758E-4180-A5D0-8655D6804587}"/>
-              </a:ext>
-              <a:ext uri="{C183D7F6-B498-43B3-948B-1728B52AA6E4}">
-                <adec:decorative xmlns:adec="http://schemas.microsoft.com/office/drawing/2017/decorative" val="1"/>
+                <a16:creationId xmlns:a16="http://schemas.microsoft.com/office/drawing/2014/main" id="{37299542-B57B-5707-D050-148B59820659}"/>
               </a:ext>
             </a:extLst>
           </p:cNvPr>
-          <p:cNvSpPr>
-            <a:spLocks noGrp="1" noRot="1" noChangeAspect="1" noMove="1" noResize="1" noEditPoints="1" noAdjustHandles="1" noChangeArrowheads="1" noChangeShapeType="1" noTextEdit="1"/>
-          </p:cNvSpPr>
-          <p:nvPr>
-            <p:extLst>
-              <p:ext uri="{386F3935-93C4-4BCD-93E2-E3B085C9AB24}">
-                <p16:designElem xmlns:p16="http://schemas.microsoft.com/office/powerpoint/2015/main" val="1"/>
-              </p:ext>
-            </p:extLst>
-          </p:nvPr>
+          <p:cNvSpPr/>
+          <p:nvPr/>
+        </p:nvSpPr>
+        <p:spPr>
+          <a:xfrm rot="-1793077">
+            <a:off x="16486792" y="3748667"/>
+            <a:ext cx="2859370" cy="3981402"/>
+          </a:xfrm>
+          <a:custGeom>
+            <a:avLst/>
+            <a:gdLst/>
+            <a:ahLst/>
+            <a:cxnLst/>
+            <a:rect l="l" t="t" r="r" b="b"/>
+            <a:pathLst>
+              <a:path w="2859370" h="3981402">
+                <a:moveTo>
+                  <a:pt x="0" y="0"/>
+                </a:moveTo>
+                <a:lnTo>
+                  <a:pt x="2859370" y="0"/>
+                </a:lnTo>
+                <a:lnTo>
+                  <a:pt x="2859370" y="3981402"/>
+                </a:lnTo>
+                <a:lnTo>
+                  <a:pt x="0" y="3981402"/>
+                </a:lnTo>
+                <a:lnTo>
+                  <a:pt x="0" y="0"/>
+                </a:lnTo>
+                <a:close/>
+              </a:path>
+            </a:pathLst>
+          </a:custGeom>
+          <a:blipFill>
+            <a:blip r:embed="rId3">
+              <a:extLst>
+                <a:ext uri="{96DAC541-7B7A-43D3-8B79-37D633B846F1}">
+                  <asvg:svgBlip xmlns:asvg="http://schemas.microsoft.com/office/drawing/2016/SVG/main" r:embed="rId4"/>
+                </a:ext>
+              </a:extLst>
+            </a:blip>
+            <a:stretch>
+              <a:fillRect/>
+            </a:stretch>
+          </a:blipFill>
+        </p:spPr>
+        <p:txBody>
+          <a:bodyPr/>
+          <a:lstStyle/>
+          <a:p>
+            <a:endParaRPr lang="es-ES" noProof="0" dirty="0"/>
+          </a:p>
+        </p:txBody>
+      </p:sp>
+      <p:sp>
+        <p:nvSpPr>
+          <p:cNvPr id="12" name="Freeform 12">
+            <a:extLst>
+              <a:ext uri="{FF2B5EF4-FFF2-40B4-BE49-F238E27FC236}">
+                <a16:creationId xmlns:a16="http://schemas.microsoft.com/office/drawing/2014/main" id="{E3C88D38-9E1B-811A-1E5E-137E38134E1F}"/>
+              </a:ext>
+            </a:extLst>
+          </p:cNvPr>
+          <p:cNvSpPr/>
+          <p:nvPr/>
+        </p:nvSpPr>
+        <p:spPr>
+          <a:xfrm rot="-137149">
+            <a:off x="16810138" y="679878"/>
+            <a:ext cx="1402006" cy="1402006"/>
+          </a:xfrm>
+          <a:custGeom>
+            <a:avLst/>
+            <a:gdLst/>
+            <a:ahLst/>
+            <a:cxnLst/>
+            <a:rect l="l" t="t" r="r" b="b"/>
+            <a:pathLst>
+              <a:path w="1402006" h="1402006">
+                <a:moveTo>
+                  <a:pt x="0" y="0"/>
+                </a:moveTo>
+                <a:lnTo>
+                  <a:pt x="1402006" y="0"/>
+                </a:lnTo>
+                <a:lnTo>
+                  <a:pt x="1402006" y="1402006"/>
+                </a:lnTo>
+                <a:lnTo>
+                  <a:pt x="0" y="1402006"/>
+                </a:lnTo>
+                <a:lnTo>
+                  <a:pt x="0" y="0"/>
+                </a:lnTo>
+                <a:close/>
+              </a:path>
+            </a:pathLst>
+          </a:custGeom>
+          <a:blipFill>
+            <a:blip r:embed="rId5">
+              <a:extLst>
+                <a:ext uri="{96DAC541-7B7A-43D3-8B79-37D633B846F1}">
+                  <asvg:svgBlip xmlns:asvg="http://schemas.microsoft.com/office/drawing/2016/SVG/main" r:embed="rId6"/>
+                </a:ext>
+              </a:extLst>
+            </a:blip>
+            <a:stretch>
+              <a:fillRect/>
+            </a:stretch>
+          </a:blipFill>
+        </p:spPr>
+        <p:txBody>
+          <a:bodyPr/>
+          <a:lstStyle/>
+          <a:p>
+            <a:endParaRPr lang="es-ES" noProof="0" dirty="0"/>
+          </a:p>
+        </p:txBody>
+      </p:sp>
+      <p:sp>
+        <p:nvSpPr>
+          <p:cNvPr id="13" name="Freeform 13">
+            <a:extLst>
+              <a:ext uri="{FF2B5EF4-FFF2-40B4-BE49-F238E27FC236}">
+                <a16:creationId xmlns:a16="http://schemas.microsoft.com/office/drawing/2014/main" id="{60804A07-14A5-F7A4-4C62-C13EC67CBA68}"/>
+              </a:ext>
+            </a:extLst>
+          </p:cNvPr>
+          <p:cNvSpPr/>
+          <p:nvPr/>
+        </p:nvSpPr>
+        <p:spPr>
+          <a:xfrm rot="-137149">
+            <a:off x="-322102" y="8874639"/>
+            <a:ext cx="1402006" cy="1402006"/>
+          </a:xfrm>
+          <a:custGeom>
+            <a:avLst/>
+            <a:gdLst/>
+            <a:ahLst/>
+            <a:cxnLst/>
+            <a:rect l="l" t="t" r="r" b="b"/>
+            <a:pathLst>
+              <a:path w="1402006" h="1402006">
+                <a:moveTo>
+                  <a:pt x="0" y="0"/>
+                </a:moveTo>
+                <a:lnTo>
+                  <a:pt x="1402006" y="0"/>
+                </a:lnTo>
+                <a:lnTo>
+                  <a:pt x="1402006" y="1402006"/>
+                </a:lnTo>
+                <a:lnTo>
+                  <a:pt x="0" y="1402006"/>
+                </a:lnTo>
+                <a:lnTo>
+                  <a:pt x="0" y="0"/>
+                </a:lnTo>
+                <a:close/>
+              </a:path>
+            </a:pathLst>
+          </a:custGeom>
+          <a:blipFill>
+            <a:blip r:embed="rId5">
+              <a:extLst>
+                <a:ext uri="{96DAC541-7B7A-43D3-8B79-37D633B846F1}">
+                  <asvg:svgBlip xmlns:asvg="http://schemas.microsoft.com/office/drawing/2016/SVG/main" r:embed="rId6"/>
+                </a:ext>
+              </a:extLst>
+            </a:blip>
+            <a:stretch>
+              <a:fillRect/>
+            </a:stretch>
+          </a:blipFill>
+        </p:spPr>
+        <p:txBody>
+          <a:bodyPr/>
+          <a:lstStyle/>
+          <a:p>
+            <a:endParaRPr lang="es-ES" noProof="0" dirty="0"/>
+          </a:p>
+        </p:txBody>
+      </p:sp>
+      <p:sp>
+        <p:nvSpPr>
+          <p:cNvPr id="40" name="TextBox 40">
+            <a:extLst>
+              <a:ext uri="{FF2B5EF4-FFF2-40B4-BE49-F238E27FC236}">
+                <a16:creationId xmlns:a16="http://schemas.microsoft.com/office/drawing/2014/main" id="{111DAC41-419D-E6F5-A871-BF17E47827E0}"/>
+              </a:ext>
+            </a:extLst>
+          </p:cNvPr>
+          <p:cNvSpPr txBox="1"/>
+          <p:nvPr/>
         </p:nvSpPr>
         <p:spPr>
           <a:xfrm>
-            <a:off x="0" y="0"/>
-            <a:ext cx="18288000" cy="10287000"/>
+            <a:off x="1750431" y="271715"/>
+            <a:ext cx="14763189" cy="1000851"/>
           </a:xfrm>
           <a:prstGeom prst="rect">
             <a:avLst/>
           </a:prstGeom>
-          <a:ln w="12700" cap="flat" cmpd="sng" algn="ctr">
-            <a:noFill/>
-            <a:prstDash val="solid"/>
-            <a:miter lim="800000"/>
-          </a:ln>
-          <a:effectLst/>
-          <a:extLst>
-            <a:ext uri="{91240B29-F687-4F45-9708-019B960494DF}">
-              <a14:hiddenLine xmlns:a14="http://schemas.microsoft.com/office/drawing/2010/main" w="12700" cap="flat" cmpd="sng" algn="ctr">
+        </p:spPr>
+        <p:txBody>
+          <a:bodyPr lIns="0" tIns="0" rIns="0" bIns="0" rtlCol="0" anchor="t">
+            <a:spAutoFit/>
+          </a:bodyPr>
+          <a:lstStyle/>
+          <a:p>
+            <a:pPr algn="ctr">
+              <a:lnSpc>
+                <a:spcPts val="8819"/>
+              </a:lnSpc>
+            </a:pPr>
+            <a:r>
+              <a:rPr lang="es-ES" sz="6300" dirty="0">
                 <a:solidFill>
-                  <a:schemeClr val="accent1">
-                    <a:shade val="50000"/>
-                  </a:schemeClr>
+                  <a:srgbClr val="222366"/>
                 </a:solidFill>
-                <a:prstDash val="solid"/>
-                <a:miter lim="800000"/>
-              </a14:hiddenLine>
-            </a:ext>
-          </a:extLst>
-        </p:spPr>
-        <p:style>
-          <a:lnRef idx="2">
-            <a:schemeClr val="accent1">
-              <a:shade val="50000"/>
-            </a:schemeClr>
-          </a:lnRef>
-          <a:fillRef idx="1">
-            <a:schemeClr val="accent1"/>
-          </a:fillRef>
-          <a:effectRef idx="0">
-            <a:schemeClr val="accent1"/>
-          </a:effectRef>
-          <a:fontRef idx="minor">
-            <a:schemeClr val="lt1"/>
-          </a:fontRef>
-        </p:style>
-        <p:txBody>
-          <a:bodyPr rtlCol="0" anchor="ctr"/>
-          <a:lstStyle/>
-          <a:p>
-            <a:pPr algn="ctr"/>
-            <a:endParaRPr lang="en-US"/>
+                <a:latin typeface="Brick Sans"/>
+                <a:ea typeface="Brick Sans"/>
+                <a:cs typeface="Brick Sans"/>
+                <a:sym typeface="Brick Sans"/>
+              </a:rPr>
+              <a:t>Tratamiento de Datos</a:t>
+            </a:r>
+            <a:endParaRPr lang="es-ES" sz="6300" noProof="0" dirty="0">
+              <a:solidFill>
+                <a:srgbClr val="222366"/>
+              </a:solidFill>
+              <a:latin typeface="Brick Sans"/>
+              <a:ea typeface="Brick Sans"/>
+              <a:cs typeface="Brick Sans"/>
+              <a:sym typeface="Brick Sans"/>
+            </a:endParaRPr>
           </a:p>
         </p:txBody>
       </p:sp>
-      <p:sp>
-        <p:nvSpPr>
-          <p:cNvPr id="39" name="Rectangle 38">
+      <p:grpSp>
+        <p:nvGrpSpPr>
+          <p:cNvPr id="41" name="Grupo 40">
             <a:extLst>
               <a:ext uri="{FF2B5EF4-FFF2-40B4-BE49-F238E27FC236}">
-                <a16:creationId xmlns:a16="http://schemas.microsoft.com/office/drawing/2014/main" id="{28C8EF06-5EC3-4883-AFAF-D74FF46550FB}"/>
-              </a:ext>
-              <a:ext uri="{C183D7F6-B498-43B3-948B-1728B52AA6E4}">
-                <adec:decorative xmlns:adec="http://schemas.microsoft.com/office/drawing/2017/decorative" val="1"/>
+                <a16:creationId xmlns:a16="http://schemas.microsoft.com/office/drawing/2014/main" id="{AC440CB1-F941-85F8-D7B2-D080DF5378B8}"/>
               </a:ext>
             </a:extLst>
           </p:cNvPr>
-          <p:cNvSpPr>
-            <a:spLocks noGrp="1" noRot="1" noChangeAspect="1" noMove="1" noResize="1" noEditPoints="1" noAdjustHandles="1" noChangeArrowheads="1" noChangeShapeType="1" noTextEdit="1"/>
-          </p:cNvSpPr>
-          <p:nvPr>
-            <p:extLst>
-              <p:ext uri="{386F3935-93C4-4BCD-93E2-E3B085C9AB24}">
-                <p16:designElem xmlns:p16="http://schemas.microsoft.com/office/powerpoint/2015/main" val="1"/>
-              </p:ext>
-            </p:extLst>
-          </p:nvPr>
-        </p:nvSpPr>
-        <p:spPr>
+          <p:cNvGrpSpPr/>
+          <p:nvPr/>
+        </p:nvGrpSpPr>
+        <p:grpSpPr>
           <a:xfrm>
-            <a:off x="-4" y="0"/>
-            <a:ext cx="7703956" cy="10307472"/>
+            <a:off x="585880" y="1829514"/>
+            <a:ext cx="5761060" cy="3542586"/>
+            <a:chOff x="2582198" y="1943100"/>
+            <a:chExt cx="5761060" cy="3542586"/>
           </a:xfrm>
-          <a:prstGeom prst="rect">
-            <a:avLst/>
-          </a:prstGeom>
-          <a:solidFill>
-            <a:srgbClr val="82766A">
-              <a:alpha val="15000"/>
-            </a:srgbClr>
-          </a:solidFill>
-          <a:ln>
-            <a:noFill/>
-          </a:ln>
-        </p:spPr>
-        <p:style>
-          <a:lnRef idx="2">
-            <a:schemeClr val="accent1">
-              <a:shade val="50000"/>
-            </a:schemeClr>
-          </a:lnRef>
-          <a:fillRef idx="1">
-            <a:schemeClr val="accent1"/>
-          </a:fillRef>
-          <a:effectRef idx="0">
-            <a:schemeClr val="accent1"/>
-          </a:effectRef>
-          <a:fontRef idx="minor">
-            <a:schemeClr val="lt1"/>
-          </a:fontRef>
-        </p:style>
-        <p:txBody>
-          <a:bodyPr rtlCol="0" anchor="ctr"/>
-          <a:lstStyle/>
-          <a:p>
-            <a:pPr algn="ctr"/>
-            <a:endParaRPr lang="en-US"/>
-          </a:p>
-        </p:txBody>
-      </p:sp>
+        </p:grpSpPr>
+        <p:sp>
+          <p:nvSpPr>
+            <p:cNvPr id="42" name="TextBox 32">
+              <a:extLst>
+                <a:ext uri="{FF2B5EF4-FFF2-40B4-BE49-F238E27FC236}">
+                  <a16:creationId xmlns:a16="http://schemas.microsoft.com/office/drawing/2014/main" id="{443CB964-30E7-51D3-40B6-8A0CE8A89F66}"/>
+                </a:ext>
+              </a:extLst>
+            </p:cNvPr>
+            <p:cNvSpPr txBox="1"/>
+            <p:nvPr/>
+          </p:nvSpPr>
+          <p:spPr>
+            <a:xfrm>
+              <a:off x="2582198" y="2645685"/>
+              <a:ext cx="5761060" cy="2840001"/>
+            </a:xfrm>
+            <a:prstGeom prst="rect">
+              <a:avLst/>
+            </a:prstGeom>
+            <a:solidFill>
+              <a:srgbClr val="E9EAF6"/>
+            </a:solidFill>
+            <a:ln w="19050" cap="sq">
+              <a:solidFill>
+                <a:srgbClr val="414370"/>
+              </a:solidFill>
+              <a:prstDash val="lgDash"/>
+              <a:miter/>
+            </a:ln>
+          </p:spPr>
+          <p:txBody>
+            <a:bodyPr/>
+            <a:lstStyle>
+              <a:defPPr>
+                <a:defRPr lang="en-US"/>
+              </a:defPPr>
+            </a:lstStyle>
+            <a:p>
+              <a:pPr algn="ctr"/>
+              <a:r>
+                <a:rPr lang="es-ES" sz="2499" b="1" dirty="0">
+                  <a:solidFill>
+                    <a:srgbClr val="222366"/>
+                  </a:solidFill>
+                  <a:latin typeface="Public Sans"/>
+                  <a:sym typeface="Public Sans"/>
+                </a:rPr>
+                <a:t>Orphanet</a:t>
+              </a:r>
+              <a:r>
+                <a:rPr lang="es-ES" sz="2499" dirty="0">
+                  <a:solidFill>
+                    <a:srgbClr val="222366"/>
+                  </a:solidFill>
+                  <a:latin typeface="Public Sans"/>
+                  <a:sym typeface="Public Sans"/>
+                </a:rPr>
+                <a:t> es una base de datos online de acceso libre dedicada a las </a:t>
+              </a:r>
+              <a:r>
+                <a:rPr lang="es-ES" sz="2499" b="1" dirty="0">
+                  <a:solidFill>
+                    <a:srgbClr val="222366"/>
+                  </a:solidFill>
+                  <a:latin typeface="Public Sans"/>
+                  <a:sym typeface="Public Sans"/>
+                </a:rPr>
+                <a:t>enfermedades raras </a:t>
+              </a:r>
+              <a:r>
+                <a:rPr lang="es-ES" sz="2499" dirty="0">
+                  <a:solidFill>
+                    <a:srgbClr val="222366"/>
+                  </a:solidFill>
+                  <a:latin typeface="Public Sans"/>
+                  <a:sym typeface="Public Sans"/>
+                </a:rPr>
+                <a:t>y los </a:t>
+              </a:r>
+              <a:r>
+                <a:rPr lang="es-ES" sz="2499" b="1" dirty="0">
+                  <a:solidFill>
+                    <a:srgbClr val="222366"/>
+                  </a:solidFill>
+                  <a:latin typeface="Public Sans"/>
+                  <a:sym typeface="Public Sans"/>
+                </a:rPr>
+                <a:t>medicamentos huérfanos</a:t>
+              </a:r>
+              <a:r>
+                <a:rPr lang="es-ES" sz="2499" dirty="0">
+                  <a:solidFill>
+                    <a:srgbClr val="222366"/>
+                  </a:solidFill>
+                  <a:latin typeface="Public Sans"/>
+                  <a:sym typeface="Public Sans"/>
+                </a:rPr>
+                <a:t>.</a:t>
+              </a:r>
+            </a:p>
+            <a:p>
+              <a:pPr algn="ctr"/>
+              <a:r>
+                <a:rPr lang="es-ES" sz="2499" b="1" dirty="0">
+                  <a:solidFill>
+                    <a:srgbClr val="222366"/>
+                  </a:solidFill>
+                  <a:latin typeface="Public Sans"/>
+                  <a:sym typeface="Public Sans"/>
+                </a:rPr>
+                <a:t>Orphadata</a:t>
+              </a:r>
+              <a:r>
+                <a:rPr lang="es-ES" sz="2499" dirty="0">
+                  <a:solidFill>
+                    <a:srgbClr val="222366"/>
+                  </a:solidFill>
+                  <a:latin typeface="Public Sans"/>
+                  <a:sym typeface="Public Sans"/>
+                </a:rPr>
+                <a:t> es una plataforma que proporciona datos a la comunidad científica.</a:t>
+              </a:r>
+            </a:p>
+          </p:txBody>
+        </p:sp>
+        <p:grpSp>
+          <p:nvGrpSpPr>
+            <p:cNvPr id="43" name="Grupo 42">
+              <a:extLst>
+                <a:ext uri="{FF2B5EF4-FFF2-40B4-BE49-F238E27FC236}">
+                  <a16:creationId xmlns:a16="http://schemas.microsoft.com/office/drawing/2014/main" id="{77435A0B-0DE1-90FD-618F-FA697DA94D63}"/>
+                </a:ext>
+              </a:extLst>
+            </p:cNvPr>
+            <p:cNvGrpSpPr/>
+            <p:nvPr/>
+          </p:nvGrpSpPr>
+          <p:grpSpPr>
+            <a:xfrm>
+              <a:off x="3065636" y="1943100"/>
+              <a:ext cx="4794184" cy="639381"/>
+              <a:chOff x="3065636" y="1943100"/>
+              <a:chExt cx="4794184" cy="639381"/>
+            </a:xfrm>
+          </p:grpSpPr>
+          <p:grpSp>
+            <p:nvGrpSpPr>
+              <p:cNvPr id="44" name="Group 20">
+                <a:extLst>
+                  <a:ext uri="{FF2B5EF4-FFF2-40B4-BE49-F238E27FC236}">
+                    <a16:creationId xmlns:a16="http://schemas.microsoft.com/office/drawing/2014/main" id="{5B2B1F82-FE31-BB38-672B-BEE8601CCDF3}"/>
+                  </a:ext>
+                </a:extLst>
+              </p:cNvPr>
+              <p:cNvGrpSpPr/>
+              <p:nvPr/>
+            </p:nvGrpSpPr>
+            <p:grpSpPr>
+              <a:xfrm>
+                <a:off x="3065636" y="1943100"/>
+                <a:ext cx="4794184" cy="639381"/>
+                <a:chOff x="0" y="0"/>
+                <a:chExt cx="2860316" cy="381469"/>
+              </a:xfrm>
+            </p:grpSpPr>
+            <p:sp>
+              <p:nvSpPr>
+                <p:cNvPr id="46" name="Freeform 21">
+                  <a:extLst>
+                    <a:ext uri="{FF2B5EF4-FFF2-40B4-BE49-F238E27FC236}">
+                      <a16:creationId xmlns:a16="http://schemas.microsoft.com/office/drawing/2014/main" id="{536F0890-BEE5-D8A5-5E0D-9C9237922CE4}"/>
+                    </a:ext>
+                  </a:extLst>
+                </p:cNvPr>
+                <p:cNvSpPr/>
+                <p:nvPr/>
+              </p:nvSpPr>
+              <p:spPr>
+                <a:xfrm>
+                  <a:off x="0" y="0"/>
+                  <a:ext cx="2860316" cy="381469"/>
+                </a:xfrm>
+                <a:custGeom>
+                  <a:avLst/>
+                  <a:gdLst/>
+                  <a:ahLst/>
+                  <a:cxnLst/>
+                  <a:rect l="l" t="t" r="r" b="b"/>
+                  <a:pathLst>
+                    <a:path w="2860316" h="381469">
+                      <a:moveTo>
+                        <a:pt x="2657116" y="0"/>
+                      </a:moveTo>
+                      <a:cubicBezTo>
+                        <a:pt x="2769341" y="0"/>
+                        <a:pt x="2860316" y="85395"/>
+                        <a:pt x="2860316" y="190734"/>
+                      </a:cubicBezTo>
+                      <a:cubicBezTo>
+                        <a:pt x="2860316" y="296074"/>
+                        <a:pt x="2769341" y="381469"/>
+                        <a:pt x="2657116" y="381469"/>
+                      </a:cubicBezTo>
+                      <a:lnTo>
+                        <a:pt x="203200" y="381469"/>
+                      </a:lnTo>
+                      <a:cubicBezTo>
+                        <a:pt x="90976" y="381469"/>
+                        <a:pt x="0" y="296074"/>
+                        <a:pt x="0" y="190734"/>
+                      </a:cubicBezTo>
+                      <a:cubicBezTo>
+                        <a:pt x="0" y="85395"/>
+                        <a:pt x="90976" y="0"/>
+                        <a:pt x="203200" y="0"/>
+                      </a:cubicBezTo>
+                      <a:close/>
+                    </a:path>
+                  </a:pathLst>
+                </a:custGeom>
+                <a:solidFill>
+                  <a:srgbClr val="BDD2EA"/>
+                </a:solidFill>
+              </p:spPr>
+              <p:txBody>
+                <a:bodyPr/>
+                <a:lstStyle/>
+                <a:p>
+                  <a:endParaRPr lang="es-ES" noProof="0" dirty="0"/>
+                </a:p>
+              </p:txBody>
+            </p:sp>
+            <p:sp>
+              <p:nvSpPr>
+                <p:cNvPr id="47" name="TextBox 22">
+                  <a:extLst>
+                    <a:ext uri="{FF2B5EF4-FFF2-40B4-BE49-F238E27FC236}">
+                      <a16:creationId xmlns:a16="http://schemas.microsoft.com/office/drawing/2014/main" id="{C60CDA31-537B-41D6-ABC3-07F9E4EA153C}"/>
+                    </a:ext>
+                  </a:extLst>
+                </p:cNvPr>
+                <p:cNvSpPr txBox="1"/>
+                <p:nvPr/>
+              </p:nvSpPr>
+              <p:spPr>
+                <a:xfrm>
+                  <a:off x="0" y="-38100"/>
+                  <a:ext cx="2860316" cy="419569"/>
+                </a:xfrm>
+                <a:prstGeom prst="rect">
+                  <a:avLst/>
+                </a:prstGeom>
+              </p:spPr>
+              <p:txBody>
+                <a:bodyPr lIns="50800" tIns="50800" rIns="50800" bIns="50800" rtlCol="0" anchor="ctr"/>
+                <a:lstStyle/>
+                <a:p>
+                  <a:pPr algn="ctr">
+                    <a:lnSpc>
+                      <a:spcPts val="2659"/>
+                    </a:lnSpc>
+                  </a:pPr>
+                  <a:endParaRPr lang="es-ES" noProof="0" dirty="0"/>
+                </a:p>
+              </p:txBody>
+            </p:sp>
+          </p:grpSp>
+          <p:sp>
+            <p:nvSpPr>
+              <p:cNvPr id="45" name="TextBox 38">
+                <a:extLst>
+                  <a:ext uri="{FF2B5EF4-FFF2-40B4-BE49-F238E27FC236}">
+                    <a16:creationId xmlns:a16="http://schemas.microsoft.com/office/drawing/2014/main" id="{289F1136-6085-794F-CD13-4ECC3670A1FD}"/>
+                  </a:ext>
+                </a:extLst>
+              </p:cNvPr>
+              <p:cNvSpPr txBox="1"/>
+              <p:nvPr/>
+            </p:nvSpPr>
+            <p:spPr>
+              <a:xfrm>
+                <a:off x="3205543" y="2018874"/>
+                <a:ext cx="4514368" cy="457626"/>
+              </a:xfrm>
+              <a:prstGeom prst="rect">
+                <a:avLst/>
+              </a:prstGeom>
+            </p:spPr>
+            <p:txBody>
+              <a:bodyPr lIns="0" tIns="0" rIns="0" bIns="0" rtlCol="0" anchor="t">
+                <a:spAutoFit/>
+              </a:bodyPr>
+              <a:lstStyle/>
+              <a:p>
+                <a:pPr algn="ctr">
+                  <a:lnSpc>
+                    <a:spcPts val="3919"/>
+                  </a:lnSpc>
+                </a:pPr>
+                <a:r>
+                  <a:rPr lang="es-ES" sz="2799" b="1" noProof="0" dirty="0">
+                    <a:solidFill>
+                      <a:srgbClr val="222366"/>
+                    </a:solidFill>
+                    <a:latin typeface="Public Sans Bold"/>
+                    <a:ea typeface="Public Sans Bold"/>
+                    <a:cs typeface="Public Sans Bold"/>
+                    <a:sym typeface="Public Sans Bold"/>
+                  </a:rPr>
+                  <a:t>API Orphadata</a:t>
+                </a:r>
+              </a:p>
+            </p:txBody>
+          </p:sp>
+        </p:grpSp>
+      </p:grpSp>
       <p:pic>
         <p:nvPicPr>
-          <p:cNvPr id="4" name="Imagen 3" descr="Texto&#10;&#10;El contenido generado por IA puede ser incorrecto.">
+          <p:cNvPr id="4" name="Imagen 3">
             <a:extLst>
               <a:ext uri="{FF2B5EF4-FFF2-40B4-BE49-F238E27FC236}">
-                <a16:creationId xmlns:a16="http://schemas.microsoft.com/office/drawing/2014/main" id="{E6D1B91C-E4DA-D8E0-6E52-7E17D54E7DF5}"/>
+                <a16:creationId xmlns:a16="http://schemas.microsoft.com/office/drawing/2014/main" id="{FAF562FF-90BB-5C17-FA9F-F4479713E2E0}"/>
               </a:ext>
             </a:extLst>
           </p:cNvPr>
@@ -8245,551 +8737,493 @@
           <p:nvPr/>
         </p:nvPicPr>
         <p:blipFill>
-          <a:blip r:embed="rId2">
-            <a:extLst>
-              <a:ext uri="{28A0092B-C50C-407E-A947-70E740481C1C}">
-                <a14:useLocalDpi xmlns:a14="http://schemas.microsoft.com/office/drawing/2010/main" val="0"/>
-              </a:ext>
-            </a:extLst>
-          </a:blip>
-          <a:srcRect l="6633" r="17280"/>
-          <a:stretch/>
+          <a:blip r:embed="rId7"/>
+          <a:stretch>
+            <a:fillRect/>
+          </a:stretch>
         </p:blipFill>
         <p:spPr>
           <a:xfrm>
-            <a:off x="4373182" y="10"/>
-            <a:ext cx="13914818" cy="10286990"/>
+            <a:off x="585880" y="5770462"/>
+            <a:ext cx="5761060" cy="4021238"/>
           </a:xfrm>
-          <a:custGeom>
+          <a:prstGeom prst="rect">
             <a:avLst/>
-            <a:gdLst/>
-            <a:ahLst/>
-            <a:cxnLst/>
-            <a:rect l="l" t="t" r="r" b="b"/>
-            <a:pathLst>
-              <a:path w="9276545" h="6871647">
-                <a:moveTo>
-                  <a:pt x="9276545" y="0"/>
-                </a:moveTo>
-                <a:lnTo>
-                  <a:pt x="9276545" y="6858000"/>
-                </a:lnTo>
-                <a:lnTo>
-                  <a:pt x="1546051" y="6871647"/>
-                </a:lnTo>
-                <a:lnTo>
-                  <a:pt x="1535751" y="6828910"/>
-                </a:lnTo>
-                <a:cubicBezTo>
-                  <a:pt x="1530460" y="6775140"/>
-                  <a:pt x="1515370" y="6618042"/>
-                  <a:pt x="1514301" y="6549029"/>
-                </a:cubicBezTo>
-                <a:cubicBezTo>
-                  <a:pt x="1518045" y="6491396"/>
-                  <a:pt x="1528503" y="6450608"/>
-                  <a:pt x="1529339" y="6414828"/>
-                </a:cubicBezTo>
-                <a:cubicBezTo>
-                  <a:pt x="1525062" y="6359280"/>
-                  <a:pt x="1502062" y="6307149"/>
-                  <a:pt x="1493941" y="6268848"/>
-                </a:cubicBezTo>
-                <a:cubicBezTo>
-                  <a:pt x="1502669" y="6254191"/>
-                  <a:pt x="1469920" y="6200171"/>
-                  <a:pt x="1480613" y="6185025"/>
-                </a:cubicBezTo>
-                <a:cubicBezTo>
-                  <a:pt x="1481020" y="6164522"/>
-                  <a:pt x="1458164" y="6060790"/>
-                  <a:pt x="1443364" y="6018360"/>
-                </a:cubicBezTo>
-                <a:cubicBezTo>
-                  <a:pt x="1426694" y="5970758"/>
-                  <a:pt x="1390307" y="5920074"/>
-                  <a:pt x="1380584" y="5899407"/>
-                </a:cubicBezTo>
-                <a:cubicBezTo>
-                  <a:pt x="1370860" y="5878740"/>
-                  <a:pt x="1392244" y="5920877"/>
-                  <a:pt x="1385023" y="5894356"/>
-                </a:cubicBezTo>
-                <a:cubicBezTo>
-                  <a:pt x="1377800" y="5867835"/>
-                  <a:pt x="1345702" y="5770498"/>
-                  <a:pt x="1337254" y="5740279"/>
-                </a:cubicBezTo>
-                <a:cubicBezTo>
-                  <a:pt x="1353956" y="5738860"/>
-                  <a:pt x="1323673" y="5722040"/>
-                  <a:pt x="1334321" y="5713042"/>
-                </a:cubicBezTo>
-                <a:cubicBezTo>
-                  <a:pt x="1343675" y="5706701"/>
-                  <a:pt x="1336672" y="5700118"/>
-                  <a:pt x="1335877" y="5692870"/>
-                </a:cubicBezTo>
-                <a:cubicBezTo>
-                  <a:pt x="1343201" y="5683812"/>
-                  <a:pt x="1329617" y="5652064"/>
-                  <a:pt x="1319978" y="5643427"/>
-                </a:cubicBezTo>
-                <a:cubicBezTo>
-                  <a:pt x="1286551" y="5622177"/>
-                  <a:pt x="1310947" y="5579803"/>
-                  <a:pt x="1285321" y="5562271"/>
-                </a:cubicBezTo>
-                <a:cubicBezTo>
-                  <a:pt x="1281540" y="5556238"/>
-                  <a:pt x="1279983" y="5550455"/>
-                  <a:pt x="1279815" y="5544867"/>
-                </a:cubicBezTo>
-                <a:lnTo>
-                  <a:pt x="1282507" y="5529404"/>
-                </a:lnTo>
-                <a:lnTo>
-                  <a:pt x="1289604" y="5525378"/>
-                </a:lnTo>
-                <a:lnTo>
-                  <a:pt x="1287766" y="5515726"/>
-                </a:lnTo>
-                <a:lnTo>
-                  <a:pt x="1288829" y="5513051"/>
-                </a:lnTo>
-                <a:cubicBezTo>
-                  <a:pt x="1290896" y="5507946"/>
-                  <a:pt x="1292688" y="5502897"/>
-                  <a:pt x="1293373" y="5497833"/>
-                </a:cubicBezTo>
-                <a:cubicBezTo>
-                  <a:pt x="1288690" y="5483829"/>
-                  <a:pt x="1272696" y="5459278"/>
-                  <a:pt x="1260736" y="5429027"/>
-                </a:cubicBezTo>
-                <a:cubicBezTo>
-                  <a:pt x="1238579" y="5396416"/>
-                  <a:pt x="1238884" y="5351600"/>
-                  <a:pt x="1221610" y="5316328"/>
-                </a:cubicBezTo>
-                <a:lnTo>
-                  <a:pt x="1216099" y="5309330"/>
-                </a:lnTo>
-                <a:lnTo>
-                  <a:pt x="1217278" y="5279477"/>
-                </a:lnTo>
-                <a:cubicBezTo>
-                  <a:pt x="1221588" y="5274318"/>
-                  <a:pt x="1222716" y="5266940"/>
-                  <a:pt x="1218469" y="5260597"/>
-                </a:cubicBezTo>
-                <a:lnTo>
-                  <a:pt x="1206220" y="5152555"/>
-                </a:lnTo>
-                <a:cubicBezTo>
-                  <a:pt x="1205294" y="5116878"/>
-                  <a:pt x="1196908" y="5101727"/>
-                  <a:pt x="1212921" y="5046536"/>
-                </a:cubicBezTo>
-                <a:cubicBezTo>
-                  <a:pt x="1234138" y="4987918"/>
-                  <a:pt x="1204801" y="4903116"/>
-                  <a:pt x="1212183" y="4837345"/>
-                </a:cubicBezTo>
-                <a:cubicBezTo>
-                  <a:pt x="1183151" y="4802424"/>
-                  <a:pt x="1209228" y="4821062"/>
-                  <a:pt x="1202048" y="4784195"/>
-                </a:cubicBezTo>
-                <a:cubicBezTo>
-                  <a:pt x="1202483" y="4760878"/>
-                  <a:pt x="1202919" y="4737561"/>
-                  <a:pt x="1203354" y="4714245"/>
-                </a:cubicBezTo>
-                <a:lnTo>
-                  <a:pt x="1201502" y="4700836"/>
-                </a:lnTo>
-                <a:lnTo>
-                  <a:pt x="1194919" y="4697224"/>
-                </a:lnTo>
-                <a:lnTo>
-                  <a:pt x="1187792" y="4677162"/>
-                </a:lnTo>
-                <a:cubicBezTo>
-                  <a:pt x="1186060" y="4669625"/>
-                  <a:pt x="1185291" y="4661478"/>
-                  <a:pt x="1186080" y="4652429"/>
-                </a:cubicBezTo>
-                <a:cubicBezTo>
-                  <a:pt x="1199189" y="4622456"/>
-                  <a:pt x="1167081" y="4571771"/>
-                  <a:pt x="1184722" y="4534840"/>
-                </a:cubicBezTo>
-                <a:cubicBezTo>
-                  <a:pt x="1182407" y="4499077"/>
-                  <a:pt x="1175424" y="4460227"/>
-                  <a:pt x="1172188" y="4437851"/>
-                </a:cubicBezTo>
-                <a:cubicBezTo>
-                  <a:pt x="1161331" y="4428466"/>
-                  <a:pt x="1178123" y="4398274"/>
-                  <a:pt x="1165306" y="4400581"/>
-                </a:cubicBezTo>
-                <a:cubicBezTo>
-                  <a:pt x="1171061" y="4389819"/>
-                  <a:pt x="1173552" y="4346771"/>
-                  <a:pt x="1168602" y="4335651"/>
-                </a:cubicBezTo>
-                <a:lnTo>
-                  <a:pt x="1178384" y="4280215"/>
-                </a:lnTo>
-                <a:lnTo>
-                  <a:pt x="1177294" y="4274660"/>
-                </a:lnTo>
-                <a:cubicBezTo>
-                  <a:pt x="1177138" y="4268882"/>
-                  <a:pt x="1177520" y="4251103"/>
-                  <a:pt x="1177448" y="4245552"/>
-                </a:cubicBezTo>
-                <a:cubicBezTo>
-                  <a:pt x="1177252" y="4244155"/>
-                  <a:pt x="1177058" y="4242757"/>
-                  <a:pt x="1176863" y="4241361"/>
-                </a:cubicBezTo>
-                <a:lnTo>
-                  <a:pt x="1162386" y="4207167"/>
-                </a:lnTo>
-                <a:cubicBezTo>
-                  <a:pt x="1162950" y="4202536"/>
-                  <a:pt x="1174655" y="4199565"/>
-                  <a:pt x="1174343" y="4192380"/>
-                </a:cubicBezTo>
-                <a:lnTo>
-                  <a:pt x="1160516" y="4164062"/>
-                </a:lnTo>
-                <a:lnTo>
-                  <a:pt x="1161365" y="4158623"/>
-                </a:lnTo>
-                <a:lnTo>
-                  <a:pt x="1144878" y="4076261"/>
-                </a:lnTo>
-                <a:lnTo>
-                  <a:pt x="1123687" y="4005692"/>
-                </a:lnTo>
-                <a:lnTo>
-                  <a:pt x="1096720" y="3754257"/>
-                </a:lnTo>
-                <a:cubicBezTo>
-                  <a:pt x="1083618" y="3639924"/>
-                  <a:pt x="1064313" y="3636659"/>
-                  <a:pt x="1047682" y="3517638"/>
-                </a:cubicBezTo>
-                <a:cubicBezTo>
-                  <a:pt x="1048550" y="3477187"/>
-                  <a:pt x="1049418" y="3436735"/>
-                  <a:pt x="1050285" y="3396284"/>
-                </a:cubicBezTo>
-                <a:lnTo>
-                  <a:pt x="1030166" y="3320814"/>
-                </a:lnTo>
-                <a:lnTo>
-                  <a:pt x="1034128" y="3260443"/>
-                </a:lnTo>
-                <a:lnTo>
-                  <a:pt x="1007751" y="3198916"/>
-                </a:lnTo>
-                <a:cubicBezTo>
-                  <a:pt x="1003323" y="3193074"/>
-                  <a:pt x="1001150" y="3187393"/>
-                  <a:pt x="1000384" y="3181839"/>
-                </a:cubicBezTo>
-                <a:cubicBezTo>
-                  <a:pt x="1000734" y="3176675"/>
-                  <a:pt x="1001085" y="3171511"/>
-                  <a:pt x="1001435" y="3166346"/>
-                </a:cubicBezTo>
-                <a:lnTo>
-                  <a:pt x="968918" y="3112638"/>
-                </a:lnTo>
-                <a:cubicBezTo>
-                  <a:pt x="957125" y="3092489"/>
-                  <a:pt x="955617" y="3065232"/>
-                  <a:pt x="934483" y="3031628"/>
-                </a:cubicBezTo>
-                <a:cubicBezTo>
-                  <a:pt x="914631" y="2997037"/>
-                  <a:pt x="908933" y="3005661"/>
-                  <a:pt x="879229" y="2948196"/>
-                </a:cubicBezTo>
-                <a:cubicBezTo>
-                  <a:pt x="850845" y="2897154"/>
-                  <a:pt x="820829" y="2806798"/>
-                  <a:pt x="798666" y="2761198"/>
-                </a:cubicBezTo>
-                <a:cubicBezTo>
-                  <a:pt x="773970" y="2714562"/>
-                  <a:pt x="758278" y="2715446"/>
-                  <a:pt x="746962" y="2694939"/>
-                </a:cubicBezTo>
-                <a:lnTo>
-                  <a:pt x="712796" y="2614779"/>
-                </a:lnTo>
-                <a:lnTo>
-                  <a:pt x="697701" y="2600020"/>
-                </a:lnTo>
-                <a:cubicBezTo>
-                  <a:pt x="697743" y="2598787"/>
-                  <a:pt x="697784" y="2597555"/>
-                  <a:pt x="697823" y="2596321"/>
-                </a:cubicBezTo>
-                <a:lnTo>
-                  <a:pt x="679645" y="2572602"/>
-                </a:lnTo>
-                <a:lnTo>
-                  <a:pt x="680789" y="2571831"/>
-                </a:lnTo>
-                <a:cubicBezTo>
-                  <a:pt x="682946" y="2569560"/>
-                  <a:pt x="683757" y="2566863"/>
-                  <a:pt x="681771" y="2563200"/>
-                </a:cubicBezTo>
-                <a:cubicBezTo>
-                  <a:pt x="705290" y="2562299"/>
-                  <a:pt x="688388" y="2558438"/>
-                  <a:pt x="680456" y="2547723"/>
-                </a:cubicBezTo>
-                <a:cubicBezTo>
-                  <a:pt x="679482" y="2534148"/>
-                  <a:pt x="677183" y="2493617"/>
-                  <a:pt x="675922" y="2481749"/>
-                </a:cubicBezTo>
-                <a:lnTo>
-                  <a:pt x="672894" y="2476509"/>
-                </a:lnTo>
-                <a:lnTo>
-                  <a:pt x="673143" y="2476297"/>
-                </a:lnTo>
-                <a:cubicBezTo>
-                  <a:pt x="673152" y="2474932"/>
-                  <a:pt x="672405" y="2473126"/>
-                  <a:pt x="670567" y="2470561"/>
-                </a:cubicBezTo>
-                <a:lnTo>
-                  <a:pt x="667369" y="2466951"/>
-                </a:lnTo>
-                <a:lnTo>
-                  <a:pt x="661495" y="2456785"/>
-                </a:lnTo>
-                <a:cubicBezTo>
-                  <a:pt x="661510" y="2455387"/>
-                  <a:pt x="661525" y="2453987"/>
-                  <a:pt x="661540" y="2452588"/>
-                </a:cubicBezTo>
-                <a:lnTo>
-                  <a:pt x="664540" y="2449913"/>
-                </a:lnTo>
-                <a:lnTo>
-                  <a:pt x="663581" y="2449129"/>
-                </a:lnTo>
-                <a:cubicBezTo>
-                  <a:pt x="653014" y="2444453"/>
-                  <a:pt x="642406" y="2445872"/>
-                  <a:pt x="663129" y="2426579"/>
-                </a:cubicBezTo>
-                <a:cubicBezTo>
-                  <a:pt x="643271" y="2414167"/>
-                  <a:pt x="657229" y="2404769"/>
-                  <a:pt x="650205" y="2379928"/>
-                </a:cubicBezTo>
-                <a:cubicBezTo>
-                  <a:pt x="634911" y="2374359"/>
-                  <a:pt x="634260" y="2365346"/>
-                  <a:pt x="638008" y="2354824"/>
-                </a:cubicBezTo>
-                <a:cubicBezTo>
-                  <a:pt x="621083" y="2334576"/>
-                  <a:pt x="620949" y="2310146"/>
-                  <a:pt x="609851" y="2284299"/>
-                </a:cubicBezTo>
-                <a:lnTo>
-                  <a:pt x="585585" y="2155739"/>
-                </a:lnTo>
-                <a:lnTo>
-                  <a:pt x="581391" y="2152892"/>
-                </a:lnTo>
-                <a:cubicBezTo>
-                  <a:pt x="578821" y="2150768"/>
-                  <a:pt x="577525" y="2149149"/>
-                  <a:pt x="577083" y="2147807"/>
-                </a:cubicBezTo>
-                <a:lnTo>
-                  <a:pt x="577251" y="2147544"/>
-                </a:lnTo>
-                <a:lnTo>
-                  <a:pt x="546845" y="2085601"/>
-                </a:lnTo>
-                <a:cubicBezTo>
-                  <a:pt x="538270" y="2073917"/>
-                  <a:pt x="486356" y="1955894"/>
-                  <a:pt x="470837" y="1931362"/>
-                </a:cubicBezTo>
-                <a:lnTo>
-                  <a:pt x="428154" y="1657167"/>
-                </a:lnTo>
-                <a:lnTo>
-                  <a:pt x="392797" y="1510175"/>
-                </a:lnTo>
-                <a:cubicBezTo>
-                  <a:pt x="380165" y="1504446"/>
-                  <a:pt x="369910" y="1451095"/>
-                  <a:pt x="372847" y="1440507"/>
-                </a:cubicBezTo>
-                <a:cubicBezTo>
-                  <a:pt x="369015" y="1433783"/>
-                  <a:pt x="338503" y="1376212"/>
-                  <a:pt x="344479" y="1367690"/>
-                </a:cubicBezTo>
-                <a:cubicBezTo>
-                  <a:pt x="332264" y="1342150"/>
-                  <a:pt x="321736" y="1310521"/>
-                  <a:pt x="299558" y="1287266"/>
-                </a:cubicBezTo>
-                <a:cubicBezTo>
-                  <a:pt x="277380" y="1264010"/>
-                  <a:pt x="259203" y="1269909"/>
-                  <a:pt x="243216" y="1249403"/>
-                </a:cubicBezTo>
-                <a:cubicBezTo>
-                  <a:pt x="227230" y="1228898"/>
-                  <a:pt x="218454" y="1166841"/>
-                  <a:pt x="203639" y="1164232"/>
-                </a:cubicBezTo>
-                <a:cubicBezTo>
-                  <a:pt x="192352" y="1144923"/>
-                  <a:pt x="198158" y="1133798"/>
-                  <a:pt x="169195" y="1087898"/>
-                </a:cubicBezTo>
-                <a:cubicBezTo>
-                  <a:pt x="139228" y="1002950"/>
-                  <a:pt x="140891" y="969630"/>
-                  <a:pt x="98775" y="910071"/>
-                </a:cubicBezTo>
-                <a:cubicBezTo>
-                  <a:pt x="45025" y="831068"/>
-                  <a:pt x="34038" y="817468"/>
-                  <a:pt x="43820" y="712632"/>
-                </a:cubicBezTo>
-                <a:cubicBezTo>
-                  <a:pt x="34816" y="659496"/>
-                  <a:pt x="43273" y="613587"/>
-                  <a:pt x="44748" y="591246"/>
-                </a:cubicBezTo>
-                <a:lnTo>
-                  <a:pt x="36767" y="546725"/>
-                </a:lnTo>
-                <a:cubicBezTo>
-                  <a:pt x="36093" y="528360"/>
-                  <a:pt x="35418" y="509996"/>
-                  <a:pt x="34744" y="491632"/>
-                </a:cubicBezTo>
-                <a:cubicBezTo>
-                  <a:pt x="34670" y="458441"/>
-                  <a:pt x="29296" y="473054"/>
-                  <a:pt x="29222" y="439863"/>
-                </a:cubicBezTo>
-                <a:cubicBezTo>
-                  <a:pt x="29152" y="439762"/>
-                  <a:pt x="2578" y="397168"/>
-                  <a:pt x="2507" y="397065"/>
-                </a:cubicBezTo>
-                <a:cubicBezTo>
-                  <a:pt x="-7796" y="385479"/>
-                  <a:pt x="17492" y="336832"/>
-                  <a:pt x="9810" y="317232"/>
-                </a:cubicBezTo>
-                <a:lnTo>
-                  <a:pt x="25323" y="268841"/>
-                </a:lnTo>
-                <a:cubicBezTo>
-                  <a:pt x="20582" y="241406"/>
-                  <a:pt x="55391" y="238509"/>
-                  <a:pt x="50278" y="195107"/>
-                </a:cubicBezTo>
-                <a:cubicBezTo>
-                  <a:pt x="49891" y="157638"/>
-                  <a:pt x="41873" y="124837"/>
-                  <a:pt x="47653" y="93413"/>
-                </a:cubicBezTo>
-                <a:cubicBezTo>
-                  <a:pt x="41389" y="80245"/>
-                  <a:pt x="38874" y="67990"/>
-                  <a:pt x="48323" y="56668"/>
-                </a:cubicBezTo>
-                <a:cubicBezTo>
-                  <a:pt x="46028" y="30349"/>
-                  <a:pt x="37896" y="18658"/>
-                  <a:pt x="38423" y="5323"/>
-                </a:cubicBezTo>
-                <a:lnTo>
-                  <a:pt x="39875" y="1"/>
-                </a:lnTo>
-                <a:close/>
-              </a:path>
-            </a:pathLst>
-          </a:custGeom>
+          </a:prstGeom>
         </p:spPr>
       </p:pic>
       <p:sp>
         <p:nvSpPr>
-          <p:cNvPr id="32" name="TextBox 32"/>
+          <p:cNvPr id="7" name="CuadroTexto 6">
+            <a:extLst>
+              <a:ext uri="{FF2B5EF4-FFF2-40B4-BE49-F238E27FC236}">
+                <a16:creationId xmlns:a16="http://schemas.microsoft.com/office/drawing/2014/main" id="{CD8D8D58-DCDF-4BCC-1679-28729308ED8A}"/>
+              </a:ext>
+            </a:extLst>
+          </p:cNvPr>
           <p:cNvSpPr txBox="1"/>
           <p:nvPr/>
         </p:nvSpPr>
         <p:spPr>
           <a:xfrm>
-            <a:off x="992874" y="4278571"/>
-            <a:ext cx="4742910" cy="3960371"/>
+            <a:off x="17068800" y="9791700"/>
+            <a:ext cx="1219200" cy="369332"/>
+          </a:xfrm>
+          <a:prstGeom prst="rect">
+            <a:avLst/>
+          </a:prstGeom>
+          <a:noFill/>
+        </p:spPr>
+        <p:txBody>
+          <a:bodyPr wrap="square" rtlCol="0">
+            <a:spAutoFit/>
+          </a:bodyPr>
+          <a:lstStyle/>
+          <a:p>
+            <a:pPr algn="ctr"/>
+            <a:r>
+              <a:rPr lang="es-ES" dirty="0"/>
+              <a:t>- 7 -</a:t>
+            </a:r>
+          </a:p>
+        </p:txBody>
+      </p:sp>
+      <p:grpSp>
+        <p:nvGrpSpPr>
+          <p:cNvPr id="8" name="Grupo 7">
+            <a:extLst>
+              <a:ext uri="{FF2B5EF4-FFF2-40B4-BE49-F238E27FC236}">
+                <a16:creationId xmlns:a16="http://schemas.microsoft.com/office/drawing/2014/main" id="{620F3DF7-7941-A7E6-F1CC-A3EC630EA1B7}"/>
+              </a:ext>
+            </a:extLst>
+          </p:cNvPr>
+          <p:cNvGrpSpPr/>
+          <p:nvPr/>
+        </p:nvGrpSpPr>
+        <p:grpSpPr>
+          <a:xfrm>
+            <a:off x="7617897" y="1714500"/>
+            <a:ext cx="8628465" cy="6068430"/>
+            <a:chOff x="7617897" y="2109285"/>
+            <a:chExt cx="8628465" cy="6068430"/>
+          </a:xfrm>
+        </p:grpSpPr>
+        <p:pic>
+          <p:nvPicPr>
+            <p:cNvPr id="6" name="Imagen 5" descr="Interfaz de usuario gráfica, Diagrama&#10;&#10;El contenido generado por IA puede ser incorrecto.">
+              <a:extLst>
+                <a:ext uri="{FF2B5EF4-FFF2-40B4-BE49-F238E27FC236}">
+                  <a16:creationId xmlns:a16="http://schemas.microsoft.com/office/drawing/2014/main" id="{D19A6B8A-9BCF-B69D-DAF0-54E5A56C8E06}"/>
+                </a:ext>
+              </a:extLst>
+            </p:cNvPr>
+            <p:cNvPicPr>
+              <a:picLocks noChangeAspect="1"/>
+            </p:cNvPicPr>
+            <p:nvPr/>
+          </p:nvPicPr>
+          <p:blipFill>
+            <a:blip r:embed="rId8">
+              <a:extLst>
+                <a:ext uri="{28A0092B-C50C-407E-A947-70E740481C1C}">
+                  <a14:useLocalDpi xmlns:a14="http://schemas.microsoft.com/office/drawing/2010/main" val="0"/>
+                </a:ext>
+              </a:extLst>
+            </a:blip>
+            <a:stretch>
+              <a:fillRect/>
+            </a:stretch>
+          </p:blipFill>
+          <p:spPr>
+            <a:xfrm>
+              <a:off x="7635762" y="2196015"/>
+              <a:ext cx="8610600" cy="5981700"/>
+            </a:xfrm>
+            <a:prstGeom prst="rect">
+              <a:avLst/>
+            </a:prstGeom>
+          </p:spPr>
+        </p:pic>
+        <p:sp>
+          <p:nvSpPr>
+            <p:cNvPr id="2" name="Rectángulo 1">
+              <a:extLst>
+                <a:ext uri="{FF2B5EF4-FFF2-40B4-BE49-F238E27FC236}">
+                  <a16:creationId xmlns:a16="http://schemas.microsoft.com/office/drawing/2014/main" id="{2FD1A804-E93C-602C-E65A-A0C67E844969}"/>
+                </a:ext>
+              </a:extLst>
+            </p:cNvPr>
+            <p:cNvSpPr/>
+            <p:nvPr/>
+          </p:nvSpPr>
+          <p:spPr>
+            <a:xfrm>
+              <a:off x="7617897" y="5981700"/>
+              <a:ext cx="4165549" cy="1646981"/>
+            </a:xfrm>
+            <a:prstGeom prst="rect">
+              <a:avLst/>
+            </a:prstGeom>
+            <a:noFill/>
+            <a:ln>
+              <a:solidFill>
+                <a:srgbClr val="EE702D"/>
+              </a:solidFill>
+              <a:prstDash val="lgDash"/>
+            </a:ln>
+            <a:effectLst>
+              <a:outerShdw blurRad="50800" dist="38100" dir="16200000" rotWithShape="0">
+                <a:prstClr val="black">
+                  <a:alpha val="40000"/>
+                </a:prstClr>
+              </a:outerShdw>
+            </a:effectLst>
+          </p:spPr>
+          <p:style>
+            <a:lnRef idx="2">
+              <a:schemeClr val="accent1">
+                <a:shade val="15000"/>
+              </a:schemeClr>
+            </a:lnRef>
+            <a:fillRef idx="1">
+              <a:schemeClr val="accent1"/>
+            </a:fillRef>
+            <a:effectRef idx="0">
+              <a:schemeClr val="accent1"/>
+            </a:effectRef>
+            <a:fontRef idx="minor">
+              <a:schemeClr val="lt1"/>
+            </a:fontRef>
+          </p:style>
+          <p:txBody>
+            <a:bodyPr rtlCol="0" anchor="ctr"/>
+            <a:lstStyle/>
+            <a:p>
+              <a:pPr algn="ctr"/>
+              <a:endParaRPr lang="es-ES"/>
+            </a:p>
+          </p:txBody>
+        </p:sp>
+        <p:sp>
+          <p:nvSpPr>
+            <p:cNvPr id="3" name="Rectángulo 2">
+              <a:extLst>
+                <a:ext uri="{FF2B5EF4-FFF2-40B4-BE49-F238E27FC236}">
+                  <a16:creationId xmlns:a16="http://schemas.microsoft.com/office/drawing/2014/main" id="{5FE02242-D265-ACC5-E4B6-1BF8E438B68A}"/>
+                </a:ext>
+              </a:extLst>
+            </p:cNvPr>
+            <p:cNvSpPr/>
+            <p:nvPr/>
+          </p:nvSpPr>
+          <p:spPr>
+            <a:xfrm>
+              <a:off x="9728061" y="2109285"/>
+              <a:ext cx="4165549" cy="2074557"/>
+            </a:xfrm>
+            <a:prstGeom prst="rect">
+              <a:avLst/>
+            </a:prstGeom>
+            <a:noFill/>
+            <a:ln>
+              <a:solidFill>
+                <a:srgbClr val="EE702D"/>
+              </a:solidFill>
+              <a:prstDash val="lgDash"/>
+            </a:ln>
+            <a:effectLst>
+              <a:outerShdw blurRad="50800" dist="38100" dir="16200000" rotWithShape="0">
+                <a:prstClr val="black">
+                  <a:alpha val="40000"/>
+                </a:prstClr>
+              </a:outerShdw>
+            </a:effectLst>
+          </p:spPr>
+          <p:style>
+            <a:lnRef idx="2">
+              <a:schemeClr val="accent1">
+                <a:shade val="15000"/>
+              </a:schemeClr>
+            </a:lnRef>
+            <a:fillRef idx="1">
+              <a:schemeClr val="accent1"/>
+            </a:fillRef>
+            <a:effectRef idx="0">
+              <a:schemeClr val="accent1"/>
+            </a:effectRef>
+            <a:fontRef idx="minor">
+              <a:schemeClr val="lt1"/>
+            </a:fontRef>
+          </p:style>
+          <p:txBody>
+            <a:bodyPr rtlCol="0" anchor="ctr"/>
+            <a:lstStyle/>
+            <a:p>
+              <a:pPr algn="ctr"/>
+              <a:endParaRPr lang="es-ES"/>
+            </a:p>
+          </p:txBody>
+        </p:sp>
+        <p:sp>
+          <p:nvSpPr>
+            <p:cNvPr id="5" name="Rectángulo 4">
+              <a:extLst>
+                <a:ext uri="{FF2B5EF4-FFF2-40B4-BE49-F238E27FC236}">
+                  <a16:creationId xmlns:a16="http://schemas.microsoft.com/office/drawing/2014/main" id="{61538F9E-6DC1-A909-CDD6-70BB022103E1}"/>
+                </a:ext>
+              </a:extLst>
+            </p:cNvPr>
+            <p:cNvSpPr/>
+            <p:nvPr/>
+          </p:nvSpPr>
+          <p:spPr>
+            <a:xfrm>
+              <a:off x="10447749" y="4714958"/>
+              <a:ext cx="2506802" cy="1314284"/>
+            </a:xfrm>
+            <a:prstGeom prst="rect">
+              <a:avLst/>
+            </a:prstGeom>
+            <a:noFill/>
+            <a:ln>
+              <a:solidFill>
+                <a:srgbClr val="EE702D"/>
+              </a:solidFill>
+              <a:prstDash val="lgDash"/>
+            </a:ln>
+            <a:effectLst>
+              <a:outerShdw blurRad="50800" dist="38100" dir="16200000" rotWithShape="0">
+                <a:prstClr val="black">
+                  <a:alpha val="40000"/>
+                </a:prstClr>
+              </a:outerShdw>
+            </a:effectLst>
+          </p:spPr>
+          <p:style>
+            <a:lnRef idx="2">
+              <a:schemeClr val="accent1">
+                <a:shade val="15000"/>
+              </a:schemeClr>
+            </a:lnRef>
+            <a:fillRef idx="1">
+              <a:schemeClr val="accent1"/>
+            </a:fillRef>
+            <a:effectRef idx="0">
+              <a:schemeClr val="accent1"/>
+            </a:effectRef>
+            <a:fontRef idx="minor">
+              <a:schemeClr val="lt1"/>
+            </a:fontRef>
+          </p:style>
+          <p:txBody>
+            <a:bodyPr rtlCol="0" anchor="ctr"/>
+            <a:lstStyle/>
+            <a:p>
+              <a:pPr algn="ctr"/>
+              <a:endParaRPr lang="es-ES"/>
+            </a:p>
+          </p:txBody>
+        </p:sp>
+      </p:grpSp>
+      <p:sp>
+        <p:nvSpPr>
+          <p:cNvPr id="9" name="TextBox 23">
+            <a:extLst>
+              <a:ext uri="{FF2B5EF4-FFF2-40B4-BE49-F238E27FC236}">
+                <a16:creationId xmlns:a16="http://schemas.microsoft.com/office/drawing/2014/main" id="{4FD63C43-1D81-4E5C-3ADC-3DA106FC82BD}"/>
+              </a:ext>
+            </a:extLst>
+          </p:cNvPr>
+          <p:cNvSpPr txBox="1"/>
+          <p:nvPr/>
+        </p:nvSpPr>
+        <p:spPr>
+          <a:xfrm>
+            <a:off x="7808398" y="8191500"/>
+            <a:ext cx="8610599" cy="1790170"/>
           </a:xfrm>
           <a:prstGeom prst="rect">
             <a:avLst/>
           </a:prstGeom>
         </p:spPr>
         <p:txBody>
-          <a:bodyPr vert="horz" lIns="91440" tIns="45720" rIns="91440" bIns="45720" rtlCol="0" anchor="b">
-            <a:normAutofit/>
+          <a:bodyPr wrap="square" lIns="0" tIns="0" rIns="0" bIns="0" rtlCol="0" anchor="t">
+            <a:spAutoFit/>
           </a:bodyPr>
           <a:lstStyle/>
           <a:p>
-            <a:pPr>
+            <a:pPr marL="342900" indent="-342900">
               <a:lnSpc>
-                <a:spcPct val="90000"/>
+                <a:spcPct val="150000"/>
               </a:lnSpc>
-              <a:spcBef>
-                <a:spcPct val="0"/>
-              </a:spcBef>
-              <a:spcAft>
-                <a:spcPts val="600"/>
-              </a:spcAft>
+              <a:buFont typeface="Wingdings" panose="05000000000000000000" pitchFamily="2" charset="2"/>
+              <a:buChar char="§"/>
             </a:pPr>
             <a:r>
-              <a:rPr lang="en-US" sz="5400" noProof="0">
+              <a:rPr lang="es-ES" sz="2000" dirty="0" err="1">
                 <a:solidFill>
-                  <a:schemeClr val="tx1">
-                    <a:lumMod val="85000"/>
-                    <a:lumOff val="15000"/>
-                  </a:schemeClr>
+                  <a:srgbClr val="222366"/>
                 </a:solidFill>
-                <a:latin typeface="+mj-lt"/>
-                <a:ea typeface="+mj-ea"/>
-                <a:cs typeface="+mj-cs"/>
-                <a:sym typeface="Brick Sans"/>
+                <a:latin typeface="Public Sans"/>
+                <a:ea typeface="Public Sans"/>
+                <a:cs typeface="Public Sans"/>
+                <a:sym typeface="Public Sans"/>
               </a:rPr>
-              <a:t>¿Reconoces esta imagen?</a:t>
-            </a:r>
+              <a:t>Requests</a:t>
+            </a:r>
+            <a:r>
+              <a:rPr lang="es-ES" sz="2000" dirty="0">
+                <a:solidFill>
+                  <a:srgbClr val="222366"/>
+                </a:solidFill>
+                <a:latin typeface="Public Sans"/>
+                <a:ea typeface="Public Sans"/>
+                <a:cs typeface="Public Sans"/>
+                <a:sym typeface="Public Sans"/>
+              </a:rPr>
+              <a:t> para acceder a la API (formato JSON).</a:t>
+            </a:r>
+          </a:p>
+          <a:p>
+            <a:pPr marL="342900" indent="-342900">
+              <a:lnSpc>
+                <a:spcPct val="150000"/>
+              </a:lnSpc>
+              <a:buFont typeface="Wingdings" panose="05000000000000000000" pitchFamily="2" charset="2"/>
+              <a:buChar char="§"/>
+            </a:pPr>
+            <a:r>
+              <a:rPr lang="es-ES" sz="2000" dirty="0">
+                <a:solidFill>
+                  <a:srgbClr val="222366"/>
+                </a:solidFill>
+                <a:latin typeface="Public Sans"/>
+                <a:ea typeface="Public Sans"/>
+                <a:cs typeface="Public Sans"/>
+                <a:sym typeface="Public Sans"/>
+              </a:rPr>
+              <a:t>Reestructuración de tablas.</a:t>
+            </a:r>
+          </a:p>
+          <a:p>
+            <a:pPr marL="342900" indent="-342900">
+              <a:lnSpc>
+                <a:spcPct val="150000"/>
+              </a:lnSpc>
+              <a:buFont typeface="Wingdings" panose="05000000000000000000" pitchFamily="2" charset="2"/>
+              <a:buChar char="§"/>
+            </a:pPr>
+            <a:r>
+              <a:rPr lang="es-ES" sz="2000" noProof="0" dirty="0">
+                <a:solidFill>
+                  <a:srgbClr val="222366"/>
+                </a:solidFill>
+                <a:latin typeface="Public Sans"/>
+                <a:ea typeface="Public Sans"/>
+                <a:cs typeface="Public Sans"/>
+                <a:sym typeface="Public Sans"/>
+              </a:rPr>
+              <a:t>Limpieza de datos.</a:t>
+            </a:r>
+          </a:p>
+          <a:p>
+            <a:pPr marL="342900" indent="-342900">
+              <a:lnSpc>
+                <a:spcPct val="150000"/>
+              </a:lnSpc>
+              <a:buFont typeface="Wingdings" panose="05000000000000000000" pitchFamily="2" charset="2"/>
+              <a:buChar char="§"/>
+            </a:pPr>
+            <a:r>
+              <a:rPr lang="es-ES" sz="2000" dirty="0">
+                <a:solidFill>
+                  <a:srgbClr val="222366"/>
+                </a:solidFill>
+                <a:latin typeface="Public Sans"/>
+                <a:ea typeface="Public Sans"/>
+                <a:cs typeface="Public Sans"/>
+                <a:sym typeface="Public Sans"/>
+              </a:rPr>
+              <a:t>Tablas utilizadas: </a:t>
+            </a:r>
+            <a:r>
+              <a:rPr lang="es-ES" sz="2000" b="1" dirty="0">
+                <a:solidFill>
+                  <a:srgbClr val="222366"/>
+                </a:solidFill>
+                <a:latin typeface="Public Sans"/>
+                <a:ea typeface="Public Sans"/>
+                <a:cs typeface="Public Sans"/>
+                <a:sym typeface="Public Sans"/>
+              </a:rPr>
+              <a:t>ENFERMEDADES</a:t>
+            </a:r>
+            <a:r>
+              <a:rPr lang="es-ES" sz="2000" dirty="0">
+                <a:solidFill>
+                  <a:srgbClr val="222366"/>
+                </a:solidFill>
+                <a:latin typeface="Public Sans"/>
+                <a:ea typeface="Public Sans"/>
+                <a:cs typeface="Public Sans"/>
+                <a:sym typeface="Public Sans"/>
+              </a:rPr>
+              <a:t>, </a:t>
+            </a:r>
+            <a:r>
+              <a:rPr lang="es-ES" sz="2000" b="1" dirty="0">
+                <a:solidFill>
+                  <a:srgbClr val="222366"/>
+                </a:solidFill>
+                <a:latin typeface="Public Sans"/>
+                <a:ea typeface="Public Sans"/>
+                <a:cs typeface="Public Sans"/>
+                <a:sym typeface="Public Sans"/>
+              </a:rPr>
+              <a:t>GENES</a:t>
+            </a:r>
+            <a:r>
+              <a:rPr lang="es-ES" sz="2000" dirty="0">
+                <a:solidFill>
+                  <a:srgbClr val="222366"/>
+                </a:solidFill>
+                <a:latin typeface="Public Sans"/>
+                <a:ea typeface="Public Sans"/>
+                <a:cs typeface="Public Sans"/>
+                <a:sym typeface="Public Sans"/>
+              </a:rPr>
+              <a:t> y </a:t>
+            </a:r>
+            <a:r>
+              <a:rPr lang="es-ES" sz="2000" b="1" dirty="0">
+                <a:solidFill>
+                  <a:srgbClr val="222366"/>
+                </a:solidFill>
+                <a:latin typeface="Public Sans"/>
+                <a:ea typeface="Public Sans"/>
+                <a:cs typeface="Public Sans"/>
+                <a:sym typeface="Public Sans"/>
+              </a:rPr>
+              <a:t>FENOTIPOS.</a:t>
+            </a:r>
+            <a:endParaRPr lang="es-ES" sz="2000" b="1" noProof="0" dirty="0">
+              <a:solidFill>
+                <a:srgbClr val="222366"/>
+              </a:solidFill>
+              <a:latin typeface="Public Sans"/>
+              <a:ea typeface="Public Sans"/>
+              <a:cs typeface="Public Sans"/>
+              <a:sym typeface="Public Sans"/>
+            </a:endParaRPr>
           </a:p>
         </p:txBody>
       </p:sp>
     </p:spTree>
+    <p:extLst>
+      <p:ext uri="{BB962C8B-B14F-4D97-AF65-F5344CB8AC3E}">
+        <p14:creationId xmlns:p14="http://schemas.microsoft.com/office/powerpoint/2010/main" val="2924135905"/>
+      </p:ext>
+    </p:extLst>
   </p:cSld>
   <p:clrMapOvr>
     <a:masterClrMapping/>
@@ -8797,7 +9231,7 @@
 </p:sld>
 </file>
 
-<file path=ppt/slides/slide10.xml><?xml version="1.0" encoding="utf-8"?>
+<file path=ppt/slides/slide11.xml><?xml version="1.0" encoding="utf-8"?>
 <p:sld xmlns:a="http://schemas.openxmlformats.org/drawingml/2006/main" xmlns:r="http://schemas.openxmlformats.org/officeDocument/2006/relationships" xmlns:p="http://schemas.openxmlformats.org/presentationml/2006/main">
   <p:cSld>
     <p:bg>
@@ -10098,7 +10532,7 @@
 </p:sld>
 </file>
 
-<file path=ppt/slides/slide11.xml><?xml version="1.0" encoding="utf-8"?>
+<file path=ppt/slides/slide12.xml><?xml version="1.0" encoding="utf-8"?>
 <p:sld xmlns:a="http://schemas.openxmlformats.org/drawingml/2006/main" xmlns:r="http://schemas.openxmlformats.org/officeDocument/2006/relationships" xmlns:p="http://schemas.openxmlformats.org/presentationml/2006/main">
   <p:cSld>
     <p:bg>
@@ -10735,7 +11169,7 @@
 </p:sld>
 </file>
 
-<file path=ppt/slides/slide12.xml><?xml version="1.0" encoding="utf-8"?>
+<file path=ppt/slides/slide13.xml><?xml version="1.0" encoding="utf-8"?>
 <p:sld xmlns:a="http://schemas.openxmlformats.org/drawingml/2006/main" xmlns:r="http://schemas.openxmlformats.org/officeDocument/2006/relationships" xmlns:p="http://schemas.openxmlformats.org/presentationml/2006/main">
   <p:cSld>
     <p:bg>
@@ -11278,7 +11712,7 @@
 </p:sld>
 </file>
 
-<file path=ppt/slides/slide13.xml><?xml version="1.0" encoding="utf-8"?>
+<file path=ppt/slides/slide14.xml><?xml version="1.0" encoding="utf-8"?>
 <p:sld xmlns:a="http://schemas.openxmlformats.org/drawingml/2006/main" xmlns:r="http://schemas.openxmlformats.org/officeDocument/2006/relationships" xmlns:p="http://schemas.openxmlformats.org/presentationml/2006/main">
   <p:cSld>
     <p:bg>
@@ -12001,7 +12435,7 @@
 </p:sld>
 </file>
 
-<file path=ppt/slides/slide14.xml><?xml version="1.0" encoding="utf-8"?>
+<file path=ppt/slides/slide15.xml><?xml version="1.0" encoding="utf-8"?>
 <p:sld xmlns:a="http://schemas.openxmlformats.org/drawingml/2006/main" xmlns:r="http://schemas.openxmlformats.org/officeDocument/2006/relationships" xmlns:p="http://schemas.openxmlformats.org/presentationml/2006/main">
   <p:cSld>
     <p:bg>
@@ -13039,7 +13473,7 @@
 </p:sld>
 </file>
 
-<file path=ppt/slides/slide15.xml><?xml version="1.0" encoding="utf-8"?>
+<file path=ppt/slides/slide16.xml><?xml version="1.0" encoding="utf-8"?>
 <p:sld xmlns:a="http://schemas.openxmlformats.org/drawingml/2006/main" xmlns:r="http://schemas.openxmlformats.org/officeDocument/2006/relationships" xmlns:p="http://schemas.openxmlformats.org/presentationml/2006/main">
   <p:cSld>
     <p:bg>
@@ -13967,7 +14401,7 @@
 </p:sld>
 </file>
 
-<file path=ppt/slides/slide16.xml><?xml version="1.0" encoding="utf-8"?>
+<file path=ppt/slides/slide17.xml><?xml version="1.0" encoding="utf-8"?>
 <p:sld xmlns:a="http://schemas.openxmlformats.org/drawingml/2006/main" xmlns:r="http://schemas.openxmlformats.org/officeDocument/2006/relationships" xmlns:p="http://schemas.openxmlformats.org/presentationml/2006/main">
   <p:cSld>
     <p:bg>
@@ -14561,7 +14995,7 @@
 </p:sld>
 </file>
 
-<file path=ppt/slides/slide17.xml><?xml version="1.0" encoding="utf-8"?>
+<file path=ppt/slides/slide18.xml><?xml version="1.0" encoding="utf-8"?>
 <p:sld xmlns:a="http://schemas.openxmlformats.org/drawingml/2006/main" xmlns:r="http://schemas.openxmlformats.org/officeDocument/2006/relationships" xmlns:p="http://schemas.openxmlformats.org/presentationml/2006/main">
   <p:cSld>
     <p:bg>
@@ -15702,7 +16136,7 @@
 </p:sld>
 </file>
 
-<file path=ppt/slides/slide18.xml><?xml version="1.0" encoding="utf-8"?>
+<file path=ppt/slides/slide19.xml><?xml version="1.0" encoding="utf-8"?>
 <p:sld xmlns:a="http://schemas.openxmlformats.org/drawingml/2006/main" xmlns:r="http://schemas.openxmlformats.org/officeDocument/2006/relationships" xmlns:p="http://schemas.openxmlformats.org/presentationml/2006/main">
   <p:cSld>
     <p:bg>
@@ -16578,7 +17012,740 @@
 </p:sld>
 </file>
 
-<file path=ppt/slides/slide19.xml><?xml version="1.0" encoding="utf-8"?>
+<file path=ppt/slides/slide2.xml><?xml version="1.0" encoding="utf-8"?>
+<p:sld xmlns:a="http://schemas.openxmlformats.org/drawingml/2006/main" xmlns:r="http://schemas.openxmlformats.org/officeDocument/2006/relationships" xmlns:p="http://schemas.openxmlformats.org/presentationml/2006/main">
+  <p:cSld>
+    <p:bg>
+      <p:bgPr>
+        <a:solidFill>
+          <a:schemeClr val="bg1"/>
+        </a:solidFill>
+        <a:effectLst/>
+      </p:bgPr>
+    </p:bg>
+    <p:spTree>
+      <p:nvGrpSpPr>
+        <p:cNvPr id="1" name=""/>
+        <p:cNvGrpSpPr/>
+        <p:nvPr/>
+      </p:nvGrpSpPr>
+      <p:grpSpPr>
+        <a:xfrm>
+          <a:off x="0" y="0"/>
+          <a:ext cx="0" cy="0"/>
+          <a:chOff x="0" y="0"/>
+          <a:chExt cx="0" cy="0"/>
+        </a:xfrm>
+      </p:grpSpPr>
+      <p:sp useBgFill="1">
+        <p:nvSpPr>
+          <p:cNvPr id="37" name="Rectangle 36">
+            <a:extLst>
+              <a:ext uri="{FF2B5EF4-FFF2-40B4-BE49-F238E27FC236}">
+                <a16:creationId xmlns:a16="http://schemas.microsoft.com/office/drawing/2014/main" id="{7DA3C418-758E-4180-A5D0-8655D6804587}"/>
+              </a:ext>
+              <a:ext uri="{C183D7F6-B498-43B3-948B-1728B52AA6E4}">
+                <adec:decorative xmlns:adec="http://schemas.microsoft.com/office/drawing/2017/decorative" val="1"/>
+              </a:ext>
+            </a:extLst>
+          </p:cNvPr>
+          <p:cNvSpPr>
+            <a:spLocks noGrp="1" noRot="1" noChangeAspect="1" noMove="1" noResize="1" noEditPoints="1" noAdjustHandles="1" noChangeArrowheads="1" noChangeShapeType="1" noTextEdit="1"/>
+          </p:cNvSpPr>
+          <p:nvPr>
+            <p:extLst>
+              <p:ext uri="{386F3935-93C4-4BCD-93E2-E3B085C9AB24}">
+                <p16:designElem xmlns:p16="http://schemas.microsoft.com/office/powerpoint/2015/main" val="1"/>
+              </p:ext>
+            </p:extLst>
+          </p:nvPr>
+        </p:nvSpPr>
+        <p:spPr>
+          <a:xfrm>
+            <a:off x="0" y="0"/>
+            <a:ext cx="18288000" cy="10287000"/>
+          </a:xfrm>
+          <a:prstGeom prst="rect">
+            <a:avLst/>
+          </a:prstGeom>
+          <a:ln w="12700" cap="flat" cmpd="sng" algn="ctr">
+            <a:noFill/>
+            <a:prstDash val="solid"/>
+            <a:miter lim="800000"/>
+          </a:ln>
+          <a:effectLst/>
+          <a:extLst>
+            <a:ext uri="{91240B29-F687-4F45-9708-019B960494DF}">
+              <a14:hiddenLine xmlns:a14="http://schemas.microsoft.com/office/drawing/2010/main" w="12700" cap="flat" cmpd="sng" algn="ctr">
+                <a:solidFill>
+                  <a:schemeClr val="accent1">
+                    <a:shade val="50000"/>
+                  </a:schemeClr>
+                </a:solidFill>
+                <a:prstDash val="solid"/>
+                <a:miter lim="800000"/>
+              </a14:hiddenLine>
+            </a:ext>
+          </a:extLst>
+        </p:spPr>
+        <p:style>
+          <a:lnRef idx="2">
+            <a:schemeClr val="accent1">
+              <a:shade val="50000"/>
+            </a:schemeClr>
+          </a:lnRef>
+          <a:fillRef idx="1">
+            <a:schemeClr val="accent1"/>
+          </a:fillRef>
+          <a:effectRef idx="0">
+            <a:schemeClr val="accent1"/>
+          </a:effectRef>
+          <a:fontRef idx="minor">
+            <a:schemeClr val="lt1"/>
+          </a:fontRef>
+        </p:style>
+        <p:txBody>
+          <a:bodyPr rtlCol="0" anchor="ctr"/>
+          <a:lstStyle/>
+          <a:p>
+            <a:pPr algn="ctr"/>
+            <a:endParaRPr lang="en-US"/>
+          </a:p>
+        </p:txBody>
+      </p:sp>
+      <p:sp>
+        <p:nvSpPr>
+          <p:cNvPr id="39" name="Rectangle 38">
+            <a:extLst>
+              <a:ext uri="{FF2B5EF4-FFF2-40B4-BE49-F238E27FC236}">
+                <a16:creationId xmlns:a16="http://schemas.microsoft.com/office/drawing/2014/main" id="{28C8EF06-5EC3-4883-AFAF-D74FF46550FB}"/>
+              </a:ext>
+              <a:ext uri="{C183D7F6-B498-43B3-948B-1728B52AA6E4}">
+                <adec:decorative xmlns:adec="http://schemas.microsoft.com/office/drawing/2017/decorative" val="1"/>
+              </a:ext>
+            </a:extLst>
+          </p:cNvPr>
+          <p:cNvSpPr>
+            <a:spLocks noGrp="1" noRot="1" noChangeAspect="1" noMove="1" noResize="1" noEditPoints="1" noAdjustHandles="1" noChangeArrowheads="1" noChangeShapeType="1" noTextEdit="1"/>
+          </p:cNvSpPr>
+          <p:nvPr>
+            <p:extLst>
+              <p:ext uri="{386F3935-93C4-4BCD-93E2-E3B085C9AB24}">
+                <p16:designElem xmlns:p16="http://schemas.microsoft.com/office/powerpoint/2015/main" val="1"/>
+              </p:ext>
+            </p:extLst>
+          </p:nvPr>
+        </p:nvSpPr>
+        <p:spPr>
+          <a:xfrm>
+            <a:off x="-4" y="0"/>
+            <a:ext cx="7703956" cy="10307472"/>
+          </a:xfrm>
+          <a:prstGeom prst="rect">
+            <a:avLst/>
+          </a:prstGeom>
+          <a:solidFill>
+            <a:srgbClr val="82766A">
+              <a:alpha val="15000"/>
+            </a:srgbClr>
+          </a:solidFill>
+          <a:ln>
+            <a:noFill/>
+          </a:ln>
+        </p:spPr>
+        <p:style>
+          <a:lnRef idx="2">
+            <a:schemeClr val="accent1">
+              <a:shade val="50000"/>
+            </a:schemeClr>
+          </a:lnRef>
+          <a:fillRef idx="1">
+            <a:schemeClr val="accent1"/>
+          </a:fillRef>
+          <a:effectRef idx="0">
+            <a:schemeClr val="accent1"/>
+          </a:effectRef>
+          <a:fontRef idx="minor">
+            <a:schemeClr val="lt1"/>
+          </a:fontRef>
+        </p:style>
+        <p:txBody>
+          <a:bodyPr rtlCol="0" anchor="ctr"/>
+          <a:lstStyle/>
+          <a:p>
+            <a:pPr algn="ctr"/>
+            <a:endParaRPr lang="en-US"/>
+          </a:p>
+        </p:txBody>
+      </p:sp>
+      <p:pic>
+        <p:nvPicPr>
+          <p:cNvPr id="4" name="Imagen 3" descr="Texto&#10;&#10;El contenido generado por IA puede ser incorrecto.">
+            <a:extLst>
+              <a:ext uri="{FF2B5EF4-FFF2-40B4-BE49-F238E27FC236}">
+                <a16:creationId xmlns:a16="http://schemas.microsoft.com/office/drawing/2014/main" id="{E6D1B91C-E4DA-D8E0-6E52-7E17D54E7DF5}"/>
+              </a:ext>
+            </a:extLst>
+          </p:cNvPr>
+          <p:cNvPicPr>
+            <a:picLocks noChangeAspect="1"/>
+          </p:cNvPicPr>
+          <p:nvPr/>
+        </p:nvPicPr>
+        <p:blipFill>
+          <a:blip r:embed="rId2">
+            <a:extLst>
+              <a:ext uri="{28A0092B-C50C-407E-A947-70E740481C1C}">
+                <a14:useLocalDpi xmlns:a14="http://schemas.microsoft.com/office/drawing/2010/main" val="0"/>
+              </a:ext>
+            </a:extLst>
+          </a:blip>
+          <a:srcRect l="6633" r="17280"/>
+          <a:stretch/>
+        </p:blipFill>
+        <p:spPr>
+          <a:xfrm>
+            <a:off x="4373182" y="10"/>
+            <a:ext cx="13914818" cy="10286990"/>
+          </a:xfrm>
+          <a:custGeom>
+            <a:avLst/>
+            <a:gdLst/>
+            <a:ahLst/>
+            <a:cxnLst/>
+            <a:rect l="l" t="t" r="r" b="b"/>
+            <a:pathLst>
+              <a:path w="9276545" h="6871647">
+                <a:moveTo>
+                  <a:pt x="9276545" y="0"/>
+                </a:moveTo>
+                <a:lnTo>
+                  <a:pt x="9276545" y="6858000"/>
+                </a:lnTo>
+                <a:lnTo>
+                  <a:pt x="1546051" y="6871647"/>
+                </a:lnTo>
+                <a:lnTo>
+                  <a:pt x="1535751" y="6828910"/>
+                </a:lnTo>
+                <a:cubicBezTo>
+                  <a:pt x="1530460" y="6775140"/>
+                  <a:pt x="1515370" y="6618042"/>
+                  <a:pt x="1514301" y="6549029"/>
+                </a:cubicBezTo>
+                <a:cubicBezTo>
+                  <a:pt x="1518045" y="6491396"/>
+                  <a:pt x="1528503" y="6450608"/>
+                  <a:pt x="1529339" y="6414828"/>
+                </a:cubicBezTo>
+                <a:cubicBezTo>
+                  <a:pt x="1525062" y="6359280"/>
+                  <a:pt x="1502062" y="6307149"/>
+                  <a:pt x="1493941" y="6268848"/>
+                </a:cubicBezTo>
+                <a:cubicBezTo>
+                  <a:pt x="1502669" y="6254191"/>
+                  <a:pt x="1469920" y="6200171"/>
+                  <a:pt x="1480613" y="6185025"/>
+                </a:cubicBezTo>
+                <a:cubicBezTo>
+                  <a:pt x="1481020" y="6164522"/>
+                  <a:pt x="1458164" y="6060790"/>
+                  <a:pt x="1443364" y="6018360"/>
+                </a:cubicBezTo>
+                <a:cubicBezTo>
+                  <a:pt x="1426694" y="5970758"/>
+                  <a:pt x="1390307" y="5920074"/>
+                  <a:pt x="1380584" y="5899407"/>
+                </a:cubicBezTo>
+                <a:cubicBezTo>
+                  <a:pt x="1370860" y="5878740"/>
+                  <a:pt x="1392244" y="5920877"/>
+                  <a:pt x="1385023" y="5894356"/>
+                </a:cubicBezTo>
+                <a:cubicBezTo>
+                  <a:pt x="1377800" y="5867835"/>
+                  <a:pt x="1345702" y="5770498"/>
+                  <a:pt x="1337254" y="5740279"/>
+                </a:cubicBezTo>
+                <a:cubicBezTo>
+                  <a:pt x="1353956" y="5738860"/>
+                  <a:pt x="1323673" y="5722040"/>
+                  <a:pt x="1334321" y="5713042"/>
+                </a:cubicBezTo>
+                <a:cubicBezTo>
+                  <a:pt x="1343675" y="5706701"/>
+                  <a:pt x="1336672" y="5700118"/>
+                  <a:pt x="1335877" y="5692870"/>
+                </a:cubicBezTo>
+                <a:cubicBezTo>
+                  <a:pt x="1343201" y="5683812"/>
+                  <a:pt x="1329617" y="5652064"/>
+                  <a:pt x="1319978" y="5643427"/>
+                </a:cubicBezTo>
+                <a:cubicBezTo>
+                  <a:pt x="1286551" y="5622177"/>
+                  <a:pt x="1310947" y="5579803"/>
+                  <a:pt x="1285321" y="5562271"/>
+                </a:cubicBezTo>
+                <a:cubicBezTo>
+                  <a:pt x="1281540" y="5556238"/>
+                  <a:pt x="1279983" y="5550455"/>
+                  <a:pt x="1279815" y="5544867"/>
+                </a:cubicBezTo>
+                <a:lnTo>
+                  <a:pt x="1282507" y="5529404"/>
+                </a:lnTo>
+                <a:lnTo>
+                  <a:pt x="1289604" y="5525378"/>
+                </a:lnTo>
+                <a:lnTo>
+                  <a:pt x="1287766" y="5515726"/>
+                </a:lnTo>
+                <a:lnTo>
+                  <a:pt x="1288829" y="5513051"/>
+                </a:lnTo>
+                <a:cubicBezTo>
+                  <a:pt x="1290896" y="5507946"/>
+                  <a:pt x="1292688" y="5502897"/>
+                  <a:pt x="1293373" y="5497833"/>
+                </a:cubicBezTo>
+                <a:cubicBezTo>
+                  <a:pt x="1288690" y="5483829"/>
+                  <a:pt x="1272696" y="5459278"/>
+                  <a:pt x="1260736" y="5429027"/>
+                </a:cubicBezTo>
+                <a:cubicBezTo>
+                  <a:pt x="1238579" y="5396416"/>
+                  <a:pt x="1238884" y="5351600"/>
+                  <a:pt x="1221610" y="5316328"/>
+                </a:cubicBezTo>
+                <a:lnTo>
+                  <a:pt x="1216099" y="5309330"/>
+                </a:lnTo>
+                <a:lnTo>
+                  <a:pt x="1217278" y="5279477"/>
+                </a:lnTo>
+                <a:cubicBezTo>
+                  <a:pt x="1221588" y="5274318"/>
+                  <a:pt x="1222716" y="5266940"/>
+                  <a:pt x="1218469" y="5260597"/>
+                </a:cubicBezTo>
+                <a:lnTo>
+                  <a:pt x="1206220" y="5152555"/>
+                </a:lnTo>
+                <a:cubicBezTo>
+                  <a:pt x="1205294" y="5116878"/>
+                  <a:pt x="1196908" y="5101727"/>
+                  <a:pt x="1212921" y="5046536"/>
+                </a:cubicBezTo>
+                <a:cubicBezTo>
+                  <a:pt x="1234138" y="4987918"/>
+                  <a:pt x="1204801" y="4903116"/>
+                  <a:pt x="1212183" y="4837345"/>
+                </a:cubicBezTo>
+                <a:cubicBezTo>
+                  <a:pt x="1183151" y="4802424"/>
+                  <a:pt x="1209228" y="4821062"/>
+                  <a:pt x="1202048" y="4784195"/>
+                </a:cubicBezTo>
+                <a:cubicBezTo>
+                  <a:pt x="1202483" y="4760878"/>
+                  <a:pt x="1202919" y="4737561"/>
+                  <a:pt x="1203354" y="4714245"/>
+                </a:cubicBezTo>
+                <a:lnTo>
+                  <a:pt x="1201502" y="4700836"/>
+                </a:lnTo>
+                <a:lnTo>
+                  <a:pt x="1194919" y="4697224"/>
+                </a:lnTo>
+                <a:lnTo>
+                  <a:pt x="1187792" y="4677162"/>
+                </a:lnTo>
+                <a:cubicBezTo>
+                  <a:pt x="1186060" y="4669625"/>
+                  <a:pt x="1185291" y="4661478"/>
+                  <a:pt x="1186080" y="4652429"/>
+                </a:cubicBezTo>
+                <a:cubicBezTo>
+                  <a:pt x="1199189" y="4622456"/>
+                  <a:pt x="1167081" y="4571771"/>
+                  <a:pt x="1184722" y="4534840"/>
+                </a:cubicBezTo>
+                <a:cubicBezTo>
+                  <a:pt x="1182407" y="4499077"/>
+                  <a:pt x="1175424" y="4460227"/>
+                  <a:pt x="1172188" y="4437851"/>
+                </a:cubicBezTo>
+                <a:cubicBezTo>
+                  <a:pt x="1161331" y="4428466"/>
+                  <a:pt x="1178123" y="4398274"/>
+                  <a:pt x="1165306" y="4400581"/>
+                </a:cubicBezTo>
+                <a:cubicBezTo>
+                  <a:pt x="1171061" y="4389819"/>
+                  <a:pt x="1173552" y="4346771"/>
+                  <a:pt x="1168602" y="4335651"/>
+                </a:cubicBezTo>
+                <a:lnTo>
+                  <a:pt x="1178384" y="4280215"/>
+                </a:lnTo>
+                <a:lnTo>
+                  <a:pt x="1177294" y="4274660"/>
+                </a:lnTo>
+                <a:cubicBezTo>
+                  <a:pt x="1177138" y="4268882"/>
+                  <a:pt x="1177520" y="4251103"/>
+                  <a:pt x="1177448" y="4245552"/>
+                </a:cubicBezTo>
+                <a:cubicBezTo>
+                  <a:pt x="1177252" y="4244155"/>
+                  <a:pt x="1177058" y="4242757"/>
+                  <a:pt x="1176863" y="4241361"/>
+                </a:cubicBezTo>
+                <a:lnTo>
+                  <a:pt x="1162386" y="4207167"/>
+                </a:lnTo>
+                <a:cubicBezTo>
+                  <a:pt x="1162950" y="4202536"/>
+                  <a:pt x="1174655" y="4199565"/>
+                  <a:pt x="1174343" y="4192380"/>
+                </a:cubicBezTo>
+                <a:lnTo>
+                  <a:pt x="1160516" y="4164062"/>
+                </a:lnTo>
+                <a:lnTo>
+                  <a:pt x="1161365" y="4158623"/>
+                </a:lnTo>
+                <a:lnTo>
+                  <a:pt x="1144878" y="4076261"/>
+                </a:lnTo>
+                <a:lnTo>
+                  <a:pt x="1123687" y="4005692"/>
+                </a:lnTo>
+                <a:lnTo>
+                  <a:pt x="1096720" y="3754257"/>
+                </a:lnTo>
+                <a:cubicBezTo>
+                  <a:pt x="1083618" y="3639924"/>
+                  <a:pt x="1064313" y="3636659"/>
+                  <a:pt x="1047682" y="3517638"/>
+                </a:cubicBezTo>
+                <a:cubicBezTo>
+                  <a:pt x="1048550" y="3477187"/>
+                  <a:pt x="1049418" y="3436735"/>
+                  <a:pt x="1050285" y="3396284"/>
+                </a:cubicBezTo>
+                <a:lnTo>
+                  <a:pt x="1030166" y="3320814"/>
+                </a:lnTo>
+                <a:lnTo>
+                  <a:pt x="1034128" y="3260443"/>
+                </a:lnTo>
+                <a:lnTo>
+                  <a:pt x="1007751" y="3198916"/>
+                </a:lnTo>
+                <a:cubicBezTo>
+                  <a:pt x="1003323" y="3193074"/>
+                  <a:pt x="1001150" y="3187393"/>
+                  <a:pt x="1000384" y="3181839"/>
+                </a:cubicBezTo>
+                <a:cubicBezTo>
+                  <a:pt x="1000734" y="3176675"/>
+                  <a:pt x="1001085" y="3171511"/>
+                  <a:pt x="1001435" y="3166346"/>
+                </a:cubicBezTo>
+                <a:lnTo>
+                  <a:pt x="968918" y="3112638"/>
+                </a:lnTo>
+                <a:cubicBezTo>
+                  <a:pt x="957125" y="3092489"/>
+                  <a:pt x="955617" y="3065232"/>
+                  <a:pt x="934483" y="3031628"/>
+                </a:cubicBezTo>
+                <a:cubicBezTo>
+                  <a:pt x="914631" y="2997037"/>
+                  <a:pt x="908933" y="3005661"/>
+                  <a:pt x="879229" y="2948196"/>
+                </a:cubicBezTo>
+                <a:cubicBezTo>
+                  <a:pt x="850845" y="2897154"/>
+                  <a:pt x="820829" y="2806798"/>
+                  <a:pt x="798666" y="2761198"/>
+                </a:cubicBezTo>
+                <a:cubicBezTo>
+                  <a:pt x="773970" y="2714562"/>
+                  <a:pt x="758278" y="2715446"/>
+                  <a:pt x="746962" y="2694939"/>
+                </a:cubicBezTo>
+                <a:lnTo>
+                  <a:pt x="712796" y="2614779"/>
+                </a:lnTo>
+                <a:lnTo>
+                  <a:pt x="697701" y="2600020"/>
+                </a:lnTo>
+                <a:cubicBezTo>
+                  <a:pt x="697743" y="2598787"/>
+                  <a:pt x="697784" y="2597555"/>
+                  <a:pt x="697823" y="2596321"/>
+                </a:cubicBezTo>
+                <a:lnTo>
+                  <a:pt x="679645" y="2572602"/>
+                </a:lnTo>
+                <a:lnTo>
+                  <a:pt x="680789" y="2571831"/>
+                </a:lnTo>
+                <a:cubicBezTo>
+                  <a:pt x="682946" y="2569560"/>
+                  <a:pt x="683757" y="2566863"/>
+                  <a:pt x="681771" y="2563200"/>
+                </a:cubicBezTo>
+                <a:cubicBezTo>
+                  <a:pt x="705290" y="2562299"/>
+                  <a:pt x="688388" y="2558438"/>
+                  <a:pt x="680456" y="2547723"/>
+                </a:cubicBezTo>
+                <a:cubicBezTo>
+                  <a:pt x="679482" y="2534148"/>
+                  <a:pt x="677183" y="2493617"/>
+                  <a:pt x="675922" y="2481749"/>
+                </a:cubicBezTo>
+                <a:lnTo>
+                  <a:pt x="672894" y="2476509"/>
+                </a:lnTo>
+                <a:lnTo>
+                  <a:pt x="673143" y="2476297"/>
+                </a:lnTo>
+                <a:cubicBezTo>
+                  <a:pt x="673152" y="2474932"/>
+                  <a:pt x="672405" y="2473126"/>
+                  <a:pt x="670567" y="2470561"/>
+                </a:cubicBezTo>
+                <a:lnTo>
+                  <a:pt x="667369" y="2466951"/>
+                </a:lnTo>
+                <a:lnTo>
+                  <a:pt x="661495" y="2456785"/>
+                </a:lnTo>
+                <a:cubicBezTo>
+                  <a:pt x="661510" y="2455387"/>
+                  <a:pt x="661525" y="2453987"/>
+                  <a:pt x="661540" y="2452588"/>
+                </a:cubicBezTo>
+                <a:lnTo>
+                  <a:pt x="664540" y="2449913"/>
+                </a:lnTo>
+                <a:lnTo>
+                  <a:pt x="663581" y="2449129"/>
+                </a:lnTo>
+                <a:cubicBezTo>
+                  <a:pt x="653014" y="2444453"/>
+                  <a:pt x="642406" y="2445872"/>
+                  <a:pt x="663129" y="2426579"/>
+                </a:cubicBezTo>
+                <a:cubicBezTo>
+                  <a:pt x="643271" y="2414167"/>
+                  <a:pt x="657229" y="2404769"/>
+                  <a:pt x="650205" y="2379928"/>
+                </a:cubicBezTo>
+                <a:cubicBezTo>
+                  <a:pt x="634911" y="2374359"/>
+                  <a:pt x="634260" y="2365346"/>
+                  <a:pt x="638008" y="2354824"/>
+                </a:cubicBezTo>
+                <a:cubicBezTo>
+                  <a:pt x="621083" y="2334576"/>
+                  <a:pt x="620949" y="2310146"/>
+                  <a:pt x="609851" y="2284299"/>
+                </a:cubicBezTo>
+                <a:lnTo>
+                  <a:pt x="585585" y="2155739"/>
+                </a:lnTo>
+                <a:lnTo>
+                  <a:pt x="581391" y="2152892"/>
+                </a:lnTo>
+                <a:cubicBezTo>
+                  <a:pt x="578821" y="2150768"/>
+                  <a:pt x="577525" y="2149149"/>
+                  <a:pt x="577083" y="2147807"/>
+                </a:cubicBezTo>
+                <a:lnTo>
+                  <a:pt x="577251" y="2147544"/>
+                </a:lnTo>
+                <a:lnTo>
+                  <a:pt x="546845" y="2085601"/>
+                </a:lnTo>
+                <a:cubicBezTo>
+                  <a:pt x="538270" y="2073917"/>
+                  <a:pt x="486356" y="1955894"/>
+                  <a:pt x="470837" y="1931362"/>
+                </a:cubicBezTo>
+                <a:lnTo>
+                  <a:pt x="428154" y="1657167"/>
+                </a:lnTo>
+                <a:lnTo>
+                  <a:pt x="392797" y="1510175"/>
+                </a:lnTo>
+                <a:cubicBezTo>
+                  <a:pt x="380165" y="1504446"/>
+                  <a:pt x="369910" y="1451095"/>
+                  <a:pt x="372847" y="1440507"/>
+                </a:cubicBezTo>
+                <a:cubicBezTo>
+                  <a:pt x="369015" y="1433783"/>
+                  <a:pt x="338503" y="1376212"/>
+                  <a:pt x="344479" y="1367690"/>
+                </a:cubicBezTo>
+                <a:cubicBezTo>
+                  <a:pt x="332264" y="1342150"/>
+                  <a:pt x="321736" y="1310521"/>
+                  <a:pt x="299558" y="1287266"/>
+                </a:cubicBezTo>
+                <a:cubicBezTo>
+                  <a:pt x="277380" y="1264010"/>
+                  <a:pt x="259203" y="1269909"/>
+                  <a:pt x="243216" y="1249403"/>
+                </a:cubicBezTo>
+                <a:cubicBezTo>
+                  <a:pt x="227230" y="1228898"/>
+                  <a:pt x="218454" y="1166841"/>
+                  <a:pt x="203639" y="1164232"/>
+                </a:cubicBezTo>
+                <a:cubicBezTo>
+                  <a:pt x="192352" y="1144923"/>
+                  <a:pt x="198158" y="1133798"/>
+                  <a:pt x="169195" y="1087898"/>
+                </a:cubicBezTo>
+                <a:cubicBezTo>
+                  <a:pt x="139228" y="1002950"/>
+                  <a:pt x="140891" y="969630"/>
+                  <a:pt x="98775" y="910071"/>
+                </a:cubicBezTo>
+                <a:cubicBezTo>
+                  <a:pt x="45025" y="831068"/>
+                  <a:pt x="34038" y="817468"/>
+                  <a:pt x="43820" y="712632"/>
+                </a:cubicBezTo>
+                <a:cubicBezTo>
+                  <a:pt x="34816" y="659496"/>
+                  <a:pt x="43273" y="613587"/>
+                  <a:pt x="44748" y="591246"/>
+                </a:cubicBezTo>
+                <a:lnTo>
+                  <a:pt x="36767" y="546725"/>
+                </a:lnTo>
+                <a:cubicBezTo>
+                  <a:pt x="36093" y="528360"/>
+                  <a:pt x="35418" y="509996"/>
+                  <a:pt x="34744" y="491632"/>
+                </a:cubicBezTo>
+                <a:cubicBezTo>
+                  <a:pt x="34670" y="458441"/>
+                  <a:pt x="29296" y="473054"/>
+                  <a:pt x="29222" y="439863"/>
+                </a:cubicBezTo>
+                <a:cubicBezTo>
+                  <a:pt x="29152" y="439762"/>
+                  <a:pt x="2578" y="397168"/>
+                  <a:pt x="2507" y="397065"/>
+                </a:cubicBezTo>
+                <a:cubicBezTo>
+                  <a:pt x="-7796" y="385479"/>
+                  <a:pt x="17492" y="336832"/>
+                  <a:pt x="9810" y="317232"/>
+                </a:cubicBezTo>
+                <a:lnTo>
+                  <a:pt x="25323" y="268841"/>
+                </a:lnTo>
+                <a:cubicBezTo>
+                  <a:pt x="20582" y="241406"/>
+                  <a:pt x="55391" y="238509"/>
+                  <a:pt x="50278" y="195107"/>
+                </a:cubicBezTo>
+                <a:cubicBezTo>
+                  <a:pt x="49891" y="157638"/>
+                  <a:pt x="41873" y="124837"/>
+                  <a:pt x="47653" y="93413"/>
+                </a:cubicBezTo>
+                <a:cubicBezTo>
+                  <a:pt x="41389" y="80245"/>
+                  <a:pt x="38874" y="67990"/>
+                  <a:pt x="48323" y="56668"/>
+                </a:cubicBezTo>
+                <a:cubicBezTo>
+                  <a:pt x="46028" y="30349"/>
+                  <a:pt x="37896" y="18658"/>
+                  <a:pt x="38423" y="5323"/>
+                </a:cubicBezTo>
+                <a:lnTo>
+                  <a:pt x="39875" y="1"/>
+                </a:lnTo>
+                <a:close/>
+              </a:path>
+            </a:pathLst>
+          </a:custGeom>
+        </p:spPr>
+      </p:pic>
+      <p:sp>
+        <p:nvSpPr>
+          <p:cNvPr id="32" name="TextBox 32"/>
+          <p:cNvSpPr txBox="1"/>
+          <p:nvPr/>
+        </p:nvSpPr>
+        <p:spPr>
+          <a:xfrm>
+            <a:off x="992874" y="4278571"/>
+            <a:ext cx="4742910" cy="3960371"/>
+          </a:xfrm>
+          <a:prstGeom prst="rect">
+            <a:avLst/>
+          </a:prstGeom>
+        </p:spPr>
+        <p:txBody>
+          <a:bodyPr vert="horz" lIns="91440" tIns="45720" rIns="91440" bIns="45720" rtlCol="0" anchor="b">
+            <a:normAutofit/>
+          </a:bodyPr>
+          <a:lstStyle/>
+          <a:p>
+            <a:pPr>
+              <a:lnSpc>
+                <a:spcPct val="90000"/>
+              </a:lnSpc>
+              <a:spcBef>
+                <a:spcPct val="0"/>
+              </a:spcBef>
+              <a:spcAft>
+                <a:spcPts val="600"/>
+              </a:spcAft>
+            </a:pPr>
+            <a:r>
+              <a:rPr lang="en-US" sz="5400" noProof="0">
+                <a:solidFill>
+                  <a:schemeClr val="tx1">
+                    <a:lumMod val="85000"/>
+                    <a:lumOff val="15000"/>
+                  </a:schemeClr>
+                </a:solidFill>
+                <a:latin typeface="+mj-lt"/>
+                <a:ea typeface="+mj-ea"/>
+                <a:cs typeface="+mj-cs"/>
+                <a:sym typeface="Brick Sans"/>
+              </a:rPr>
+              <a:t>¿Reconoces esta imagen?</a:t>
+            </a:r>
+          </a:p>
+        </p:txBody>
+      </p:sp>
+    </p:spTree>
+  </p:cSld>
+  <p:clrMapOvr>
+    <a:masterClrMapping/>
+  </p:clrMapOvr>
+</p:sld>
+</file>
+
+<file path=ppt/slides/slide20.xml><?xml version="1.0" encoding="utf-8"?>
 <p:sld xmlns:a="http://schemas.openxmlformats.org/drawingml/2006/main" xmlns:r="http://schemas.openxmlformats.org/officeDocument/2006/relationships" xmlns:p="http://schemas.openxmlformats.org/presentationml/2006/main">
   <p:cSld>
     <p:bg>
@@ -17557,7 +18724,7 @@
 </p:sld>
 </file>
 
-<file path=ppt/slides/slide2.xml><?xml version="1.0" encoding="utf-8"?>
+<file path=ppt/slides/slide3.xml><?xml version="1.0" encoding="utf-8"?>
 <p:sld xmlns:a="http://schemas.openxmlformats.org/drawingml/2006/main" xmlns:r="http://schemas.openxmlformats.org/officeDocument/2006/relationships" xmlns:p="http://schemas.openxmlformats.org/presentationml/2006/main">
   <p:cSld>
     <p:bg>
@@ -18912,7 +20079,7 @@
 </p:sld>
 </file>
 
-<file path=ppt/slides/slide3.xml><?xml version="1.0" encoding="utf-8"?>
+<file path=ppt/slides/slide4.xml><?xml version="1.0" encoding="utf-8"?>
 <p:sld xmlns:a="http://schemas.openxmlformats.org/drawingml/2006/main" xmlns:r="http://schemas.openxmlformats.org/officeDocument/2006/relationships" xmlns:p="http://schemas.openxmlformats.org/presentationml/2006/main">
   <p:cSld>
     <p:bg>
@@ -19379,7 +20546,7 @@
 </p:sld>
 </file>
 
-<file path=ppt/slides/slide4.xml><?xml version="1.0" encoding="utf-8"?>
+<file path=ppt/slides/slide5.xml><?xml version="1.0" encoding="utf-8"?>
 <p:sld xmlns:a="http://schemas.openxmlformats.org/drawingml/2006/main" xmlns:r="http://schemas.openxmlformats.org/officeDocument/2006/relationships" xmlns:p="http://schemas.openxmlformats.org/presentationml/2006/main">
   <p:cSld>
     <p:bg>
@@ -20273,7 +21440,7 @@
 </p:sld>
 </file>
 
-<file path=ppt/slides/slide5.xml><?xml version="1.0" encoding="utf-8"?>
+<file path=ppt/slides/slide6.xml><?xml version="1.0" encoding="utf-8"?>
 <p:sld xmlns:a="http://schemas.openxmlformats.org/drawingml/2006/main" xmlns:r="http://schemas.openxmlformats.org/officeDocument/2006/relationships" xmlns:p="http://schemas.openxmlformats.org/presentationml/2006/main">
   <p:cSld>
     <p:bg>
@@ -21173,7 +22340,7 @@
 </p:sld>
 </file>
 
-<file path=ppt/slides/slide6.xml><?xml version="1.0" encoding="utf-8"?>
+<file path=ppt/slides/slide7.xml><?xml version="1.0" encoding="utf-8"?>
 <p:sld xmlns:a="http://schemas.openxmlformats.org/drawingml/2006/main" xmlns:r="http://schemas.openxmlformats.org/officeDocument/2006/relationships" xmlns:p="http://schemas.openxmlformats.org/presentationml/2006/main">
   <p:cSld>
     <p:bg>
@@ -22473,7 +23640,7 @@
 </p:sld>
 </file>
 
-<file path=ppt/slides/slide7.xml><?xml version="1.0" encoding="utf-8"?>
+<file path=ppt/slides/slide8.xml><?xml version="1.0" encoding="utf-8"?>
 <p:sld xmlns:a="http://schemas.openxmlformats.org/drawingml/2006/main" xmlns:r="http://schemas.openxmlformats.org/officeDocument/2006/relationships" xmlns:p="http://schemas.openxmlformats.org/presentationml/2006/main">
   <p:cSld>
     <p:bg>
@@ -23285,7 +24452,7 @@
 </p:sld>
 </file>
 
-<file path=ppt/slides/slide8.xml><?xml version="1.0" encoding="utf-8"?>
+<file path=ppt/slides/slide9.xml><?xml version="1.0" encoding="utf-8"?>
 <p:sld xmlns:a="http://schemas.openxmlformats.org/drawingml/2006/main" xmlns:r="http://schemas.openxmlformats.org/officeDocument/2006/relationships" xmlns:p="http://schemas.openxmlformats.org/presentationml/2006/main">
   <p:cSld>
     <p:bg>
@@ -24203,1134 +25370,6 @@
     <p:extLst>
       <p:ext uri="{BB962C8B-B14F-4D97-AF65-F5344CB8AC3E}">
         <p14:creationId xmlns:p14="http://schemas.microsoft.com/office/powerpoint/2010/main" val="4157828716"/>
-      </p:ext>
-    </p:extLst>
-  </p:cSld>
-  <p:clrMapOvr>
-    <a:masterClrMapping/>
-  </p:clrMapOvr>
-</p:sld>
-</file>
-
-<file path=ppt/slides/slide9.xml><?xml version="1.0" encoding="utf-8"?>
-<p:sld xmlns:a="http://schemas.openxmlformats.org/drawingml/2006/main" xmlns:r="http://schemas.openxmlformats.org/officeDocument/2006/relationships" xmlns:p="http://schemas.openxmlformats.org/presentationml/2006/main">
-  <p:cSld>
-    <p:bg>
-      <p:bgPr>
-        <a:solidFill>
-          <a:srgbClr val="FAF3F3"/>
-        </a:solidFill>
-        <a:effectLst/>
-      </p:bgPr>
-    </p:bg>
-    <p:spTree>
-      <p:nvGrpSpPr>
-        <p:cNvPr id="1" name="">
-          <a:extLst>
-            <a:ext uri="{FF2B5EF4-FFF2-40B4-BE49-F238E27FC236}">
-              <a16:creationId xmlns:a16="http://schemas.microsoft.com/office/drawing/2014/main" id="{3072C78B-8A2B-2EA8-47F6-826D00F5FA1C}"/>
-            </a:ext>
-          </a:extLst>
-        </p:cNvPr>
-        <p:cNvGrpSpPr/>
-        <p:nvPr/>
-      </p:nvGrpSpPr>
-      <p:grpSpPr>
-        <a:xfrm>
-          <a:off x="0" y="0"/>
-          <a:ext cx="0" cy="0"/>
-          <a:chOff x="0" y="0"/>
-          <a:chExt cx="0" cy="0"/>
-        </a:xfrm>
-      </p:grpSpPr>
-      <p:sp>
-        <p:nvSpPr>
-          <p:cNvPr id="10" name="Freeform 10">
-            <a:extLst>
-              <a:ext uri="{FF2B5EF4-FFF2-40B4-BE49-F238E27FC236}">
-                <a16:creationId xmlns:a16="http://schemas.microsoft.com/office/drawing/2014/main" id="{37299542-B57B-5707-D050-148B59820659}"/>
-              </a:ext>
-            </a:extLst>
-          </p:cNvPr>
-          <p:cNvSpPr/>
-          <p:nvPr/>
-        </p:nvSpPr>
-        <p:spPr>
-          <a:xfrm rot="-1793077">
-            <a:off x="16486792" y="3748667"/>
-            <a:ext cx="2859370" cy="3981402"/>
-          </a:xfrm>
-          <a:custGeom>
-            <a:avLst/>
-            <a:gdLst/>
-            <a:ahLst/>
-            <a:cxnLst/>
-            <a:rect l="l" t="t" r="r" b="b"/>
-            <a:pathLst>
-              <a:path w="2859370" h="3981402">
-                <a:moveTo>
-                  <a:pt x="0" y="0"/>
-                </a:moveTo>
-                <a:lnTo>
-                  <a:pt x="2859370" y="0"/>
-                </a:lnTo>
-                <a:lnTo>
-                  <a:pt x="2859370" y="3981402"/>
-                </a:lnTo>
-                <a:lnTo>
-                  <a:pt x="0" y="3981402"/>
-                </a:lnTo>
-                <a:lnTo>
-                  <a:pt x="0" y="0"/>
-                </a:lnTo>
-                <a:close/>
-              </a:path>
-            </a:pathLst>
-          </a:custGeom>
-          <a:blipFill>
-            <a:blip r:embed="rId3">
-              <a:extLst>
-                <a:ext uri="{96DAC541-7B7A-43D3-8B79-37D633B846F1}">
-                  <asvg:svgBlip xmlns:asvg="http://schemas.microsoft.com/office/drawing/2016/SVG/main" r:embed="rId4"/>
-                </a:ext>
-              </a:extLst>
-            </a:blip>
-            <a:stretch>
-              <a:fillRect/>
-            </a:stretch>
-          </a:blipFill>
-        </p:spPr>
-        <p:txBody>
-          <a:bodyPr/>
-          <a:lstStyle/>
-          <a:p>
-            <a:endParaRPr lang="es-ES" noProof="0" dirty="0"/>
-          </a:p>
-        </p:txBody>
-      </p:sp>
-      <p:sp>
-        <p:nvSpPr>
-          <p:cNvPr id="12" name="Freeform 12">
-            <a:extLst>
-              <a:ext uri="{FF2B5EF4-FFF2-40B4-BE49-F238E27FC236}">
-                <a16:creationId xmlns:a16="http://schemas.microsoft.com/office/drawing/2014/main" id="{E3C88D38-9E1B-811A-1E5E-137E38134E1F}"/>
-              </a:ext>
-            </a:extLst>
-          </p:cNvPr>
-          <p:cNvSpPr/>
-          <p:nvPr/>
-        </p:nvSpPr>
-        <p:spPr>
-          <a:xfrm rot="-137149">
-            <a:off x="16810138" y="679878"/>
-            <a:ext cx="1402006" cy="1402006"/>
-          </a:xfrm>
-          <a:custGeom>
-            <a:avLst/>
-            <a:gdLst/>
-            <a:ahLst/>
-            <a:cxnLst/>
-            <a:rect l="l" t="t" r="r" b="b"/>
-            <a:pathLst>
-              <a:path w="1402006" h="1402006">
-                <a:moveTo>
-                  <a:pt x="0" y="0"/>
-                </a:moveTo>
-                <a:lnTo>
-                  <a:pt x="1402006" y="0"/>
-                </a:lnTo>
-                <a:lnTo>
-                  <a:pt x="1402006" y="1402006"/>
-                </a:lnTo>
-                <a:lnTo>
-                  <a:pt x="0" y="1402006"/>
-                </a:lnTo>
-                <a:lnTo>
-                  <a:pt x="0" y="0"/>
-                </a:lnTo>
-                <a:close/>
-              </a:path>
-            </a:pathLst>
-          </a:custGeom>
-          <a:blipFill>
-            <a:blip r:embed="rId5">
-              <a:extLst>
-                <a:ext uri="{96DAC541-7B7A-43D3-8B79-37D633B846F1}">
-                  <asvg:svgBlip xmlns:asvg="http://schemas.microsoft.com/office/drawing/2016/SVG/main" r:embed="rId6"/>
-                </a:ext>
-              </a:extLst>
-            </a:blip>
-            <a:stretch>
-              <a:fillRect/>
-            </a:stretch>
-          </a:blipFill>
-        </p:spPr>
-        <p:txBody>
-          <a:bodyPr/>
-          <a:lstStyle/>
-          <a:p>
-            <a:endParaRPr lang="es-ES" noProof="0" dirty="0"/>
-          </a:p>
-        </p:txBody>
-      </p:sp>
-      <p:sp>
-        <p:nvSpPr>
-          <p:cNvPr id="13" name="Freeform 13">
-            <a:extLst>
-              <a:ext uri="{FF2B5EF4-FFF2-40B4-BE49-F238E27FC236}">
-                <a16:creationId xmlns:a16="http://schemas.microsoft.com/office/drawing/2014/main" id="{60804A07-14A5-F7A4-4C62-C13EC67CBA68}"/>
-              </a:ext>
-            </a:extLst>
-          </p:cNvPr>
-          <p:cNvSpPr/>
-          <p:nvPr/>
-        </p:nvSpPr>
-        <p:spPr>
-          <a:xfrm rot="-137149">
-            <a:off x="-322102" y="8874639"/>
-            <a:ext cx="1402006" cy="1402006"/>
-          </a:xfrm>
-          <a:custGeom>
-            <a:avLst/>
-            <a:gdLst/>
-            <a:ahLst/>
-            <a:cxnLst/>
-            <a:rect l="l" t="t" r="r" b="b"/>
-            <a:pathLst>
-              <a:path w="1402006" h="1402006">
-                <a:moveTo>
-                  <a:pt x="0" y="0"/>
-                </a:moveTo>
-                <a:lnTo>
-                  <a:pt x="1402006" y="0"/>
-                </a:lnTo>
-                <a:lnTo>
-                  <a:pt x="1402006" y="1402006"/>
-                </a:lnTo>
-                <a:lnTo>
-                  <a:pt x="0" y="1402006"/>
-                </a:lnTo>
-                <a:lnTo>
-                  <a:pt x="0" y="0"/>
-                </a:lnTo>
-                <a:close/>
-              </a:path>
-            </a:pathLst>
-          </a:custGeom>
-          <a:blipFill>
-            <a:blip r:embed="rId5">
-              <a:extLst>
-                <a:ext uri="{96DAC541-7B7A-43D3-8B79-37D633B846F1}">
-                  <asvg:svgBlip xmlns:asvg="http://schemas.microsoft.com/office/drawing/2016/SVG/main" r:embed="rId6"/>
-                </a:ext>
-              </a:extLst>
-            </a:blip>
-            <a:stretch>
-              <a:fillRect/>
-            </a:stretch>
-          </a:blipFill>
-        </p:spPr>
-        <p:txBody>
-          <a:bodyPr/>
-          <a:lstStyle/>
-          <a:p>
-            <a:endParaRPr lang="es-ES" noProof="0" dirty="0"/>
-          </a:p>
-        </p:txBody>
-      </p:sp>
-      <p:sp>
-        <p:nvSpPr>
-          <p:cNvPr id="40" name="TextBox 40">
-            <a:extLst>
-              <a:ext uri="{FF2B5EF4-FFF2-40B4-BE49-F238E27FC236}">
-                <a16:creationId xmlns:a16="http://schemas.microsoft.com/office/drawing/2014/main" id="{111DAC41-419D-E6F5-A871-BF17E47827E0}"/>
-              </a:ext>
-            </a:extLst>
-          </p:cNvPr>
-          <p:cNvSpPr txBox="1"/>
-          <p:nvPr/>
-        </p:nvSpPr>
-        <p:spPr>
-          <a:xfrm>
-            <a:off x="1750431" y="271715"/>
-            <a:ext cx="14763189" cy="1000851"/>
-          </a:xfrm>
-          <a:prstGeom prst="rect">
-            <a:avLst/>
-          </a:prstGeom>
-        </p:spPr>
-        <p:txBody>
-          <a:bodyPr lIns="0" tIns="0" rIns="0" bIns="0" rtlCol="0" anchor="t">
-            <a:spAutoFit/>
-          </a:bodyPr>
-          <a:lstStyle/>
-          <a:p>
-            <a:pPr algn="ctr">
-              <a:lnSpc>
-                <a:spcPts val="8819"/>
-              </a:lnSpc>
-            </a:pPr>
-            <a:r>
-              <a:rPr lang="es-ES" sz="6300" dirty="0">
-                <a:solidFill>
-                  <a:srgbClr val="222366"/>
-                </a:solidFill>
-                <a:latin typeface="Brick Sans"/>
-                <a:ea typeface="Brick Sans"/>
-                <a:cs typeface="Brick Sans"/>
-                <a:sym typeface="Brick Sans"/>
-              </a:rPr>
-              <a:t>Tratamiento de Datos</a:t>
-            </a:r>
-            <a:endParaRPr lang="es-ES" sz="6300" noProof="0" dirty="0">
-              <a:solidFill>
-                <a:srgbClr val="222366"/>
-              </a:solidFill>
-              <a:latin typeface="Brick Sans"/>
-              <a:ea typeface="Brick Sans"/>
-              <a:cs typeface="Brick Sans"/>
-              <a:sym typeface="Brick Sans"/>
-            </a:endParaRPr>
-          </a:p>
-        </p:txBody>
-      </p:sp>
-      <p:grpSp>
-        <p:nvGrpSpPr>
-          <p:cNvPr id="41" name="Grupo 40">
-            <a:extLst>
-              <a:ext uri="{FF2B5EF4-FFF2-40B4-BE49-F238E27FC236}">
-                <a16:creationId xmlns:a16="http://schemas.microsoft.com/office/drawing/2014/main" id="{AC440CB1-F941-85F8-D7B2-D080DF5378B8}"/>
-              </a:ext>
-            </a:extLst>
-          </p:cNvPr>
-          <p:cNvGrpSpPr/>
-          <p:nvPr/>
-        </p:nvGrpSpPr>
-        <p:grpSpPr>
-          <a:xfrm>
-            <a:off x="585880" y="1829514"/>
-            <a:ext cx="5761060" cy="3542586"/>
-            <a:chOff x="2582198" y="1943100"/>
-            <a:chExt cx="5761060" cy="3542586"/>
-          </a:xfrm>
-        </p:grpSpPr>
-        <p:sp>
-          <p:nvSpPr>
-            <p:cNvPr id="42" name="TextBox 32">
-              <a:extLst>
-                <a:ext uri="{FF2B5EF4-FFF2-40B4-BE49-F238E27FC236}">
-                  <a16:creationId xmlns:a16="http://schemas.microsoft.com/office/drawing/2014/main" id="{443CB964-30E7-51D3-40B6-8A0CE8A89F66}"/>
-                </a:ext>
-              </a:extLst>
-            </p:cNvPr>
-            <p:cNvSpPr txBox="1"/>
-            <p:nvPr/>
-          </p:nvSpPr>
-          <p:spPr>
-            <a:xfrm>
-              <a:off x="2582198" y="2645685"/>
-              <a:ext cx="5761060" cy="2840001"/>
-            </a:xfrm>
-            <a:prstGeom prst="rect">
-              <a:avLst/>
-            </a:prstGeom>
-            <a:solidFill>
-              <a:srgbClr val="E9EAF6"/>
-            </a:solidFill>
-            <a:ln w="19050" cap="sq">
-              <a:solidFill>
-                <a:srgbClr val="414370"/>
-              </a:solidFill>
-              <a:prstDash val="lgDash"/>
-              <a:miter/>
-            </a:ln>
-          </p:spPr>
-          <p:txBody>
-            <a:bodyPr/>
-            <a:lstStyle>
-              <a:defPPr>
-                <a:defRPr lang="en-US"/>
-              </a:defPPr>
-            </a:lstStyle>
-            <a:p>
-              <a:pPr algn="ctr"/>
-              <a:r>
-                <a:rPr lang="es-ES" sz="2499" b="1" dirty="0">
-                  <a:solidFill>
-                    <a:srgbClr val="222366"/>
-                  </a:solidFill>
-                  <a:latin typeface="Public Sans"/>
-                  <a:sym typeface="Public Sans"/>
-                </a:rPr>
-                <a:t>Orphanet</a:t>
-              </a:r>
-              <a:r>
-                <a:rPr lang="es-ES" sz="2499" dirty="0">
-                  <a:solidFill>
-                    <a:srgbClr val="222366"/>
-                  </a:solidFill>
-                  <a:latin typeface="Public Sans"/>
-                  <a:sym typeface="Public Sans"/>
-                </a:rPr>
-                <a:t> es una base de datos online de acceso libre dedicada a las </a:t>
-              </a:r>
-              <a:r>
-                <a:rPr lang="es-ES" sz="2499" b="1" dirty="0">
-                  <a:solidFill>
-                    <a:srgbClr val="222366"/>
-                  </a:solidFill>
-                  <a:latin typeface="Public Sans"/>
-                  <a:sym typeface="Public Sans"/>
-                </a:rPr>
-                <a:t>enfermedades raras </a:t>
-              </a:r>
-              <a:r>
-                <a:rPr lang="es-ES" sz="2499" dirty="0">
-                  <a:solidFill>
-                    <a:srgbClr val="222366"/>
-                  </a:solidFill>
-                  <a:latin typeface="Public Sans"/>
-                  <a:sym typeface="Public Sans"/>
-                </a:rPr>
-                <a:t>y los </a:t>
-              </a:r>
-              <a:r>
-                <a:rPr lang="es-ES" sz="2499" b="1" dirty="0">
-                  <a:solidFill>
-                    <a:srgbClr val="222366"/>
-                  </a:solidFill>
-                  <a:latin typeface="Public Sans"/>
-                  <a:sym typeface="Public Sans"/>
-                </a:rPr>
-                <a:t>medicamentos huérfanos</a:t>
-              </a:r>
-              <a:r>
-                <a:rPr lang="es-ES" sz="2499" dirty="0">
-                  <a:solidFill>
-                    <a:srgbClr val="222366"/>
-                  </a:solidFill>
-                  <a:latin typeface="Public Sans"/>
-                  <a:sym typeface="Public Sans"/>
-                </a:rPr>
-                <a:t>.</a:t>
-              </a:r>
-            </a:p>
-            <a:p>
-              <a:pPr algn="ctr"/>
-              <a:r>
-                <a:rPr lang="es-ES" sz="2499" b="1" dirty="0">
-                  <a:solidFill>
-                    <a:srgbClr val="222366"/>
-                  </a:solidFill>
-                  <a:latin typeface="Public Sans"/>
-                  <a:sym typeface="Public Sans"/>
-                </a:rPr>
-                <a:t>Orphadata</a:t>
-              </a:r>
-              <a:r>
-                <a:rPr lang="es-ES" sz="2499" dirty="0">
-                  <a:solidFill>
-                    <a:srgbClr val="222366"/>
-                  </a:solidFill>
-                  <a:latin typeface="Public Sans"/>
-                  <a:sym typeface="Public Sans"/>
-                </a:rPr>
-                <a:t> es una plataforma que proporciona datos a la comunidad científica.</a:t>
-              </a:r>
-            </a:p>
-          </p:txBody>
-        </p:sp>
-        <p:grpSp>
-          <p:nvGrpSpPr>
-            <p:cNvPr id="43" name="Grupo 42">
-              <a:extLst>
-                <a:ext uri="{FF2B5EF4-FFF2-40B4-BE49-F238E27FC236}">
-                  <a16:creationId xmlns:a16="http://schemas.microsoft.com/office/drawing/2014/main" id="{77435A0B-0DE1-90FD-618F-FA697DA94D63}"/>
-                </a:ext>
-              </a:extLst>
-            </p:cNvPr>
-            <p:cNvGrpSpPr/>
-            <p:nvPr/>
-          </p:nvGrpSpPr>
-          <p:grpSpPr>
-            <a:xfrm>
-              <a:off x="3065636" y="1943100"/>
-              <a:ext cx="4794184" cy="639381"/>
-              <a:chOff x="3065636" y="1943100"/>
-              <a:chExt cx="4794184" cy="639381"/>
-            </a:xfrm>
-          </p:grpSpPr>
-          <p:grpSp>
-            <p:nvGrpSpPr>
-              <p:cNvPr id="44" name="Group 20">
-                <a:extLst>
-                  <a:ext uri="{FF2B5EF4-FFF2-40B4-BE49-F238E27FC236}">
-                    <a16:creationId xmlns:a16="http://schemas.microsoft.com/office/drawing/2014/main" id="{5B2B1F82-FE31-BB38-672B-BEE8601CCDF3}"/>
-                  </a:ext>
-                </a:extLst>
-              </p:cNvPr>
-              <p:cNvGrpSpPr/>
-              <p:nvPr/>
-            </p:nvGrpSpPr>
-            <p:grpSpPr>
-              <a:xfrm>
-                <a:off x="3065636" y="1943100"/>
-                <a:ext cx="4794184" cy="639381"/>
-                <a:chOff x="0" y="0"/>
-                <a:chExt cx="2860316" cy="381469"/>
-              </a:xfrm>
-            </p:grpSpPr>
-            <p:sp>
-              <p:nvSpPr>
-                <p:cNvPr id="46" name="Freeform 21">
-                  <a:extLst>
-                    <a:ext uri="{FF2B5EF4-FFF2-40B4-BE49-F238E27FC236}">
-                      <a16:creationId xmlns:a16="http://schemas.microsoft.com/office/drawing/2014/main" id="{536F0890-BEE5-D8A5-5E0D-9C9237922CE4}"/>
-                    </a:ext>
-                  </a:extLst>
-                </p:cNvPr>
-                <p:cNvSpPr/>
-                <p:nvPr/>
-              </p:nvSpPr>
-              <p:spPr>
-                <a:xfrm>
-                  <a:off x="0" y="0"/>
-                  <a:ext cx="2860316" cy="381469"/>
-                </a:xfrm>
-                <a:custGeom>
-                  <a:avLst/>
-                  <a:gdLst/>
-                  <a:ahLst/>
-                  <a:cxnLst/>
-                  <a:rect l="l" t="t" r="r" b="b"/>
-                  <a:pathLst>
-                    <a:path w="2860316" h="381469">
-                      <a:moveTo>
-                        <a:pt x="2657116" y="0"/>
-                      </a:moveTo>
-                      <a:cubicBezTo>
-                        <a:pt x="2769341" y="0"/>
-                        <a:pt x="2860316" y="85395"/>
-                        <a:pt x="2860316" y="190734"/>
-                      </a:cubicBezTo>
-                      <a:cubicBezTo>
-                        <a:pt x="2860316" y="296074"/>
-                        <a:pt x="2769341" y="381469"/>
-                        <a:pt x="2657116" y="381469"/>
-                      </a:cubicBezTo>
-                      <a:lnTo>
-                        <a:pt x="203200" y="381469"/>
-                      </a:lnTo>
-                      <a:cubicBezTo>
-                        <a:pt x="90976" y="381469"/>
-                        <a:pt x="0" y="296074"/>
-                        <a:pt x="0" y="190734"/>
-                      </a:cubicBezTo>
-                      <a:cubicBezTo>
-                        <a:pt x="0" y="85395"/>
-                        <a:pt x="90976" y="0"/>
-                        <a:pt x="203200" y="0"/>
-                      </a:cubicBezTo>
-                      <a:close/>
-                    </a:path>
-                  </a:pathLst>
-                </a:custGeom>
-                <a:solidFill>
-                  <a:srgbClr val="BDD2EA"/>
-                </a:solidFill>
-              </p:spPr>
-              <p:txBody>
-                <a:bodyPr/>
-                <a:lstStyle/>
-                <a:p>
-                  <a:endParaRPr lang="es-ES" noProof="0" dirty="0"/>
-                </a:p>
-              </p:txBody>
-            </p:sp>
-            <p:sp>
-              <p:nvSpPr>
-                <p:cNvPr id="47" name="TextBox 22">
-                  <a:extLst>
-                    <a:ext uri="{FF2B5EF4-FFF2-40B4-BE49-F238E27FC236}">
-                      <a16:creationId xmlns:a16="http://schemas.microsoft.com/office/drawing/2014/main" id="{C60CDA31-537B-41D6-ABC3-07F9E4EA153C}"/>
-                    </a:ext>
-                  </a:extLst>
-                </p:cNvPr>
-                <p:cNvSpPr txBox="1"/>
-                <p:nvPr/>
-              </p:nvSpPr>
-              <p:spPr>
-                <a:xfrm>
-                  <a:off x="0" y="-38100"/>
-                  <a:ext cx="2860316" cy="419569"/>
-                </a:xfrm>
-                <a:prstGeom prst="rect">
-                  <a:avLst/>
-                </a:prstGeom>
-              </p:spPr>
-              <p:txBody>
-                <a:bodyPr lIns="50800" tIns="50800" rIns="50800" bIns="50800" rtlCol="0" anchor="ctr"/>
-                <a:lstStyle/>
-                <a:p>
-                  <a:pPr algn="ctr">
-                    <a:lnSpc>
-                      <a:spcPts val="2659"/>
-                    </a:lnSpc>
-                  </a:pPr>
-                  <a:endParaRPr lang="es-ES" noProof="0" dirty="0"/>
-                </a:p>
-              </p:txBody>
-            </p:sp>
-          </p:grpSp>
-          <p:sp>
-            <p:nvSpPr>
-              <p:cNvPr id="45" name="TextBox 38">
-                <a:extLst>
-                  <a:ext uri="{FF2B5EF4-FFF2-40B4-BE49-F238E27FC236}">
-                    <a16:creationId xmlns:a16="http://schemas.microsoft.com/office/drawing/2014/main" id="{289F1136-6085-794F-CD13-4ECC3670A1FD}"/>
-                  </a:ext>
-                </a:extLst>
-              </p:cNvPr>
-              <p:cNvSpPr txBox="1"/>
-              <p:nvPr/>
-            </p:nvSpPr>
-            <p:spPr>
-              <a:xfrm>
-                <a:off x="3205543" y="2018874"/>
-                <a:ext cx="4514368" cy="457626"/>
-              </a:xfrm>
-              <a:prstGeom prst="rect">
-                <a:avLst/>
-              </a:prstGeom>
-            </p:spPr>
-            <p:txBody>
-              <a:bodyPr lIns="0" tIns="0" rIns="0" bIns="0" rtlCol="0" anchor="t">
-                <a:spAutoFit/>
-              </a:bodyPr>
-              <a:lstStyle/>
-              <a:p>
-                <a:pPr algn="ctr">
-                  <a:lnSpc>
-                    <a:spcPts val="3919"/>
-                  </a:lnSpc>
-                </a:pPr>
-                <a:r>
-                  <a:rPr lang="es-ES" sz="2799" b="1" noProof="0" dirty="0">
-                    <a:solidFill>
-                      <a:srgbClr val="222366"/>
-                    </a:solidFill>
-                    <a:latin typeface="Public Sans Bold"/>
-                    <a:ea typeface="Public Sans Bold"/>
-                    <a:cs typeface="Public Sans Bold"/>
-                    <a:sym typeface="Public Sans Bold"/>
-                  </a:rPr>
-                  <a:t>API Orphadata</a:t>
-                </a:r>
-              </a:p>
-            </p:txBody>
-          </p:sp>
-        </p:grpSp>
-      </p:grpSp>
-      <p:pic>
-        <p:nvPicPr>
-          <p:cNvPr id="4" name="Imagen 3">
-            <a:extLst>
-              <a:ext uri="{FF2B5EF4-FFF2-40B4-BE49-F238E27FC236}">
-                <a16:creationId xmlns:a16="http://schemas.microsoft.com/office/drawing/2014/main" id="{FAF562FF-90BB-5C17-FA9F-F4479713E2E0}"/>
-              </a:ext>
-            </a:extLst>
-          </p:cNvPr>
-          <p:cNvPicPr>
-            <a:picLocks noChangeAspect="1"/>
-          </p:cNvPicPr>
-          <p:nvPr/>
-        </p:nvPicPr>
-        <p:blipFill>
-          <a:blip r:embed="rId7"/>
-          <a:stretch>
-            <a:fillRect/>
-          </a:stretch>
-        </p:blipFill>
-        <p:spPr>
-          <a:xfrm>
-            <a:off x="585880" y="5770462"/>
-            <a:ext cx="5761060" cy="4021238"/>
-          </a:xfrm>
-          <a:prstGeom prst="rect">
-            <a:avLst/>
-          </a:prstGeom>
-        </p:spPr>
-      </p:pic>
-      <p:sp>
-        <p:nvSpPr>
-          <p:cNvPr id="7" name="CuadroTexto 6">
-            <a:extLst>
-              <a:ext uri="{FF2B5EF4-FFF2-40B4-BE49-F238E27FC236}">
-                <a16:creationId xmlns:a16="http://schemas.microsoft.com/office/drawing/2014/main" id="{CD8D8D58-DCDF-4BCC-1679-28729308ED8A}"/>
-              </a:ext>
-            </a:extLst>
-          </p:cNvPr>
-          <p:cNvSpPr txBox="1"/>
-          <p:nvPr/>
-        </p:nvSpPr>
-        <p:spPr>
-          <a:xfrm>
-            <a:off x="17068800" y="9791700"/>
-            <a:ext cx="1219200" cy="369332"/>
-          </a:xfrm>
-          <a:prstGeom prst="rect">
-            <a:avLst/>
-          </a:prstGeom>
-          <a:noFill/>
-        </p:spPr>
-        <p:txBody>
-          <a:bodyPr wrap="square" rtlCol="0">
-            <a:spAutoFit/>
-          </a:bodyPr>
-          <a:lstStyle/>
-          <a:p>
-            <a:pPr algn="ctr"/>
-            <a:r>
-              <a:rPr lang="es-ES" dirty="0"/>
-              <a:t>- 7 -</a:t>
-            </a:r>
-          </a:p>
-        </p:txBody>
-      </p:sp>
-      <p:grpSp>
-        <p:nvGrpSpPr>
-          <p:cNvPr id="8" name="Grupo 7">
-            <a:extLst>
-              <a:ext uri="{FF2B5EF4-FFF2-40B4-BE49-F238E27FC236}">
-                <a16:creationId xmlns:a16="http://schemas.microsoft.com/office/drawing/2014/main" id="{620F3DF7-7941-A7E6-F1CC-A3EC630EA1B7}"/>
-              </a:ext>
-            </a:extLst>
-          </p:cNvPr>
-          <p:cNvGrpSpPr/>
-          <p:nvPr/>
-        </p:nvGrpSpPr>
-        <p:grpSpPr>
-          <a:xfrm>
-            <a:off x="7617897" y="1714500"/>
-            <a:ext cx="8628465" cy="6068430"/>
-            <a:chOff x="7617897" y="2109285"/>
-            <a:chExt cx="8628465" cy="6068430"/>
-          </a:xfrm>
-        </p:grpSpPr>
-        <p:pic>
-          <p:nvPicPr>
-            <p:cNvPr id="6" name="Imagen 5" descr="Interfaz de usuario gráfica, Diagrama&#10;&#10;El contenido generado por IA puede ser incorrecto.">
-              <a:extLst>
-                <a:ext uri="{FF2B5EF4-FFF2-40B4-BE49-F238E27FC236}">
-                  <a16:creationId xmlns:a16="http://schemas.microsoft.com/office/drawing/2014/main" id="{D19A6B8A-9BCF-B69D-DAF0-54E5A56C8E06}"/>
-                </a:ext>
-              </a:extLst>
-            </p:cNvPr>
-            <p:cNvPicPr>
-              <a:picLocks noChangeAspect="1"/>
-            </p:cNvPicPr>
-            <p:nvPr/>
-          </p:nvPicPr>
-          <p:blipFill>
-            <a:blip r:embed="rId8">
-              <a:extLst>
-                <a:ext uri="{28A0092B-C50C-407E-A947-70E740481C1C}">
-                  <a14:useLocalDpi xmlns:a14="http://schemas.microsoft.com/office/drawing/2010/main" val="0"/>
-                </a:ext>
-              </a:extLst>
-            </a:blip>
-            <a:stretch>
-              <a:fillRect/>
-            </a:stretch>
-          </p:blipFill>
-          <p:spPr>
-            <a:xfrm>
-              <a:off x="7635762" y="2196015"/>
-              <a:ext cx="8610600" cy="5981700"/>
-            </a:xfrm>
-            <a:prstGeom prst="rect">
-              <a:avLst/>
-            </a:prstGeom>
-          </p:spPr>
-        </p:pic>
-        <p:sp>
-          <p:nvSpPr>
-            <p:cNvPr id="2" name="Rectángulo 1">
-              <a:extLst>
-                <a:ext uri="{FF2B5EF4-FFF2-40B4-BE49-F238E27FC236}">
-                  <a16:creationId xmlns:a16="http://schemas.microsoft.com/office/drawing/2014/main" id="{2FD1A804-E93C-602C-E65A-A0C67E844969}"/>
-                </a:ext>
-              </a:extLst>
-            </p:cNvPr>
-            <p:cNvSpPr/>
-            <p:nvPr/>
-          </p:nvSpPr>
-          <p:spPr>
-            <a:xfrm>
-              <a:off x="7617897" y="5981700"/>
-              <a:ext cx="4165549" cy="1646981"/>
-            </a:xfrm>
-            <a:prstGeom prst="rect">
-              <a:avLst/>
-            </a:prstGeom>
-            <a:noFill/>
-            <a:ln>
-              <a:solidFill>
-                <a:srgbClr val="EE702D"/>
-              </a:solidFill>
-              <a:prstDash val="lgDash"/>
-            </a:ln>
-            <a:effectLst>
-              <a:outerShdw blurRad="50800" dist="38100" dir="16200000" rotWithShape="0">
-                <a:prstClr val="black">
-                  <a:alpha val="40000"/>
-                </a:prstClr>
-              </a:outerShdw>
-            </a:effectLst>
-          </p:spPr>
-          <p:style>
-            <a:lnRef idx="2">
-              <a:schemeClr val="accent1">
-                <a:shade val="15000"/>
-              </a:schemeClr>
-            </a:lnRef>
-            <a:fillRef idx="1">
-              <a:schemeClr val="accent1"/>
-            </a:fillRef>
-            <a:effectRef idx="0">
-              <a:schemeClr val="accent1"/>
-            </a:effectRef>
-            <a:fontRef idx="minor">
-              <a:schemeClr val="lt1"/>
-            </a:fontRef>
-          </p:style>
-          <p:txBody>
-            <a:bodyPr rtlCol="0" anchor="ctr"/>
-            <a:lstStyle/>
-            <a:p>
-              <a:pPr algn="ctr"/>
-              <a:endParaRPr lang="es-ES"/>
-            </a:p>
-          </p:txBody>
-        </p:sp>
-        <p:sp>
-          <p:nvSpPr>
-            <p:cNvPr id="3" name="Rectángulo 2">
-              <a:extLst>
-                <a:ext uri="{FF2B5EF4-FFF2-40B4-BE49-F238E27FC236}">
-                  <a16:creationId xmlns:a16="http://schemas.microsoft.com/office/drawing/2014/main" id="{5FE02242-D265-ACC5-E4B6-1BF8E438B68A}"/>
-                </a:ext>
-              </a:extLst>
-            </p:cNvPr>
-            <p:cNvSpPr/>
-            <p:nvPr/>
-          </p:nvSpPr>
-          <p:spPr>
-            <a:xfrm>
-              <a:off x="9728061" y="2109285"/>
-              <a:ext cx="4165549" cy="2074557"/>
-            </a:xfrm>
-            <a:prstGeom prst="rect">
-              <a:avLst/>
-            </a:prstGeom>
-            <a:noFill/>
-            <a:ln>
-              <a:solidFill>
-                <a:srgbClr val="EE702D"/>
-              </a:solidFill>
-              <a:prstDash val="lgDash"/>
-            </a:ln>
-            <a:effectLst>
-              <a:outerShdw blurRad="50800" dist="38100" dir="16200000" rotWithShape="0">
-                <a:prstClr val="black">
-                  <a:alpha val="40000"/>
-                </a:prstClr>
-              </a:outerShdw>
-            </a:effectLst>
-          </p:spPr>
-          <p:style>
-            <a:lnRef idx="2">
-              <a:schemeClr val="accent1">
-                <a:shade val="15000"/>
-              </a:schemeClr>
-            </a:lnRef>
-            <a:fillRef idx="1">
-              <a:schemeClr val="accent1"/>
-            </a:fillRef>
-            <a:effectRef idx="0">
-              <a:schemeClr val="accent1"/>
-            </a:effectRef>
-            <a:fontRef idx="minor">
-              <a:schemeClr val="lt1"/>
-            </a:fontRef>
-          </p:style>
-          <p:txBody>
-            <a:bodyPr rtlCol="0" anchor="ctr"/>
-            <a:lstStyle/>
-            <a:p>
-              <a:pPr algn="ctr"/>
-              <a:endParaRPr lang="es-ES"/>
-            </a:p>
-          </p:txBody>
-        </p:sp>
-        <p:sp>
-          <p:nvSpPr>
-            <p:cNvPr id="5" name="Rectángulo 4">
-              <a:extLst>
-                <a:ext uri="{FF2B5EF4-FFF2-40B4-BE49-F238E27FC236}">
-                  <a16:creationId xmlns:a16="http://schemas.microsoft.com/office/drawing/2014/main" id="{61538F9E-6DC1-A909-CDD6-70BB022103E1}"/>
-                </a:ext>
-              </a:extLst>
-            </p:cNvPr>
-            <p:cNvSpPr/>
-            <p:nvPr/>
-          </p:nvSpPr>
-          <p:spPr>
-            <a:xfrm>
-              <a:off x="10447749" y="4714958"/>
-              <a:ext cx="2506802" cy="1314284"/>
-            </a:xfrm>
-            <a:prstGeom prst="rect">
-              <a:avLst/>
-            </a:prstGeom>
-            <a:noFill/>
-            <a:ln>
-              <a:solidFill>
-                <a:srgbClr val="EE702D"/>
-              </a:solidFill>
-              <a:prstDash val="lgDash"/>
-            </a:ln>
-            <a:effectLst>
-              <a:outerShdw blurRad="50800" dist="38100" dir="16200000" rotWithShape="0">
-                <a:prstClr val="black">
-                  <a:alpha val="40000"/>
-                </a:prstClr>
-              </a:outerShdw>
-            </a:effectLst>
-          </p:spPr>
-          <p:style>
-            <a:lnRef idx="2">
-              <a:schemeClr val="accent1">
-                <a:shade val="15000"/>
-              </a:schemeClr>
-            </a:lnRef>
-            <a:fillRef idx="1">
-              <a:schemeClr val="accent1"/>
-            </a:fillRef>
-            <a:effectRef idx="0">
-              <a:schemeClr val="accent1"/>
-            </a:effectRef>
-            <a:fontRef idx="minor">
-              <a:schemeClr val="lt1"/>
-            </a:fontRef>
-          </p:style>
-          <p:txBody>
-            <a:bodyPr rtlCol="0" anchor="ctr"/>
-            <a:lstStyle/>
-            <a:p>
-              <a:pPr algn="ctr"/>
-              <a:endParaRPr lang="es-ES"/>
-            </a:p>
-          </p:txBody>
-        </p:sp>
-      </p:grpSp>
-      <p:sp>
-        <p:nvSpPr>
-          <p:cNvPr id="9" name="TextBox 23">
-            <a:extLst>
-              <a:ext uri="{FF2B5EF4-FFF2-40B4-BE49-F238E27FC236}">
-                <a16:creationId xmlns:a16="http://schemas.microsoft.com/office/drawing/2014/main" id="{4FD63C43-1D81-4E5C-3ADC-3DA106FC82BD}"/>
-              </a:ext>
-            </a:extLst>
-          </p:cNvPr>
-          <p:cNvSpPr txBox="1"/>
-          <p:nvPr/>
-        </p:nvSpPr>
-        <p:spPr>
-          <a:xfrm>
-            <a:off x="7808398" y="8191500"/>
-            <a:ext cx="8610599" cy="1790170"/>
-          </a:xfrm>
-          <a:prstGeom prst="rect">
-            <a:avLst/>
-          </a:prstGeom>
-        </p:spPr>
-        <p:txBody>
-          <a:bodyPr wrap="square" lIns="0" tIns="0" rIns="0" bIns="0" rtlCol="0" anchor="t">
-            <a:spAutoFit/>
-          </a:bodyPr>
-          <a:lstStyle/>
-          <a:p>
-            <a:pPr marL="342900" indent="-342900">
-              <a:lnSpc>
-                <a:spcPct val="150000"/>
-              </a:lnSpc>
-              <a:buFont typeface="Wingdings" panose="05000000000000000000" pitchFamily="2" charset="2"/>
-              <a:buChar char="§"/>
-            </a:pPr>
-            <a:r>
-              <a:rPr lang="es-ES" sz="2000" dirty="0" err="1">
-                <a:solidFill>
-                  <a:srgbClr val="222366"/>
-                </a:solidFill>
-                <a:latin typeface="Public Sans"/>
-                <a:ea typeface="Public Sans"/>
-                <a:cs typeface="Public Sans"/>
-                <a:sym typeface="Public Sans"/>
-              </a:rPr>
-              <a:t>Requests</a:t>
-            </a:r>
-            <a:r>
-              <a:rPr lang="es-ES" sz="2000" dirty="0">
-                <a:solidFill>
-                  <a:srgbClr val="222366"/>
-                </a:solidFill>
-                <a:latin typeface="Public Sans"/>
-                <a:ea typeface="Public Sans"/>
-                <a:cs typeface="Public Sans"/>
-                <a:sym typeface="Public Sans"/>
-              </a:rPr>
-              <a:t> para acceder a la API (formato JSON).</a:t>
-            </a:r>
-          </a:p>
-          <a:p>
-            <a:pPr marL="342900" indent="-342900">
-              <a:lnSpc>
-                <a:spcPct val="150000"/>
-              </a:lnSpc>
-              <a:buFont typeface="Wingdings" panose="05000000000000000000" pitchFamily="2" charset="2"/>
-              <a:buChar char="§"/>
-            </a:pPr>
-            <a:r>
-              <a:rPr lang="es-ES" sz="2000" dirty="0">
-                <a:solidFill>
-                  <a:srgbClr val="222366"/>
-                </a:solidFill>
-                <a:latin typeface="Public Sans"/>
-                <a:ea typeface="Public Sans"/>
-                <a:cs typeface="Public Sans"/>
-                <a:sym typeface="Public Sans"/>
-              </a:rPr>
-              <a:t>Reestructuración de tablas.</a:t>
-            </a:r>
-          </a:p>
-          <a:p>
-            <a:pPr marL="342900" indent="-342900">
-              <a:lnSpc>
-                <a:spcPct val="150000"/>
-              </a:lnSpc>
-              <a:buFont typeface="Wingdings" panose="05000000000000000000" pitchFamily="2" charset="2"/>
-              <a:buChar char="§"/>
-            </a:pPr>
-            <a:r>
-              <a:rPr lang="es-ES" sz="2000" noProof="0" dirty="0">
-                <a:solidFill>
-                  <a:srgbClr val="222366"/>
-                </a:solidFill>
-                <a:latin typeface="Public Sans"/>
-                <a:ea typeface="Public Sans"/>
-                <a:cs typeface="Public Sans"/>
-                <a:sym typeface="Public Sans"/>
-              </a:rPr>
-              <a:t>Limpieza de datos.</a:t>
-            </a:r>
-          </a:p>
-          <a:p>
-            <a:pPr marL="342900" indent="-342900">
-              <a:lnSpc>
-                <a:spcPct val="150000"/>
-              </a:lnSpc>
-              <a:buFont typeface="Wingdings" panose="05000000000000000000" pitchFamily="2" charset="2"/>
-              <a:buChar char="§"/>
-            </a:pPr>
-            <a:r>
-              <a:rPr lang="es-ES" sz="2000" dirty="0">
-                <a:solidFill>
-                  <a:srgbClr val="222366"/>
-                </a:solidFill>
-                <a:latin typeface="Public Sans"/>
-                <a:ea typeface="Public Sans"/>
-                <a:cs typeface="Public Sans"/>
-                <a:sym typeface="Public Sans"/>
-              </a:rPr>
-              <a:t>Tablas utilizadas: </a:t>
-            </a:r>
-            <a:r>
-              <a:rPr lang="es-ES" sz="2000" b="1" dirty="0">
-                <a:solidFill>
-                  <a:srgbClr val="222366"/>
-                </a:solidFill>
-                <a:latin typeface="Public Sans"/>
-                <a:ea typeface="Public Sans"/>
-                <a:cs typeface="Public Sans"/>
-                <a:sym typeface="Public Sans"/>
-              </a:rPr>
-              <a:t>ENFERMEDADES</a:t>
-            </a:r>
-            <a:r>
-              <a:rPr lang="es-ES" sz="2000" dirty="0">
-                <a:solidFill>
-                  <a:srgbClr val="222366"/>
-                </a:solidFill>
-                <a:latin typeface="Public Sans"/>
-                <a:ea typeface="Public Sans"/>
-                <a:cs typeface="Public Sans"/>
-                <a:sym typeface="Public Sans"/>
-              </a:rPr>
-              <a:t>, </a:t>
-            </a:r>
-            <a:r>
-              <a:rPr lang="es-ES" sz="2000" b="1" dirty="0">
-                <a:solidFill>
-                  <a:srgbClr val="222366"/>
-                </a:solidFill>
-                <a:latin typeface="Public Sans"/>
-                <a:ea typeface="Public Sans"/>
-                <a:cs typeface="Public Sans"/>
-                <a:sym typeface="Public Sans"/>
-              </a:rPr>
-              <a:t>GENES</a:t>
-            </a:r>
-            <a:r>
-              <a:rPr lang="es-ES" sz="2000" dirty="0">
-                <a:solidFill>
-                  <a:srgbClr val="222366"/>
-                </a:solidFill>
-                <a:latin typeface="Public Sans"/>
-                <a:ea typeface="Public Sans"/>
-                <a:cs typeface="Public Sans"/>
-                <a:sym typeface="Public Sans"/>
-              </a:rPr>
-              <a:t> y </a:t>
-            </a:r>
-            <a:r>
-              <a:rPr lang="es-ES" sz="2000" b="1" dirty="0">
-                <a:solidFill>
-                  <a:srgbClr val="222366"/>
-                </a:solidFill>
-                <a:latin typeface="Public Sans"/>
-                <a:ea typeface="Public Sans"/>
-                <a:cs typeface="Public Sans"/>
-                <a:sym typeface="Public Sans"/>
-              </a:rPr>
-              <a:t>FENOTIPOS.</a:t>
-            </a:r>
-            <a:endParaRPr lang="es-ES" sz="2000" b="1" noProof="0" dirty="0">
-              <a:solidFill>
-                <a:srgbClr val="222366"/>
-              </a:solidFill>
-              <a:latin typeface="Public Sans"/>
-              <a:ea typeface="Public Sans"/>
-              <a:cs typeface="Public Sans"/>
-              <a:sym typeface="Public Sans"/>
-            </a:endParaRPr>
-          </a:p>
-        </p:txBody>
-      </p:sp>
-    </p:spTree>
-    <p:extLst>
-      <p:ext uri="{BB962C8B-B14F-4D97-AF65-F5344CB8AC3E}">
-        <p14:creationId xmlns:p14="http://schemas.microsoft.com/office/powerpoint/2010/main" val="2924135905"/>
       </p:ext>
     </p:extLst>
   </p:cSld>

--- a/Sprint 10 - Pràctica final/Presentación - Enfermedades raras.pptx
+++ b/Sprint 10 - Pràctica final/Presentación - Enfermedades raras.pptx
@@ -168,6 +168,39 @@
     </p:ext>
   </p:extLst>
 </p:presentation>
+</file>
+
+<file path=ppt/authors.xml><?xml version="1.0" encoding="utf-8"?>
+<p188:authorLst xmlns:a="http://schemas.openxmlformats.org/drawingml/2006/main" xmlns:r="http://schemas.openxmlformats.org/officeDocument/2006/relationships" xmlns:p188="http://schemas.microsoft.com/office/powerpoint/2018/8/main">
+  <p188:author id="{CDB9A0A6-B934-FF8E-20FB-2D7ED54E9185}" name="María Uriburu Gray" initials="MU" userId="530693e6e9eda1da" providerId="Windows Live"/>
+</p188:authorLst>
+</file>
+
+<file path=ppt/comments/modernComment_113_FA2EE0D8.xml><?xml version="1.0" encoding="utf-8"?>
+<p188:cmLst xmlns:a="http://schemas.openxmlformats.org/drawingml/2006/main" xmlns:r="http://schemas.openxmlformats.org/officeDocument/2006/relationships" xmlns:p188="http://schemas.microsoft.com/office/powerpoint/2018/8/main">
+  <p188:cm id="{D2E5FF93-CF2D-479E-85B5-6DCEF55E1214}" authorId="{CDB9A0A6-B934-FF8E-20FB-2D7ED54E9185}" created="2025-04-22T11:42:07.322">
+    <ac:txMkLst xmlns:ac="http://schemas.microsoft.com/office/drawing/2013/main/command">
+      <pc:docMk xmlns:pc="http://schemas.microsoft.com/office/powerpoint/2013/main/command"/>
+      <pc:sldMk xmlns:pc="http://schemas.microsoft.com/office/powerpoint/2013/main/command" cId="4197376216" sldId="275"/>
+      <ac:spMk id="22" creationId="{0E8EEB9D-0167-7903-9AC6-D53235A61CEE}"/>
+      <ac:txMk cp="0" len="47">
+        <ac:context len="48" hash="97283501"/>
+      </ac:txMk>
+    </ac:txMkLst>
+    <p188:pos x="10803467" y="409853"/>
+    <p188:txBody>
+      <a:bodyPr/>
+      <a:lstStyle/>
+      <a:p>
+        <a:r>
+          <a:rPr lang="es-ES"/>
+          <a:t>COVID 19.
+Buscar datos para ver si es la razón de que la prevalencia sea muy baja en 2020.</a:t>
+        </a:r>
+      </a:p>
+    </p188:txBody>
+  </p188:cm>
+</p188:cmLst>
 </file>
 
 <file path=ppt/diagrams/colors1.xml><?xml version="1.0" encoding="utf-8"?>
@@ -14477,10 +14510,10 @@
             </a:pathLst>
           </a:custGeom>
           <a:blipFill>
-            <a:blip r:embed="rId2">
+            <a:blip r:embed="rId3">
               <a:extLst>
                 <a:ext uri="{96DAC541-7B7A-43D3-8B79-37D633B846F1}">
-                  <asvg:svgBlip xmlns:asvg="http://schemas.microsoft.com/office/drawing/2016/SVG/main" r:embed="rId3"/>
+                  <asvg:svgBlip xmlns:asvg="http://schemas.microsoft.com/office/drawing/2016/SVG/main" r:embed="rId4"/>
                 </a:ext>
               </a:extLst>
             </a:blip>
@@ -14542,10 +14575,10 @@
             </a:pathLst>
           </a:custGeom>
           <a:blipFill>
-            <a:blip r:embed="rId2">
+            <a:blip r:embed="rId3">
               <a:extLst>
                 <a:ext uri="{96DAC541-7B7A-43D3-8B79-37D633B846F1}">
-                  <asvg:svgBlip xmlns:asvg="http://schemas.microsoft.com/office/drawing/2016/SVG/main" r:embed="rId3"/>
+                  <asvg:svgBlip xmlns:asvg="http://schemas.microsoft.com/office/drawing/2016/SVG/main" r:embed="rId4"/>
                 </a:ext>
               </a:extLst>
             </a:blip>
@@ -14888,7 +14921,7 @@
             <p:nvPr/>
           </p:nvPicPr>
           <p:blipFill>
-            <a:blip r:embed="rId4">
+            <a:blip r:embed="rId5">
               <a:extLst>
                 <a:ext uri="{28A0092B-C50C-407E-A947-70E740481C1C}">
                   <a14:useLocalDpi xmlns:a14="http://schemas.microsoft.com/office/drawing/2010/main" val="0"/>
@@ -14924,7 +14957,7 @@
             <p:nvPr/>
           </p:nvPicPr>
           <p:blipFill>
-            <a:blip r:embed="rId5">
+            <a:blip r:embed="rId6">
               <a:extLst>
                 <a:ext uri="{28A0092B-C50C-407E-A947-70E740481C1C}">
                   <a14:useLocalDpi xmlns:a14="http://schemas.microsoft.com/office/drawing/2010/main" val="0"/>
@@ -14961,7 +14994,7 @@
           <p:nvPr/>
         </p:nvPicPr>
         <p:blipFill>
-          <a:blip r:embed="rId6">
+          <a:blip r:embed="rId7">
             <a:extLst>
               <a:ext uri="{28A0092B-C50C-407E-A947-70E740481C1C}">
                 <a14:useLocalDpi xmlns:a14="http://schemas.microsoft.com/office/drawing/2010/main" val="0"/>
@@ -14992,6 +15025,11 @@
   <p:clrMapOvr>
     <a:masterClrMapping/>
   </p:clrMapOvr>
+  <p:extLst>
+    <p:ext uri="{6950BFC3-D8DA-4A85-94F7-54DA5524770B}">
+      <p188:commentRel xmlns:p188="http://schemas.microsoft.com/office/powerpoint/2018/8/main" r:id="rId2"/>
+    </p:ext>
+  </p:extLst>
 </p:sld>
 </file>
 
